--- a/PBR_EA_01.pptx
+++ b/PBR_EA_01.pptx
@@ -5,7 +5,7 @@
     <p:sldMasterId id="2147483767" r:id="rId1"/>
   </p:sldMasterIdLst>
   <p:notesMasterIdLst>
-    <p:notesMasterId r:id="rId7"/>
+    <p:notesMasterId r:id="rId17"/>
   </p:notesMasterIdLst>
   <p:sldIdLst>
     <p:sldId id="256" r:id="rId2"/>
@@ -13,6 +13,16 @@
     <p:sldId id="259" r:id="rId4"/>
     <p:sldId id="258" r:id="rId5"/>
     <p:sldId id="260" r:id="rId6"/>
+    <p:sldId id="263" r:id="rId7"/>
+    <p:sldId id="261" r:id="rId8"/>
+    <p:sldId id="262" r:id="rId9"/>
+    <p:sldId id="264" r:id="rId10"/>
+    <p:sldId id="266" r:id="rId11"/>
+    <p:sldId id="267" r:id="rId12"/>
+    <p:sldId id="268" r:id="rId13"/>
+    <p:sldId id="269" r:id="rId14"/>
+    <p:sldId id="265" r:id="rId15"/>
+    <p:sldId id="270" r:id="rId16"/>
   </p:sldIdLst>
   <p:sldSz cx="12192000" cy="6858000"/>
   <p:notesSz cx="6858000" cy="9144000"/>
@@ -111,6 +121,11 @@
       </a:defRPr>
     </a:lvl9pPr>
   </p:defaultTextStyle>
+  <p:extLst>
+    <p:ext uri="{EFAFB233-063F-42B5-8137-9DF3F51BA10A}">
+      <p15:sldGuideLst xmlns:p15="http://schemas.microsoft.com/office/powerpoint/2012/main"/>
+    </p:ext>
+  </p:extLst>
 </p:presentation>
 </file>
 
@@ -200,7 +215,7 @@
           <a:p>
             <a:fld id="{3A5A56FF-9D9E-417E-8DB7-17CB8EBF566C}" type="datetimeFigureOut">
               <a:rPr lang="hu-HU" smtClean="0"/>
-              <a:t>2018. 02. 19.</a:t>
+              <a:t>2018. 02. 21.</a:t>
             </a:fld>
             <a:endParaRPr lang="hu-HU"/>
           </a:p>
@@ -1211,6 +1226,177 @@
 </p:notes>
 </file>
 
+<file path=ppt/notesSlides/notesSlide5.xml><?xml version="1.0" encoding="utf-8"?>
+<p:notes xmlns:a="http://schemas.openxmlformats.org/drawingml/2006/main" xmlns:r="http://schemas.openxmlformats.org/officeDocument/2006/relationships" xmlns:p="http://schemas.openxmlformats.org/presentationml/2006/main">
+  <p:cSld>
+    <p:spTree>
+      <p:nvGrpSpPr>
+        <p:cNvPr id="1" name=""/>
+        <p:cNvGrpSpPr/>
+        <p:nvPr/>
+      </p:nvGrpSpPr>
+      <p:grpSpPr>
+        <a:xfrm>
+          <a:off x="0" y="0"/>
+          <a:ext cx="0" cy="0"/>
+          <a:chOff x="0" y="0"/>
+          <a:chExt cx="0" cy="0"/>
+        </a:xfrm>
+      </p:grpSpPr>
+      <p:sp>
+        <p:nvSpPr>
+          <p:cNvPr id="2" name="Slide Image Placeholder 1"/>
+          <p:cNvSpPr>
+            <a:spLocks noGrp="1" noRot="1" noChangeAspect="1"/>
+          </p:cNvSpPr>
+          <p:nvPr>
+            <p:ph type="sldImg"/>
+          </p:nvPr>
+        </p:nvSpPr>
+        <p:spPr/>
+      </p:sp>
+      <p:sp>
+        <p:nvSpPr>
+          <p:cNvPr id="3" name="Notes Placeholder 2"/>
+          <p:cNvSpPr>
+            <a:spLocks noGrp="1"/>
+          </p:cNvSpPr>
+          <p:nvPr>
+            <p:ph type="body" idx="1"/>
+          </p:nvPr>
+        </p:nvSpPr>
+        <p:spPr/>
+        <p:txBody>
+          <a:bodyPr/>
+          <a:lstStyle/>
+          <a:p>
+            <a:r>
+              <a:rPr lang="hu-HU" dirty="0"/>
+              <a:t>* ún. non-participating medium-okban (nem igaz pl. ha füstön halad át)</a:t>
+            </a:r>
+          </a:p>
+        </p:txBody>
+      </p:sp>
+      <p:sp>
+        <p:nvSpPr>
+          <p:cNvPr id="4" name="Slide Number Placeholder 3"/>
+          <p:cNvSpPr>
+            <a:spLocks noGrp="1"/>
+          </p:cNvSpPr>
+          <p:nvPr>
+            <p:ph type="sldNum" sz="quarter" idx="10"/>
+          </p:nvPr>
+        </p:nvSpPr>
+        <p:spPr/>
+        <p:txBody>
+          <a:bodyPr/>
+          <a:lstStyle/>
+          <a:p>
+            <a:fld id="{14C09B99-3F57-4C83-A41A-980FBCAF7828}" type="slidenum">
+              <a:rPr lang="hu-HU" smtClean="0"/>
+              <a:t>7</a:t>
+            </a:fld>
+            <a:endParaRPr lang="hu-HU"/>
+          </a:p>
+        </p:txBody>
+      </p:sp>
+    </p:spTree>
+    <p:extLst>
+      <p:ext uri="{BB962C8B-B14F-4D97-AF65-F5344CB8AC3E}">
+        <p14:creationId xmlns:p14="http://schemas.microsoft.com/office/powerpoint/2010/main" val="541975728"/>
+      </p:ext>
+    </p:extLst>
+  </p:cSld>
+  <p:clrMapOvr>
+    <a:masterClrMapping/>
+  </p:clrMapOvr>
+</p:notes>
+</file>
+
+<file path=ppt/notesSlides/notesSlide6.xml><?xml version="1.0" encoding="utf-8"?>
+<p:notes xmlns:a="http://schemas.openxmlformats.org/drawingml/2006/main" xmlns:r="http://schemas.openxmlformats.org/officeDocument/2006/relationships" xmlns:p="http://schemas.openxmlformats.org/presentationml/2006/main">
+  <p:cSld>
+    <p:spTree>
+      <p:nvGrpSpPr>
+        <p:cNvPr id="1" name=""/>
+        <p:cNvGrpSpPr/>
+        <p:nvPr/>
+      </p:nvGrpSpPr>
+      <p:grpSpPr>
+        <a:xfrm>
+          <a:off x="0" y="0"/>
+          <a:ext cx="0" cy="0"/>
+          <a:chOff x="0" y="0"/>
+          <a:chExt cx="0" cy="0"/>
+        </a:xfrm>
+      </p:grpSpPr>
+      <p:sp>
+        <p:nvSpPr>
+          <p:cNvPr id="2" name="Slide Image Placeholder 1"/>
+          <p:cNvSpPr>
+            <a:spLocks noGrp="1" noRot="1" noChangeAspect="1"/>
+          </p:cNvSpPr>
+          <p:nvPr>
+            <p:ph type="sldImg"/>
+          </p:nvPr>
+        </p:nvSpPr>
+        <p:spPr/>
+      </p:sp>
+      <p:sp>
+        <p:nvSpPr>
+          <p:cNvPr id="3" name="Notes Placeholder 2"/>
+          <p:cNvSpPr>
+            <a:spLocks noGrp="1"/>
+          </p:cNvSpPr>
+          <p:nvPr>
+            <p:ph type="body" idx="1"/>
+          </p:nvPr>
+        </p:nvSpPr>
+        <p:spPr/>
+        <p:txBody>
+          <a:bodyPr/>
+          <a:lstStyle/>
+          <a:p>
+            <a:endParaRPr lang="hu-HU" dirty="0"/>
+          </a:p>
+        </p:txBody>
+      </p:sp>
+      <p:sp>
+        <p:nvSpPr>
+          <p:cNvPr id="4" name="Slide Number Placeholder 3"/>
+          <p:cNvSpPr>
+            <a:spLocks noGrp="1"/>
+          </p:cNvSpPr>
+          <p:nvPr>
+            <p:ph type="sldNum" sz="quarter" idx="10"/>
+          </p:nvPr>
+        </p:nvSpPr>
+        <p:spPr/>
+        <p:txBody>
+          <a:bodyPr/>
+          <a:lstStyle/>
+          <a:p>
+            <a:fld id="{14C09B99-3F57-4C83-A41A-980FBCAF7828}" type="slidenum">
+              <a:rPr lang="hu-HU" smtClean="0"/>
+              <a:t>10</a:t>
+            </a:fld>
+            <a:endParaRPr lang="hu-HU"/>
+          </a:p>
+        </p:txBody>
+      </p:sp>
+    </p:spTree>
+    <p:extLst>
+      <p:ext uri="{BB962C8B-B14F-4D97-AF65-F5344CB8AC3E}">
+        <p14:creationId xmlns:p14="http://schemas.microsoft.com/office/powerpoint/2010/main" val="4200176034"/>
+      </p:ext>
+    </p:extLst>
+  </p:cSld>
+  <p:clrMapOvr>
+    <a:masterClrMapping/>
+  </p:clrMapOvr>
+</p:notes>
+</file>
+
 <file path=ppt/slideLayouts/slideLayout1.xml><?xml version="1.0" encoding="utf-8"?>
 <p:sldLayout xmlns:a="http://schemas.openxmlformats.org/drawingml/2006/main" xmlns:r="http://schemas.openxmlformats.org/officeDocument/2006/relationships" xmlns:p="http://schemas.openxmlformats.org/presentationml/2006/main" showMasterSp="0" type="title" preserve="1">
   <p:cSld name="Title Slide">
@@ -1437,7 +1623,7 @@
           <a:p>
             <a:fld id="{EE90FBA0-FEE2-473A-A4B4-051DFD2DB1BD}" type="datetimeFigureOut">
               <a:rPr lang="en-US" smtClean="0"/>
-              <a:t>2/19/2018</a:t>
+              <a:t>2/21/2018</a:t>
             </a:fld>
             <a:endParaRPr lang="en-US"/>
           </a:p>
@@ -1645,7 +1831,7 @@
           <a:p>
             <a:fld id="{EE90FBA0-FEE2-473A-A4B4-051DFD2DB1BD}" type="datetimeFigureOut">
               <a:rPr lang="en-US" smtClean="0"/>
-              <a:t>2/19/2018</a:t>
+              <a:t>2/21/2018</a:t>
             </a:fld>
             <a:endParaRPr lang="en-US"/>
           </a:p>
@@ -1901,7 +2087,7 @@
           <a:p>
             <a:fld id="{EE90FBA0-FEE2-473A-A4B4-051DFD2DB1BD}" type="datetimeFigureOut">
               <a:rPr lang="en-US" smtClean="0"/>
-              <a:t>2/19/2018</a:t>
+              <a:t>2/21/2018</a:t>
             </a:fld>
             <a:endParaRPr lang="en-US"/>
           </a:p>
@@ -2075,7 +2261,7 @@
           <a:p>
             <a:fld id="{EE90FBA0-FEE2-473A-A4B4-051DFD2DB1BD}" type="datetimeFigureOut">
               <a:rPr lang="en-US" smtClean="0"/>
-              <a:t>2/19/2018</a:t>
+              <a:t>2/21/2018</a:t>
             </a:fld>
             <a:endParaRPr lang="en-US"/>
           </a:p>
@@ -2418,7 +2604,7 @@
           <a:p>
             <a:fld id="{EE90FBA0-FEE2-473A-A4B4-051DFD2DB1BD}" type="datetimeFigureOut">
               <a:rPr lang="en-US" smtClean="0"/>
-              <a:t>2/19/2018</a:t>
+              <a:t>2/21/2018</a:t>
             </a:fld>
             <a:endParaRPr lang="en-US"/>
           </a:p>
@@ -2693,7 +2879,7 @@
           <a:p>
             <a:fld id="{EE90FBA0-FEE2-473A-A4B4-051DFD2DB1BD}" type="datetimeFigureOut">
               <a:rPr lang="en-US" smtClean="0"/>
-              <a:t>2/19/2018</a:t>
+              <a:t>2/21/2018</a:t>
             </a:fld>
             <a:endParaRPr lang="en-US"/>
           </a:p>
@@ -3072,7 +3258,7 @@
           <a:p>
             <a:fld id="{EE90FBA0-FEE2-473A-A4B4-051DFD2DB1BD}" type="datetimeFigureOut">
               <a:rPr lang="en-US" smtClean="0"/>
-              <a:t>2/19/2018</a:t>
+              <a:t>2/21/2018</a:t>
             </a:fld>
             <a:endParaRPr lang="en-US"/>
           </a:p>
@@ -3190,7 +3376,7 @@
           <a:p>
             <a:fld id="{EE90FBA0-FEE2-473A-A4B4-051DFD2DB1BD}" type="datetimeFigureOut">
               <a:rPr lang="en-US" smtClean="0"/>
-              <a:t>2/19/2018</a:t>
+              <a:t>2/21/2018</a:t>
             </a:fld>
             <a:endParaRPr lang="en-US"/>
           </a:p>
@@ -3361,7 +3547,7 @@
           <a:p>
             <a:fld id="{EE90FBA0-FEE2-473A-A4B4-051DFD2DB1BD}" type="datetimeFigureOut">
               <a:rPr lang="en-US" smtClean="0"/>
-              <a:t>2/19/2018</a:t>
+              <a:t>2/21/2018</a:t>
             </a:fld>
             <a:endParaRPr lang="en-US"/>
           </a:p>
@@ -3715,7 +3901,7 @@
           <a:p>
             <a:fld id="{EE90FBA0-FEE2-473A-A4B4-051DFD2DB1BD}" type="datetimeFigureOut">
               <a:rPr lang="en-US" smtClean="0"/>
-              <a:t>2/19/2018</a:t>
+              <a:t>2/21/2018</a:t>
             </a:fld>
             <a:endParaRPr lang="en-US"/>
           </a:p>
@@ -4097,7 +4283,7 @@
           <a:p>
             <a:fld id="{EE90FBA0-FEE2-473A-A4B4-051DFD2DB1BD}" type="datetimeFigureOut">
               <a:rPr lang="en-US" smtClean="0"/>
-              <a:t>2/19/2018</a:t>
+              <a:t>2/21/2018</a:t>
             </a:fld>
             <a:endParaRPr lang="en-US"/>
           </a:p>
@@ -4384,7 +4570,7 @@
           <a:p>
             <a:fld id="{EE90FBA0-FEE2-473A-A4B4-051DFD2DB1BD}" type="datetimeFigureOut">
               <a:rPr lang="en-US" smtClean="0"/>
-              <a:t>2/19/2018</a:t>
+              <a:t>2/21/2018</a:t>
             </a:fld>
             <a:endParaRPr lang="en-US"/>
           </a:p>
@@ -5015,6 +5201,3835 @@
 </p:sld>
 </file>
 
+<file path=ppt/slides/slide10.xml><?xml version="1.0" encoding="utf-8"?>
+<p:sld xmlns:a="http://schemas.openxmlformats.org/drawingml/2006/main" xmlns:r="http://schemas.openxmlformats.org/officeDocument/2006/relationships" xmlns:p="http://schemas.openxmlformats.org/presentationml/2006/main">
+  <p:cSld>
+    <p:spTree>
+      <p:nvGrpSpPr>
+        <p:cNvPr id="1" name=""/>
+        <p:cNvGrpSpPr/>
+        <p:nvPr/>
+      </p:nvGrpSpPr>
+      <p:grpSpPr>
+        <a:xfrm>
+          <a:off x="0" y="0"/>
+          <a:ext cx="0" cy="0"/>
+          <a:chOff x="0" y="0"/>
+          <a:chExt cx="0" cy="0"/>
+        </a:xfrm>
+      </p:grpSpPr>
+      <p:sp>
+        <p:nvSpPr>
+          <p:cNvPr id="2" name="Title 1">
+            <a:extLst>
+              <a:ext uri="{FF2B5EF4-FFF2-40B4-BE49-F238E27FC236}">
+                <a16:creationId xmlns:a16="http://schemas.microsoft.com/office/drawing/2014/main" id="{D01094EE-3D6F-4F96-8AE8-4AD498D865F9}"/>
+              </a:ext>
+            </a:extLst>
+          </p:cNvPr>
+          <p:cNvSpPr>
+            <a:spLocks noGrp="1"/>
+          </p:cNvSpPr>
+          <p:nvPr>
+            <p:ph type="title"/>
+          </p:nvPr>
+        </p:nvSpPr>
+        <p:spPr/>
+        <p:txBody>
+          <a:bodyPr/>
+          <a:lstStyle/>
+          <a:p>
+            <a:r>
+              <a:rPr lang="hu-HU" dirty="0"/>
+              <a:t>Ismétlés: BRDF</a:t>
+            </a:r>
+          </a:p>
+        </p:txBody>
+      </p:sp>
+      <mc:AlternateContent xmlns:mc="http://schemas.openxmlformats.org/markup-compatibility/2006">
+        <mc:Choice xmlns:a14="http://schemas.microsoft.com/office/drawing/2010/main" Requires="a14">
+          <p:sp>
+            <p:nvSpPr>
+              <p:cNvPr id="3" name="Content Placeholder 2">
+                <a:extLst>
+                  <a:ext uri="{FF2B5EF4-FFF2-40B4-BE49-F238E27FC236}">
+                    <a16:creationId xmlns:a16="http://schemas.microsoft.com/office/drawing/2014/main" id="{E083E11F-9E0C-4556-8290-7B98EDF250F5}"/>
+                  </a:ext>
+                </a:extLst>
+              </p:cNvPr>
+              <p:cNvSpPr>
+                <a:spLocks noGrp="1"/>
+              </p:cNvSpPr>
+              <p:nvPr>
+                <p:ph idx="1"/>
+              </p:nvPr>
+            </p:nvSpPr>
+            <p:spPr/>
+            <p:txBody>
+              <a:bodyPr/>
+              <a:lstStyle/>
+              <a:p>
+                <a:pPr>
+                  <a:buFont typeface="Wingdings" panose="05000000000000000000" pitchFamily="2" charset="2"/>
+                  <a:buChar char="§"/>
+                </a:pPr>
+                <a:r>
+                  <a:rPr lang="hu-HU" dirty="0"/>
+                  <a:t>A felületet elhagyó radiancia és a felületre beérkező </a:t>
+                </a:r>
+                <a:r>
+                  <a:rPr lang="hu-HU" b="1" dirty="0"/>
+                  <a:t>differenciális irradiancia</a:t>
+                </a:r>
+                <a:r>
+                  <a:rPr lang="hu-HU" dirty="0"/>
+                  <a:t> aránya</a:t>
+                </a:r>
+              </a:p>
+              <a:p>
+                <a:pPr marL="0" indent="0" algn="ctr">
+                  <a:lnSpc>
+                    <a:spcPct val="150000"/>
+                  </a:lnSpc>
+                  <a:buNone/>
+                </a:pPr>
+                <a14:m>
+                  <m:oMathPara xmlns:m="http://schemas.openxmlformats.org/officeDocument/2006/math">
+                    <m:oMathParaPr>
+                      <m:jc m:val="centerGroup"/>
+                    </m:oMathParaPr>
+                    <m:oMath xmlns:m="http://schemas.openxmlformats.org/officeDocument/2006/math">
+                      <m:sSub>
+                        <m:sSubPr>
+                          <m:ctrlPr>
+                            <a:rPr lang="hu-HU" b="0" i="1" smtClean="0">
+                              <a:latin typeface="Cambria Math" panose="02040503050406030204" pitchFamily="18" charset="0"/>
+                            </a:rPr>
+                          </m:ctrlPr>
+                        </m:sSubPr>
+                        <m:e>
+                          <m:r>
+                            <a:rPr lang="hu-HU" b="0" i="1" smtClean="0">
+                              <a:latin typeface="Cambria Math" panose="02040503050406030204" pitchFamily="18" charset="0"/>
+                            </a:rPr>
+                            <m:t>𝑓</m:t>
+                          </m:r>
+                        </m:e>
+                        <m:sub>
+                          <m:r>
+                            <a:rPr lang="hu-HU" b="0" i="1" smtClean="0">
+                              <a:latin typeface="Cambria Math" panose="02040503050406030204" pitchFamily="18" charset="0"/>
+                            </a:rPr>
+                            <m:t>𝑟</m:t>
+                          </m:r>
+                        </m:sub>
+                      </m:sSub>
+                      <m:d>
+                        <m:dPr>
+                          <m:ctrlPr>
+                            <a:rPr lang="hu-HU" b="0" i="1" smtClean="0">
+                              <a:latin typeface="Cambria Math" panose="02040503050406030204" pitchFamily="18" charset="0"/>
+                            </a:rPr>
+                          </m:ctrlPr>
+                        </m:dPr>
+                        <m:e>
+                          <m:sSub>
+                            <m:sSubPr>
+                              <m:ctrlPr>
+                                <a:rPr lang="hu-HU" b="0" i="1" smtClean="0">
+                                  <a:latin typeface="Cambria Math" panose="02040503050406030204" pitchFamily="18" charset="0"/>
+                                </a:rPr>
+                              </m:ctrlPr>
+                            </m:sSubPr>
+                            <m:e>
+                              <m:r>
+                                <a:rPr lang="hu-HU" b="0" i="1" smtClean="0">
+                                  <a:latin typeface="Cambria Math" panose="02040503050406030204" pitchFamily="18" charset="0"/>
+                                </a:rPr>
+                                <m:t>𝜔</m:t>
+                              </m:r>
+                            </m:e>
+                            <m:sub>
+                              <m:r>
+                                <a:rPr lang="hu-HU" b="0" i="1" smtClean="0">
+                                  <a:latin typeface="Cambria Math" panose="02040503050406030204" pitchFamily="18" charset="0"/>
+                                </a:rPr>
+                                <m:t>𝑜</m:t>
+                              </m:r>
+                            </m:sub>
+                          </m:sSub>
+                          <m:r>
+                            <a:rPr lang="hu-HU" b="0" i="1" smtClean="0">
+                              <a:latin typeface="Cambria Math" panose="02040503050406030204" pitchFamily="18" charset="0"/>
+                            </a:rPr>
+                            <m:t>, </m:t>
+                          </m:r>
+                          <m:sSub>
+                            <m:sSubPr>
+                              <m:ctrlPr>
+                                <a:rPr lang="hu-HU" b="0" i="1" smtClean="0">
+                                  <a:latin typeface="Cambria Math" panose="02040503050406030204" pitchFamily="18" charset="0"/>
+                                </a:rPr>
+                              </m:ctrlPr>
+                            </m:sSubPr>
+                            <m:e>
+                              <m:r>
+                                <a:rPr lang="hu-HU" b="0" i="1" smtClean="0">
+                                  <a:latin typeface="Cambria Math" panose="02040503050406030204" pitchFamily="18" charset="0"/>
+                                </a:rPr>
+                                <m:t>𝜔</m:t>
+                              </m:r>
+                            </m:e>
+                            <m:sub>
+                              <m:r>
+                                <a:rPr lang="hu-HU" b="0" i="1" smtClean="0">
+                                  <a:latin typeface="Cambria Math" panose="02040503050406030204" pitchFamily="18" charset="0"/>
+                                </a:rPr>
+                                <m:t>𝑖</m:t>
+                              </m:r>
+                            </m:sub>
+                          </m:sSub>
+                        </m:e>
+                      </m:d>
+                      <m:r>
+                        <a:rPr lang="hu-HU" b="0" i="1" smtClean="0">
+                          <a:latin typeface="Cambria Math" panose="02040503050406030204" pitchFamily="18" charset="0"/>
+                        </a:rPr>
+                        <m:t>=</m:t>
+                      </m:r>
+                      <m:f>
+                        <m:fPr>
+                          <m:ctrlPr>
+                            <a:rPr lang="hu-HU" b="0" i="1" smtClean="0">
+                              <a:latin typeface="Cambria Math" panose="02040503050406030204" pitchFamily="18" charset="0"/>
+                            </a:rPr>
+                          </m:ctrlPr>
+                        </m:fPr>
+                        <m:num>
+                          <m:r>
+                            <a:rPr lang="hu-HU" b="0" i="1" smtClean="0">
+                              <a:latin typeface="Cambria Math" panose="02040503050406030204" pitchFamily="18" charset="0"/>
+                            </a:rPr>
+                            <m:t>𝑑</m:t>
+                          </m:r>
+                          <m:sSub>
+                            <m:sSubPr>
+                              <m:ctrlPr>
+                                <a:rPr lang="hu-HU" b="0" i="1" smtClean="0">
+                                  <a:latin typeface="Cambria Math" panose="02040503050406030204" pitchFamily="18" charset="0"/>
+                                </a:rPr>
+                              </m:ctrlPr>
+                            </m:sSubPr>
+                            <m:e>
+                              <m:r>
+                                <a:rPr lang="hu-HU" b="0" i="1" smtClean="0">
+                                  <a:latin typeface="Cambria Math" panose="02040503050406030204" pitchFamily="18" charset="0"/>
+                                </a:rPr>
+                                <m:t>𝐿</m:t>
+                              </m:r>
+                            </m:e>
+                            <m:sub>
+                              <m:r>
+                                <a:rPr lang="hu-HU" b="0" i="1" smtClean="0">
+                                  <a:latin typeface="Cambria Math" panose="02040503050406030204" pitchFamily="18" charset="0"/>
+                                </a:rPr>
+                                <m:t>𝑜</m:t>
+                              </m:r>
+                            </m:sub>
+                          </m:sSub>
+                          <m:r>
+                            <a:rPr lang="hu-HU" b="0" i="1" smtClean="0">
+                              <a:latin typeface="Cambria Math" panose="02040503050406030204" pitchFamily="18" charset="0"/>
+                            </a:rPr>
+                            <m:t>(</m:t>
+                          </m:r>
+                          <m:sSub>
+                            <m:sSubPr>
+                              <m:ctrlPr>
+                                <a:rPr lang="hu-HU" b="0" i="1" smtClean="0">
+                                  <a:latin typeface="Cambria Math" panose="02040503050406030204" pitchFamily="18" charset="0"/>
+                                </a:rPr>
+                              </m:ctrlPr>
+                            </m:sSubPr>
+                            <m:e>
+                              <m:r>
+                                <a:rPr lang="hu-HU" b="0" i="1" smtClean="0">
+                                  <a:latin typeface="Cambria Math" panose="02040503050406030204" pitchFamily="18" charset="0"/>
+                                </a:rPr>
+                                <m:t>𝜔</m:t>
+                              </m:r>
+                            </m:e>
+                            <m:sub>
+                              <m:r>
+                                <a:rPr lang="hu-HU" b="0" i="1" smtClean="0">
+                                  <a:latin typeface="Cambria Math" panose="02040503050406030204" pitchFamily="18" charset="0"/>
+                                </a:rPr>
+                                <m:t>𝑜</m:t>
+                              </m:r>
+                            </m:sub>
+                          </m:sSub>
+                          <m:r>
+                            <a:rPr lang="hu-HU" b="0" i="1" smtClean="0">
+                              <a:latin typeface="Cambria Math" panose="02040503050406030204" pitchFamily="18" charset="0"/>
+                            </a:rPr>
+                            <m:t>)</m:t>
+                          </m:r>
+                        </m:num>
+                        <m:den>
+                          <m:r>
+                            <a:rPr lang="hu-HU" b="0" i="1" smtClean="0">
+                              <a:latin typeface="Cambria Math" panose="02040503050406030204" pitchFamily="18" charset="0"/>
+                            </a:rPr>
+                            <m:t>𝑑𝐸</m:t>
+                          </m:r>
+                          <m:r>
+                            <a:rPr lang="hu-HU" b="0" i="1" smtClean="0">
+                              <a:latin typeface="Cambria Math" panose="02040503050406030204" pitchFamily="18" charset="0"/>
+                            </a:rPr>
+                            <m:t>(</m:t>
+                          </m:r>
+                          <m:sSub>
+                            <m:sSubPr>
+                              <m:ctrlPr>
+                                <a:rPr lang="hu-HU" b="0" i="1" smtClean="0">
+                                  <a:latin typeface="Cambria Math" panose="02040503050406030204" pitchFamily="18" charset="0"/>
+                                </a:rPr>
+                              </m:ctrlPr>
+                            </m:sSubPr>
+                            <m:e>
+                              <m:r>
+                                <a:rPr lang="hu-HU" b="0" i="1" smtClean="0">
+                                  <a:latin typeface="Cambria Math" panose="02040503050406030204" pitchFamily="18" charset="0"/>
+                                </a:rPr>
+                                <m:t>𝜔</m:t>
+                              </m:r>
+                            </m:e>
+                            <m:sub>
+                              <m:r>
+                                <a:rPr lang="hu-HU" b="0" i="1" smtClean="0">
+                                  <a:latin typeface="Cambria Math" panose="02040503050406030204" pitchFamily="18" charset="0"/>
+                                </a:rPr>
+                                <m:t>𝑖</m:t>
+                              </m:r>
+                            </m:sub>
+                          </m:sSub>
+                          <m:r>
+                            <a:rPr lang="hu-HU" b="0" i="1" smtClean="0">
+                              <a:latin typeface="Cambria Math" panose="02040503050406030204" pitchFamily="18" charset="0"/>
+                            </a:rPr>
+                            <m:t>)</m:t>
+                          </m:r>
+                        </m:den>
+                      </m:f>
+                      <m:r>
+                        <a:rPr lang="hu-HU" b="0" i="1" smtClean="0">
+                          <a:latin typeface="Cambria Math" panose="02040503050406030204" pitchFamily="18" charset="0"/>
+                        </a:rPr>
+                        <m:t>=</m:t>
+                      </m:r>
+                      <m:f>
+                        <m:fPr>
+                          <m:ctrlPr>
+                            <a:rPr lang="hu-HU" b="0" i="1" smtClean="0">
+                              <a:latin typeface="Cambria Math" panose="02040503050406030204" pitchFamily="18" charset="0"/>
+                            </a:rPr>
+                          </m:ctrlPr>
+                        </m:fPr>
+                        <m:num>
+                          <m:r>
+                            <a:rPr lang="hu-HU" b="0" i="1" smtClean="0">
+                              <a:latin typeface="Cambria Math" panose="02040503050406030204" pitchFamily="18" charset="0"/>
+                            </a:rPr>
+                            <m:t>𝑑</m:t>
+                          </m:r>
+                          <m:sSub>
+                            <m:sSubPr>
+                              <m:ctrlPr>
+                                <a:rPr lang="hu-HU" b="0" i="1" smtClean="0">
+                                  <a:latin typeface="Cambria Math" panose="02040503050406030204" pitchFamily="18" charset="0"/>
+                                </a:rPr>
+                              </m:ctrlPr>
+                            </m:sSubPr>
+                            <m:e>
+                              <m:r>
+                                <a:rPr lang="hu-HU" b="0" i="1" smtClean="0">
+                                  <a:latin typeface="Cambria Math" panose="02040503050406030204" pitchFamily="18" charset="0"/>
+                                </a:rPr>
+                                <m:t>𝐿</m:t>
+                              </m:r>
+                            </m:e>
+                            <m:sub>
+                              <m:r>
+                                <a:rPr lang="hu-HU" b="0" i="1" smtClean="0">
+                                  <a:latin typeface="Cambria Math" panose="02040503050406030204" pitchFamily="18" charset="0"/>
+                                </a:rPr>
+                                <m:t>𝑜</m:t>
+                              </m:r>
+                            </m:sub>
+                          </m:sSub>
+                          <m:r>
+                            <a:rPr lang="hu-HU" b="0" i="1" smtClean="0">
+                              <a:latin typeface="Cambria Math" panose="02040503050406030204" pitchFamily="18" charset="0"/>
+                            </a:rPr>
+                            <m:t>(</m:t>
+                          </m:r>
+                          <m:sSub>
+                            <m:sSubPr>
+                              <m:ctrlPr>
+                                <a:rPr lang="hu-HU" b="0" i="1" smtClean="0">
+                                  <a:latin typeface="Cambria Math" panose="02040503050406030204" pitchFamily="18" charset="0"/>
+                                </a:rPr>
+                              </m:ctrlPr>
+                            </m:sSubPr>
+                            <m:e>
+                              <m:r>
+                                <a:rPr lang="hu-HU" b="0" i="1" smtClean="0">
+                                  <a:latin typeface="Cambria Math" panose="02040503050406030204" pitchFamily="18" charset="0"/>
+                                </a:rPr>
+                                <m:t>𝜔</m:t>
+                              </m:r>
+                            </m:e>
+                            <m:sub>
+                              <m:r>
+                                <a:rPr lang="hu-HU" b="0" i="1" smtClean="0">
+                                  <a:latin typeface="Cambria Math" panose="02040503050406030204" pitchFamily="18" charset="0"/>
+                                </a:rPr>
+                                <m:t>𝑜</m:t>
+                              </m:r>
+                            </m:sub>
+                          </m:sSub>
+                          <m:r>
+                            <a:rPr lang="hu-HU" b="0" i="1" smtClean="0">
+                              <a:latin typeface="Cambria Math" panose="02040503050406030204" pitchFamily="18" charset="0"/>
+                            </a:rPr>
+                            <m:t>)</m:t>
+                          </m:r>
+                        </m:num>
+                        <m:den>
+                          <m:sSub>
+                            <m:sSubPr>
+                              <m:ctrlPr>
+                                <a:rPr lang="hu-HU" b="0" i="1" smtClean="0">
+                                  <a:latin typeface="Cambria Math" panose="02040503050406030204" pitchFamily="18" charset="0"/>
+                                </a:rPr>
+                              </m:ctrlPr>
+                            </m:sSubPr>
+                            <m:e>
+                              <m:r>
+                                <a:rPr lang="hu-HU" b="0" i="1" smtClean="0">
+                                  <a:latin typeface="Cambria Math" panose="02040503050406030204" pitchFamily="18" charset="0"/>
+                                </a:rPr>
+                                <m:t>𝐿</m:t>
+                              </m:r>
+                            </m:e>
+                            <m:sub>
+                              <m:r>
+                                <a:rPr lang="hu-HU" b="0" i="1" smtClean="0">
+                                  <a:latin typeface="Cambria Math" panose="02040503050406030204" pitchFamily="18" charset="0"/>
+                                </a:rPr>
+                                <m:t>𝑖</m:t>
+                              </m:r>
+                            </m:sub>
+                          </m:sSub>
+                          <m:d>
+                            <m:dPr>
+                              <m:ctrlPr>
+                                <a:rPr lang="hu-HU" b="0" i="1" smtClean="0">
+                                  <a:latin typeface="Cambria Math" panose="02040503050406030204" pitchFamily="18" charset="0"/>
+                                </a:rPr>
+                              </m:ctrlPr>
+                            </m:dPr>
+                            <m:e>
+                              <m:sSub>
+                                <m:sSubPr>
+                                  <m:ctrlPr>
+                                    <a:rPr lang="hu-HU" b="0" i="1" smtClean="0">
+                                      <a:latin typeface="Cambria Math" panose="02040503050406030204" pitchFamily="18" charset="0"/>
+                                    </a:rPr>
+                                  </m:ctrlPr>
+                                </m:sSubPr>
+                                <m:e>
+                                  <m:r>
+                                    <a:rPr lang="hu-HU" b="0" i="1" smtClean="0">
+                                      <a:latin typeface="Cambria Math" panose="02040503050406030204" pitchFamily="18" charset="0"/>
+                                    </a:rPr>
+                                    <m:t>𝜔</m:t>
+                                  </m:r>
+                                </m:e>
+                                <m:sub>
+                                  <m:r>
+                                    <a:rPr lang="hu-HU" b="0" i="1" smtClean="0">
+                                      <a:latin typeface="Cambria Math" panose="02040503050406030204" pitchFamily="18" charset="0"/>
+                                    </a:rPr>
+                                    <m:t>𝑖</m:t>
+                                  </m:r>
+                                </m:sub>
+                              </m:sSub>
+                            </m:e>
+                          </m:d>
+                          <m:func>
+                            <m:funcPr>
+                              <m:ctrlPr>
+                                <a:rPr lang="hu-HU" b="0" i="1" smtClean="0">
+                                  <a:latin typeface="Cambria Math" panose="02040503050406030204" pitchFamily="18" charset="0"/>
+                                </a:rPr>
+                              </m:ctrlPr>
+                            </m:funcPr>
+                            <m:fName>
+                              <m:r>
+                                <m:rPr>
+                                  <m:sty m:val="p"/>
+                                </m:rPr>
+                                <a:rPr lang="hu-HU" b="0" i="0" smtClean="0">
+                                  <a:latin typeface="Cambria Math" panose="02040503050406030204" pitchFamily="18" charset="0"/>
+                                </a:rPr>
+                                <m:t>cos</m:t>
+                              </m:r>
+                            </m:fName>
+                            <m:e>
+                              <m:r>
+                                <a:rPr lang="hu-HU" b="0" i="1" smtClean="0">
+                                  <a:latin typeface="Cambria Math" panose="02040503050406030204" pitchFamily="18" charset="0"/>
+                                </a:rPr>
+                                <m:t>𝜃</m:t>
+                              </m:r>
+                              <m:r>
+                                <a:rPr lang="hu-HU" b="0" i="1" smtClean="0">
+                                  <a:latin typeface="Cambria Math" panose="02040503050406030204" pitchFamily="18" charset="0"/>
+                                </a:rPr>
+                                <m:t> </m:t>
+                              </m:r>
+                              <m:r>
+                                <a:rPr lang="hu-HU" b="0" i="1" smtClean="0">
+                                  <a:latin typeface="Cambria Math" panose="02040503050406030204" pitchFamily="18" charset="0"/>
+                                </a:rPr>
+                                <m:t>𝑑</m:t>
+                              </m:r>
+                              <m:sSub>
+                                <m:sSubPr>
+                                  <m:ctrlPr>
+                                    <a:rPr lang="hu-HU" b="0" i="1" smtClean="0">
+                                      <a:latin typeface="Cambria Math" panose="02040503050406030204" pitchFamily="18" charset="0"/>
+                                    </a:rPr>
+                                  </m:ctrlPr>
+                                </m:sSubPr>
+                                <m:e>
+                                  <m:r>
+                                    <a:rPr lang="hu-HU" b="0" i="1" smtClean="0">
+                                      <a:latin typeface="Cambria Math" panose="02040503050406030204" pitchFamily="18" charset="0"/>
+                                    </a:rPr>
+                                    <m:t>𝜔</m:t>
+                                  </m:r>
+                                </m:e>
+                                <m:sub>
+                                  <m:r>
+                                    <a:rPr lang="hu-HU" b="0" i="1" smtClean="0">
+                                      <a:latin typeface="Cambria Math" panose="02040503050406030204" pitchFamily="18" charset="0"/>
+                                    </a:rPr>
+                                    <m:t>𝑖</m:t>
+                                  </m:r>
+                                </m:sub>
+                              </m:sSub>
+                            </m:e>
+                          </m:func>
+                        </m:den>
+                      </m:f>
+                    </m:oMath>
+                  </m:oMathPara>
+                </a14:m>
+                <a:endParaRPr lang="hu-HU" dirty="0"/>
+              </a:p>
+              <a:p>
+                <a:pPr>
+                  <a:buFont typeface="Wingdings" panose="05000000000000000000" pitchFamily="2" charset="2"/>
+                  <a:buChar char="§"/>
+                </a:pPr>
+                <a:r>
+                  <a:rPr lang="hu-HU" dirty="0"/>
+                  <a:t>Átrendezve és integrálva kapható meg a tükröződési egyenlet</a:t>
+                </a:r>
+              </a:p>
+              <a:p>
+                <a:pPr>
+                  <a:buFont typeface="Wingdings" panose="05000000000000000000" pitchFamily="2" charset="2"/>
+                  <a:buChar char="§"/>
+                </a:pPr>
+                <a:r>
+                  <a:rPr lang="hu-HU" dirty="0"/>
+                  <a:t>Egy függvény akkor BRDF ha:</a:t>
+                </a:r>
+              </a:p>
+              <a:p>
+                <a:pPr lvl="1">
+                  <a:buFont typeface="Wingdings" panose="05000000000000000000" pitchFamily="2" charset="2"/>
+                  <a:buChar char="q"/>
+                </a:pPr>
+                <a:r>
+                  <a:rPr lang="hu-HU" dirty="0"/>
+                  <a:t>Pozitív</a:t>
+                </a:r>
+              </a:p>
+              <a:p>
+                <a:pPr lvl="1">
+                  <a:buFont typeface="Wingdings" panose="05000000000000000000" pitchFamily="2" charset="2"/>
+                  <a:buChar char="q"/>
+                </a:pPr>
+                <a:r>
+                  <a:rPr lang="hu-HU" dirty="0"/>
+                  <a:t>Szimmetrikus (</a:t>
+                </a:r>
+                <a14:m>
+                  <m:oMath xmlns:m="http://schemas.openxmlformats.org/officeDocument/2006/math">
+                    <m:sSub>
+                      <m:sSubPr>
+                        <m:ctrlPr>
+                          <a:rPr lang="hu-HU" b="0" i="1" smtClean="0">
+                            <a:latin typeface="Cambria Math" panose="02040503050406030204" pitchFamily="18" charset="0"/>
+                          </a:rPr>
+                        </m:ctrlPr>
+                      </m:sSubPr>
+                      <m:e>
+                        <m:r>
+                          <a:rPr lang="hu-HU" b="0" i="1" smtClean="0">
+                            <a:latin typeface="Cambria Math" panose="02040503050406030204" pitchFamily="18" charset="0"/>
+                          </a:rPr>
+                          <m:t>𝑓</m:t>
+                        </m:r>
+                      </m:e>
+                      <m:sub>
+                        <m:r>
+                          <a:rPr lang="hu-HU" b="0" i="1" smtClean="0">
+                            <a:latin typeface="Cambria Math" panose="02040503050406030204" pitchFamily="18" charset="0"/>
+                          </a:rPr>
+                          <m:t>𝑟</m:t>
+                        </m:r>
+                      </m:sub>
+                    </m:sSub>
+                    <m:d>
+                      <m:dPr>
+                        <m:ctrlPr>
+                          <a:rPr lang="hu-HU" b="0" i="1" smtClean="0">
+                            <a:latin typeface="Cambria Math" panose="02040503050406030204" pitchFamily="18" charset="0"/>
+                          </a:rPr>
+                        </m:ctrlPr>
+                      </m:dPr>
+                      <m:e>
+                        <m:sSub>
+                          <m:sSubPr>
+                            <m:ctrlPr>
+                              <a:rPr lang="hu-HU" b="0" i="1" smtClean="0">
+                                <a:latin typeface="Cambria Math" panose="02040503050406030204" pitchFamily="18" charset="0"/>
+                              </a:rPr>
+                            </m:ctrlPr>
+                          </m:sSubPr>
+                          <m:e>
+                            <m:r>
+                              <a:rPr lang="hu-HU" b="0" i="1" smtClean="0">
+                                <a:latin typeface="Cambria Math" panose="02040503050406030204" pitchFamily="18" charset="0"/>
+                              </a:rPr>
+                              <m:t>𝜔</m:t>
+                            </m:r>
+                          </m:e>
+                          <m:sub>
+                            <m:r>
+                              <a:rPr lang="hu-HU" b="0" i="1" smtClean="0">
+                                <a:latin typeface="Cambria Math" panose="02040503050406030204" pitchFamily="18" charset="0"/>
+                              </a:rPr>
+                              <m:t>𝑜</m:t>
+                            </m:r>
+                          </m:sub>
+                        </m:sSub>
+                        <m:r>
+                          <a:rPr lang="hu-HU" b="0" i="1" smtClean="0">
+                            <a:latin typeface="Cambria Math" panose="02040503050406030204" pitchFamily="18" charset="0"/>
+                          </a:rPr>
+                          <m:t>,</m:t>
+                        </m:r>
+                        <m:sSub>
+                          <m:sSubPr>
+                            <m:ctrlPr>
+                              <a:rPr lang="hu-HU" b="0" i="1" smtClean="0">
+                                <a:latin typeface="Cambria Math" panose="02040503050406030204" pitchFamily="18" charset="0"/>
+                              </a:rPr>
+                            </m:ctrlPr>
+                          </m:sSubPr>
+                          <m:e>
+                            <m:r>
+                              <a:rPr lang="hu-HU" b="0" i="1" smtClean="0">
+                                <a:latin typeface="Cambria Math" panose="02040503050406030204" pitchFamily="18" charset="0"/>
+                              </a:rPr>
+                              <m:t>𝜔</m:t>
+                            </m:r>
+                          </m:e>
+                          <m:sub>
+                            <m:r>
+                              <a:rPr lang="hu-HU" b="0" i="1" smtClean="0">
+                                <a:latin typeface="Cambria Math" panose="02040503050406030204" pitchFamily="18" charset="0"/>
+                              </a:rPr>
+                              <m:t>𝑖</m:t>
+                            </m:r>
+                          </m:sub>
+                        </m:sSub>
+                      </m:e>
+                    </m:d>
+                    <m:r>
+                      <a:rPr lang="hu-HU" b="0" i="1" smtClean="0">
+                        <a:latin typeface="Cambria Math" panose="02040503050406030204" pitchFamily="18" charset="0"/>
+                      </a:rPr>
+                      <m:t>=</m:t>
+                    </m:r>
+                    <m:sSub>
+                      <m:sSubPr>
+                        <m:ctrlPr>
+                          <a:rPr lang="hu-HU" b="0" i="1" smtClean="0">
+                            <a:latin typeface="Cambria Math" panose="02040503050406030204" pitchFamily="18" charset="0"/>
+                          </a:rPr>
+                        </m:ctrlPr>
+                      </m:sSubPr>
+                      <m:e>
+                        <m:r>
+                          <a:rPr lang="hu-HU" b="0" i="1" smtClean="0">
+                            <a:latin typeface="Cambria Math" panose="02040503050406030204" pitchFamily="18" charset="0"/>
+                          </a:rPr>
+                          <m:t>𝑓</m:t>
+                        </m:r>
+                      </m:e>
+                      <m:sub>
+                        <m:r>
+                          <a:rPr lang="hu-HU" b="0" i="1" smtClean="0">
+                            <a:latin typeface="Cambria Math" panose="02040503050406030204" pitchFamily="18" charset="0"/>
+                          </a:rPr>
+                          <m:t>𝑟</m:t>
+                        </m:r>
+                      </m:sub>
+                    </m:sSub>
+                    <m:r>
+                      <a:rPr lang="hu-HU" b="0" i="1" smtClean="0">
+                        <a:latin typeface="Cambria Math" panose="02040503050406030204" pitchFamily="18" charset="0"/>
+                      </a:rPr>
+                      <m:t>(</m:t>
+                    </m:r>
+                    <m:sSub>
+                      <m:sSubPr>
+                        <m:ctrlPr>
+                          <a:rPr lang="hu-HU" b="0" i="1" smtClean="0">
+                            <a:latin typeface="Cambria Math" panose="02040503050406030204" pitchFamily="18" charset="0"/>
+                          </a:rPr>
+                        </m:ctrlPr>
+                      </m:sSubPr>
+                      <m:e>
+                        <m:r>
+                          <a:rPr lang="hu-HU" b="0" i="1" smtClean="0">
+                            <a:latin typeface="Cambria Math" panose="02040503050406030204" pitchFamily="18" charset="0"/>
+                          </a:rPr>
+                          <m:t>𝜔</m:t>
+                        </m:r>
+                      </m:e>
+                      <m:sub>
+                        <m:r>
+                          <a:rPr lang="hu-HU" b="0" i="1" smtClean="0">
+                            <a:latin typeface="Cambria Math" panose="02040503050406030204" pitchFamily="18" charset="0"/>
+                          </a:rPr>
+                          <m:t>𝑖</m:t>
+                        </m:r>
+                      </m:sub>
+                    </m:sSub>
+                    <m:r>
+                      <a:rPr lang="hu-HU" b="0" i="1" smtClean="0">
+                        <a:latin typeface="Cambria Math" panose="02040503050406030204" pitchFamily="18" charset="0"/>
+                      </a:rPr>
+                      <m:t>,</m:t>
+                    </m:r>
+                    <m:sSub>
+                      <m:sSubPr>
+                        <m:ctrlPr>
+                          <a:rPr lang="hu-HU" b="0" i="1" smtClean="0">
+                            <a:latin typeface="Cambria Math" panose="02040503050406030204" pitchFamily="18" charset="0"/>
+                          </a:rPr>
+                        </m:ctrlPr>
+                      </m:sSubPr>
+                      <m:e>
+                        <m:r>
+                          <a:rPr lang="hu-HU" b="0" i="1" smtClean="0">
+                            <a:latin typeface="Cambria Math" panose="02040503050406030204" pitchFamily="18" charset="0"/>
+                          </a:rPr>
+                          <m:t>𝜔</m:t>
+                        </m:r>
+                      </m:e>
+                      <m:sub>
+                        <m:r>
+                          <a:rPr lang="hu-HU" b="0" i="1" smtClean="0">
+                            <a:latin typeface="Cambria Math" panose="02040503050406030204" pitchFamily="18" charset="0"/>
+                          </a:rPr>
+                          <m:t>𝑜</m:t>
+                        </m:r>
+                      </m:sub>
+                    </m:sSub>
+                    <m:r>
+                      <a:rPr lang="hu-HU" b="0" i="1" smtClean="0">
+                        <a:latin typeface="Cambria Math" panose="02040503050406030204" pitchFamily="18" charset="0"/>
+                      </a:rPr>
+                      <m:t>)</m:t>
+                    </m:r>
+                  </m:oMath>
+                </a14:m>
+                <a:r>
+                  <a:rPr lang="hu-HU" dirty="0"/>
+                  <a:t>)</a:t>
+                </a:r>
+              </a:p>
+              <a:p>
+                <a:pPr lvl="1">
+                  <a:buFont typeface="Wingdings" panose="05000000000000000000" pitchFamily="2" charset="2"/>
+                  <a:buChar char="q"/>
+                </a:pPr>
+                <a:r>
+                  <a:rPr lang="hu-HU" dirty="0"/>
+                  <a:t>Nem sérti az energiamegmaradást (</a:t>
+                </a:r>
+                <a14:m>
+                  <m:oMath xmlns:m="http://schemas.openxmlformats.org/officeDocument/2006/math">
+                    <m:nary>
+                      <m:naryPr>
+                        <m:limLoc m:val="undOvr"/>
+                        <m:ctrlPr>
+                          <a:rPr lang="hu-HU" i="1" smtClean="0">
+                            <a:latin typeface="Cambria Math" panose="02040503050406030204" pitchFamily="18" charset="0"/>
+                          </a:rPr>
+                        </m:ctrlPr>
+                      </m:naryPr>
+                      <m:sub>
+                        <m:r>
+                          <m:rPr>
+                            <m:brk m:alnAt="24"/>
+                          </m:rPr>
+                          <a:rPr lang="hu-HU" b="0" i="1" smtClean="0">
+                            <a:latin typeface="Cambria Math" panose="02040503050406030204" pitchFamily="18" charset="0"/>
+                          </a:rPr>
+                          <m:t>𝐻</m:t>
+                        </m:r>
+                      </m:sub>
+                      <m:sup>
+                        <m:r>
+                          <a:rPr lang="hu-HU" b="0" i="1" smtClean="0">
+                            <a:latin typeface="Cambria Math" panose="02040503050406030204" pitchFamily="18" charset="0"/>
+                          </a:rPr>
+                          <m:t> </m:t>
+                        </m:r>
+                      </m:sup>
+                      <m:e>
+                        <m:sSub>
+                          <m:sSubPr>
+                            <m:ctrlPr>
+                              <a:rPr lang="hu-HU" b="0" i="1" smtClean="0">
+                                <a:latin typeface="Cambria Math" panose="02040503050406030204" pitchFamily="18" charset="0"/>
+                              </a:rPr>
+                            </m:ctrlPr>
+                          </m:sSubPr>
+                          <m:e>
+                            <m:r>
+                              <a:rPr lang="hu-HU" b="0" i="1" smtClean="0">
+                                <a:latin typeface="Cambria Math" panose="02040503050406030204" pitchFamily="18" charset="0"/>
+                              </a:rPr>
+                              <m:t>𝑓</m:t>
+                            </m:r>
+                          </m:e>
+                          <m:sub>
+                            <m:r>
+                              <a:rPr lang="hu-HU" b="0" i="1" smtClean="0">
+                                <a:latin typeface="Cambria Math" panose="02040503050406030204" pitchFamily="18" charset="0"/>
+                              </a:rPr>
+                              <m:t>𝑟</m:t>
+                            </m:r>
+                          </m:sub>
+                        </m:sSub>
+                        <m:d>
+                          <m:dPr>
+                            <m:ctrlPr>
+                              <a:rPr lang="hu-HU" b="0" i="1" smtClean="0">
+                                <a:latin typeface="Cambria Math" panose="02040503050406030204" pitchFamily="18" charset="0"/>
+                              </a:rPr>
+                            </m:ctrlPr>
+                          </m:dPr>
+                          <m:e>
+                            <m:sSub>
+                              <m:sSubPr>
+                                <m:ctrlPr>
+                                  <a:rPr lang="hu-HU" b="0" i="1" smtClean="0">
+                                    <a:latin typeface="Cambria Math" panose="02040503050406030204" pitchFamily="18" charset="0"/>
+                                  </a:rPr>
+                                </m:ctrlPr>
+                              </m:sSubPr>
+                              <m:e>
+                                <m:r>
+                                  <a:rPr lang="hu-HU" b="0" i="1" smtClean="0">
+                                    <a:latin typeface="Cambria Math" panose="02040503050406030204" pitchFamily="18" charset="0"/>
+                                  </a:rPr>
+                                  <m:t>𝜔</m:t>
+                                </m:r>
+                              </m:e>
+                              <m:sub>
+                                <m:r>
+                                  <a:rPr lang="hu-HU" b="0" i="1" smtClean="0">
+                                    <a:latin typeface="Cambria Math" panose="02040503050406030204" pitchFamily="18" charset="0"/>
+                                  </a:rPr>
+                                  <m:t>𝑜</m:t>
+                                </m:r>
+                              </m:sub>
+                            </m:sSub>
+                            <m:r>
+                              <a:rPr lang="hu-HU" b="0" i="1" smtClean="0">
+                                <a:latin typeface="Cambria Math" panose="02040503050406030204" pitchFamily="18" charset="0"/>
+                              </a:rPr>
+                              <m:t>,</m:t>
+                            </m:r>
+                            <m:sSub>
+                              <m:sSubPr>
+                                <m:ctrlPr>
+                                  <a:rPr lang="hu-HU" b="0" i="1" smtClean="0">
+                                    <a:latin typeface="Cambria Math" panose="02040503050406030204" pitchFamily="18" charset="0"/>
+                                  </a:rPr>
+                                </m:ctrlPr>
+                              </m:sSubPr>
+                              <m:e>
+                                <m:r>
+                                  <a:rPr lang="hu-HU" b="0" i="1" smtClean="0">
+                                    <a:latin typeface="Cambria Math" panose="02040503050406030204" pitchFamily="18" charset="0"/>
+                                  </a:rPr>
+                                  <m:t>𝜔</m:t>
+                                </m:r>
+                              </m:e>
+                              <m:sub>
+                                <m:r>
+                                  <a:rPr lang="hu-HU" b="0" i="1" smtClean="0">
+                                    <a:latin typeface="Cambria Math" panose="02040503050406030204" pitchFamily="18" charset="0"/>
+                                  </a:rPr>
+                                  <m:t>𝑖</m:t>
+                                </m:r>
+                              </m:sub>
+                            </m:sSub>
+                          </m:e>
+                        </m:d>
+                        <m:func>
+                          <m:funcPr>
+                            <m:ctrlPr>
+                              <a:rPr lang="hu-HU" b="0" i="1" smtClean="0">
+                                <a:latin typeface="Cambria Math" panose="02040503050406030204" pitchFamily="18" charset="0"/>
+                              </a:rPr>
+                            </m:ctrlPr>
+                          </m:funcPr>
+                          <m:fName>
+                            <m:r>
+                              <m:rPr>
+                                <m:sty m:val="p"/>
+                              </m:rPr>
+                              <a:rPr lang="hu-HU" b="0" i="0" smtClean="0">
+                                <a:latin typeface="Cambria Math" panose="02040503050406030204" pitchFamily="18" charset="0"/>
+                              </a:rPr>
+                              <m:t>cos</m:t>
+                            </m:r>
+                          </m:fName>
+                          <m:e>
+                            <m:r>
+                              <a:rPr lang="hu-HU" b="0" i="1" smtClean="0">
+                                <a:latin typeface="Cambria Math" panose="02040503050406030204" pitchFamily="18" charset="0"/>
+                              </a:rPr>
+                              <m:t>𝜃</m:t>
+                            </m:r>
+                            <m:r>
+                              <a:rPr lang="hu-HU" b="0" i="1" smtClean="0">
+                                <a:latin typeface="Cambria Math" panose="02040503050406030204" pitchFamily="18" charset="0"/>
+                              </a:rPr>
+                              <m:t> </m:t>
+                            </m:r>
+                            <m:r>
+                              <a:rPr lang="hu-HU" b="0" i="1" smtClean="0">
+                                <a:latin typeface="Cambria Math" panose="02040503050406030204" pitchFamily="18" charset="0"/>
+                              </a:rPr>
+                              <m:t>𝑑</m:t>
+                            </m:r>
+                            <m:sSub>
+                              <m:sSubPr>
+                                <m:ctrlPr>
+                                  <a:rPr lang="hu-HU" b="0" i="1" smtClean="0">
+                                    <a:latin typeface="Cambria Math" panose="02040503050406030204" pitchFamily="18" charset="0"/>
+                                  </a:rPr>
+                                </m:ctrlPr>
+                              </m:sSubPr>
+                              <m:e>
+                                <m:r>
+                                  <a:rPr lang="hu-HU" b="0" i="1" smtClean="0">
+                                    <a:latin typeface="Cambria Math" panose="02040503050406030204" pitchFamily="18" charset="0"/>
+                                  </a:rPr>
+                                  <m:t>𝜔</m:t>
+                                </m:r>
+                              </m:e>
+                              <m:sub>
+                                <m:r>
+                                  <a:rPr lang="hu-HU" b="0" i="1" smtClean="0">
+                                    <a:latin typeface="Cambria Math" panose="02040503050406030204" pitchFamily="18" charset="0"/>
+                                  </a:rPr>
+                                  <m:t>𝑖</m:t>
+                                </m:r>
+                              </m:sub>
+                            </m:sSub>
+                            <m:r>
+                              <a:rPr lang="hu-HU" b="0" i="1" smtClean="0">
+                                <a:latin typeface="Cambria Math" panose="02040503050406030204" pitchFamily="18" charset="0"/>
+                              </a:rPr>
+                              <m:t>≤1</m:t>
+                            </m:r>
+                          </m:e>
+                        </m:func>
+                      </m:e>
+                    </m:nary>
+                  </m:oMath>
+                </a14:m>
+                <a:r>
+                  <a:rPr lang="hu-HU" dirty="0"/>
+                  <a:t>)</a:t>
+                </a:r>
+              </a:p>
+              <a:p>
+                <a:pPr>
+                  <a:buFont typeface="Wingdings" panose="05000000000000000000" pitchFamily="2" charset="2"/>
+                  <a:buChar char="§"/>
+                </a:pPr>
+                <a:r>
+                  <a:rPr lang="hu-HU" dirty="0"/>
+                  <a:t>Mérhető: ld. </a:t>
+                </a:r>
+                <a:r>
+                  <a:rPr lang="hu-HU" dirty="0">
+                    <a:hlinkClick r:id="rId3"/>
+                  </a:rPr>
+                  <a:t>MERL adatbázis</a:t>
+                </a:r>
+                <a:r>
+                  <a:rPr lang="hu-HU" dirty="0"/>
+                  <a:t>; a </a:t>
+                </a:r>
+                <a:r>
+                  <a:rPr lang="hu-HU" i="1" dirty="0"/>
+                  <a:t>Disney</a:t>
+                </a:r>
+                <a:r>
+                  <a:rPr lang="hu-HU" dirty="0"/>
+                  <a:t> </a:t>
+                </a:r>
+                <a:r>
+                  <a:rPr lang="hu-HU" dirty="0">
+                    <a:hlinkClick r:id="rId4"/>
+                  </a:rPr>
+                  <a:t>programjával</a:t>
+                </a:r>
+                <a:r>
+                  <a:rPr lang="hu-HU" dirty="0"/>
+                  <a:t> megtekinthető</a:t>
+                </a:r>
+              </a:p>
+            </p:txBody>
+          </p:sp>
+        </mc:Choice>
+        <mc:Fallback>
+          <p:sp>
+            <p:nvSpPr>
+              <p:cNvPr id="3" name="Content Placeholder 2">
+                <a:extLst>
+                  <a:ext uri="{FF2B5EF4-FFF2-40B4-BE49-F238E27FC236}">
+                    <a16:creationId xmlns:a16="http://schemas.microsoft.com/office/drawing/2014/main" id="{E083E11F-9E0C-4556-8290-7B98EDF250F5}"/>
+                  </a:ext>
+                </a:extLst>
+              </p:cNvPr>
+              <p:cNvSpPr>
+                <a:spLocks noGrp="1" noRot="1" noChangeAspect="1" noMove="1" noResize="1" noEditPoints="1" noAdjustHandles="1" noChangeArrowheads="1" noChangeShapeType="1" noTextEdit="1"/>
+              </p:cNvSpPr>
+              <p:nvPr>
+                <p:ph idx="1"/>
+              </p:nvPr>
+            </p:nvSpPr>
+            <p:spPr>
+              <a:blipFill>
+                <a:blip r:embed="rId5"/>
+                <a:stretch>
+                  <a:fillRect l="-1455" t="-1667" b="-455"/>
+                </a:stretch>
+              </a:blipFill>
+            </p:spPr>
+            <p:txBody>
+              <a:bodyPr/>
+              <a:lstStyle/>
+              <a:p>
+                <a:r>
+                  <a:rPr lang="hu-HU">
+                    <a:noFill/>
+                  </a:rPr>
+                  <a:t> </a:t>
+                </a:r>
+              </a:p>
+            </p:txBody>
+          </p:sp>
+        </mc:Fallback>
+      </mc:AlternateContent>
+    </p:spTree>
+    <p:extLst>
+      <p:ext uri="{BB962C8B-B14F-4D97-AF65-F5344CB8AC3E}">
+        <p14:creationId xmlns:p14="http://schemas.microsoft.com/office/powerpoint/2010/main" val="4256416895"/>
+      </p:ext>
+    </p:extLst>
+  </p:cSld>
+  <p:clrMapOvr>
+    <a:masterClrMapping/>
+  </p:clrMapOvr>
+</p:sld>
+</file>
+
+<file path=ppt/slides/slide11.xml><?xml version="1.0" encoding="utf-8"?>
+<p:sld xmlns:a="http://schemas.openxmlformats.org/drawingml/2006/main" xmlns:r="http://schemas.openxmlformats.org/officeDocument/2006/relationships" xmlns:p="http://schemas.openxmlformats.org/presentationml/2006/main">
+  <p:cSld>
+    <p:spTree>
+      <p:nvGrpSpPr>
+        <p:cNvPr id="1" name=""/>
+        <p:cNvGrpSpPr/>
+        <p:nvPr/>
+      </p:nvGrpSpPr>
+      <p:grpSpPr>
+        <a:xfrm>
+          <a:off x="0" y="0"/>
+          <a:ext cx="0" cy="0"/>
+          <a:chOff x="0" y="0"/>
+          <a:chExt cx="0" cy="0"/>
+        </a:xfrm>
+      </p:grpSpPr>
+      <p:sp>
+        <p:nvSpPr>
+          <p:cNvPr id="2" name="Title 1">
+            <a:extLst>
+              <a:ext uri="{FF2B5EF4-FFF2-40B4-BE49-F238E27FC236}">
+                <a16:creationId xmlns:a16="http://schemas.microsoft.com/office/drawing/2014/main" id="{AB242FCD-2085-417D-A16B-B1F1858AFC34}"/>
+              </a:ext>
+            </a:extLst>
+          </p:cNvPr>
+          <p:cNvSpPr>
+            <a:spLocks noGrp="1"/>
+          </p:cNvSpPr>
+          <p:nvPr>
+            <p:ph type="title"/>
+          </p:nvPr>
+        </p:nvSpPr>
+        <p:spPr/>
+        <p:txBody>
+          <a:bodyPr/>
+          <a:lstStyle/>
+          <a:p>
+            <a:r>
+              <a:rPr lang="hu-HU" dirty="0"/>
+              <a:t>BRDF modellek (diffúz)</a:t>
+            </a:r>
+          </a:p>
+        </p:txBody>
+      </p:sp>
+      <mc:AlternateContent xmlns:mc="http://schemas.openxmlformats.org/markup-compatibility/2006">
+        <mc:Choice xmlns:a14="http://schemas.microsoft.com/office/drawing/2010/main" Requires="a14">
+          <p:sp>
+            <p:nvSpPr>
+              <p:cNvPr id="3" name="Content Placeholder 2">
+                <a:extLst>
+                  <a:ext uri="{FF2B5EF4-FFF2-40B4-BE49-F238E27FC236}">
+                    <a16:creationId xmlns:a16="http://schemas.microsoft.com/office/drawing/2014/main" id="{CD0C6856-5F26-41F0-94E0-7C0032BCC850}"/>
+                  </a:ext>
+                </a:extLst>
+              </p:cNvPr>
+              <p:cNvSpPr>
+                <a:spLocks noGrp="1"/>
+              </p:cNvSpPr>
+              <p:nvPr>
+                <p:ph idx="1"/>
+              </p:nvPr>
+            </p:nvSpPr>
+            <p:spPr/>
+            <p:txBody>
+              <a:bodyPr/>
+              <a:lstStyle/>
+              <a:p>
+                <a:pPr>
+                  <a:buFont typeface="Wingdings" panose="05000000000000000000" pitchFamily="2" charset="2"/>
+                  <a:buChar char="§"/>
+                </a:pPr>
+                <a:r>
+                  <a:rPr lang="hu-HU" dirty="0"/>
+                  <a:t>A BRDF-et két komponens összegére szokás osztani: </a:t>
+                </a:r>
+                <a14:m>
+                  <m:oMath xmlns:m="http://schemas.openxmlformats.org/officeDocument/2006/math">
+                    <m:sSub>
+                      <m:sSubPr>
+                        <m:ctrlPr>
+                          <a:rPr lang="hu-HU" b="0" i="1" smtClean="0">
+                            <a:latin typeface="Cambria Math" panose="02040503050406030204" pitchFamily="18" charset="0"/>
+                          </a:rPr>
+                        </m:ctrlPr>
+                      </m:sSubPr>
+                      <m:e>
+                        <m:r>
+                          <a:rPr lang="hu-HU" b="0" i="1" smtClean="0">
+                            <a:latin typeface="Cambria Math" panose="02040503050406030204" pitchFamily="18" charset="0"/>
+                          </a:rPr>
+                          <m:t>𝑓</m:t>
+                        </m:r>
+                      </m:e>
+                      <m:sub>
+                        <m:r>
+                          <a:rPr lang="hu-HU" b="0" i="1" smtClean="0">
+                            <a:latin typeface="Cambria Math" panose="02040503050406030204" pitchFamily="18" charset="0"/>
+                          </a:rPr>
+                          <m:t>𝑑𝑖𝑓𝑓𝑢𝑠𝑒</m:t>
+                        </m:r>
+                      </m:sub>
+                    </m:sSub>
+                  </m:oMath>
+                </a14:m>
+                <a:r>
+                  <a:rPr lang="hu-HU" dirty="0"/>
+                  <a:t> és </a:t>
+                </a:r>
+                <a14:m>
+                  <m:oMath xmlns:m="http://schemas.openxmlformats.org/officeDocument/2006/math">
+                    <m:sSub>
+                      <m:sSubPr>
+                        <m:ctrlPr>
+                          <a:rPr lang="hu-HU" b="0" i="1" smtClean="0">
+                            <a:latin typeface="Cambria Math" panose="02040503050406030204" pitchFamily="18" charset="0"/>
+                          </a:rPr>
+                        </m:ctrlPr>
+                      </m:sSubPr>
+                      <m:e>
+                        <m:r>
+                          <a:rPr lang="hu-HU" b="0" i="1" smtClean="0">
+                            <a:latin typeface="Cambria Math" panose="02040503050406030204" pitchFamily="18" charset="0"/>
+                          </a:rPr>
+                          <m:t>𝑓</m:t>
+                        </m:r>
+                      </m:e>
+                      <m:sub>
+                        <m:r>
+                          <a:rPr lang="hu-HU" b="0" i="1" smtClean="0">
+                            <a:latin typeface="Cambria Math" panose="02040503050406030204" pitchFamily="18" charset="0"/>
+                          </a:rPr>
+                          <m:t>𝑠𝑝𝑒𝑐𝑢𝑙𝑎𝑟</m:t>
+                        </m:r>
+                      </m:sub>
+                    </m:sSub>
+                  </m:oMath>
+                </a14:m>
+                <a:endParaRPr lang="hu-HU" dirty="0"/>
+              </a:p>
+              <a:p>
+                <a:pPr>
+                  <a:buFont typeface="Wingdings" panose="05000000000000000000" pitchFamily="2" charset="2"/>
+                  <a:buChar char="§"/>
+                </a:pPr>
+                <a:r>
+                  <a:rPr lang="hu-HU" dirty="0"/>
+                  <a:t>A legegyszerűbb diffúz BRDF a Lambert függvény, általában elég is szokott lenni</a:t>
+                </a:r>
+              </a:p>
+              <a:p>
+                <a:pPr marL="0" indent="0" algn="ctr">
+                  <a:lnSpc>
+                    <a:spcPct val="150000"/>
+                  </a:lnSpc>
+                  <a:buNone/>
+                </a:pPr>
+                <a14:m>
+                  <m:oMathPara xmlns:m="http://schemas.openxmlformats.org/officeDocument/2006/math">
+                    <m:oMathParaPr>
+                      <m:jc m:val="centerGroup"/>
+                    </m:oMathParaPr>
+                    <m:oMath xmlns:m="http://schemas.openxmlformats.org/officeDocument/2006/math">
+                      <m:sSub>
+                        <m:sSubPr>
+                          <m:ctrlPr>
+                            <a:rPr lang="hu-HU" b="0" i="1" smtClean="0">
+                              <a:latin typeface="Cambria Math" panose="02040503050406030204" pitchFamily="18" charset="0"/>
+                            </a:rPr>
+                          </m:ctrlPr>
+                        </m:sSubPr>
+                        <m:e>
+                          <m:r>
+                            <a:rPr lang="hu-HU" b="0" i="1" smtClean="0">
+                              <a:latin typeface="Cambria Math" panose="02040503050406030204" pitchFamily="18" charset="0"/>
+                            </a:rPr>
+                            <m:t>𝑓</m:t>
+                          </m:r>
+                        </m:e>
+                        <m:sub>
+                          <m:r>
+                            <a:rPr lang="hu-HU" b="0" i="1" smtClean="0">
+                              <a:latin typeface="Cambria Math" panose="02040503050406030204" pitchFamily="18" charset="0"/>
+                            </a:rPr>
+                            <m:t>𝐿𝑎𝑚𝑏𝑒𝑟𝑡</m:t>
+                          </m:r>
+                        </m:sub>
+                      </m:sSub>
+                      <m:r>
+                        <a:rPr lang="hu-HU" b="0" i="1" smtClean="0">
+                          <a:latin typeface="Cambria Math" panose="02040503050406030204" pitchFamily="18" charset="0"/>
+                        </a:rPr>
+                        <m:t>=</m:t>
+                      </m:r>
+                      <m:f>
+                        <m:fPr>
+                          <m:ctrlPr>
+                            <a:rPr lang="hu-HU" b="0" i="1" smtClean="0">
+                              <a:latin typeface="Cambria Math" panose="02040503050406030204" pitchFamily="18" charset="0"/>
+                            </a:rPr>
+                          </m:ctrlPr>
+                        </m:fPr>
+                        <m:num>
+                          <m:r>
+                            <a:rPr lang="hu-HU" b="0" i="1" smtClean="0">
+                              <a:latin typeface="Cambria Math" panose="02040503050406030204" pitchFamily="18" charset="0"/>
+                            </a:rPr>
+                            <m:t>𝑏𝑎𝑠𝑒𝐶𝑜𝑙𝑜𝑟</m:t>
+                          </m:r>
+                        </m:num>
+                        <m:den>
+                          <m:r>
+                            <a:rPr lang="hu-HU" b="0" i="1" smtClean="0">
+                              <a:latin typeface="Cambria Math" panose="02040503050406030204" pitchFamily="18" charset="0"/>
+                            </a:rPr>
+                            <m:t>𝜋</m:t>
+                          </m:r>
+                        </m:den>
+                      </m:f>
+                    </m:oMath>
+                  </m:oMathPara>
+                </a14:m>
+                <a:endParaRPr lang="hu-HU" dirty="0"/>
+              </a:p>
+              <a:p>
+                <a:pPr>
+                  <a:buFont typeface="Wingdings" panose="05000000000000000000" pitchFamily="2" charset="2"/>
+                  <a:buChar char="§"/>
+                </a:pPr>
+                <a:r>
+                  <a:rPr lang="hu-HU" dirty="0"/>
+                  <a:t>A matt felületeket jól modellezi, de nem veszi figyelembe a felület rücskösségét</a:t>
+                </a:r>
+              </a:p>
+              <a:p>
+                <a:pPr>
+                  <a:buFont typeface="Wingdings" panose="05000000000000000000" pitchFamily="2" charset="2"/>
+                  <a:buChar char="§"/>
+                </a:pPr>
+                <a:r>
+                  <a:rPr lang="hu-HU" dirty="0"/>
+                  <a:t>Jobb diffúz modellek a </a:t>
+                </a:r>
+                <a:r>
+                  <a:rPr lang="hu-HU" i="1" dirty="0"/>
+                  <a:t>Disney</a:t>
+                </a:r>
+                <a:r>
+                  <a:rPr lang="hu-HU" dirty="0"/>
+                  <a:t>-féle (</a:t>
+                </a:r>
+                <a:r>
+                  <a:rPr lang="hu-HU" i="1" dirty="0"/>
+                  <a:t>DICE/Frostbite</a:t>
+                </a:r>
+                <a:r>
+                  <a:rPr lang="hu-HU" dirty="0"/>
+                  <a:t>) és az </a:t>
+                </a:r>
+                <a:r>
+                  <a:rPr lang="hu-HU" i="1" dirty="0"/>
+                  <a:t>Oren-Nayar</a:t>
+                </a:r>
+                <a:r>
+                  <a:rPr lang="hu-HU" dirty="0"/>
+                  <a:t> (</a:t>
+                </a:r>
+                <a:r>
+                  <a:rPr lang="hu-HU" i="1" dirty="0"/>
+                  <a:t>Crytek</a:t>
+                </a:r>
+                <a:r>
+                  <a:rPr lang="hu-HU" dirty="0"/>
+                  <a:t>)</a:t>
+                </a:r>
+              </a:p>
+              <a:p>
+                <a:pPr>
+                  <a:buFont typeface="Wingdings" panose="05000000000000000000" pitchFamily="2" charset="2"/>
+                  <a:buChar char="§"/>
+                </a:pPr>
+                <a:r>
+                  <a:rPr lang="hu-HU" dirty="0"/>
+                  <a:t>Erősen ajánlott elolvasni a </a:t>
+                </a:r>
+                <a:r>
+                  <a:rPr lang="hu-HU" i="1" dirty="0"/>
+                  <a:t>DICE/Frostbite</a:t>
+                </a:r>
+                <a:r>
+                  <a:rPr lang="hu-HU" dirty="0"/>
+                  <a:t> </a:t>
+                </a:r>
+                <a:r>
+                  <a:rPr lang="hu-HU" dirty="0">
+                    <a:hlinkClick r:id="rId2"/>
+                  </a:rPr>
+                  <a:t>dolgozatát</a:t>
+                </a:r>
+                <a:endParaRPr lang="hu-HU" dirty="0"/>
+              </a:p>
+            </p:txBody>
+          </p:sp>
+        </mc:Choice>
+        <mc:Fallback>
+          <p:sp>
+            <p:nvSpPr>
+              <p:cNvPr id="3" name="Content Placeholder 2">
+                <a:extLst>
+                  <a:ext uri="{FF2B5EF4-FFF2-40B4-BE49-F238E27FC236}">
+                    <a16:creationId xmlns:a16="http://schemas.microsoft.com/office/drawing/2014/main" id="{CD0C6856-5F26-41F0-94E0-7C0032BCC850}"/>
+                  </a:ext>
+                </a:extLst>
+              </p:cNvPr>
+              <p:cNvSpPr>
+                <a:spLocks noGrp="1" noRot="1" noChangeAspect="1" noMove="1" noResize="1" noEditPoints="1" noAdjustHandles="1" noChangeArrowheads="1" noChangeShapeType="1" noTextEdit="1"/>
+              </p:cNvSpPr>
+              <p:nvPr>
+                <p:ph idx="1"/>
+              </p:nvPr>
+            </p:nvSpPr>
+            <p:spPr>
+              <a:blipFill>
+                <a:blip r:embed="rId3"/>
+                <a:stretch>
+                  <a:fillRect l="-1455" t="-1364"/>
+                </a:stretch>
+              </a:blipFill>
+            </p:spPr>
+            <p:txBody>
+              <a:bodyPr/>
+              <a:lstStyle/>
+              <a:p>
+                <a:r>
+                  <a:rPr lang="hu-HU">
+                    <a:noFill/>
+                  </a:rPr>
+                  <a:t> </a:t>
+                </a:r>
+              </a:p>
+            </p:txBody>
+          </p:sp>
+        </mc:Fallback>
+      </mc:AlternateContent>
+    </p:spTree>
+    <p:extLst>
+      <p:ext uri="{BB962C8B-B14F-4D97-AF65-F5344CB8AC3E}">
+        <p14:creationId xmlns:p14="http://schemas.microsoft.com/office/powerpoint/2010/main" val="4085573424"/>
+      </p:ext>
+    </p:extLst>
+  </p:cSld>
+  <p:clrMapOvr>
+    <a:masterClrMapping/>
+  </p:clrMapOvr>
+</p:sld>
+</file>
+
+<file path=ppt/slides/slide12.xml><?xml version="1.0" encoding="utf-8"?>
+<p:sld xmlns:a="http://schemas.openxmlformats.org/drawingml/2006/main" xmlns:r="http://schemas.openxmlformats.org/officeDocument/2006/relationships" xmlns:p="http://schemas.openxmlformats.org/presentationml/2006/main">
+  <p:cSld>
+    <p:spTree>
+      <p:nvGrpSpPr>
+        <p:cNvPr id="1" name=""/>
+        <p:cNvGrpSpPr/>
+        <p:nvPr/>
+      </p:nvGrpSpPr>
+      <p:grpSpPr>
+        <a:xfrm>
+          <a:off x="0" y="0"/>
+          <a:ext cx="0" cy="0"/>
+          <a:chOff x="0" y="0"/>
+          <a:chExt cx="0" cy="0"/>
+        </a:xfrm>
+      </p:grpSpPr>
+      <p:sp>
+        <p:nvSpPr>
+          <p:cNvPr id="2" name="Title 1">
+            <a:extLst>
+              <a:ext uri="{FF2B5EF4-FFF2-40B4-BE49-F238E27FC236}">
+                <a16:creationId xmlns:a16="http://schemas.microsoft.com/office/drawing/2014/main" id="{8974A5EF-0996-4BD3-A952-780B68CADC19}"/>
+              </a:ext>
+            </a:extLst>
+          </p:cNvPr>
+          <p:cNvSpPr>
+            <a:spLocks noGrp="1"/>
+          </p:cNvSpPr>
+          <p:nvPr>
+            <p:ph type="title"/>
+          </p:nvPr>
+        </p:nvSpPr>
+        <p:spPr/>
+        <p:txBody>
+          <a:bodyPr/>
+          <a:lstStyle/>
+          <a:p>
+            <a:r>
+              <a:rPr lang="hu-HU" dirty="0"/>
+              <a:t>BRDF modellek (spekuláris)</a:t>
+            </a:r>
+          </a:p>
+        </p:txBody>
+      </p:sp>
+      <mc:AlternateContent xmlns:mc="http://schemas.openxmlformats.org/markup-compatibility/2006">
+        <mc:Choice xmlns:a14="http://schemas.microsoft.com/office/drawing/2010/main" Requires="a14">
+          <p:sp>
+            <p:nvSpPr>
+              <p:cNvPr id="3" name="Content Placeholder 2">
+                <a:extLst>
+                  <a:ext uri="{FF2B5EF4-FFF2-40B4-BE49-F238E27FC236}">
+                    <a16:creationId xmlns:a16="http://schemas.microsoft.com/office/drawing/2014/main" id="{7947A962-F3E6-4925-B439-E952D3405223}"/>
+                  </a:ext>
+                </a:extLst>
+              </p:cNvPr>
+              <p:cNvSpPr>
+                <a:spLocks noGrp="1"/>
+              </p:cNvSpPr>
+              <p:nvPr>
+                <p:ph idx="1"/>
+              </p:nvPr>
+            </p:nvSpPr>
+            <p:spPr/>
+            <p:txBody>
+              <a:bodyPr/>
+              <a:lstStyle/>
+              <a:p>
+                <a:pPr>
+                  <a:buFont typeface="Wingdings" panose="05000000000000000000" pitchFamily="2" charset="2"/>
+                  <a:buChar char="§"/>
+                </a:pPr>
+                <a:r>
+                  <a:rPr lang="hu-HU" dirty="0"/>
+                  <a:t>A </a:t>
+                </a:r>
+                <a:r>
+                  <a:rPr lang="hu-HU" i="1" dirty="0"/>
+                  <a:t>(Blinn-)Phong</a:t>
+                </a:r>
+                <a:r>
+                  <a:rPr lang="hu-HU" dirty="0"/>
+                  <a:t> modell az egyszerűsége/hatékonysága miatt sokáig egyeduralkodó volt</a:t>
+                </a:r>
+              </a:p>
+              <a:p>
+                <a:pPr>
+                  <a:buFont typeface="Wingdings" panose="05000000000000000000" pitchFamily="2" charset="2"/>
+                  <a:buChar char="§"/>
+                </a:pPr>
+                <a:r>
+                  <a:rPr lang="hu-HU" dirty="0"/>
+                  <a:t>A PBR óta viszont a hardver elég erős, az ún. </a:t>
+                </a:r>
+                <a:r>
+                  <a:rPr lang="hu-HU" i="1" dirty="0"/>
+                  <a:t>mikrofelület-elmélet</a:t>
+                </a:r>
+                <a:r>
+                  <a:rPr lang="hu-HU" dirty="0"/>
+                  <a:t> használatához</a:t>
+                </a:r>
+              </a:p>
+              <a:p>
+                <a:pPr>
+                  <a:buFont typeface="Wingdings" panose="05000000000000000000" pitchFamily="2" charset="2"/>
+                  <a:buChar char="§"/>
+                </a:pPr>
+                <a:r>
+                  <a:rPr lang="hu-HU" dirty="0"/>
+                  <a:t> Egy rücskös felületre úgy gondolunk, mintha mindenféle irányba néző apró tükrökből állna</a:t>
+                </a:r>
+              </a:p>
+              <a:p>
+                <a:pPr marL="0" indent="0" algn="ctr">
+                  <a:lnSpc>
+                    <a:spcPct val="150000"/>
+                  </a:lnSpc>
+                  <a:buNone/>
+                </a:pPr>
+                <a14:m>
+                  <m:oMathPara xmlns:m="http://schemas.openxmlformats.org/officeDocument/2006/math">
+                    <m:oMathParaPr>
+                      <m:jc m:val="centerGroup"/>
+                    </m:oMathParaPr>
+                    <m:oMath xmlns:m="http://schemas.openxmlformats.org/officeDocument/2006/math">
+                      <m:sSub>
+                        <m:sSubPr>
+                          <m:ctrlPr>
+                            <a:rPr lang="hu-HU" b="0" i="1" smtClean="0">
+                              <a:latin typeface="Cambria Math" panose="02040503050406030204" pitchFamily="18" charset="0"/>
+                            </a:rPr>
+                          </m:ctrlPr>
+                        </m:sSubPr>
+                        <m:e>
+                          <m:r>
+                            <a:rPr lang="hu-HU" b="0" i="1" smtClean="0">
+                              <a:latin typeface="Cambria Math" panose="02040503050406030204" pitchFamily="18" charset="0"/>
+                            </a:rPr>
+                            <m:t>𝑓</m:t>
+                          </m:r>
+                        </m:e>
+                        <m:sub>
+                          <m:r>
+                            <a:rPr lang="hu-HU" b="0" i="1" smtClean="0">
+                              <a:latin typeface="Cambria Math" panose="02040503050406030204" pitchFamily="18" charset="0"/>
+                            </a:rPr>
+                            <m:t>𝐶𝑜𝑜𝑘𝑇𝑜𝑟𝑟𝑎𝑛𝑐𝑒</m:t>
+                          </m:r>
+                        </m:sub>
+                      </m:sSub>
+                      <m:r>
+                        <a:rPr lang="hu-HU" b="0" i="1" smtClean="0">
+                          <a:latin typeface="Cambria Math" panose="02040503050406030204" pitchFamily="18" charset="0"/>
+                        </a:rPr>
+                        <m:t>(</m:t>
+                      </m:r>
+                      <m:r>
+                        <a:rPr lang="hu-HU" b="1" i="1" smtClean="0">
+                          <a:latin typeface="Cambria Math" panose="02040503050406030204" pitchFamily="18" charset="0"/>
+                        </a:rPr>
+                        <m:t>𝒗</m:t>
+                      </m:r>
+                      <m:r>
+                        <a:rPr lang="hu-HU" b="0" i="1" smtClean="0">
+                          <a:latin typeface="Cambria Math" panose="02040503050406030204" pitchFamily="18" charset="0"/>
+                        </a:rPr>
+                        <m:t>,</m:t>
+                      </m:r>
+                      <m:r>
+                        <a:rPr lang="hu-HU" b="1" i="1" smtClean="0">
+                          <a:latin typeface="Cambria Math" panose="02040503050406030204" pitchFamily="18" charset="0"/>
+                        </a:rPr>
+                        <m:t>𝒍</m:t>
+                      </m:r>
+                      <m:r>
+                        <a:rPr lang="hu-HU" b="0" i="1" smtClean="0">
+                          <a:latin typeface="Cambria Math" panose="02040503050406030204" pitchFamily="18" charset="0"/>
+                        </a:rPr>
+                        <m:t>)=</m:t>
+                      </m:r>
+                      <m:f>
+                        <m:fPr>
+                          <m:ctrlPr>
+                            <a:rPr lang="hu-HU" b="0" i="1" smtClean="0">
+                              <a:latin typeface="Cambria Math" panose="02040503050406030204" pitchFamily="18" charset="0"/>
+                            </a:rPr>
+                          </m:ctrlPr>
+                        </m:fPr>
+                        <m:num>
+                          <m:r>
+                            <a:rPr lang="hu-HU" b="0" i="1" smtClean="0">
+                              <a:latin typeface="Cambria Math" panose="02040503050406030204" pitchFamily="18" charset="0"/>
+                            </a:rPr>
+                            <m:t>𝐷</m:t>
+                          </m:r>
+                          <m:d>
+                            <m:dPr>
+                              <m:ctrlPr>
+                                <a:rPr lang="hu-HU" b="0" i="1" smtClean="0">
+                                  <a:latin typeface="Cambria Math" panose="02040503050406030204" pitchFamily="18" charset="0"/>
+                                </a:rPr>
+                              </m:ctrlPr>
+                            </m:dPr>
+                            <m:e>
+                              <m:r>
+                                <a:rPr lang="hu-HU" b="1" i="1" smtClean="0">
+                                  <a:latin typeface="Cambria Math" panose="02040503050406030204" pitchFamily="18" charset="0"/>
+                                </a:rPr>
+                                <m:t>𝒉</m:t>
+                              </m:r>
+                            </m:e>
+                          </m:d>
+                          <m:r>
+                            <a:rPr lang="hu-HU" b="0" i="1" smtClean="0">
+                              <a:latin typeface="Cambria Math" panose="02040503050406030204" pitchFamily="18" charset="0"/>
+                            </a:rPr>
+                            <m:t>𝐹</m:t>
+                          </m:r>
+                          <m:d>
+                            <m:dPr>
+                              <m:ctrlPr>
+                                <a:rPr lang="hu-HU" b="0" i="1" smtClean="0">
+                                  <a:latin typeface="Cambria Math" panose="02040503050406030204" pitchFamily="18" charset="0"/>
+                                </a:rPr>
+                              </m:ctrlPr>
+                            </m:dPr>
+                            <m:e>
+                              <m:r>
+                                <a:rPr lang="hu-HU" b="1" i="1" smtClean="0">
+                                  <a:latin typeface="Cambria Math" panose="02040503050406030204" pitchFamily="18" charset="0"/>
+                                </a:rPr>
+                                <m:t>𝒍</m:t>
+                              </m:r>
+                              <m:r>
+                                <a:rPr lang="hu-HU" b="0" i="1" smtClean="0">
+                                  <a:latin typeface="Cambria Math" panose="02040503050406030204" pitchFamily="18" charset="0"/>
+                                </a:rPr>
+                                <m:t>,</m:t>
+                              </m:r>
+                              <m:r>
+                                <a:rPr lang="hu-HU" b="1" i="1" smtClean="0">
+                                  <a:latin typeface="Cambria Math" panose="02040503050406030204" pitchFamily="18" charset="0"/>
+                                </a:rPr>
+                                <m:t>𝒉</m:t>
+                              </m:r>
+                            </m:e>
+                          </m:d>
+                          <m:r>
+                            <a:rPr lang="hu-HU" b="0" i="1" smtClean="0">
+                              <a:latin typeface="Cambria Math" panose="02040503050406030204" pitchFamily="18" charset="0"/>
+                            </a:rPr>
+                            <m:t>𝐺</m:t>
+                          </m:r>
+                          <m:r>
+                            <a:rPr lang="hu-HU" b="0" i="1" smtClean="0">
+                              <a:latin typeface="Cambria Math" panose="02040503050406030204" pitchFamily="18" charset="0"/>
+                            </a:rPr>
+                            <m:t>(</m:t>
+                          </m:r>
+                          <m:r>
+                            <a:rPr lang="hu-HU" b="1" i="1" smtClean="0">
+                              <a:latin typeface="Cambria Math" panose="02040503050406030204" pitchFamily="18" charset="0"/>
+                            </a:rPr>
+                            <m:t>𝒍</m:t>
+                          </m:r>
+                          <m:r>
+                            <a:rPr lang="hu-HU" b="0" i="1" smtClean="0">
+                              <a:latin typeface="Cambria Math" panose="02040503050406030204" pitchFamily="18" charset="0"/>
+                            </a:rPr>
+                            <m:t>,</m:t>
+                          </m:r>
+                          <m:r>
+                            <a:rPr lang="hu-HU" b="1" i="1" smtClean="0">
+                              <a:latin typeface="Cambria Math" panose="02040503050406030204" pitchFamily="18" charset="0"/>
+                            </a:rPr>
+                            <m:t>𝒗</m:t>
+                          </m:r>
+                          <m:r>
+                            <a:rPr lang="hu-HU" b="0" i="1" smtClean="0">
+                              <a:latin typeface="Cambria Math" panose="02040503050406030204" pitchFamily="18" charset="0"/>
+                            </a:rPr>
+                            <m:t>,</m:t>
+                          </m:r>
+                          <m:r>
+                            <a:rPr lang="hu-HU" b="1" i="1" smtClean="0">
+                              <a:latin typeface="Cambria Math" panose="02040503050406030204" pitchFamily="18" charset="0"/>
+                            </a:rPr>
+                            <m:t>𝒉</m:t>
+                          </m:r>
+                          <m:r>
+                            <a:rPr lang="hu-HU" b="0" i="1" smtClean="0">
+                              <a:latin typeface="Cambria Math" panose="02040503050406030204" pitchFamily="18" charset="0"/>
+                            </a:rPr>
+                            <m:t>)</m:t>
+                          </m:r>
+                        </m:num>
+                        <m:den>
+                          <m:r>
+                            <a:rPr lang="hu-HU" b="0" i="1" smtClean="0">
+                              <a:latin typeface="Cambria Math" panose="02040503050406030204" pitchFamily="18" charset="0"/>
+                            </a:rPr>
+                            <m:t>4(</m:t>
+                          </m:r>
+                          <m:r>
+                            <a:rPr lang="hu-HU" b="1" i="1" smtClean="0">
+                              <a:latin typeface="Cambria Math" panose="02040503050406030204" pitchFamily="18" charset="0"/>
+                            </a:rPr>
+                            <m:t>𝒏</m:t>
+                          </m:r>
+                          <m:r>
+                            <a:rPr lang="hu-HU" b="0" i="1" smtClean="0">
+                              <a:latin typeface="Cambria Math" panose="02040503050406030204" pitchFamily="18" charset="0"/>
+                            </a:rPr>
+                            <m:t>⋅</m:t>
+                          </m:r>
+                          <m:r>
+                            <a:rPr lang="hu-HU" b="1" i="1" smtClean="0">
+                              <a:latin typeface="Cambria Math" panose="02040503050406030204" pitchFamily="18" charset="0"/>
+                            </a:rPr>
+                            <m:t>𝒍</m:t>
+                          </m:r>
+                          <m:r>
+                            <a:rPr lang="hu-HU" b="0" i="1" smtClean="0">
+                              <a:latin typeface="Cambria Math" panose="02040503050406030204" pitchFamily="18" charset="0"/>
+                            </a:rPr>
+                            <m:t>)(</m:t>
+                          </m:r>
+                          <m:r>
+                            <a:rPr lang="hu-HU" b="1" i="1" smtClean="0">
+                              <a:latin typeface="Cambria Math" panose="02040503050406030204" pitchFamily="18" charset="0"/>
+                            </a:rPr>
+                            <m:t>𝒏</m:t>
+                          </m:r>
+                          <m:r>
+                            <a:rPr lang="hu-HU" b="0" i="1" smtClean="0">
+                              <a:latin typeface="Cambria Math" panose="02040503050406030204" pitchFamily="18" charset="0"/>
+                            </a:rPr>
+                            <m:t>⋅</m:t>
+                          </m:r>
+                          <m:r>
+                            <a:rPr lang="hu-HU" b="1" i="1" smtClean="0">
+                              <a:latin typeface="Cambria Math" panose="02040503050406030204" pitchFamily="18" charset="0"/>
+                            </a:rPr>
+                            <m:t>𝒗</m:t>
+                          </m:r>
+                          <m:r>
+                            <a:rPr lang="hu-HU" b="0" i="1" smtClean="0">
+                              <a:latin typeface="Cambria Math" panose="02040503050406030204" pitchFamily="18" charset="0"/>
+                            </a:rPr>
+                            <m:t>)</m:t>
+                          </m:r>
+                        </m:den>
+                      </m:f>
+                    </m:oMath>
+                  </m:oMathPara>
+                </a14:m>
+                <a:endParaRPr lang="hu-HU" dirty="0"/>
+              </a:p>
+              <a:p>
+                <a:pPr>
+                  <a:buFont typeface="Wingdings" panose="05000000000000000000" pitchFamily="2" charset="2"/>
+                  <a:buChar char="§"/>
+                </a:pPr>
+                <a:r>
+                  <a:rPr lang="hu-HU" dirty="0"/>
+                  <a:t>Ahol</a:t>
+                </a:r>
+              </a:p>
+              <a:p>
+                <a:pPr lvl="1">
+                  <a:buFont typeface="Wingdings" panose="05000000000000000000" pitchFamily="2" charset="2"/>
+                  <a:buChar char="q"/>
+                </a:pPr>
+                <a14:m>
+                  <m:oMath xmlns:m="http://schemas.openxmlformats.org/officeDocument/2006/math">
+                    <m:r>
+                      <a:rPr lang="hu-HU" b="1" i="1" smtClean="0">
+                        <a:latin typeface="Cambria Math" panose="02040503050406030204" pitchFamily="18" charset="0"/>
+                      </a:rPr>
+                      <m:t>𝒉</m:t>
+                    </m:r>
+                    <m:r>
+                      <a:rPr lang="hu-HU" b="0" i="1" smtClean="0">
+                        <a:latin typeface="Cambria Math" panose="02040503050406030204" pitchFamily="18" charset="0"/>
+                      </a:rPr>
+                      <m:t>=</m:t>
+                    </m:r>
+                    <m:r>
+                      <a:rPr lang="hu-HU" b="0" i="1" smtClean="0">
+                        <a:latin typeface="Cambria Math" panose="02040503050406030204" pitchFamily="18" charset="0"/>
+                      </a:rPr>
+                      <m:t>𝑛𝑜𝑟𝑚𝑎𝑙𝑖𝑧𝑒</m:t>
+                    </m:r>
+                    <m:r>
+                      <a:rPr lang="hu-HU" b="0" i="1" smtClean="0">
+                        <a:latin typeface="Cambria Math" panose="02040503050406030204" pitchFamily="18" charset="0"/>
+                      </a:rPr>
+                      <m:t>(</m:t>
+                    </m:r>
+                    <m:r>
+                      <a:rPr lang="hu-HU" b="1" i="1" smtClean="0">
+                        <a:latin typeface="Cambria Math" panose="02040503050406030204" pitchFamily="18" charset="0"/>
+                      </a:rPr>
+                      <m:t>𝒍</m:t>
+                    </m:r>
+                    <m:r>
+                      <a:rPr lang="hu-HU" b="0" i="1" smtClean="0">
+                        <a:latin typeface="Cambria Math" panose="02040503050406030204" pitchFamily="18" charset="0"/>
+                      </a:rPr>
+                      <m:t>+</m:t>
+                    </m:r>
+                    <m:r>
+                      <a:rPr lang="hu-HU" b="1" i="1" smtClean="0">
+                        <a:latin typeface="Cambria Math" panose="02040503050406030204" pitchFamily="18" charset="0"/>
+                      </a:rPr>
+                      <m:t>𝒗</m:t>
+                    </m:r>
+                    <m:r>
+                      <a:rPr lang="hu-HU" b="0" i="1" smtClean="0">
+                        <a:latin typeface="Cambria Math" panose="02040503050406030204" pitchFamily="18" charset="0"/>
+                      </a:rPr>
+                      <m:t>)</m:t>
+                    </m:r>
+                  </m:oMath>
+                </a14:m>
+                <a:r>
+                  <a:rPr lang="hu-HU" dirty="0"/>
+                  <a:t> a szokásos félvektor, </a:t>
+                </a:r>
+                <a14:m>
+                  <m:oMath xmlns:m="http://schemas.openxmlformats.org/officeDocument/2006/math">
+                    <m:r>
+                      <a:rPr lang="hu-HU" b="1" i="1" smtClean="0">
+                        <a:latin typeface="Cambria Math" panose="02040503050406030204" pitchFamily="18" charset="0"/>
+                      </a:rPr>
+                      <m:t>𝒏</m:t>
+                    </m:r>
+                  </m:oMath>
+                </a14:m>
+                <a:r>
+                  <a:rPr lang="hu-HU" dirty="0"/>
+                  <a:t> a normálvektor</a:t>
+                </a:r>
+              </a:p>
+              <a:p>
+                <a:pPr lvl="1">
+                  <a:buFont typeface="Wingdings" panose="05000000000000000000" pitchFamily="2" charset="2"/>
+                  <a:buChar char="q"/>
+                </a:pPr>
+                <a14:m>
+                  <m:oMath xmlns:m="http://schemas.openxmlformats.org/officeDocument/2006/math">
+                    <m:r>
+                      <a:rPr lang="hu-HU" b="0" i="1" smtClean="0">
+                        <a:latin typeface="Cambria Math" panose="02040503050406030204" pitchFamily="18" charset="0"/>
+                      </a:rPr>
+                      <m:t>𝐷</m:t>
+                    </m:r>
+                    <m:r>
+                      <a:rPr lang="hu-HU" b="0" i="1" smtClean="0">
+                        <a:latin typeface="Cambria Math" panose="02040503050406030204" pitchFamily="18" charset="0"/>
+                      </a:rPr>
+                      <m:t>(</m:t>
+                    </m:r>
+                    <m:r>
+                      <a:rPr lang="hu-HU" b="1" i="1" smtClean="0">
+                        <a:latin typeface="Cambria Math" panose="02040503050406030204" pitchFamily="18" charset="0"/>
+                      </a:rPr>
+                      <m:t>𝒉</m:t>
+                    </m:r>
+                    <m:r>
+                      <a:rPr lang="hu-HU" b="0" i="1" smtClean="0">
+                        <a:latin typeface="Cambria Math" panose="02040503050406030204" pitchFamily="18" charset="0"/>
+                      </a:rPr>
+                      <m:t>)</m:t>
+                    </m:r>
+                  </m:oMath>
+                </a14:m>
+                <a:r>
+                  <a:rPr lang="hu-HU" dirty="0"/>
+                  <a:t> a felület normálvektorainak eloszlásfüggvénye</a:t>
+                </a:r>
+              </a:p>
+              <a:p>
+                <a:pPr lvl="1">
+                  <a:buFont typeface="Wingdings" panose="05000000000000000000" pitchFamily="2" charset="2"/>
+                  <a:buChar char="q"/>
+                </a:pPr>
+                <a14:m>
+                  <m:oMath xmlns:m="http://schemas.openxmlformats.org/officeDocument/2006/math">
+                    <m:r>
+                      <a:rPr lang="hu-HU" b="0" i="1" smtClean="0">
+                        <a:latin typeface="Cambria Math" panose="02040503050406030204" pitchFamily="18" charset="0"/>
+                      </a:rPr>
+                      <m:t>𝐹</m:t>
+                    </m:r>
+                    <m:r>
+                      <a:rPr lang="hu-HU" b="0" i="1" smtClean="0">
+                        <a:latin typeface="Cambria Math" panose="02040503050406030204" pitchFamily="18" charset="0"/>
+                      </a:rPr>
+                      <m:t>(</m:t>
+                    </m:r>
+                    <m:r>
+                      <a:rPr lang="hu-HU" b="1" i="1" smtClean="0">
+                        <a:latin typeface="Cambria Math" panose="02040503050406030204" pitchFamily="18" charset="0"/>
+                      </a:rPr>
+                      <m:t>𝒍</m:t>
+                    </m:r>
+                    <m:r>
+                      <a:rPr lang="hu-HU" b="0" i="1" smtClean="0">
+                        <a:latin typeface="Cambria Math" panose="02040503050406030204" pitchFamily="18" charset="0"/>
+                      </a:rPr>
+                      <m:t>,</m:t>
+                    </m:r>
+                    <m:r>
+                      <a:rPr lang="hu-HU" b="1" i="1" smtClean="0">
+                        <a:latin typeface="Cambria Math" panose="02040503050406030204" pitchFamily="18" charset="0"/>
+                      </a:rPr>
+                      <m:t>𝒉</m:t>
+                    </m:r>
+                    <m:r>
+                      <a:rPr lang="hu-HU" b="0" i="1" smtClean="0">
+                        <a:latin typeface="Cambria Math" panose="02040503050406030204" pitchFamily="18" charset="0"/>
+                      </a:rPr>
+                      <m:t>)</m:t>
+                    </m:r>
+                  </m:oMath>
+                </a14:m>
+                <a:r>
+                  <a:rPr lang="hu-HU" dirty="0"/>
+                  <a:t> a </a:t>
+                </a:r>
+                <a:r>
+                  <a:rPr lang="hu-HU" i="1" dirty="0">
+                    <a:hlinkClick r:id="rId2"/>
+                  </a:rPr>
+                  <a:t>Fresnel</a:t>
+                </a:r>
+                <a:r>
+                  <a:rPr lang="hu-HU" dirty="0">
+                    <a:hlinkClick r:id="rId2"/>
+                  </a:rPr>
+                  <a:t> függvény</a:t>
+                </a:r>
+                <a:endParaRPr lang="hu-HU" dirty="0"/>
+              </a:p>
+              <a:p>
+                <a:pPr lvl="1">
+                  <a:buFont typeface="Wingdings" panose="05000000000000000000" pitchFamily="2" charset="2"/>
+                  <a:buChar char="q"/>
+                </a:pPr>
+                <a14:m>
+                  <m:oMath xmlns:m="http://schemas.openxmlformats.org/officeDocument/2006/math">
+                    <m:r>
+                      <a:rPr lang="hu-HU" b="0" i="1" smtClean="0">
+                        <a:latin typeface="Cambria Math" panose="02040503050406030204" pitchFamily="18" charset="0"/>
+                      </a:rPr>
+                      <m:t>𝐺</m:t>
+                    </m:r>
+                    <m:r>
+                      <a:rPr lang="hu-HU" b="0" i="1" smtClean="0">
+                        <a:latin typeface="Cambria Math" panose="02040503050406030204" pitchFamily="18" charset="0"/>
+                      </a:rPr>
+                      <m:t>(</m:t>
+                    </m:r>
+                    <m:r>
+                      <a:rPr lang="hu-HU" b="1" i="1" smtClean="0">
+                        <a:latin typeface="Cambria Math" panose="02040503050406030204" pitchFamily="18" charset="0"/>
+                      </a:rPr>
+                      <m:t>𝒍</m:t>
+                    </m:r>
+                    <m:r>
+                      <a:rPr lang="hu-HU" b="0" i="1" smtClean="0">
+                        <a:latin typeface="Cambria Math" panose="02040503050406030204" pitchFamily="18" charset="0"/>
+                      </a:rPr>
+                      <m:t>,</m:t>
+                    </m:r>
+                    <m:r>
+                      <a:rPr lang="hu-HU" b="1" i="1" smtClean="0">
+                        <a:latin typeface="Cambria Math" panose="02040503050406030204" pitchFamily="18" charset="0"/>
+                      </a:rPr>
+                      <m:t>𝒗</m:t>
+                    </m:r>
+                    <m:r>
+                      <a:rPr lang="hu-HU" b="0" i="1" smtClean="0">
+                        <a:latin typeface="Cambria Math" panose="02040503050406030204" pitchFamily="18" charset="0"/>
+                      </a:rPr>
+                      <m:t>,</m:t>
+                    </m:r>
+                    <m:r>
+                      <a:rPr lang="hu-HU" b="1" i="1" smtClean="0">
+                        <a:latin typeface="Cambria Math" panose="02040503050406030204" pitchFamily="18" charset="0"/>
+                      </a:rPr>
+                      <m:t>𝒉</m:t>
+                    </m:r>
+                    <m:r>
+                      <a:rPr lang="hu-HU" b="0" i="1" smtClean="0">
+                        <a:latin typeface="Cambria Math" panose="02040503050406030204" pitchFamily="18" charset="0"/>
+                      </a:rPr>
+                      <m:t>)</m:t>
+                    </m:r>
+                  </m:oMath>
+                </a14:m>
+                <a:r>
+                  <a:rPr lang="hu-HU" dirty="0"/>
+                  <a:t> az ún. </a:t>
+                </a:r>
+                <a:r>
+                  <a:rPr lang="hu-HU" i="1" dirty="0">
+                    <a:hlinkClick r:id="rId3"/>
+                  </a:rPr>
+                  <a:t>masking-shadowing function</a:t>
+                </a:r>
+                <a:endParaRPr lang="hu-HU" i="1" dirty="0"/>
+              </a:p>
+            </p:txBody>
+          </p:sp>
+        </mc:Choice>
+        <mc:Fallback>
+          <p:sp>
+            <p:nvSpPr>
+              <p:cNvPr id="3" name="Content Placeholder 2">
+                <a:extLst>
+                  <a:ext uri="{FF2B5EF4-FFF2-40B4-BE49-F238E27FC236}">
+                    <a16:creationId xmlns:a16="http://schemas.microsoft.com/office/drawing/2014/main" id="{7947A962-F3E6-4925-B439-E952D3405223}"/>
+                  </a:ext>
+                </a:extLst>
+              </p:cNvPr>
+              <p:cNvSpPr>
+                <a:spLocks noGrp="1" noRot="1" noChangeAspect="1" noMove="1" noResize="1" noEditPoints="1" noAdjustHandles="1" noChangeArrowheads="1" noChangeShapeType="1" noTextEdit="1"/>
+              </p:cNvSpPr>
+              <p:nvPr>
+                <p:ph idx="1"/>
+              </p:nvPr>
+            </p:nvSpPr>
+            <p:spPr>
+              <a:blipFill>
+                <a:blip r:embed="rId4"/>
+                <a:stretch>
+                  <a:fillRect l="-1455" t="-1667" b="-1515"/>
+                </a:stretch>
+              </a:blipFill>
+            </p:spPr>
+            <p:txBody>
+              <a:bodyPr/>
+              <a:lstStyle/>
+              <a:p>
+                <a:r>
+                  <a:rPr lang="hu-HU">
+                    <a:noFill/>
+                  </a:rPr>
+                  <a:t> </a:t>
+                </a:r>
+              </a:p>
+            </p:txBody>
+          </p:sp>
+        </mc:Fallback>
+      </mc:AlternateContent>
+    </p:spTree>
+    <p:extLst>
+      <p:ext uri="{BB962C8B-B14F-4D97-AF65-F5344CB8AC3E}">
+        <p14:creationId xmlns:p14="http://schemas.microsoft.com/office/powerpoint/2010/main" val="2749427799"/>
+      </p:ext>
+    </p:extLst>
+  </p:cSld>
+  <p:clrMapOvr>
+    <a:masterClrMapping/>
+  </p:clrMapOvr>
+</p:sld>
+</file>
+
+<file path=ppt/slides/slide13.xml><?xml version="1.0" encoding="utf-8"?>
+<p:sld xmlns:a="http://schemas.openxmlformats.org/drawingml/2006/main" xmlns:r="http://schemas.openxmlformats.org/officeDocument/2006/relationships" xmlns:p="http://schemas.openxmlformats.org/presentationml/2006/main">
+  <p:cSld>
+    <p:spTree>
+      <p:nvGrpSpPr>
+        <p:cNvPr id="1" name=""/>
+        <p:cNvGrpSpPr/>
+        <p:nvPr/>
+      </p:nvGrpSpPr>
+      <p:grpSpPr>
+        <a:xfrm>
+          <a:off x="0" y="0"/>
+          <a:ext cx="0" cy="0"/>
+          <a:chOff x="0" y="0"/>
+          <a:chExt cx="0" cy="0"/>
+        </a:xfrm>
+      </p:grpSpPr>
+      <p:sp>
+        <p:nvSpPr>
+          <p:cNvPr id="2" name="Title 1">
+            <a:extLst>
+              <a:ext uri="{FF2B5EF4-FFF2-40B4-BE49-F238E27FC236}">
+                <a16:creationId xmlns:a16="http://schemas.microsoft.com/office/drawing/2014/main" id="{9969E02A-542B-49D0-8878-266FDC580104}"/>
+              </a:ext>
+            </a:extLst>
+          </p:cNvPr>
+          <p:cNvSpPr>
+            <a:spLocks noGrp="1"/>
+          </p:cNvSpPr>
+          <p:nvPr>
+            <p:ph type="title"/>
+          </p:nvPr>
+        </p:nvSpPr>
+        <p:spPr/>
+        <p:txBody>
+          <a:bodyPr/>
+          <a:lstStyle/>
+          <a:p>
+            <a:r>
+              <a:rPr lang="hu-HU" dirty="0"/>
+              <a:t>Cook-Torrance modell (folyt.)</a:t>
+            </a:r>
+          </a:p>
+        </p:txBody>
+      </p:sp>
+      <mc:AlternateContent xmlns:mc="http://schemas.openxmlformats.org/markup-compatibility/2006">
+        <mc:Choice xmlns:a14="http://schemas.microsoft.com/office/drawing/2010/main" Requires="a14">
+          <p:sp>
+            <p:nvSpPr>
+              <p:cNvPr id="3" name="Content Placeholder 2">
+                <a:extLst>
+                  <a:ext uri="{FF2B5EF4-FFF2-40B4-BE49-F238E27FC236}">
+                    <a16:creationId xmlns:a16="http://schemas.microsoft.com/office/drawing/2014/main" id="{F155CC4C-7BE7-4D70-B7CA-9DBD8DD8A6AC}"/>
+                  </a:ext>
+                </a:extLst>
+              </p:cNvPr>
+              <p:cNvSpPr>
+                <a:spLocks noGrp="1"/>
+              </p:cNvSpPr>
+              <p:nvPr>
+                <p:ph idx="1"/>
+              </p:nvPr>
+            </p:nvSpPr>
+            <p:spPr>
+              <a:xfrm>
+                <a:off x="1097280" y="1845734"/>
+                <a:ext cx="10058400" cy="4148666"/>
+              </a:xfrm>
+            </p:spPr>
+            <p:txBody>
+              <a:bodyPr>
+                <a:normAutofit lnSpcReduction="10000"/>
+              </a:bodyPr>
+              <a:lstStyle/>
+              <a:p>
+                <a:pPr>
+                  <a:buFont typeface="Wingdings" panose="05000000000000000000" pitchFamily="2" charset="2"/>
+                  <a:buChar char="§"/>
+                </a:pPr>
+                <a:r>
+                  <a:rPr lang="hu-HU" dirty="0"/>
+                  <a:t>Magyarázatok nélkül; </a:t>
+                </a:r>
+                <a14:m>
+                  <m:oMath xmlns:m="http://schemas.openxmlformats.org/officeDocument/2006/math">
+                    <m:r>
+                      <a:rPr lang="hu-HU" b="0" i="1" smtClean="0">
+                        <a:latin typeface="Cambria Math" panose="02040503050406030204" pitchFamily="18" charset="0"/>
+                      </a:rPr>
+                      <m:t>𝐷</m:t>
+                    </m:r>
+                    <m:r>
+                      <a:rPr lang="hu-HU" b="0" i="1" smtClean="0">
+                        <a:latin typeface="Cambria Math" panose="02040503050406030204" pitchFamily="18" charset="0"/>
+                      </a:rPr>
+                      <m:t>(</m:t>
+                    </m:r>
+                    <m:r>
+                      <a:rPr lang="hu-HU" b="1" i="1" smtClean="0">
+                        <a:latin typeface="Cambria Math" panose="02040503050406030204" pitchFamily="18" charset="0"/>
+                      </a:rPr>
+                      <m:t>𝒉</m:t>
+                    </m:r>
+                    <m:r>
+                      <a:rPr lang="hu-HU" b="0" i="1" smtClean="0">
+                        <a:latin typeface="Cambria Math" panose="02040503050406030204" pitchFamily="18" charset="0"/>
+                      </a:rPr>
+                      <m:t>)</m:t>
+                    </m:r>
+                  </m:oMath>
+                </a14:m>
+                <a:r>
+                  <a:rPr lang="hu-HU" dirty="0"/>
+                  <a:t> a </a:t>
+                </a:r>
+                <a:r>
+                  <a:rPr lang="hu-HU" i="1" dirty="0"/>
+                  <a:t>Trowbridge-Reitz</a:t>
+                </a:r>
+                <a:r>
+                  <a:rPr lang="hu-HU" dirty="0"/>
+                  <a:t> (</a:t>
+                </a:r>
+                <a:r>
+                  <a:rPr lang="hu-HU" i="1" dirty="0"/>
+                  <a:t>GGX</a:t>
+                </a:r>
+                <a:r>
+                  <a:rPr lang="hu-HU" dirty="0"/>
+                  <a:t>) függvény (</a:t>
+                </a:r>
+                <a14:m>
+                  <m:oMath xmlns:m="http://schemas.openxmlformats.org/officeDocument/2006/math">
+                    <m:r>
+                      <a:rPr lang="hu-HU" b="0" i="1" smtClean="0">
+                        <a:latin typeface="Cambria Math" panose="02040503050406030204" pitchFamily="18" charset="0"/>
+                      </a:rPr>
+                      <m:t>𝛼</m:t>
+                    </m:r>
+                    <m:r>
+                      <a:rPr lang="hu-HU" b="0" i="1" smtClean="0">
+                        <a:latin typeface="Cambria Math" panose="02040503050406030204" pitchFamily="18" charset="0"/>
+                      </a:rPr>
+                      <m:t>=</m:t>
+                    </m:r>
+                    <m:r>
+                      <a:rPr lang="hu-HU" b="0" i="1" smtClean="0">
+                        <a:latin typeface="Cambria Math" panose="02040503050406030204" pitchFamily="18" charset="0"/>
+                      </a:rPr>
+                      <m:t>𝑟𝑜𝑢𝑔h𝑛𝑒𝑠</m:t>
+                    </m:r>
+                    <m:sSup>
+                      <m:sSupPr>
+                        <m:ctrlPr>
+                          <a:rPr lang="hu-HU" b="0" i="1" smtClean="0">
+                            <a:latin typeface="Cambria Math" panose="02040503050406030204" pitchFamily="18" charset="0"/>
+                          </a:rPr>
+                        </m:ctrlPr>
+                      </m:sSupPr>
+                      <m:e>
+                        <m:r>
+                          <a:rPr lang="hu-HU" b="0" i="1" smtClean="0">
+                            <a:latin typeface="Cambria Math" panose="02040503050406030204" pitchFamily="18" charset="0"/>
+                          </a:rPr>
+                          <m:t>𝑠</m:t>
+                        </m:r>
+                      </m:e>
+                      <m:sup>
+                        <m:r>
+                          <a:rPr lang="hu-HU" b="0" i="1" smtClean="0">
+                            <a:latin typeface="Cambria Math" panose="02040503050406030204" pitchFamily="18" charset="0"/>
+                          </a:rPr>
+                          <m:t>2</m:t>
+                        </m:r>
+                      </m:sup>
+                    </m:sSup>
+                  </m:oMath>
+                </a14:m>
+                <a:r>
+                  <a:rPr lang="hu-HU" dirty="0"/>
+                  <a:t>):</a:t>
+                </a:r>
+              </a:p>
+              <a:p>
+                <a:pPr marL="0" indent="0" algn="ctr">
+                  <a:lnSpc>
+                    <a:spcPct val="100000"/>
+                  </a:lnSpc>
+                  <a:buNone/>
+                </a:pPr>
+                <a14:m>
+                  <m:oMathPara xmlns:m="http://schemas.openxmlformats.org/officeDocument/2006/math">
+                    <m:oMathParaPr>
+                      <m:jc m:val="centerGroup"/>
+                    </m:oMathParaPr>
+                    <m:oMath xmlns:m="http://schemas.openxmlformats.org/officeDocument/2006/math">
+                      <m:sSub>
+                        <m:sSubPr>
+                          <m:ctrlPr>
+                            <a:rPr lang="hu-HU" b="0" i="1" smtClean="0">
+                              <a:latin typeface="Cambria Math" panose="02040503050406030204" pitchFamily="18" charset="0"/>
+                            </a:rPr>
+                          </m:ctrlPr>
+                        </m:sSubPr>
+                        <m:e>
+                          <m:r>
+                            <a:rPr lang="hu-HU" b="0" i="1" smtClean="0">
+                              <a:latin typeface="Cambria Math" panose="02040503050406030204" pitchFamily="18" charset="0"/>
+                            </a:rPr>
+                            <m:t>𝐷</m:t>
+                          </m:r>
+                        </m:e>
+                        <m:sub>
+                          <m:r>
+                            <a:rPr lang="hu-HU" b="0" i="1" smtClean="0">
+                              <a:latin typeface="Cambria Math" panose="02040503050406030204" pitchFamily="18" charset="0"/>
+                            </a:rPr>
+                            <m:t>𝐺𝐺𝑋</m:t>
+                          </m:r>
+                        </m:sub>
+                      </m:sSub>
+                      <m:d>
+                        <m:dPr>
+                          <m:ctrlPr>
+                            <a:rPr lang="hu-HU" b="0" i="1" smtClean="0">
+                              <a:latin typeface="Cambria Math" panose="02040503050406030204" pitchFamily="18" charset="0"/>
+                            </a:rPr>
+                          </m:ctrlPr>
+                        </m:dPr>
+                        <m:e>
+                          <m:r>
+                            <a:rPr lang="hu-HU" b="1" i="1" smtClean="0">
+                              <a:latin typeface="Cambria Math" panose="02040503050406030204" pitchFamily="18" charset="0"/>
+                            </a:rPr>
+                            <m:t>𝒉</m:t>
+                          </m:r>
+                        </m:e>
+                      </m:d>
+                      <m:r>
+                        <a:rPr lang="hu-HU" b="0" i="1" smtClean="0">
+                          <a:latin typeface="Cambria Math" panose="02040503050406030204" pitchFamily="18" charset="0"/>
+                        </a:rPr>
+                        <m:t>=</m:t>
+                      </m:r>
+                      <m:f>
+                        <m:fPr>
+                          <m:ctrlPr>
+                            <a:rPr lang="hu-HU" b="0" i="1" smtClean="0">
+                              <a:latin typeface="Cambria Math" panose="02040503050406030204" pitchFamily="18" charset="0"/>
+                            </a:rPr>
+                          </m:ctrlPr>
+                        </m:fPr>
+                        <m:num>
+                          <m:sSup>
+                            <m:sSupPr>
+                              <m:ctrlPr>
+                                <a:rPr lang="hu-HU" b="0" i="1" smtClean="0">
+                                  <a:latin typeface="Cambria Math" panose="02040503050406030204" pitchFamily="18" charset="0"/>
+                                </a:rPr>
+                              </m:ctrlPr>
+                            </m:sSupPr>
+                            <m:e>
+                              <m:r>
+                                <a:rPr lang="hu-HU" b="0" i="1" smtClean="0">
+                                  <a:latin typeface="Cambria Math" panose="02040503050406030204" pitchFamily="18" charset="0"/>
+                                </a:rPr>
+                                <m:t>𝛼</m:t>
+                              </m:r>
+                            </m:e>
+                            <m:sup>
+                              <m:r>
+                                <a:rPr lang="hu-HU" b="0" i="1" smtClean="0">
+                                  <a:latin typeface="Cambria Math" panose="02040503050406030204" pitchFamily="18" charset="0"/>
+                                </a:rPr>
+                                <m:t>2</m:t>
+                              </m:r>
+                            </m:sup>
+                          </m:sSup>
+                        </m:num>
+                        <m:den>
+                          <m:r>
+                            <a:rPr lang="hu-HU" b="0" i="1" smtClean="0">
+                              <a:latin typeface="Cambria Math" panose="02040503050406030204" pitchFamily="18" charset="0"/>
+                            </a:rPr>
+                            <m:t>𝜋</m:t>
+                          </m:r>
+                          <m:sSup>
+                            <m:sSupPr>
+                              <m:ctrlPr>
+                                <a:rPr lang="hu-HU" b="0" i="1" smtClean="0">
+                                  <a:latin typeface="Cambria Math" panose="02040503050406030204" pitchFamily="18" charset="0"/>
+                                </a:rPr>
+                              </m:ctrlPr>
+                            </m:sSupPr>
+                            <m:e>
+                              <m:d>
+                                <m:dPr>
+                                  <m:ctrlPr>
+                                    <a:rPr lang="hu-HU" b="0" i="1" smtClean="0">
+                                      <a:latin typeface="Cambria Math" panose="02040503050406030204" pitchFamily="18" charset="0"/>
+                                    </a:rPr>
+                                  </m:ctrlPr>
+                                </m:dPr>
+                                <m:e>
+                                  <m:sSup>
+                                    <m:sSupPr>
+                                      <m:ctrlPr>
+                                        <a:rPr lang="hu-HU" b="0" i="1" smtClean="0">
+                                          <a:latin typeface="Cambria Math" panose="02040503050406030204" pitchFamily="18" charset="0"/>
+                                        </a:rPr>
+                                      </m:ctrlPr>
+                                    </m:sSupPr>
+                                    <m:e>
+                                      <m:d>
+                                        <m:dPr>
+                                          <m:ctrlPr>
+                                            <a:rPr lang="hu-HU" b="0" i="1" smtClean="0">
+                                              <a:latin typeface="Cambria Math" panose="02040503050406030204" pitchFamily="18" charset="0"/>
+                                            </a:rPr>
+                                          </m:ctrlPr>
+                                        </m:dPr>
+                                        <m:e>
+                                          <m:r>
+                                            <a:rPr lang="hu-HU" b="1" i="1" smtClean="0">
+                                              <a:latin typeface="Cambria Math" panose="02040503050406030204" pitchFamily="18" charset="0"/>
+                                            </a:rPr>
+                                            <m:t>𝒏</m:t>
+                                          </m:r>
+                                          <m:r>
+                                            <a:rPr lang="hu-HU" b="0" i="1" smtClean="0">
+                                              <a:latin typeface="Cambria Math" panose="02040503050406030204" pitchFamily="18" charset="0"/>
+                                            </a:rPr>
+                                            <m:t>⋅</m:t>
+                                          </m:r>
+                                          <m:r>
+                                            <a:rPr lang="hu-HU" b="1" i="1" smtClean="0">
+                                              <a:latin typeface="Cambria Math" panose="02040503050406030204" pitchFamily="18" charset="0"/>
+                                            </a:rPr>
+                                            <m:t>𝒉</m:t>
+                                          </m:r>
+                                        </m:e>
+                                      </m:d>
+                                    </m:e>
+                                    <m:sup>
+                                      <m:r>
+                                        <a:rPr lang="hu-HU" b="0" i="1" smtClean="0">
+                                          <a:latin typeface="Cambria Math" panose="02040503050406030204" pitchFamily="18" charset="0"/>
+                                        </a:rPr>
+                                        <m:t>2</m:t>
+                                      </m:r>
+                                    </m:sup>
+                                  </m:sSup>
+                                  <m:d>
+                                    <m:dPr>
+                                      <m:ctrlPr>
+                                        <a:rPr lang="hu-HU" b="0" i="1" smtClean="0">
+                                          <a:latin typeface="Cambria Math" panose="02040503050406030204" pitchFamily="18" charset="0"/>
+                                        </a:rPr>
+                                      </m:ctrlPr>
+                                    </m:dPr>
+                                    <m:e>
+                                      <m:sSup>
+                                        <m:sSupPr>
+                                          <m:ctrlPr>
+                                            <a:rPr lang="hu-HU" b="0" i="1" smtClean="0">
+                                              <a:latin typeface="Cambria Math" panose="02040503050406030204" pitchFamily="18" charset="0"/>
+                                            </a:rPr>
+                                          </m:ctrlPr>
+                                        </m:sSupPr>
+                                        <m:e>
+                                          <m:r>
+                                            <a:rPr lang="hu-HU" b="0" i="1" smtClean="0">
+                                              <a:latin typeface="Cambria Math" panose="02040503050406030204" pitchFamily="18" charset="0"/>
+                                            </a:rPr>
+                                            <m:t>𝛼</m:t>
+                                          </m:r>
+                                        </m:e>
+                                        <m:sup>
+                                          <m:r>
+                                            <a:rPr lang="hu-HU" b="0" i="1" smtClean="0">
+                                              <a:latin typeface="Cambria Math" panose="02040503050406030204" pitchFamily="18" charset="0"/>
+                                            </a:rPr>
+                                            <m:t>2</m:t>
+                                          </m:r>
+                                        </m:sup>
+                                      </m:sSup>
+                                      <m:r>
+                                        <a:rPr lang="hu-HU" b="0" i="1" smtClean="0">
+                                          <a:latin typeface="Cambria Math" panose="02040503050406030204" pitchFamily="18" charset="0"/>
+                                        </a:rPr>
+                                        <m:t>−1</m:t>
+                                      </m:r>
+                                    </m:e>
+                                  </m:d>
+                                  <m:r>
+                                    <a:rPr lang="hu-HU" b="0" i="1" smtClean="0">
+                                      <a:latin typeface="Cambria Math" panose="02040503050406030204" pitchFamily="18" charset="0"/>
+                                    </a:rPr>
+                                    <m:t>+1</m:t>
+                                  </m:r>
+                                </m:e>
+                              </m:d>
+                            </m:e>
+                            <m:sup>
+                              <m:r>
+                                <a:rPr lang="hu-HU" b="0" i="1" smtClean="0">
+                                  <a:latin typeface="Cambria Math" panose="02040503050406030204" pitchFamily="18" charset="0"/>
+                                </a:rPr>
+                                <m:t>2</m:t>
+                              </m:r>
+                            </m:sup>
+                          </m:sSup>
+                        </m:den>
+                      </m:f>
+                    </m:oMath>
+                  </m:oMathPara>
+                </a14:m>
+                <a:endParaRPr lang="hu-HU" dirty="0"/>
+              </a:p>
+              <a:p>
+                <a:pPr>
+                  <a:buFont typeface="Wingdings" panose="05000000000000000000" pitchFamily="2" charset="2"/>
+                  <a:buChar char="§"/>
+                </a:pPr>
+                <a14:m>
+                  <m:oMath xmlns:m="http://schemas.openxmlformats.org/officeDocument/2006/math">
+                    <m:r>
+                      <a:rPr lang="hu-HU" b="0" i="1" smtClean="0">
+                        <a:latin typeface="Cambria Math" panose="02040503050406030204" pitchFamily="18" charset="0"/>
+                      </a:rPr>
+                      <m:t>𝐹</m:t>
+                    </m:r>
+                    <m:d>
+                      <m:dPr>
+                        <m:ctrlPr>
+                          <a:rPr lang="hu-HU" b="0" i="1" smtClean="0">
+                            <a:latin typeface="Cambria Math" panose="02040503050406030204" pitchFamily="18" charset="0"/>
+                          </a:rPr>
+                        </m:ctrlPr>
+                      </m:dPr>
+                      <m:e>
+                        <m:r>
+                          <a:rPr lang="hu-HU" b="1" i="1" smtClean="0">
+                            <a:latin typeface="Cambria Math" panose="02040503050406030204" pitchFamily="18" charset="0"/>
+                          </a:rPr>
+                          <m:t>𝒍</m:t>
+                        </m:r>
+                        <m:r>
+                          <a:rPr lang="hu-HU" b="0" i="1" smtClean="0">
+                            <a:latin typeface="Cambria Math" panose="02040503050406030204" pitchFamily="18" charset="0"/>
+                          </a:rPr>
+                          <m:t>, </m:t>
+                        </m:r>
+                        <m:r>
+                          <a:rPr lang="hu-HU" b="1" i="1" smtClean="0">
+                            <a:latin typeface="Cambria Math" panose="02040503050406030204" pitchFamily="18" charset="0"/>
+                          </a:rPr>
+                          <m:t>𝒉</m:t>
+                        </m:r>
+                      </m:e>
+                    </m:d>
+                  </m:oMath>
+                </a14:m>
+                <a:r>
+                  <a:rPr lang="hu-HU" dirty="0"/>
+                  <a:t> a </a:t>
+                </a:r>
+                <a:r>
+                  <a:rPr lang="hu-HU" i="1" dirty="0"/>
+                  <a:t>Fresnel</a:t>
+                </a:r>
+                <a:r>
+                  <a:rPr lang="hu-HU" dirty="0"/>
+                  <a:t> függvény szokásos </a:t>
+                </a:r>
+                <a:r>
+                  <a:rPr lang="hu-HU" i="1" dirty="0"/>
+                  <a:t>Schlick</a:t>
+                </a:r>
+                <a:r>
+                  <a:rPr lang="hu-HU" dirty="0"/>
+                  <a:t>-féle közelítése (</a:t>
+                </a:r>
+                <a14:m>
+                  <m:oMath xmlns:m="http://schemas.openxmlformats.org/officeDocument/2006/math">
+                    <m:sSub>
+                      <m:sSubPr>
+                        <m:ctrlPr>
+                          <a:rPr lang="hu-HU" b="0" i="1" smtClean="0">
+                            <a:latin typeface="Cambria Math" panose="02040503050406030204" pitchFamily="18" charset="0"/>
+                          </a:rPr>
+                        </m:ctrlPr>
+                      </m:sSubPr>
+                      <m:e>
+                        <m:r>
+                          <a:rPr lang="hu-HU" b="0" i="1" smtClean="0">
+                            <a:latin typeface="Cambria Math" panose="02040503050406030204" pitchFamily="18" charset="0"/>
+                          </a:rPr>
+                          <m:t>𝐹</m:t>
+                        </m:r>
+                      </m:e>
+                      <m:sub>
+                        <m:r>
+                          <a:rPr lang="hu-HU" b="0" i="1" smtClean="0">
+                            <a:latin typeface="Cambria Math" panose="02040503050406030204" pitchFamily="18" charset="0"/>
+                          </a:rPr>
+                          <m:t>0</m:t>
+                        </m:r>
+                      </m:sub>
+                    </m:sSub>
+                  </m:oMath>
+                </a14:m>
+                <a:r>
+                  <a:rPr lang="hu-HU" dirty="0"/>
+                  <a:t> a függvény értéke 0 foknál):</a:t>
+                </a:r>
+              </a:p>
+              <a:p>
+                <a:pPr marL="0" indent="0" algn="ctr">
+                  <a:lnSpc>
+                    <a:spcPct val="150000"/>
+                  </a:lnSpc>
+                  <a:buNone/>
+                </a:pPr>
+                <a14:m>
+                  <m:oMathPara xmlns:m="http://schemas.openxmlformats.org/officeDocument/2006/math">
+                    <m:oMathParaPr>
+                      <m:jc m:val="centerGroup"/>
+                    </m:oMathParaPr>
+                    <m:oMath xmlns:m="http://schemas.openxmlformats.org/officeDocument/2006/math">
+                      <m:sSub>
+                        <m:sSubPr>
+                          <m:ctrlPr>
+                            <a:rPr lang="hu-HU" b="0" i="1" smtClean="0">
+                              <a:latin typeface="Cambria Math" panose="02040503050406030204" pitchFamily="18" charset="0"/>
+                            </a:rPr>
+                          </m:ctrlPr>
+                        </m:sSubPr>
+                        <m:e>
+                          <m:r>
+                            <a:rPr lang="hu-HU" b="0" i="1" smtClean="0">
+                              <a:latin typeface="Cambria Math" panose="02040503050406030204" pitchFamily="18" charset="0"/>
+                            </a:rPr>
+                            <m:t>𝐹</m:t>
+                          </m:r>
+                        </m:e>
+                        <m:sub>
+                          <m:r>
+                            <a:rPr lang="hu-HU" b="0" i="1" smtClean="0">
+                              <a:latin typeface="Cambria Math" panose="02040503050406030204" pitchFamily="18" charset="0"/>
+                            </a:rPr>
+                            <m:t>𝑆𝑐h𝑙𝑖𝑐𝑘</m:t>
+                          </m:r>
+                        </m:sub>
+                      </m:sSub>
+                      <m:d>
+                        <m:dPr>
+                          <m:ctrlPr>
+                            <a:rPr lang="hu-HU" b="0" i="1" smtClean="0">
+                              <a:latin typeface="Cambria Math" panose="02040503050406030204" pitchFamily="18" charset="0"/>
+                            </a:rPr>
+                          </m:ctrlPr>
+                        </m:dPr>
+                        <m:e>
+                          <m:r>
+                            <a:rPr lang="hu-HU" b="1" i="1" smtClean="0">
+                              <a:latin typeface="Cambria Math" panose="02040503050406030204" pitchFamily="18" charset="0"/>
+                            </a:rPr>
+                            <m:t>𝒍</m:t>
+                          </m:r>
+                          <m:r>
+                            <a:rPr lang="hu-HU" b="0" i="1" smtClean="0">
+                              <a:latin typeface="Cambria Math" panose="02040503050406030204" pitchFamily="18" charset="0"/>
+                            </a:rPr>
+                            <m:t>,</m:t>
+                          </m:r>
+                          <m:r>
+                            <a:rPr lang="hu-HU" b="1" i="1" smtClean="0">
+                              <a:latin typeface="Cambria Math" panose="02040503050406030204" pitchFamily="18" charset="0"/>
+                            </a:rPr>
+                            <m:t>𝒉</m:t>
+                          </m:r>
+                        </m:e>
+                      </m:d>
+                      <m:r>
+                        <a:rPr lang="hu-HU" b="0" i="1" smtClean="0">
+                          <a:latin typeface="Cambria Math" panose="02040503050406030204" pitchFamily="18" charset="0"/>
+                        </a:rPr>
+                        <m:t>=</m:t>
+                      </m:r>
+                      <m:sSub>
+                        <m:sSubPr>
+                          <m:ctrlPr>
+                            <a:rPr lang="hu-HU" b="0" i="1" smtClean="0">
+                              <a:latin typeface="Cambria Math" panose="02040503050406030204" pitchFamily="18" charset="0"/>
+                            </a:rPr>
+                          </m:ctrlPr>
+                        </m:sSubPr>
+                        <m:e>
+                          <m:r>
+                            <a:rPr lang="hu-HU" b="0" i="1" smtClean="0">
+                              <a:latin typeface="Cambria Math" panose="02040503050406030204" pitchFamily="18" charset="0"/>
+                            </a:rPr>
+                            <m:t>𝐹</m:t>
+                          </m:r>
+                        </m:e>
+                        <m:sub>
+                          <m:r>
+                            <a:rPr lang="hu-HU" b="0" i="1" smtClean="0">
+                              <a:latin typeface="Cambria Math" panose="02040503050406030204" pitchFamily="18" charset="0"/>
+                            </a:rPr>
+                            <m:t>0</m:t>
+                          </m:r>
+                        </m:sub>
+                      </m:sSub>
+                      <m:r>
+                        <a:rPr lang="hu-HU" b="0" i="1" smtClean="0">
+                          <a:latin typeface="Cambria Math" panose="02040503050406030204" pitchFamily="18" charset="0"/>
+                        </a:rPr>
+                        <m:t>+</m:t>
+                      </m:r>
+                      <m:d>
+                        <m:dPr>
+                          <m:ctrlPr>
+                            <a:rPr lang="hu-HU" b="0" i="1" smtClean="0">
+                              <a:latin typeface="Cambria Math" panose="02040503050406030204" pitchFamily="18" charset="0"/>
+                            </a:rPr>
+                          </m:ctrlPr>
+                        </m:dPr>
+                        <m:e>
+                          <m:r>
+                            <a:rPr lang="hu-HU" b="0" i="1" smtClean="0">
+                              <a:latin typeface="Cambria Math" panose="02040503050406030204" pitchFamily="18" charset="0"/>
+                            </a:rPr>
+                            <m:t>1−</m:t>
+                          </m:r>
+                          <m:sSub>
+                            <m:sSubPr>
+                              <m:ctrlPr>
+                                <a:rPr lang="hu-HU" b="0" i="1" smtClean="0">
+                                  <a:latin typeface="Cambria Math" panose="02040503050406030204" pitchFamily="18" charset="0"/>
+                                </a:rPr>
+                              </m:ctrlPr>
+                            </m:sSubPr>
+                            <m:e>
+                              <m:r>
+                                <a:rPr lang="hu-HU" b="0" i="1" smtClean="0">
+                                  <a:latin typeface="Cambria Math" panose="02040503050406030204" pitchFamily="18" charset="0"/>
+                                </a:rPr>
+                                <m:t>𝐹</m:t>
+                              </m:r>
+                            </m:e>
+                            <m:sub>
+                              <m:r>
+                                <a:rPr lang="hu-HU" b="0" i="1" smtClean="0">
+                                  <a:latin typeface="Cambria Math" panose="02040503050406030204" pitchFamily="18" charset="0"/>
+                                </a:rPr>
+                                <m:t>0</m:t>
+                              </m:r>
+                            </m:sub>
+                          </m:sSub>
+                        </m:e>
+                      </m:d>
+                      <m:sSup>
+                        <m:sSupPr>
+                          <m:ctrlPr>
+                            <a:rPr lang="hu-HU" b="0" i="1" smtClean="0">
+                              <a:latin typeface="Cambria Math" panose="02040503050406030204" pitchFamily="18" charset="0"/>
+                            </a:rPr>
+                          </m:ctrlPr>
+                        </m:sSupPr>
+                        <m:e>
+                          <m:d>
+                            <m:dPr>
+                              <m:ctrlPr>
+                                <a:rPr lang="hu-HU" b="0" i="1" smtClean="0">
+                                  <a:latin typeface="Cambria Math" panose="02040503050406030204" pitchFamily="18" charset="0"/>
+                                </a:rPr>
+                              </m:ctrlPr>
+                            </m:dPr>
+                            <m:e>
+                              <m:r>
+                                <a:rPr lang="hu-HU" b="0" i="1" smtClean="0">
+                                  <a:latin typeface="Cambria Math" panose="02040503050406030204" pitchFamily="18" charset="0"/>
+                                </a:rPr>
+                                <m:t>1−</m:t>
+                              </m:r>
+                              <m:r>
+                                <a:rPr lang="hu-HU" b="1" i="1" smtClean="0">
+                                  <a:latin typeface="Cambria Math" panose="02040503050406030204" pitchFamily="18" charset="0"/>
+                                </a:rPr>
+                                <m:t>𝒍</m:t>
+                              </m:r>
+                              <m:r>
+                                <a:rPr lang="hu-HU" b="0" i="1" smtClean="0">
+                                  <a:latin typeface="Cambria Math" panose="02040503050406030204" pitchFamily="18" charset="0"/>
+                                </a:rPr>
+                                <m:t>⋅</m:t>
+                              </m:r>
+                              <m:r>
+                                <a:rPr lang="hu-HU" b="1" i="1" smtClean="0">
+                                  <a:latin typeface="Cambria Math" panose="02040503050406030204" pitchFamily="18" charset="0"/>
+                                </a:rPr>
+                                <m:t>𝒉</m:t>
+                              </m:r>
+                            </m:e>
+                          </m:d>
+                        </m:e>
+                        <m:sup>
+                          <m:r>
+                            <a:rPr lang="hu-HU" b="0" i="1" smtClean="0">
+                              <a:latin typeface="Cambria Math" panose="02040503050406030204" pitchFamily="18" charset="0"/>
+                            </a:rPr>
+                            <m:t>5</m:t>
+                          </m:r>
+                        </m:sup>
+                      </m:sSup>
+                    </m:oMath>
+                  </m:oMathPara>
+                </a14:m>
+                <a:endParaRPr lang="hu-HU" dirty="0"/>
+              </a:p>
+              <a:p>
+                <a:pPr>
+                  <a:buFont typeface="Wingdings" panose="05000000000000000000" pitchFamily="2" charset="2"/>
+                  <a:buChar char="§"/>
+                </a:pPr>
+                <a14:m>
+                  <m:oMath xmlns:m="http://schemas.openxmlformats.org/officeDocument/2006/math">
+                    <m:r>
+                      <a:rPr lang="hu-HU" b="0" i="1" smtClean="0">
+                        <a:latin typeface="Cambria Math" panose="02040503050406030204" pitchFamily="18" charset="0"/>
+                      </a:rPr>
+                      <m:t>𝐺</m:t>
+                    </m:r>
+                    <m:r>
+                      <a:rPr lang="hu-HU" b="0" i="1" smtClean="0">
+                        <a:latin typeface="Cambria Math" panose="02040503050406030204" pitchFamily="18" charset="0"/>
+                      </a:rPr>
+                      <m:t>(</m:t>
+                    </m:r>
+                    <m:r>
+                      <a:rPr lang="hu-HU" b="0" i="1" smtClean="0">
+                        <a:latin typeface="Cambria Math" panose="02040503050406030204" pitchFamily="18" charset="0"/>
+                      </a:rPr>
+                      <m:t>𝑙</m:t>
+                    </m:r>
+                    <m:r>
+                      <a:rPr lang="hu-HU" b="0" i="1" smtClean="0">
+                        <a:latin typeface="Cambria Math" panose="02040503050406030204" pitchFamily="18" charset="0"/>
+                      </a:rPr>
+                      <m:t>,</m:t>
+                    </m:r>
+                    <m:r>
+                      <a:rPr lang="hu-HU" b="0" i="1" smtClean="0">
+                        <a:latin typeface="Cambria Math" panose="02040503050406030204" pitchFamily="18" charset="0"/>
+                      </a:rPr>
+                      <m:t>𝑣</m:t>
+                    </m:r>
+                    <m:r>
+                      <a:rPr lang="hu-HU" b="0" i="1" smtClean="0">
+                        <a:latin typeface="Cambria Math" panose="02040503050406030204" pitchFamily="18" charset="0"/>
+                      </a:rPr>
+                      <m:t>,</m:t>
+                    </m:r>
+                    <m:r>
+                      <a:rPr lang="hu-HU" b="0" i="1" smtClean="0">
+                        <a:latin typeface="Cambria Math" panose="02040503050406030204" pitchFamily="18" charset="0"/>
+                      </a:rPr>
+                      <m:t>h</m:t>
+                    </m:r>
+                    <m:r>
+                      <a:rPr lang="hu-HU" b="0" i="1" smtClean="0">
+                        <a:latin typeface="Cambria Math" panose="02040503050406030204" pitchFamily="18" charset="0"/>
+                      </a:rPr>
+                      <m:t>)</m:t>
+                    </m:r>
+                  </m:oMath>
+                </a14:m>
+                <a:r>
+                  <a:rPr lang="hu-HU" dirty="0"/>
+                  <a:t> pedig a </a:t>
+                </a:r>
+                <a:r>
+                  <a:rPr lang="hu-HU" i="1" dirty="0"/>
+                  <a:t>Smith-Schlick</a:t>
+                </a:r>
+                <a:r>
+                  <a:rPr lang="hu-HU" dirty="0"/>
+                  <a:t> függvény (</a:t>
+                </a:r>
+                <a14:m>
+                  <m:oMath xmlns:m="http://schemas.openxmlformats.org/officeDocument/2006/math">
+                    <m:r>
+                      <a:rPr lang="hu-HU" b="0" i="1" smtClean="0">
+                        <a:latin typeface="Cambria Math" panose="02040503050406030204" pitchFamily="18" charset="0"/>
+                      </a:rPr>
+                      <m:t>𝑘</m:t>
+                    </m:r>
+                    <m:r>
+                      <a:rPr lang="hu-HU" b="0" i="1" smtClean="0">
+                        <a:latin typeface="Cambria Math" panose="02040503050406030204" pitchFamily="18" charset="0"/>
+                      </a:rPr>
+                      <m:t>=</m:t>
+                    </m:r>
+                    <m:sSup>
+                      <m:sSupPr>
+                        <m:ctrlPr>
+                          <a:rPr lang="hu-HU" b="0" i="1" smtClean="0">
+                            <a:latin typeface="Cambria Math" panose="02040503050406030204" pitchFamily="18" charset="0"/>
+                          </a:rPr>
+                        </m:ctrlPr>
+                      </m:sSupPr>
+                      <m:e>
+                        <m:r>
+                          <a:rPr lang="hu-HU" b="0" i="1" smtClean="0">
+                            <a:latin typeface="Cambria Math" panose="02040503050406030204" pitchFamily="18" charset="0"/>
+                          </a:rPr>
+                          <m:t>0.125⋅</m:t>
+                        </m:r>
+                        <m:d>
+                          <m:dPr>
+                            <m:ctrlPr>
+                              <a:rPr lang="hu-HU" b="0" i="1" smtClean="0">
+                                <a:latin typeface="Cambria Math" panose="02040503050406030204" pitchFamily="18" charset="0"/>
+                              </a:rPr>
+                            </m:ctrlPr>
+                          </m:dPr>
+                          <m:e>
+                            <m:r>
+                              <a:rPr lang="hu-HU" b="0" i="1" smtClean="0">
+                                <a:latin typeface="Cambria Math" panose="02040503050406030204" pitchFamily="18" charset="0"/>
+                              </a:rPr>
+                              <m:t>𝑟𝑜𝑢𝑔h𝑛𝑒𝑠𝑠</m:t>
+                            </m:r>
+                            <m:r>
+                              <a:rPr lang="hu-HU" b="0" i="1" smtClean="0">
+                                <a:latin typeface="Cambria Math" panose="02040503050406030204" pitchFamily="18" charset="0"/>
+                              </a:rPr>
+                              <m:t>+1</m:t>
+                            </m:r>
+                          </m:e>
+                        </m:d>
+                      </m:e>
+                      <m:sup>
+                        <m:r>
+                          <a:rPr lang="hu-HU" b="0" i="1" smtClean="0">
+                            <a:latin typeface="Cambria Math" panose="02040503050406030204" pitchFamily="18" charset="0"/>
+                          </a:rPr>
+                          <m:t>2</m:t>
+                        </m:r>
+                      </m:sup>
+                    </m:sSup>
+                  </m:oMath>
+                </a14:m>
+                <a:r>
+                  <a:rPr lang="hu-HU" dirty="0"/>
+                  <a:t>):</a:t>
+                </a:r>
+              </a:p>
+              <a:p>
+                <a:pPr marL="0" indent="0" algn="ctr">
+                  <a:lnSpc>
+                    <a:spcPct val="150000"/>
+                  </a:lnSpc>
+                  <a:buNone/>
+                </a:pPr>
+                <a14:m>
+                  <m:oMathPara xmlns:m="http://schemas.openxmlformats.org/officeDocument/2006/math">
+                    <m:oMathParaPr>
+                      <m:jc m:val="centerGroup"/>
+                    </m:oMathParaPr>
+                    <m:oMath xmlns:m="http://schemas.openxmlformats.org/officeDocument/2006/math">
+                      <m:sSub>
+                        <m:sSubPr>
+                          <m:ctrlPr>
+                            <a:rPr lang="hu-HU" b="0" i="1" smtClean="0">
+                              <a:latin typeface="Cambria Math" panose="02040503050406030204" pitchFamily="18" charset="0"/>
+                            </a:rPr>
+                          </m:ctrlPr>
+                        </m:sSubPr>
+                        <m:e>
+                          <m:r>
+                            <a:rPr lang="hu-HU" b="0" i="1" smtClean="0">
+                              <a:latin typeface="Cambria Math" panose="02040503050406030204" pitchFamily="18" charset="0"/>
+                            </a:rPr>
+                            <m:t>𝐺</m:t>
+                          </m:r>
+                        </m:e>
+                        <m:sub>
+                          <m:r>
+                            <a:rPr lang="hu-HU" b="0" i="1" smtClean="0">
+                              <a:latin typeface="Cambria Math" panose="02040503050406030204" pitchFamily="18" charset="0"/>
+                            </a:rPr>
+                            <m:t>𝑆𝑚𝑖𝑡h𝑆𝑐h𝑙𝑖𝑐𝑘</m:t>
+                          </m:r>
+                        </m:sub>
+                      </m:sSub>
+                      <m:d>
+                        <m:dPr>
+                          <m:ctrlPr>
+                            <a:rPr lang="hu-HU" b="0" i="1" smtClean="0">
+                              <a:latin typeface="Cambria Math" panose="02040503050406030204" pitchFamily="18" charset="0"/>
+                            </a:rPr>
+                          </m:ctrlPr>
+                        </m:dPr>
+                        <m:e>
+                          <m:r>
+                            <a:rPr lang="hu-HU" b="1" i="1" smtClean="0">
+                              <a:latin typeface="Cambria Math" panose="02040503050406030204" pitchFamily="18" charset="0"/>
+                            </a:rPr>
+                            <m:t>𝒍</m:t>
+                          </m:r>
+                          <m:r>
+                            <a:rPr lang="hu-HU" b="0" i="1" smtClean="0">
+                              <a:latin typeface="Cambria Math" panose="02040503050406030204" pitchFamily="18" charset="0"/>
+                            </a:rPr>
+                            <m:t>, </m:t>
+                          </m:r>
+                          <m:r>
+                            <a:rPr lang="hu-HU" b="1" i="1" smtClean="0">
+                              <a:latin typeface="Cambria Math" panose="02040503050406030204" pitchFamily="18" charset="0"/>
+                            </a:rPr>
+                            <m:t>𝒗</m:t>
+                          </m:r>
+                          <m:r>
+                            <a:rPr lang="hu-HU" b="0" i="1" smtClean="0">
+                              <a:latin typeface="Cambria Math" panose="02040503050406030204" pitchFamily="18" charset="0"/>
+                            </a:rPr>
+                            <m:t>,</m:t>
+                          </m:r>
+                          <m:r>
+                            <a:rPr lang="hu-HU" b="1" i="1" smtClean="0">
+                              <a:latin typeface="Cambria Math" panose="02040503050406030204" pitchFamily="18" charset="0"/>
+                            </a:rPr>
+                            <m:t>𝒉</m:t>
+                          </m:r>
+                        </m:e>
+                      </m:d>
+                      <m:r>
+                        <a:rPr lang="hu-HU" b="0" i="1" smtClean="0">
+                          <a:latin typeface="Cambria Math" panose="02040503050406030204" pitchFamily="18" charset="0"/>
+                        </a:rPr>
+                        <m:t>=</m:t>
+                      </m:r>
+                      <m:f>
+                        <m:fPr>
+                          <m:ctrlPr>
+                            <a:rPr lang="hu-HU" b="0" i="1" smtClean="0">
+                              <a:latin typeface="Cambria Math" panose="02040503050406030204" pitchFamily="18" charset="0"/>
+                            </a:rPr>
+                          </m:ctrlPr>
+                        </m:fPr>
+                        <m:num>
+                          <m:r>
+                            <a:rPr lang="hu-HU" b="1" i="1" smtClean="0">
+                              <a:latin typeface="Cambria Math" panose="02040503050406030204" pitchFamily="18" charset="0"/>
+                            </a:rPr>
+                            <m:t>𝒏</m:t>
+                          </m:r>
+                          <m:r>
+                            <a:rPr lang="hu-HU" b="0" i="1" smtClean="0">
+                              <a:latin typeface="Cambria Math" panose="02040503050406030204" pitchFamily="18" charset="0"/>
+                            </a:rPr>
+                            <m:t>⋅</m:t>
+                          </m:r>
+                          <m:r>
+                            <a:rPr lang="hu-HU" b="1" i="1" smtClean="0">
+                              <a:latin typeface="Cambria Math" panose="02040503050406030204" pitchFamily="18" charset="0"/>
+                            </a:rPr>
+                            <m:t>𝒍</m:t>
+                          </m:r>
+                        </m:num>
+                        <m:den>
+                          <m:d>
+                            <m:dPr>
+                              <m:ctrlPr>
+                                <a:rPr lang="hu-HU" b="0" i="1" smtClean="0">
+                                  <a:latin typeface="Cambria Math" panose="02040503050406030204" pitchFamily="18" charset="0"/>
+                                </a:rPr>
+                              </m:ctrlPr>
+                            </m:dPr>
+                            <m:e>
+                              <m:r>
+                                <a:rPr lang="hu-HU" b="1" i="1" smtClean="0">
+                                  <a:latin typeface="Cambria Math" panose="02040503050406030204" pitchFamily="18" charset="0"/>
+                                </a:rPr>
+                                <m:t>𝒏</m:t>
+                              </m:r>
+                              <m:r>
+                                <a:rPr lang="hu-HU" b="0" i="1" smtClean="0">
+                                  <a:latin typeface="Cambria Math" panose="02040503050406030204" pitchFamily="18" charset="0"/>
+                                </a:rPr>
+                                <m:t>⋅</m:t>
+                              </m:r>
+                              <m:r>
+                                <a:rPr lang="hu-HU" b="1" i="1" smtClean="0">
+                                  <a:latin typeface="Cambria Math" panose="02040503050406030204" pitchFamily="18" charset="0"/>
+                                </a:rPr>
+                                <m:t>𝒍</m:t>
+                              </m:r>
+                            </m:e>
+                          </m:d>
+                          <m:d>
+                            <m:dPr>
+                              <m:ctrlPr>
+                                <a:rPr lang="hu-HU" b="0" i="1" smtClean="0">
+                                  <a:latin typeface="Cambria Math" panose="02040503050406030204" pitchFamily="18" charset="0"/>
+                                </a:rPr>
+                              </m:ctrlPr>
+                            </m:dPr>
+                            <m:e>
+                              <m:r>
+                                <a:rPr lang="hu-HU" b="0" i="1" smtClean="0">
+                                  <a:latin typeface="Cambria Math" panose="02040503050406030204" pitchFamily="18" charset="0"/>
+                                </a:rPr>
+                                <m:t>1−</m:t>
+                              </m:r>
+                              <m:r>
+                                <a:rPr lang="hu-HU" b="0" i="1" smtClean="0">
+                                  <a:latin typeface="Cambria Math" panose="02040503050406030204" pitchFamily="18" charset="0"/>
+                                </a:rPr>
+                                <m:t>𝑘</m:t>
+                              </m:r>
+                            </m:e>
+                          </m:d>
+                          <m:r>
+                            <a:rPr lang="hu-HU" b="0" i="1" smtClean="0">
+                              <a:latin typeface="Cambria Math" panose="02040503050406030204" pitchFamily="18" charset="0"/>
+                            </a:rPr>
+                            <m:t>+</m:t>
+                          </m:r>
+                          <m:r>
+                            <a:rPr lang="hu-HU" b="0" i="1" smtClean="0">
+                              <a:latin typeface="Cambria Math" panose="02040503050406030204" pitchFamily="18" charset="0"/>
+                            </a:rPr>
+                            <m:t>𝑘</m:t>
+                          </m:r>
+                        </m:den>
+                      </m:f>
+                      <m:r>
+                        <a:rPr lang="hu-HU" b="0" i="1" smtClean="0">
+                          <a:latin typeface="Cambria Math" panose="02040503050406030204" pitchFamily="18" charset="0"/>
+                        </a:rPr>
+                        <m:t>⋅</m:t>
+                      </m:r>
+                      <m:f>
+                        <m:fPr>
+                          <m:ctrlPr>
+                            <a:rPr lang="hu-HU" b="0" i="1" smtClean="0">
+                              <a:latin typeface="Cambria Math" panose="02040503050406030204" pitchFamily="18" charset="0"/>
+                            </a:rPr>
+                          </m:ctrlPr>
+                        </m:fPr>
+                        <m:num>
+                          <m:r>
+                            <a:rPr lang="hu-HU" b="1" i="1" smtClean="0">
+                              <a:latin typeface="Cambria Math" panose="02040503050406030204" pitchFamily="18" charset="0"/>
+                            </a:rPr>
+                            <m:t>𝒏</m:t>
+                          </m:r>
+                          <m:r>
+                            <a:rPr lang="hu-HU" b="0" i="1" smtClean="0">
+                              <a:latin typeface="Cambria Math" panose="02040503050406030204" pitchFamily="18" charset="0"/>
+                            </a:rPr>
+                            <m:t>⋅</m:t>
+                          </m:r>
+                          <m:r>
+                            <a:rPr lang="hu-HU" b="1" i="1" smtClean="0">
+                              <a:latin typeface="Cambria Math" panose="02040503050406030204" pitchFamily="18" charset="0"/>
+                            </a:rPr>
+                            <m:t>𝒗</m:t>
+                          </m:r>
+                        </m:num>
+                        <m:den>
+                          <m:d>
+                            <m:dPr>
+                              <m:ctrlPr>
+                                <a:rPr lang="hu-HU" b="0" i="1" smtClean="0">
+                                  <a:latin typeface="Cambria Math" panose="02040503050406030204" pitchFamily="18" charset="0"/>
+                                </a:rPr>
+                              </m:ctrlPr>
+                            </m:dPr>
+                            <m:e>
+                              <m:r>
+                                <a:rPr lang="hu-HU" b="1" i="1" smtClean="0">
+                                  <a:latin typeface="Cambria Math" panose="02040503050406030204" pitchFamily="18" charset="0"/>
+                                </a:rPr>
+                                <m:t>𝒏</m:t>
+                              </m:r>
+                              <m:r>
+                                <a:rPr lang="hu-HU" b="0" i="1" smtClean="0">
+                                  <a:latin typeface="Cambria Math" panose="02040503050406030204" pitchFamily="18" charset="0"/>
+                                </a:rPr>
+                                <m:t>⋅</m:t>
+                              </m:r>
+                              <m:r>
+                                <a:rPr lang="hu-HU" b="1" i="1" smtClean="0">
+                                  <a:latin typeface="Cambria Math" panose="02040503050406030204" pitchFamily="18" charset="0"/>
+                                </a:rPr>
+                                <m:t>𝒗</m:t>
+                              </m:r>
+                            </m:e>
+                          </m:d>
+                          <m:d>
+                            <m:dPr>
+                              <m:ctrlPr>
+                                <a:rPr lang="hu-HU" b="0" i="1" smtClean="0">
+                                  <a:latin typeface="Cambria Math" panose="02040503050406030204" pitchFamily="18" charset="0"/>
+                                </a:rPr>
+                              </m:ctrlPr>
+                            </m:dPr>
+                            <m:e>
+                              <m:r>
+                                <a:rPr lang="hu-HU" b="0" i="1" smtClean="0">
+                                  <a:latin typeface="Cambria Math" panose="02040503050406030204" pitchFamily="18" charset="0"/>
+                                </a:rPr>
+                                <m:t>1−</m:t>
+                              </m:r>
+                              <m:r>
+                                <a:rPr lang="hu-HU" b="0" i="1" smtClean="0">
+                                  <a:latin typeface="Cambria Math" panose="02040503050406030204" pitchFamily="18" charset="0"/>
+                                </a:rPr>
+                                <m:t>𝑘</m:t>
+                              </m:r>
+                            </m:e>
+                          </m:d>
+                          <m:r>
+                            <a:rPr lang="hu-HU" b="0" i="1" smtClean="0">
+                              <a:latin typeface="Cambria Math" panose="02040503050406030204" pitchFamily="18" charset="0"/>
+                            </a:rPr>
+                            <m:t>+</m:t>
+                          </m:r>
+                          <m:r>
+                            <a:rPr lang="hu-HU" b="0" i="1" smtClean="0">
+                              <a:latin typeface="Cambria Math" panose="02040503050406030204" pitchFamily="18" charset="0"/>
+                            </a:rPr>
+                            <m:t>𝑘</m:t>
+                          </m:r>
+                        </m:den>
+                      </m:f>
+                    </m:oMath>
+                  </m:oMathPara>
+                </a14:m>
+                <a:endParaRPr lang="hu-HU" dirty="0"/>
+              </a:p>
+              <a:p>
+                <a:pPr>
+                  <a:lnSpc>
+                    <a:spcPct val="150000"/>
+                  </a:lnSpc>
+                  <a:buFont typeface="Wingdings" panose="05000000000000000000" pitchFamily="2" charset="2"/>
+                  <a:buChar char="§"/>
+                </a:pPr>
+                <a:r>
+                  <a:rPr lang="hu-HU" dirty="0"/>
+                  <a:t>Utóbbi kiejti a </a:t>
+                </a:r>
+                <a:r>
+                  <a:rPr lang="hu-HU" i="1" dirty="0"/>
+                  <a:t>Cook-Torrance</a:t>
+                </a:r>
+                <a:r>
+                  <a:rPr lang="hu-HU" dirty="0"/>
+                  <a:t> nevezőjét! (fontos optim.)</a:t>
+                </a:r>
+              </a:p>
+            </p:txBody>
+          </p:sp>
+        </mc:Choice>
+        <mc:Fallback>
+          <p:sp>
+            <p:nvSpPr>
+              <p:cNvPr id="3" name="Content Placeholder 2">
+                <a:extLst>
+                  <a:ext uri="{FF2B5EF4-FFF2-40B4-BE49-F238E27FC236}">
+                    <a16:creationId xmlns:a16="http://schemas.microsoft.com/office/drawing/2014/main" id="{F155CC4C-7BE7-4D70-B7CA-9DBD8DD8A6AC}"/>
+                  </a:ext>
+                </a:extLst>
+              </p:cNvPr>
+              <p:cNvSpPr>
+                <a:spLocks noGrp="1" noRot="1" noChangeAspect="1" noMove="1" noResize="1" noEditPoints="1" noAdjustHandles="1" noChangeArrowheads="1" noChangeShapeType="1" noTextEdit="1"/>
+              </p:cNvSpPr>
+              <p:nvPr>
+                <p:ph idx="1"/>
+              </p:nvPr>
+            </p:nvSpPr>
+            <p:spPr>
+              <a:xfrm>
+                <a:off x="1097280" y="1845734"/>
+                <a:ext cx="10058400" cy="4148666"/>
+              </a:xfrm>
+              <a:blipFill>
+                <a:blip r:embed="rId2"/>
+                <a:stretch>
+                  <a:fillRect l="-1455" t="-2206"/>
+                </a:stretch>
+              </a:blipFill>
+            </p:spPr>
+            <p:txBody>
+              <a:bodyPr/>
+              <a:lstStyle/>
+              <a:p>
+                <a:r>
+                  <a:rPr lang="hu-HU">
+                    <a:noFill/>
+                  </a:rPr>
+                  <a:t> </a:t>
+                </a:r>
+              </a:p>
+            </p:txBody>
+          </p:sp>
+        </mc:Fallback>
+      </mc:AlternateContent>
+    </p:spTree>
+    <p:extLst>
+      <p:ext uri="{BB962C8B-B14F-4D97-AF65-F5344CB8AC3E}">
+        <p14:creationId xmlns:p14="http://schemas.microsoft.com/office/powerpoint/2010/main" val="707691276"/>
+      </p:ext>
+    </p:extLst>
+  </p:cSld>
+  <p:clrMapOvr>
+    <a:masterClrMapping/>
+  </p:clrMapOvr>
+</p:sld>
+</file>
+
+<file path=ppt/slides/slide14.xml><?xml version="1.0" encoding="utf-8"?>
+<p:sld xmlns:a="http://schemas.openxmlformats.org/drawingml/2006/main" xmlns:r="http://schemas.openxmlformats.org/officeDocument/2006/relationships" xmlns:p="http://schemas.openxmlformats.org/presentationml/2006/main">
+  <p:cSld>
+    <p:spTree>
+      <p:nvGrpSpPr>
+        <p:cNvPr id="1" name=""/>
+        <p:cNvGrpSpPr/>
+        <p:nvPr/>
+      </p:nvGrpSpPr>
+      <p:grpSpPr>
+        <a:xfrm>
+          <a:off x="0" y="0"/>
+          <a:ext cx="0" cy="0"/>
+          <a:chOff x="0" y="0"/>
+          <a:chExt cx="0" cy="0"/>
+        </a:xfrm>
+      </p:grpSpPr>
+      <p:sp>
+        <p:nvSpPr>
+          <p:cNvPr id="2" name="Title 1">
+            <a:extLst>
+              <a:ext uri="{FF2B5EF4-FFF2-40B4-BE49-F238E27FC236}">
+                <a16:creationId xmlns:a16="http://schemas.microsoft.com/office/drawing/2014/main" id="{5472C4D5-4C57-4CDD-BFA6-B11CD71BDE7C}"/>
+              </a:ext>
+            </a:extLst>
+          </p:cNvPr>
+          <p:cNvSpPr>
+            <a:spLocks noGrp="1"/>
+          </p:cNvSpPr>
+          <p:nvPr>
+            <p:ph type="title"/>
+          </p:nvPr>
+        </p:nvSpPr>
+        <p:spPr/>
+        <p:txBody>
+          <a:bodyPr/>
+          <a:lstStyle/>
+          <a:p>
+            <a:r>
+              <a:rPr lang="hu-HU" dirty="0"/>
+              <a:t>A tükr. egyenlet analitikus megoldása</a:t>
+            </a:r>
+          </a:p>
+        </p:txBody>
+      </p:sp>
+      <mc:AlternateContent xmlns:mc="http://schemas.openxmlformats.org/markup-compatibility/2006">
+        <mc:Choice xmlns:a14="http://schemas.microsoft.com/office/drawing/2010/main" Requires="a14">
+          <p:sp>
+            <p:nvSpPr>
+              <p:cNvPr id="3" name="Content Placeholder 2">
+                <a:extLst>
+                  <a:ext uri="{FF2B5EF4-FFF2-40B4-BE49-F238E27FC236}">
+                    <a16:creationId xmlns:a16="http://schemas.microsoft.com/office/drawing/2014/main" id="{B03C10A5-9D9E-4A05-9E41-CB1AAA08218F}"/>
+                  </a:ext>
+                </a:extLst>
+              </p:cNvPr>
+              <p:cNvSpPr>
+                <a:spLocks noGrp="1"/>
+              </p:cNvSpPr>
+              <p:nvPr>
+                <p:ph idx="1"/>
+              </p:nvPr>
+            </p:nvSpPr>
+            <p:spPr/>
+            <p:txBody>
+              <a:bodyPr/>
+              <a:lstStyle/>
+              <a:p>
+                <a:pPr>
+                  <a:buFont typeface="Wingdings" panose="05000000000000000000" pitchFamily="2" charset="2"/>
+                  <a:buChar char="§"/>
+                </a:pPr>
+                <a:r>
+                  <a:rPr lang="hu-HU" dirty="0"/>
+                  <a:t>Pont fényre (irányított fényre nem lehet)</a:t>
+                </a:r>
+              </a:p>
+              <a:p>
+                <a:pPr>
+                  <a:buFont typeface="Wingdings" panose="05000000000000000000" pitchFamily="2" charset="2"/>
+                  <a:buChar char="§"/>
+                </a:pPr>
+                <a:r>
+                  <a:rPr lang="hu-HU" dirty="0"/>
+                  <a:t>A radiancia egyenes vonalakon való konstanssága miatt alkalmazható a térszögeknél megbeszélt (differenciális felületre vonatkozó) képlet</a:t>
+                </a:r>
+              </a:p>
+              <a:p>
+                <a:pPr>
+                  <a:buFont typeface="Wingdings" panose="05000000000000000000" pitchFamily="2" charset="2"/>
+                  <a:buChar char="§"/>
+                </a:pPr>
+                <a:r>
+                  <a:rPr lang="hu-HU" dirty="0"/>
+                  <a:t>Az intenzitás szintén könnyen kiszámolható</a:t>
+                </a:r>
+              </a:p>
+              <a:p>
+                <a:pPr>
+                  <a:buFont typeface="Wingdings" panose="05000000000000000000" pitchFamily="2" charset="2"/>
+                  <a:buChar char="§"/>
+                </a:pPr>
+                <a:r>
+                  <a:rPr lang="hu-HU" dirty="0"/>
+                  <a:t>Ezek után egy egyszerű észrevételt kell csak tenni és készen vagyunk</a:t>
+                </a:r>
+              </a:p>
+              <a:p>
+                <a:pPr marL="0" indent="0" algn="ctr">
+                  <a:lnSpc>
+                    <a:spcPct val="150000"/>
+                  </a:lnSpc>
+                  <a:buNone/>
+                </a:pPr>
+                <a14:m>
+                  <m:oMathPara xmlns:m="http://schemas.openxmlformats.org/officeDocument/2006/math">
+                    <m:oMathParaPr>
+                      <m:jc m:val="centerGroup"/>
+                    </m:oMathParaPr>
+                    <m:oMath xmlns:m="http://schemas.openxmlformats.org/officeDocument/2006/math">
+                      <m:sSub>
+                        <m:sSubPr>
+                          <m:ctrlPr>
+                            <a:rPr lang="hu-HU" b="0" i="1" smtClean="0">
+                              <a:latin typeface="Cambria Math" panose="02040503050406030204" pitchFamily="18" charset="0"/>
+                            </a:rPr>
+                          </m:ctrlPr>
+                        </m:sSubPr>
+                        <m:e>
+                          <m:r>
+                            <a:rPr lang="hu-HU" b="0" i="1" smtClean="0">
+                              <a:latin typeface="Cambria Math" panose="02040503050406030204" pitchFamily="18" charset="0"/>
+                            </a:rPr>
+                            <m:t>𝐿</m:t>
+                          </m:r>
+                        </m:e>
+                        <m:sub>
+                          <m:r>
+                            <a:rPr lang="hu-HU" b="0" i="1" smtClean="0">
+                              <a:latin typeface="Cambria Math" panose="02040503050406030204" pitchFamily="18" charset="0"/>
+                            </a:rPr>
+                            <m:t>𝑜</m:t>
+                          </m:r>
+                        </m:sub>
+                      </m:sSub>
+                      <m:d>
+                        <m:dPr>
+                          <m:ctrlPr>
+                            <a:rPr lang="hu-HU" b="0" i="1" smtClean="0">
+                              <a:latin typeface="Cambria Math" panose="02040503050406030204" pitchFamily="18" charset="0"/>
+                            </a:rPr>
+                          </m:ctrlPr>
+                        </m:dPr>
+                        <m:e>
+                          <m:r>
+                            <a:rPr lang="hu-HU" b="1" i="1" smtClean="0">
+                              <a:latin typeface="Cambria Math" panose="02040503050406030204" pitchFamily="18" charset="0"/>
+                            </a:rPr>
+                            <m:t>𝒗</m:t>
+                          </m:r>
+                        </m:e>
+                      </m:d>
+                      <m:r>
+                        <a:rPr lang="hu-HU" b="0" i="1" smtClean="0">
+                          <a:latin typeface="Cambria Math" panose="02040503050406030204" pitchFamily="18" charset="0"/>
+                        </a:rPr>
+                        <m:t>=</m:t>
+                      </m:r>
+                      <m:sSub>
+                        <m:sSubPr>
+                          <m:ctrlPr>
+                            <a:rPr lang="hu-HU" b="0" i="1" smtClean="0">
+                              <a:latin typeface="Cambria Math" panose="02040503050406030204" pitchFamily="18" charset="0"/>
+                            </a:rPr>
+                          </m:ctrlPr>
+                        </m:sSubPr>
+                        <m:e>
+                          <m:r>
+                            <a:rPr lang="hu-HU" b="0" i="1" smtClean="0">
+                              <a:latin typeface="Cambria Math" panose="02040503050406030204" pitchFamily="18" charset="0"/>
+                            </a:rPr>
+                            <m:t>𝑓</m:t>
+                          </m:r>
+                        </m:e>
+                        <m:sub>
+                          <m:r>
+                            <a:rPr lang="hu-HU" b="0" i="1" smtClean="0">
+                              <a:latin typeface="Cambria Math" panose="02040503050406030204" pitchFamily="18" charset="0"/>
+                            </a:rPr>
+                            <m:t>𝑟</m:t>
+                          </m:r>
+                        </m:sub>
+                      </m:sSub>
+                      <m:d>
+                        <m:dPr>
+                          <m:ctrlPr>
+                            <a:rPr lang="hu-HU" b="0" i="1" smtClean="0">
+                              <a:latin typeface="Cambria Math" panose="02040503050406030204" pitchFamily="18" charset="0"/>
+                            </a:rPr>
+                          </m:ctrlPr>
+                        </m:dPr>
+                        <m:e>
+                          <m:r>
+                            <a:rPr lang="hu-HU" b="1" i="1" smtClean="0">
+                              <a:latin typeface="Cambria Math" panose="02040503050406030204" pitchFamily="18" charset="0"/>
+                            </a:rPr>
+                            <m:t>𝒗</m:t>
+                          </m:r>
+                          <m:r>
+                            <a:rPr lang="hu-HU" b="0" i="1" smtClean="0">
+                              <a:latin typeface="Cambria Math" panose="02040503050406030204" pitchFamily="18" charset="0"/>
+                            </a:rPr>
+                            <m:t>,</m:t>
+                          </m:r>
+                          <m:r>
+                            <a:rPr lang="hu-HU" b="1" i="1" smtClean="0">
+                              <a:latin typeface="Cambria Math" panose="02040503050406030204" pitchFamily="18" charset="0"/>
+                            </a:rPr>
+                            <m:t>𝒍</m:t>
+                          </m:r>
+                        </m:e>
+                      </m:d>
+                      <m:f>
+                        <m:fPr>
+                          <m:ctrlPr>
+                            <a:rPr lang="hu-HU" b="0" i="1" smtClean="0">
+                              <a:latin typeface="Cambria Math" panose="02040503050406030204" pitchFamily="18" charset="0"/>
+                            </a:rPr>
+                          </m:ctrlPr>
+                        </m:fPr>
+                        <m:num>
+                          <m:r>
+                            <m:rPr>
+                              <m:sty m:val="p"/>
+                            </m:rPr>
+                            <a:rPr lang="hu-HU" b="0" i="0" smtClean="0">
+                              <a:latin typeface="Cambria Math" panose="02040503050406030204" pitchFamily="18" charset="0"/>
+                            </a:rPr>
+                            <m:t>Φ</m:t>
+                          </m:r>
+                        </m:num>
+                        <m:den>
+                          <m:r>
+                            <a:rPr lang="hu-HU" b="0" i="1" smtClean="0">
+                              <a:latin typeface="Cambria Math" panose="02040503050406030204" pitchFamily="18" charset="0"/>
+                            </a:rPr>
+                            <m:t>4</m:t>
+                          </m:r>
+                          <m:r>
+                            <a:rPr lang="hu-HU" b="0" i="1" smtClean="0">
+                              <a:latin typeface="Cambria Math" panose="02040503050406030204" pitchFamily="18" charset="0"/>
+                            </a:rPr>
+                            <m:t>𝜋</m:t>
+                          </m:r>
+                          <m:r>
+                            <a:rPr lang="hu-HU" b="0" i="1" smtClean="0">
+                              <a:latin typeface="Cambria Math" panose="02040503050406030204" pitchFamily="18" charset="0"/>
+                            </a:rPr>
+                            <m:t> </m:t>
+                          </m:r>
+                          <m:r>
+                            <a:rPr lang="hu-HU" b="0" i="1" smtClean="0">
+                              <a:latin typeface="Cambria Math" panose="02040503050406030204" pitchFamily="18" charset="0"/>
+                            </a:rPr>
+                            <m:t>𝑑𝑖𝑠</m:t>
+                          </m:r>
+                          <m:sSup>
+                            <m:sSupPr>
+                              <m:ctrlPr>
+                                <a:rPr lang="hu-HU" b="0" i="1" smtClean="0">
+                                  <a:latin typeface="Cambria Math" panose="02040503050406030204" pitchFamily="18" charset="0"/>
+                                </a:rPr>
+                              </m:ctrlPr>
+                            </m:sSupPr>
+                            <m:e>
+                              <m:r>
+                                <a:rPr lang="hu-HU" b="0" i="1" smtClean="0">
+                                  <a:latin typeface="Cambria Math" panose="02040503050406030204" pitchFamily="18" charset="0"/>
+                                </a:rPr>
+                                <m:t>𝑡</m:t>
+                              </m:r>
+                            </m:e>
+                            <m:sup>
+                              <m:r>
+                                <a:rPr lang="hu-HU" b="0" i="1" smtClean="0">
+                                  <a:latin typeface="Cambria Math" panose="02040503050406030204" pitchFamily="18" charset="0"/>
+                                </a:rPr>
+                                <m:t>2</m:t>
+                              </m:r>
+                            </m:sup>
+                          </m:sSup>
+                        </m:den>
+                      </m:f>
+                      <m:r>
+                        <a:rPr lang="hu-HU" b="1" i="1" smtClean="0">
+                          <a:latin typeface="Cambria Math" panose="02040503050406030204" pitchFamily="18" charset="0"/>
+                        </a:rPr>
+                        <m:t>𝒏</m:t>
+                      </m:r>
+                      <m:r>
+                        <a:rPr lang="hu-HU" b="0" i="1" smtClean="0">
+                          <a:latin typeface="Cambria Math" panose="02040503050406030204" pitchFamily="18" charset="0"/>
+                        </a:rPr>
+                        <m:t>⋅</m:t>
+                      </m:r>
+                      <m:r>
+                        <a:rPr lang="hu-HU" b="1" i="1" smtClean="0">
+                          <a:latin typeface="Cambria Math" panose="02040503050406030204" pitchFamily="18" charset="0"/>
+                        </a:rPr>
+                        <m:t>𝒍</m:t>
+                      </m:r>
+                    </m:oMath>
+                  </m:oMathPara>
+                </a14:m>
+                <a:endParaRPr lang="hu-HU" b="1" dirty="0"/>
+              </a:p>
+              <a:p>
+                <a:pPr>
+                  <a:buFont typeface="Wingdings" panose="05000000000000000000" pitchFamily="2" charset="2"/>
+                  <a:buChar char="§"/>
+                </a:pPr>
+                <a:r>
+                  <a:rPr lang="hu-HU" dirty="0"/>
+                  <a:t>Reflektorfényre (</a:t>
+                </a:r>
+                <a:r>
+                  <a:rPr lang="hu-HU" i="1" dirty="0"/>
+                  <a:t>spot light</a:t>
+                </a:r>
+                <a:r>
+                  <a:rPr lang="hu-HU" dirty="0"/>
+                  <a:t>) hasonlóan megoldható</a:t>
+                </a:r>
+              </a:p>
+              <a:p>
+                <a:pPr>
+                  <a:buFont typeface="Wingdings" panose="05000000000000000000" pitchFamily="2" charset="2"/>
+                  <a:buChar char="§"/>
+                </a:pPr>
+                <a:r>
+                  <a:rPr lang="hu-HU" dirty="0"/>
+                  <a:t>Első feladat: ezt a képletet megírni shaderben (a BRDF egyelőre lehet </a:t>
+                </a:r>
+                <a:r>
+                  <a:rPr lang="hu-HU" i="1" dirty="0"/>
+                  <a:t>Lambert</a:t>
+                </a:r>
+                <a:r>
+                  <a:rPr lang="hu-HU" dirty="0"/>
+                  <a:t>)</a:t>
+                </a:r>
+              </a:p>
+            </p:txBody>
+          </p:sp>
+        </mc:Choice>
+        <mc:Fallback>
+          <p:sp>
+            <p:nvSpPr>
+              <p:cNvPr id="3" name="Content Placeholder 2">
+                <a:extLst>
+                  <a:ext uri="{FF2B5EF4-FFF2-40B4-BE49-F238E27FC236}">
+                    <a16:creationId xmlns:a16="http://schemas.microsoft.com/office/drawing/2014/main" id="{B03C10A5-9D9E-4A05-9E41-CB1AAA08218F}"/>
+                  </a:ext>
+                </a:extLst>
+              </p:cNvPr>
+              <p:cNvSpPr>
+                <a:spLocks noGrp="1" noRot="1" noChangeAspect="1" noMove="1" noResize="1" noEditPoints="1" noAdjustHandles="1" noChangeArrowheads="1" noChangeShapeType="1" noTextEdit="1"/>
+              </p:cNvSpPr>
+              <p:nvPr>
+                <p:ph idx="1"/>
+              </p:nvPr>
+            </p:nvSpPr>
+            <p:spPr>
+              <a:blipFill>
+                <a:blip r:embed="rId2"/>
+                <a:stretch>
+                  <a:fillRect l="-1455" t="-1667" r="-1333"/>
+                </a:stretch>
+              </a:blipFill>
+            </p:spPr>
+            <p:txBody>
+              <a:bodyPr/>
+              <a:lstStyle/>
+              <a:p>
+                <a:r>
+                  <a:rPr lang="hu-HU">
+                    <a:noFill/>
+                  </a:rPr>
+                  <a:t> </a:t>
+                </a:r>
+              </a:p>
+            </p:txBody>
+          </p:sp>
+        </mc:Fallback>
+      </mc:AlternateContent>
+    </p:spTree>
+    <p:extLst>
+      <p:ext uri="{BB962C8B-B14F-4D97-AF65-F5344CB8AC3E}">
+        <p14:creationId xmlns:p14="http://schemas.microsoft.com/office/powerpoint/2010/main" val="1147664492"/>
+      </p:ext>
+    </p:extLst>
+  </p:cSld>
+  <p:clrMapOvr>
+    <a:masterClrMapping/>
+  </p:clrMapOvr>
+</p:sld>
+</file>
+
+<file path=ppt/slides/slide15.xml><?xml version="1.0" encoding="utf-8"?>
+<p:sld xmlns:a="http://schemas.openxmlformats.org/drawingml/2006/main" xmlns:r="http://schemas.openxmlformats.org/officeDocument/2006/relationships" xmlns:p="http://schemas.openxmlformats.org/presentationml/2006/main">
+  <p:cSld>
+    <p:spTree>
+      <p:nvGrpSpPr>
+        <p:cNvPr id="1" name=""/>
+        <p:cNvGrpSpPr/>
+        <p:nvPr/>
+      </p:nvGrpSpPr>
+      <p:grpSpPr>
+        <a:xfrm>
+          <a:off x="0" y="0"/>
+          <a:ext cx="0" cy="0"/>
+          <a:chOff x="0" y="0"/>
+          <a:chExt cx="0" cy="0"/>
+        </a:xfrm>
+      </p:grpSpPr>
+      <p:sp>
+        <p:nvSpPr>
+          <p:cNvPr id="2" name="Title 1">
+            <a:extLst>
+              <a:ext uri="{FF2B5EF4-FFF2-40B4-BE49-F238E27FC236}">
+                <a16:creationId xmlns:a16="http://schemas.microsoft.com/office/drawing/2014/main" id="{6CAC5663-D9A4-4579-AEE0-09B7AE88E5B1}"/>
+              </a:ext>
+            </a:extLst>
+          </p:cNvPr>
+          <p:cNvSpPr>
+            <a:spLocks noGrp="1"/>
+          </p:cNvSpPr>
+          <p:nvPr>
+            <p:ph type="title"/>
+          </p:nvPr>
+        </p:nvSpPr>
+        <p:spPr/>
+        <p:txBody>
+          <a:bodyPr/>
+          <a:lstStyle/>
+          <a:p>
+            <a:r>
+              <a:rPr lang="hu-HU" dirty="0"/>
+              <a:t>Kép alapú fények</a:t>
+            </a:r>
+          </a:p>
+        </p:txBody>
+      </p:sp>
+      <p:sp>
+        <p:nvSpPr>
+          <p:cNvPr id="3" name="Content Placeholder 2">
+            <a:extLst>
+              <a:ext uri="{FF2B5EF4-FFF2-40B4-BE49-F238E27FC236}">
+                <a16:creationId xmlns:a16="http://schemas.microsoft.com/office/drawing/2014/main" id="{D779AD88-4590-42E7-BE7C-A04FA18BBBC3}"/>
+              </a:ext>
+            </a:extLst>
+          </p:cNvPr>
+          <p:cNvSpPr>
+            <a:spLocks noGrp="1"/>
+          </p:cNvSpPr>
+          <p:nvPr>
+            <p:ph idx="1"/>
+          </p:nvPr>
+        </p:nvSpPr>
+        <p:spPr/>
+        <p:txBody>
+          <a:bodyPr/>
+          <a:lstStyle/>
+          <a:p>
+            <a:endParaRPr lang="hu-HU" dirty="0"/>
+          </a:p>
+        </p:txBody>
+      </p:sp>
+    </p:spTree>
+    <p:extLst>
+      <p:ext uri="{BB962C8B-B14F-4D97-AF65-F5344CB8AC3E}">
+        <p14:creationId xmlns:p14="http://schemas.microsoft.com/office/powerpoint/2010/main" val="3952644768"/>
+      </p:ext>
+    </p:extLst>
+  </p:cSld>
+  <p:clrMapOvr>
+    <a:masterClrMapping/>
+  </p:clrMapOvr>
+</p:sld>
+</file>
+
 <file path=ppt/slides/slide2.xml><?xml version="1.0" encoding="utf-8"?>
 <p:sld xmlns:a="http://schemas.openxmlformats.org/drawingml/2006/main" xmlns:r="http://schemas.openxmlformats.org/officeDocument/2006/relationships" xmlns:p="http://schemas.openxmlformats.org/presentationml/2006/main">
   <p:cSld>
@@ -5067,15 +9082,7 @@
             </a:r>
             <a:r>
               <a:rPr lang="en-US" dirty="0" err="1"/>
-              <a:t>fizikán</a:t>
-            </a:r>
-            <a:r>
-              <a:rPr lang="en-US" dirty="0"/>
-              <a:t> </a:t>
-            </a:r>
-            <a:r>
-              <a:rPr lang="en-US" dirty="0" err="1"/>
-              <a:t>alapul</a:t>
+              <a:t>fizika</a:t>
             </a:r>
             <a:r>
               <a:rPr lang="en-US" dirty="0"/>
@@ -5638,7 +9645,7 @@
             </a:r>
             <a:r>
               <a:rPr lang="en-US" i="1" dirty="0"/>
-              <a:t>luminance adaptation</a:t>
+              <a:t>light adaptation</a:t>
             </a:r>
             <a:r>
               <a:rPr lang="en-US" dirty="0"/>
@@ -5950,6 +9957,14 @@
                 </a:r>
                 <a:r>
                   <a:rPr lang="en-US" dirty="0" err="1"/>
+                  <a:t>csak</a:t>
+                </a:r>
+                <a:r>
+                  <a:rPr lang="en-US" dirty="0"/>
+                  <a:t> </a:t>
+                </a:r>
+                <a:r>
+                  <a:rPr lang="en-US" dirty="0" err="1"/>
                   <a:t>az</a:t>
                 </a:r>
                 <a:r>
@@ -6443,7 +10458,7 @@
               <a:lstStyle/>
               <a:p>
                 <a:r>
-                  <a:rPr lang="en-US">
+                  <a:rPr lang="hu-HU">
                     <a:noFill/>
                   </a:rPr>
                   <a:t> </a:t>
@@ -6532,8 +10547,8 @@
           </a:p>
         </p:txBody>
       </p:sp>
-      <mc:AlternateContent xmlns:mc="http://schemas.openxmlformats.org/markup-compatibility/2006">
-        <mc:Choice xmlns:a14="http://schemas.microsoft.com/office/drawing/2010/main" Requires="a14">
+      <mc:AlternateContent xmlns:mc="http://schemas.openxmlformats.org/markup-compatibility/2006" xmlns:a14="http://schemas.microsoft.com/office/drawing/2010/main">
+        <mc:Choice Requires="a14">
           <p:sp>
             <p:nvSpPr>
               <p:cNvPr id="3" name="Content Placeholder 2">
@@ -6900,7 +10915,17 @@
                                             <a:latin typeface="Cambria Math" panose="02040503050406030204" pitchFamily="18" charset="0"/>
                                             <a:ea typeface="Cambria Math" panose="02040503050406030204" pitchFamily="18" charset="0"/>
                                           </a:rPr>
-                                          <m:t>sin</m:t>
+                                          <m:t>s</m:t>
+                                        </m:r>
+                                        <m:r>
+                                          <m:rPr>
+                                            <m:sty m:val="p"/>
+                                          </m:rPr>
+                                          <a:rPr lang="en-US" b="0" i="0" smtClean="0">
+                                            <a:latin typeface="Cambria Math" panose="02040503050406030204" pitchFamily="18" charset="0"/>
+                                            <a:ea typeface="Cambria Math" panose="02040503050406030204" pitchFamily="18" charset="0"/>
+                                          </a:rPr>
+                                          <m:t>in</m:t>
                                         </m:r>
                                       </m:fName>
                                       <m:e>
@@ -7477,7 +11502,7 @@
             </p:txBody>
           </p:sp>
         </mc:Choice>
-        <mc:Fallback>
+        <mc:Fallback xmlns="">
           <p:sp>
             <p:nvSpPr>
               <p:cNvPr id="3" name="Content Placeholder 2">
@@ -7525,6 +11550,2103 @@
     <p:extLst>
       <p:ext uri="{BB962C8B-B14F-4D97-AF65-F5344CB8AC3E}">
         <p14:creationId xmlns:p14="http://schemas.microsoft.com/office/powerpoint/2010/main" val="4241511704"/>
+      </p:ext>
+    </p:extLst>
+  </p:cSld>
+  <p:clrMapOvr>
+    <a:masterClrMapping/>
+  </p:clrMapOvr>
+</p:sld>
+</file>
+
+<file path=ppt/slides/slide6.xml><?xml version="1.0" encoding="utf-8"?>
+<p:sld xmlns:a="http://schemas.openxmlformats.org/drawingml/2006/main" xmlns:r="http://schemas.openxmlformats.org/officeDocument/2006/relationships" xmlns:p="http://schemas.openxmlformats.org/presentationml/2006/main">
+  <p:cSld>
+    <p:spTree>
+      <p:nvGrpSpPr>
+        <p:cNvPr id="1" name=""/>
+        <p:cNvGrpSpPr/>
+        <p:nvPr/>
+      </p:nvGrpSpPr>
+      <p:grpSpPr>
+        <a:xfrm>
+          <a:off x="0" y="0"/>
+          <a:ext cx="0" cy="0"/>
+          <a:chOff x="0" y="0"/>
+          <a:chExt cx="0" cy="0"/>
+        </a:xfrm>
+      </p:grpSpPr>
+      <p:sp>
+        <p:nvSpPr>
+          <p:cNvPr id="2" name="Title 1">
+            <a:extLst>
+              <a:ext uri="{FF2B5EF4-FFF2-40B4-BE49-F238E27FC236}">
+                <a16:creationId xmlns:a16="http://schemas.microsoft.com/office/drawing/2014/main" id="{DD808E25-91BA-4D39-BFFF-0816058AC7AE}"/>
+              </a:ext>
+            </a:extLst>
+          </p:cNvPr>
+          <p:cNvSpPr>
+            <a:spLocks noGrp="1"/>
+          </p:cNvSpPr>
+          <p:nvPr>
+            <p:ph type="title"/>
+          </p:nvPr>
+        </p:nvSpPr>
+        <p:spPr/>
+        <p:txBody>
+          <a:bodyPr/>
+          <a:lstStyle/>
+          <a:p>
+            <a:r>
+              <a:rPr lang="hu-HU" dirty="0"/>
+              <a:t>Ismétlés: felületdarab és térszög</a:t>
+            </a:r>
+          </a:p>
+        </p:txBody>
+      </p:sp>
+      <mc:AlternateContent xmlns:mc="http://schemas.openxmlformats.org/markup-compatibility/2006">
+        <mc:Choice xmlns:a14="http://schemas.microsoft.com/office/drawing/2010/main" Requires="a14">
+          <p:sp>
+            <p:nvSpPr>
+              <p:cNvPr id="9" name="Content Placeholder 8">
+                <a:extLst>
+                  <a:ext uri="{FF2B5EF4-FFF2-40B4-BE49-F238E27FC236}">
+                    <a16:creationId xmlns:a16="http://schemas.microsoft.com/office/drawing/2014/main" id="{A7190A0C-C78B-4EFE-A48B-6387306C3AB6}"/>
+                  </a:ext>
+                </a:extLst>
+              </p:cNvPr>
+              <p:cNvSpPr>
+                <a:spLocks noGrp="1"/>
+              </p:cNvSpPr>
+              <p:nvPr>
+                <p:ph idx="1"/>
+              </p:nvPr>
+            </p:nvSpPr>
+            <p:spPr/>
+            <p:txBody>
+              <a:bodyPr/>
+              <a:lstStyle/>
+              <a:p>
+                <a:pPr>
+                  <a:buFont typeface="Wingdings" panose="05000000000000000000" pitchFamily="2" charset="2"/>
+                  <a:buChar char="§"/>
+                </a:pPr>
+                <a:r>
+                  <a:rPr lang="hu-HU" dirty="0"/>
+                  <a:t>Differenciális felületdarabka által kifeszített térszög</a:t>
+                </a:r>
+              </a:p>
+              <a:p>
+                <a:pPr>
+                  <a:buFont typeface="Wingdings" panose="05000000000000000000" pitchFamily="2" charset="2"/>
+                  <a:buChar char="§"/>
+                </a:pPr>
+                <a:r>
+                  <a:rPr lang="hu-HU" dirty="0"/>
+                  <a:t>Nem keverendő a korábbi </a:t>
+                </a:r>
+                <a14:m>
+                  <m:oMath xmlns:m="http://schemas.openxmlformats.org/officeDocument/2006/math">
+                    <m:r>
+                      <a:rPr lang="hu-HU" b="0" i="1" smtClean="0">
+                        <a:latin typeface="Cambria Math" panose="02040503050406030204" pitchFamily="18" charset="0"/>
+                      </a:rPr>
+                      <m:t>𝜃</m:t>
+                    </m:r>
+                  </m:oMath>
+                </a14:m>
+                <a:r>
+                  <a:rPr lang="hu-HU" dirty="0"/>
+                  <a:t>-val</a:t>
+                </a:r>
+                <a:br>
+                  <a:rPr lang="hu-HU" dirty="0"/>
+                </a:br>
+                <a:br>
+                  <a:rPr lang="hu-HU" dirty="0"/>
+                </a:br>
+                <a:endParaRPr lang="hu-HU" dirty="0"/>
+              </a:p>
+            </p:txBody>
+          </p:sp>
+        </mc:Choice>
+        <mc:Fallback>
+          <p:sp>
+            <p:nvSpPr>
+              <p:cNvPr id="9" name="Content Placeholder 8">
+                <a:extLst>
+                  <a:ext uri="{FF2B5EF4-FFF2-40B4-BE49-F238E27FC236}">
+                    <a16:creationId xmlns:a16="http://schemas.microsoft.com/office/drawing/2014/main" id="{A7190A0C-C78B-4EFE-A48B-6387306C3AB6}"/>
+                  </a:ext>
+                </a:extLst>
+              </p:cNvPr>
+              <p:cNvSpPr>
+                <a:spLocks noGrp="1" noRot="1" noChangeAspect="1" noMove="1" noResize="1" noEditPoints="1" noAdjustHandles="1" noChangeArrowheads="1" noChangeShapeType="1" noTextEdit="1"/>
+              </p:cNvSpPr>
+              <p:nvPr>
+                <p:ph idx="1"/>
+              </p:nvPr>
+            </p:nvSpPr>
+            <p:spPr>
+              <a:blipFill>
+                <a:blip r:embed="rId2"/>
+                <a:stretch>
+                  <a:fillRect l="-1455" t="-1667"/>
+                </a:stretch>
+              </a:blipFill>
+            </p:spPr>
+            <p:txBody>
+              <a:bodyPr/>
+              <a:lstStyle/>
+              <a:p>
+                <a:r>
+                  <a:rPr lang="hu-HU">
+                    <a:noFill/>
+                  </a:rPr>
+                  <a:t> </a:t>
+                </a:r>
+              </a:p>
+            </p:txBody>
+          </p:sp>
+        </mc:Fallback>
+      </mc:AlternateContent>
+      <p:pic>
+        <p:nvPicPr>
+          <p:cNvPr id="10" name="Content Placeholder 4">
+            <a:extLst>
+              <a:ext uri="{FF2B5EF4-FFF2-40B4-BE49-F238E27FC236}">
+                <a16:creationId xmlns:a16="http://schemas.microsoft.com/office/drawing/2014/main" id="{D80C4532-ED7E-4624-996D-9A831246A679}"/>
+              </a:ext>
+            </a:extLst>
+          </p:cNvPr>
+          <p:cNvPicPr>
+            <a:picLocks noChangeAspect="1"/>
+          </p:cNvPicPr>
+          <p:nvPr/>
+        </p:nvPicPr>
+        <p:blipFill>
+          <a:blip r:embed="rId3">
+            <a:extLst>
+              <a:ext uri="{28A0092B-C50C-407E-A947-70E740481C1C}">
+                <a14:useLocalDpi xmlns:a14="http://schemas.microsoft.com/office/drawing/2010/main" val="0"/>
+              </a:ext>
+            </a:extLst>
+          </a:blip>
+          <a:stretch>
+            <a:fillRect/>
+          </a:stretch>
+        </p:blipFill>
+        <p:spPr>
+          <a:xfrm>
+            <a:off x="4069080" y="3044214"/>
+            <a:ext cx="4114800" cy="2314575"/>
+          </a:xfrm>
+          <a:prstGeom prst="rect">
+            <a:avLst/>
+          </a:prstGeom>
+          <a:ln>
+            <a:solidFill>
+              <a:schemeClr val="tx1"/>
+            </a:solidFill>
+          </a:ln>
+        </p:spPr>
+      </p:pic>
+    </p:spTree>
+    <p:extLst>
+      <p:ext uri="{BB962C8B-B14F-4D97-AF65-F5344CB8AC3E}">
+        <p14:creationId xmlns:p14="http://schemas.microsoft.com/office/powerpoint/2010/main" val="3708635796"/>
+      </p:ext>
+    </p:extLst>
+  </p:cSld>
+  <p:clrMapOvr>
+    <a:masterClrMapping/>
+  </p:clrMapOvr>
+</p:sld>
+</file>
+
+<file path=ppt/slides/slide7.xml><?xml version="1.0" encoding="utf-8"?>
+<p:sld xmlns:a="http://schemas.openxmlformats.org/drawingml/2006/main" xmlns:r="http://schemas.openxmlformats.org/officeDocument/2006/relationships" xmlns:p="http://schemas.openxmlformats.org/presentationml/2006/main">
+  <p:cSld>
+    <p:spTree>
+      <p:nvGrpSpPr>
+        <p:cNvPr id="1" name=""/>
+        <p:cNvGrpSpPr/>
+        <p:nvPr/>
+      </p:nvGrpSpPr>
+      <p:grpSpPr>
+        <a:xfrm>
+          <a:off x="0" y="0"/>
+          <a:ext cx="0" cy="0"/>
+          <a:chOff x="0" y="0"/>
+          <a:chExt cx="0" cy="0"/>
+        </a:xfrm>
+      </p:grpSpPr>
+      <p:sp>
+        <p:nvSpPr>
+          <p:cNvPr id="2" name="Title 1">
+            <a:extLst>
+              <a:ext uri="{FF2B5EF4-FFF2-40B4-BE49-F238E27FC236}">
+                <a16:creationId xmlns:a16="http://schemas.microsoft.com/office/drawing/2014/main" id="{3D97696E-2581-41A3-8903-C40A5DE7D4F9}"/>
+              </a:ext>
+            </a:extLst>
+          </p:cNvPr>
+          <p:cNvSpPr>
+            <a:spLocks noGrp="1"/>
+          </p:cNvSpPr>
+          <p:nvPr>
+            <p:ph type="title"/>
+          </p:nvPr>
+        </p:nvSpPr>
+        <p:spPr/>
+        <p:txBody>
+          <a:bodyPr/>
+          <a:lstStyle/>
+          <a:p>
+            <a:r>
+              <a:rPr lang="en-US" dirty="0"/>
+              <a:t>Ism</a:t>
+            </a:r>
+            <a:r>
+              <a:rPr lang="hu-HU" dirty="0"/>
+              <a:t>étlés: radiometria</a:t>
+            </a:r>
+          </a:p>
+        </p:txBody>
+      </p:sp>
+      <mc:AlternateContent xmlns:mc="http://schemas.openxmlformats.org/markup-compatibility/2006">
+        <mc:Choice xmlns:a14="http://schemas.microsoft.com/office/drawing/2010/main" Requires="a14">
+          <p:sp>
+            <p:nvSpPr>
+              <p:cNvPr id="3" name="Content Placeholder 2">
+                <a:extLst>
+                  <a:ext uri="{FF2B5EF4-FFF2-40B4-BE49-F238E27FC236}">
+                    <a16:creationId xmlns:a16="http://schemas.microsoft.com/office/drawing/2014/main" id="{6C4ADC28-AFEF-41A9-9AD9-EE4E6403AAB0}"/>
+                  </a:ext>
+                </a:extLst>
+              </p:cNvPr>
+              <p:cNvSpPr>
+                <a:spLocks noGrp="1"/>
+              </p:cNvSpPr>
+              <p:nvPr>
+                <p:ph idx="1"/>
+              </p:nvPr>
+            </p:nvSpPr>
+            <p:spPr/>
+            <p:txBody>
+              <a:bodyPr>
+                <a:normAutofit lnSpcReduction="10000"/>
+              </a:bodyPr>
+              <a:lstStyle/>
+              <a:p>
+                <a:pPr>
+                  <a:buFont typeface="Wingdings" panose="05000000000000000000" pitchFamily="2" charset="2"/>
+                  <a:buChar char="§"/>
+                </a:pPr>
+                <a:r>
+                  <a:rPr lang="hu-HU" dirty="0"/>
+                  <a:t>Mennyiségek:</a:t>
+                </a:r>
+              </a:p>
+              <a:p>
+                <a:pPr lvl="1">
+                  <a:buFont typeface="Wingdings" panose="05000000000000000000" pitchFamily="2" charset="2"/>
+                  <a:buChar char="q"/>
+                </a:pPr>
+                <a:r>
+                  <a:rPr lang="hu-HU" dirty="0"/>
+                  <a:t>Fluxus (</a:t>
+                </a:r>
+                <a14:m>
+                  <m:oMath xmlns:m="http://schemas.openxmlformats.org/officeDocument/2006/math">
+                    <m:r>
+                      <m:rPr>
+                        <m:sty m:val="p"/>
+                      </m:rPr>
+                      <a:rPr lang="el-GR" i="1" smtClean="0">
+                        <a:latin typeface="Cambria Math" panose="02040503050406030204" pitchFamily="18" charset="0"/>
+                        <a:ea typeface="Cambria Math" panose="02040503050406030204" pitchFamily="18" charset="0"/>
+                      </a:rPr>
+                      <m:t>Φ</m:t>
+                    </m:r>
+                  </m:oMath>
+                </a14:m>
+                <a:r>
+                  <a:rPr lang="hu-HU" dirty="0"/>
+                  <a:t>): adott tartományban egységnyi idő alatt átáramló sugárzási energia (</a:t>
+                </a:r>
+                <a14:m>
+                  <m:oMath xmlns:m="http://schemas.openxmlformats.org/officeDocument/2006/math">
+                    <m:r>
+                      <a:rPr lang="hu-HU" b="0" i="1" smtClean="0">
+                        <a:latin typeface="Cambria Math" panose="02040503050406030204" pitchFamily="18" charset="0"/>
+                      </a:rPr>
+                      <m:t>𝑊</m:t>
+                    </m:r>
+                  </m:oMath>
+                </a14:m>
+                <a:r>
+                  <a:rPr lang="hu-HU" dirty="0"/>
+                  <a:t>)</a:t>
+                </a:r>
+              </a:p>
+              <a:p>
+                <a:pPr lvl="1">
+                  <a:buFont typeface="Wingdings" panose="05000000000000000000" pitchFamily="2" charset="2"/>
+                  <a:buChar char="q"/>
+                </a:pPr>
+                <a:r>
+                  <a:rPr lang="hu-HU" dirty="0"/>
+                  <a:t>Irradiancia (</a:t>
+                </a:r>
+                <a14:m>
+                  <m:oMath xmlns:m="http://schemas.openxmlformats.org/officeDocument/2006/math">
+                    <m:r>
+                      <a:rPr lang="hu-HU" b="0" i="1" smtClean="0">
+                        <a:latin typeface="Cambria Math" panose="02040503050406030204" pitchFamily="18" charset="0"/>
+                      </a:rPr>
+                      <m:t>𝐸</m:t>
+                    </m:r>
+                  </m:oMath>
+                </a14:m>
+                <a:r>
+                  <a:rPr lang="hu-HU" dirty="0"/>
+                  <a:t>): egységnyi területre beérkező fluxus (</a:t>
+                </a:r>
+                <a14:m>
+                  <m:oMath xmlns:m="http://schemas.openxmlformats.org/officeDocument/2006/math">
+                    <m:f>
+                      <m:fPr>
+                        <m:ctrlPr>
+                          <a:rPr lang="hu-HU" i="1" smtClean="0">
+                            <a:latin typeface="Cambria Math" panose="02040503050406030204" pitchFamily="18" charset="0"/>
+                          </a:rPr>
+                        </m:ctrlPr>
+                      </m:fPr>
+                      <m:num>
+                        <m:r>
+                          <a:rPr lang="hu-HU" b="0" i="1" smtClean="0">
+                            <a:latin typeface="Cambria Math" panose="02040503050406030204" pitchFamily="18" charset="0"/>
+                          </a:rPr>
+                          <m:t>𝑊</m:t>
+                        </m:r>
+                      </m:num>
+                      <m:den>
+                        <m:sSup>
+                          <m:sSupPr>
+                            <m:ctrlPr>
+                              <a:rPr lang="hu-HU" i="1" smtClean="0">
+                                <a:latin typeface="Cambria Math" panose="02040503050406030204" pitchFamily="18" charset="0"/>
+                              </a:rPr>
+                            </m:ctrlPr>
+                          </m:sSupPr>
+                          <m:e>
+                            <m:r>
+                              <a:rPr lang="hu-HU" b="0" i="1" smtClean="0">
+                                <a:latin typeface="Cambria Math" panose="02040503050406030204" pitchFamily="18" charset="0"/>
+                              </a:rPr>
+                              <m:t>𝑚</m:t>
+                            </m:r>
+                          </m:e>
+                          <m:sup>
+                            <m:r>
+                              <a:rPr lang="hu-HU" b="0" i="1" smtClean="0">
+                                <a:latin typeface="Cambria Math" panose="02040503050406030204" pitchFamily="18" charset="0"/>
+                              </a:rPr>
+                              <m:t>2</m:t>
+                            </m:r>
+                          </m:sup>
+                        </m:sSup>
+                      </m:den>
+                    </m:f>
+                  </m:oMath>
+                </a14:m>
+                <a:r>
+                  <a:rPr lang="hu-HU" dirty="0"/>
+                  <a:t>)</a:t>
+                </a:r>
+              </a:p>
+              <a:p>
+                <a:pPr lvl="1">
+                  <a:buFont typeface="Wingdings" panose="05000000000000000000" pitchFamily="2" charset="2"/>
+                  <a:buChar char="q"/>
+                </a:pPr>
+                <a:r>
+                  <a:rPr lang="hu-HU" dirty="0"/>
+                  <a:t>Intenzitás (</a:t>
+                </a:r>
+                <a14:m>
+                  <m:oMath xmlns:m="http://schemas.openxmlformats.org/officeDocument/2006/math">
+                    <m:r>
+                      <a:rPr lang="hu-HU" b="0" i="1" smtClean="0">
+                        <a:latin typeface="Cambria Math" panose="02040503050406030204" pitchFamily="18" charset="0"/>
+                      </a:rPr>
+                      <m:t>𝐼</m:t>
+                    </m:r>
+                  </m:oMath>
+                </a14:m>
+                <a:r>
+                  <a:rPr lang="hu-HU" dirty="0"/>
+                  <a:t>): egységnyi térszögben terjedő fluxus (</a:t>
+                </a:r>
+                <a14:m>
+                  <m:oMath xmlns:m="http://schemas.openxmlformats.org/officeDocument/2006/math">
+                    <m:f>
+                      <m:fPr>
+                        <m:ctrlPr>
+                          <a:rPr lang="hu-HU" i="1" smtClean="0">
+                            <a:latin typeface="Cambria Math" panose="02040503050406030204" pitchFamily="18" charset="0"/>
+                          </a:rPr>
+                        </m:ctrlPr>
+                      </m:fPr>
+                      <m:num>
+                        <m:r>
+                          <a:rPr lang="hu-HU" b="0" i="1" smtClean="0">
+                            <a:latin typeface="Cambria Math" panose="02040503050406030204" pitchFamily="18" charset="0"/>
+                          </a:rPr>
+                          <m:t>𝑊</m:t>
+                        </m:r>
+                      </m:num>
+                      <m:den>
+                        <m:r>
+                          <a:rPr lang="hu-HU" b="0" i="1" smtClean="0">
+                            <a:latin typeface="Cambria Math" panose="02040503050406030204" pitchFamily="18" charset="0"/>
+                          </a:rPr>
+                          <m:t>𝑠𝑟</m:t>
+                        </m:r>
+                      </m:den>
+                    </m:f>
+                  </m:oMath>
+                </a14:m>
+                <a:r>
+                  <a:rPr lang="hu-HU" dirty="0"/>
+                  <a:t>)</a:t>
+                </a:r>
+              </a:p>
+              <a:p>
+                <a:pPr lvl="1">
+                  <a:buFont typeface="Wingdings" panose="05000000000000000000" pitchFamily="2" charset="2"/>
+                  <a:buChar char="q"/>
+                </a:pPr>
+                <a:r>
+                  <a:rPr lang="hu-HU" b="1" dirty="0"/>
+                  <a:t>Radiancia</a:t>
+                </a:r>
+                <a:r>
+                  <a:rPr lang="hu-HU" dirty="0"/>
+                  <a:t> (</a:t>
+                </a:r>
+                <a14:m>
+                  <m:oMath xmlns:m="http://schemas.openxmlformats.org/officeDocument/2006/math">
+                    <m:r>
+                      <a:rPr lang="hu-HU" b="0" i="1" smtClean="0">
+                        <a:latin typeface="Cambria Math" panose="02040503050406030204" pitchFamily="18" charset="0"/>
+                      </a:rPr>
+                      <m:t>𝐿</m:t>
+                    </m:r>
+                  </m:oMath>
+                </a14:m>
+                <a:r>
+                  <a:rPr lang="hu-HU" dirty="0"/>
+                  <a:t>): egységnyi </a:t>
+                </a:r>
+                <a:r>
+                  <a:rPr lang="hu-HU" u="sng" dirty="0"/>
+                  <a:t>vetített</a:t>
+                </a:r>
+                <a:r>
+                  <a:rPr lang="hu-HU" dirty="0"/>
+                  <a:t> területre egységnyi térszögben beérkező fluxus (</a:t>
+                </a:r>
+                <a14:m>
+                  <m:oMath xmlns:m="http://schemas.openxmlformats.org/officeDocument/2006/math">
+                    <m:f>
+                      <m:fPr>
+                        <m:ctrlPr>
+                          <a:rPr lang="hu-HU" i="1" smtClean="0">
+                            <a:latin typeface="Cambria Math" panose="02040503050406030204" pitchFamily="18" charset="0"/>
+                          </a:rPr>
+                        </m:ctrlPr>
+                      </m:fPr>
+                      <m:num>
+                        <m:r>
+                          <a:rPr lang="hu-HU" b="0" i="1" smtClean="0">
+                            <a:latin typeface="Cambria Math" panose="02040503050406030204" pitchFamily="18" charset="0"/>
+                          </a:rPr>
+                          <m:t>𝑊</m:t>
+                        </m:r>
+                      </m:num>
+                      <m:den>
+                        <m:sSup>
+                          <m:sSupPr>
+                            <m:ctrlPr>
+                              <a:rPr lang="hu-HU" i="1" smtClean="0">
+                                <a:latin typeface="Cambria Math" panose="02040503050406030204" pitchFamily="18" charset="0"/>
+                              </a:rPr>
+                            </m:ctrlPr>
+                          </m:sSupPr>
+                          <m:e>
+                            <m:r>
+                              <a:rPr lang="hu-HU" b="0" i="1" smtClean="0">
+                                <a:latin typeface="Cambria Math" panose="02040503050406030204" pitchFamily="18" charset="0"/>
+                              </a:rPr>
+                              <m:t>𝑚</m:t>
+                            </m:r>
+                          </m:e>
+                          <m:sup>
+                            <m:r>
+                              <a:rPr lang="hu-HU" b="0" i="1" smtClean="0">
+                                <a:latin typeface="Cambria Math" panose="02040503050406030204" pitchFamily="18" charset="0"/>
+                              </a:rPr>
+                              <m:t>2</m:t>
+                            </m:r>
+                          </m:sup>
+                        </m:sSup>
+                        <m:r>
+                          <a:rPr lang="hu-HU" b="0" i="1" smtClean="0">
+                            <a:latin typeface="Cambria Math" panose="02040503050406030204" pitchFamily="18" charset="0"/>
+                          </a:rPr>
+                          <m:t>𝑠𝑟</m:t>
+                        </m:r>
+                      </m:den>
+                    </m:f>
+                  </m:oMath>
+                </a14:m>
+                <a:r>
+                  <a:rPr lang="hu-HU" dirty="0"/>
+                  <a:t>)</a:t>
+                </a:r>
+              </a:p>
+              <a:p>
+                <a:pPr>
+                  <a:buFont typeface="Wingdings" panose="05000000000000000000" pitchFamily="2" charset="2"/>
+                  <a:buChar char="§"/>
+                </a:pPr>
+                <a:r>
+                  <a:rPr lang="hu-HU" dirty="0"/>
+                  <a:t>Amikor ránézel egy fényforrásra, akkor a „fényessége” alatt tulajdonképpen az intenzitását kell érteni; ez független attól, hogy milyen szögben illetve milyen távolról nézel rá</a:t>
+                </a:r>
+              </a:p>
+              <a:p>
+                <a:pPr>
+                  <a:buFont typeface="Wingdings" panose="05000000000000000000" pitchFamily="2" charset="2"/>
+                  <a:buChar char="§"/>
+                </a:pPr>
+                <a:r>
+                  <a:rPr lang="hu-HU" dirty="0"/>
+                  <a:t>Ha viszont a fény egy felületről pattan vissza, akkor már számít mindkettő</a:t>
+                </a:r>
+              </a:p>
+              <a:p>
+                <a:pPr>
+                  <a:buFont typeface="Wingdings" panose="05000000000000000000" pitchFamily="2" charset="2"/>
+                  <a:buChar char="§"/>
+                </a:pPr>
+                <a:r>
+                  <a:rPr lang="hu-HU" dirty="0"/>
+                  <a:t>A feladat a felületet elhagyó radiancia kiszámolása</a:t>
+                </a:r>
+              </a:p>
+              <a:p>
+                <a:pPr>
+                  <a:buFont typeface="Wingdings" panose="05000000000000000000" pitchFamily="2" charset="2"/>
+                  <a:buChar char="§"/>
+                </a:pPr>
+                <a:r>
+                  <a:rPr lang="hu-HU" b="1" dirty="0"/>
+                  <a:t>Fontos:</a:t>
+                </a:r>
+                <a:r>
+                  <a:rPr lang="hu-HU" dirty="0"/>
+                  <a:t> a radiancia egyenes vonalak mentén konstans!*</a:t>
+                </a:r>
+              </a:p>
+              <a:p>
+                <a:pPr>
+                  <a:buFont typeface="Wingdings" panose="05000000000000000000" pitchFamily="2" charset="2"/>
+                  <a:buChar char="§"/>
+                </a:pPr>
+                <a:endParaRPr lang="hu-HU" dirty="0"/>
+              </a:p>
+              <a:p>
+                <a:pPr>
+                  <a:buFont typeface="Wingdings" panose="05000000000000000000" pitchFamily="2" charset="2"/>
+                  <a:buChar char="§"/>
+                </a:pPr>
+                <a:endParaRPr lang="hu-HU" dirty="0"/>
+              </a:p>
+            </p:txBody>
+          </p:sp>
+        </mc:Choice>
+        <mc:Fallback>
+          <p:sp>
+            <p:nvSpPr>
+              <p:cNvPr id="3" name="Content Placeholder 2">
+                <a:extLst>
+                  <a:ext uri="{FF2B5EF4-FFF2-40B4-BE49-F238E27FC236}">
+                    <a16:creationId xmlns:a16="http://schemas.microsoft.com/office/drawing/2014/main" id="{6C4ADC28-AFEF-41A9-9AD9-EE4E6403AAB0}"/>
+                  </a:ext>
+                </a:extLst>
+              </p:cNvPr>
+              <p:cNvSpPr>
+                <a:spLocks noGrp="1" noRot="1" noChangeAspect="1" noMove="1" noResize="1" noEditPoints="1" noAdjustHandles="1" noChangeArrowheads="1" noChangeShapeType="1" noTextEdit="1"/>
+              </p:cNvSpPr>
+              <p:nvPr>
+                <p:ph idx="1"/>
+              </p:nvPr>
+            </p:nvSpPr>
+            <p:spPr>
+              <a:blipFill>
+                <a:blip r:embed="rId3"/>
+                <a:stretch>
+                  <a:fillRect l="-1455" t="-2273"/>
+                </a:stretch>
+              </a:blipFill>
+            </p:spPr>
+            <p:txBody>
+              <a:bodyPr/>
+              <a:lstStyle/>
+              <a:p>
+                <a:r>
+                  <a:rPr lang="hu-HU">
+                    <a:noFill/>
+                  </a:rPr>
+                  <a:t> </a:t>
+                </a:r>
+              </a:p>
+            </p:txBody>
+          </p:sp>
+        </mc:Fallback>
+      </mc:AlternateContent>
+    </p:spTree>
+    <p:extLst>
+      <p:ext uri="{BB962C8B-B14F-4D97-AF65-F5344CB8AC3E}">
+        <p14:creationId xmlns:p14="http://schemas.microsoft.com/office/powerpoint/2010/main" val="1150376686"/>
+      </p:ext>
+    </p:extLst>
+  </p:cSld>
+  <p:clrMapOvr>
+    <a:masterClrMapping/>
+  </p:clrMapOvr>
+</p:sld>
+</file>
+
+<file path=ppt/slides/slide8.xml><?xml version="1.0" encoding="utf-8"?>
+<p:sld xmlns:a="http://schemas.openxmlformats.org/drawingml/2006/main" xmlns:r="http://schemas.openxmlformats.org/officeDocument/2006/relationships" xmlns:p="http://schemas.openxmlformats.org/presentationml/2006/main">
+  <p:cSld>
+    <p:spTree>
+      <p:nvGrpSpPr>
+        <p:cNvPr id="1" name=""/>
+        <p:cNvGrpSpPr/>
+        <p:nvPr/>
+      </p:nvGrpSpPr>
+      <p:grpSpPr>
+        <a:xfrm>
+          <a:off x="0" y="0"/>
+          <a:ext cx="0" cy="0"/>
+          <a:chOff x="0" y="0"/>
+          <a:chExt cx="0" cy="0"/>
+        </a:xfrm>
+      </p:grpSpPr>
+      <p:sp>
+        <p:nvSpPr>
+          <p:cNvPr id="2" name="Title 1">
+            <a:extLst>
+              <a:ext uri="{FF2B5EF4-FFF2-40B4-BE49-F238E27FC236}">
+                <a16:creationId xmlns:a16="http://schemas.microsoft.com/office/drawing/2014/main" id="{CF35FCE6-5190-4E2E-BCE2-B1791C333C2D}"/>
+              </a:ext>
+            </a:extLst>
+          </p:cNvPr>
+          <p:cNvSpPr>
+            <a:spLocks noGrp="1"/>
+          </p:cNvSpPr>
+          <p:nvPr>
+            <p:ph type="title"/>
+          </p:nvPr>
+        </p:nvSpPr>
+        <p:spPr/>
+        <p:txBody>
+          <a:bodyPr/>
+          <a:lstStyle/>
+          <a:p>
+            <a:r>
+              <a:rPr lang="hu-HU" dirty="0"/>
+              <a:t>Ismétlés: radiometriai fogalmak képletei</a:t>
+            </a:r>
+          </a:p>
+        </p:txBody>
+      </p:sp>
+      <mc:AlternateContent xmlns:mc="http://schemas.openxmlformats.org/markup-compatibility/2006">
+        <mc:Choice xmlns:a14="http://schemas.microsoft.com/office/drawing/2010/main" Requires="a14">
+          <p:sp>
+            <p:nvSpPr>
+              <p:cNvPr id="3" name="Content Placeholder 2">
+                <a:extLst>
+                  <a:ext uri="{FF2B5EF4-FFF2-40B4-BE49-F238E27FC236}">
+                    <a16:creationId xmlns:a16="http://schemas.microsoft.com/office/drawing/2014/main" id="{37146FB5-96A2-4FB5-8328-5D33DF38473F}"/>
+                  </a:ext>
+                </a:extLst>
+              </p:cNvPr>
+              <p:cNvSpPr>
+                <a:spLocks noGrp="1"/>
+              </p:cNvSpPr>
+              <p:nvPr>
+                <p:ph idx="1"/>
+              </p:nvPr>
+            </p:nvSpPr>
+            <p:spPr/>
+            <p:txBody>
+              <a:bodyPr>
+                <a:normAutofit lnSpcReduction="10000"/>
+              </a:bodyPr>
+              <a:lstStyle/>
+              <a:p>
+                <a:pPr>
+                  <a:buFont typeface="Wingdings" panose="05000000000000000000" pitchFamily="2" charset="2"/>
+                  <a:buChar char="§"/>
+                </a:pPr>
+                <a:r>
+                  <a:rPr lang="hu-HU" dirty="0"/>
+                  <a:t>A paramétereket a legtöbb irodalom el szokta hagyni (lustaságból):</a:t>
+                </a:r>
+              </a:p>
+              <a:p>
+                <a:pPr marL="0" indent="0" algn="ctr">
+                  <a:lnSpc>
+                    <a:spcPct val="150000"/>
+                  </a:lnSpc>
+                  <a:buNone/>
+                </a:pPr>
+                <a14:m>
+                  <m:oMathPara xmlns:m="http://schemas.openxmlformats.org/officeDocument/2006/math">
+                    <m:oMathParaPr>
+                      <m:jc m:val="centerGroup"/>
+                    </m:oMathParaPr>
+                    <m:oMath xmlns:m="http://schemas.openxmlformats.org/officeDocument/2006/math">
+                      <m:r>
+                        <a:rPr lang="hu-HU" b="0" i="1" smtClean="0">
+                          <a:latin typeface="Cambria Math" panose="02040503050406030204" pitchFamily="18" charset="0"/>
+                        </a:rPr>
+                        <m:t>𝐼</m:t>
+                      </m:r>
+                      <m:r>
+                        <a:rPr lang="hu-HU" b="0" i="1" smtClean="0">
+                          <a:latin typeface="Cambria Math" panose="02040503050406030204" pitchFamily="18" charset="0"/>
+                        </a:rPr>
+                        <m:t>=</m:t>
+                      </m:r>
+                      <m:f>
+                        <m:fPr>
+                          <m:ctrlPr>
+                            <a:rPr lang="hu-HU" b="0" i="1" smtClean="0">
+                              <a:latin typeface="Cambria Math" panose="02040503050406030204" pitchFamily="18" charset="0"/>
+                            </a:rPr>
+                          </m:ctrlPr>
+                        </m:fPr>
+                        <m:num>
+                          <m:r>
+                            <a:rPr lang="hu-HU" b="0" i="1" smtClean="0">
+                              <a:latin typeface="Cambria Math" panose="02040503050406030204" pitchFamily="18" charset="0"/>
+                            </a:rPr>
+                            <m:t>𝑑</m:t>
+                          </m:r>
+                          <m:r>
+                            <m:rPr>
+                              <m:sty m:val="p"/>
+                            </m:rPr>
+                            <a:rPr lang="el-GR" b="0" i="1" smtClean="0">
+                              <a:latin typeface="Cambria Math" panose="02040503050406030204" pitchFamily="18" charset="0"/>
+                              <a:ea typeface="Cambria Math" panose="02040503050406030204" pitchFamily="18" charset="0"/>
+                            </a:rPr>
+                            <m:t>Φ</m:t>
+                          </m:r>
+                        </m:num>
+                        <m:den>
+                          <m:r>
+                            <a:rPr lang="hu-HU" b="0" i="1" smtClean="0">
+                              <a:latin typeface="Cambria Math" panose="02040503050406030204" pitchFamily="18" charset="0"/>
+                            </a:rPr>
+                            <m:t>𝑑</m:t>
+                          </m:r>
+                          <m:r>
+                            <a:rPr lang="hu-HU" b="0" i="1" smtClean="0">
+                              <a:latin typeface="Cambria Math" panose="02040503050406030204" pitchFamily="18" charset="0"/>
+                              <a:ea typeface="Cambria Math" panose="02040503050406030204" pitchFamily="18" charset="0"/>
+                            </a:rPr>
+                            <m:t>𝜔</m:t>
+                          </m:r>
+                        </m:den>
+                      </m:f>
+                    </m:oMath>
+                  </m:oMathPara>
+                </a14:m>
+                <a:endParaRPr lang="hu-HU" dirty="0"/>
+              </a:p>
+              <a:p>
+                <a:pPr marL="0" indent="0" algn="ctr">
+                  <a:lnSpc>
+                    <a:spcPct val="150000"/>
+                  </a:lnSpc>
+                  <a:buNone/>
+                </a:pPr>
+                <a14:m>
+                  <m:oMathPara xmlns:m="http://schemas.openxmlformats.org/officeDocument/2006/math">
+                    <m:oMathParaPr>
+                      <m:jc m:val="centerGroup"/>
+                    </m:oMathParaPr>
+                    <m:oMath xmlns:m="http://schemas.openxmlformats.org/officeDocument/2006/math">
+                      <m:r>
+                        <a:rPr lang="hu-HU" b="0" i="1" smtClean="0">
+                          <a:latin typeface="Cambria Math" panose="02040503050406030204" pitchFamily="18" charset="0"/>
+                        </a:rPr>
+                        <m:t>𝐸</m:t>
+                      </m:r>
+                      <m:r>
+                        <a:rPr lang="hu-HU" b="0" i="1" smtClean="0">
+                          <a:latin typeface="Cambria Math" panose="02040503050406030204" pitchFamily="18" charset="0"/>
+                        </a:rPr>
+                        <m:t>=</m:t>
+                      </m:r>
+                      <m:f>
+                        <m:fPr>
+                          <m:ctrlPr>
+                            <a:rPr lang="hu-HU" b="0" i="1" smtClean="0">
+                              <a:latin typeface="Cambria Math" panose="02040503050406030204" pitchFamily="18" charset="0"/>
+                            </a:rPr>
+                          </m:ctrlPr>
+                        </m:fPr>
+                        <m:num>
+                          <m:r>
+                            <a:rPr lang="hu-HU" b="0" i="1" smtClean="0">
+                              <a:latin typeface="Cambria Math" panose="02040503050406030204" pitchFamily="18" charset="0"/>
+                            </a:rPr>
+                            <m:t>𝑑</m:t>
+                          </m:r>
+                          <m:r>
+                            <m:rPr>
+                              <m:sty m:val="p"/>
+                            </m:rPr>
+                            <a:rPr lang="el-GR" b="0" i="1" smtClean="0">
+                              <a:latin typeface="Cambria Math" panose="02040503050406030204" pitchFamily="18" charset="0"/>
+                              <a:ea typeface="Cambria Math" panose="02040503050406030204" pitchFamily="18" charset="0"/>
+                            </a:rPr>
+                            <m:t>Φ</m:t>
+                          </m:r>
+                        </m:num>
+                        <m:den>
+                          <m:r>
+                            <a:rPr lang="hu-HU" b="0" i="1" smtClean="0">
+                              <a:latin typeface="Cambria Math" panose="02040503050406030204" pitchFamily="18" charset="0"/>
+                            </a:rPr>
+                            <m:t>𝑑𝐴</m:t>
+                          </m:r>
+                        </m:den>
+                      </m:f>
+                    </m:oMath>
+                  </m:oMathPara>
+                </a14:m>
+                <a:endParaRPr lang="hu-HU" dirty="0"/>
+              </a:p>
+              <a:p>
+                <a:pPr marL="0" indent="0" algn="ctr">
+                  <a:lnSpc>
+                    <a:spcPct val="150000"/>
+                  </a:lnSpc>
+                  <a:buNone/>
+                </a:pPr>
+                <a14:m>
+                  <m:oMathPara xmlns:m="http://schemas.openxmlformats.org/officeDocument/2006/math">
+                    <m:oMathParaPr>
+                      <m:jc m:val="centerGroup"/>
+                    </m:oMathParaPr>
+                    <m:oMath xmlns:m="http://schemas.openxmlformats.org/officeDocument/2006/math">
+                      <m:r>
+                        <a:rPr lang="hu-HU" b="0" i="1" smtClean="0">
+                          <a:latin typeface="Cambria Math" panose="02040503050406030204" pitchFamily="18" charset="0"/>
+                        </a:rPr>
+                        <m:t>𝐿</m:t>
+                      </m:r>
+                      <m:r>
+                        <a:rPr lang="hu-HU" b="0" i="1" smtClean="0">
+                          <a:latin typeface="Cambria Math" panose="02040503050406030204" pitchFamily="18" charset="0"/>
+                        </a:rPr>
+                        <m:t>=</m:t>
+                      </m:r>
+                      <m:f>
+                        <m:fPr>
+                          <m:ctrlPr>
+                            <a:rPr lang="hu-HU" b="0" i="1" smtClean="0">
+                              <a:latin typeface="Cambria Math" panose="02040503050406030204" pitchFamily="18" charset="0"/>
+                            </a:rPr>
+                          </m:ctrlPr>
+                        </m:fPr>
+                        <m:num>
+                          <m:sSup>
+                            <m:sSupPr>
+                              <m:ctrlPr>
+                                <a:rPr lang="hu-HU" b="0" i="1" smtClean="0">
+                                  <a:latin typeface="Cambria Math" panose="02040503050406030204" pitchFamily="18" charset="0"/>
+                                </a:rPr>
+                              </m:ctrlPr>
+                            </m:sSupPr>
+                            <m:e>
+                              <m:r>
+                                <a:rPr lang="hu-HU" b="0" i="1" smtClean="0">
+                                  <a:latin typeface="Cambria Math" panose="02040503050406030204" pitchFamily="18" charset="0"/>
+                                </a:rPr>
+                                <m:t>𝑑</m:t>
+                              </m:r>
+                            </m:e>
+                            <m:sup>
+                              <m:r>
+                                <a:rPr lang="hu-HU" b="0" i="1" smtClean="0">
+                                  <a:latin typeface="Cambria Math" panose="02040503050406030204" pitchFamily="18" charset="0"/>
+                                </a:rPr>
+                                <m:t>2</m:t>
+                              </m:r>
+                            </m:sup>
+                          </m:sSup>
+                          <m:r>
+                            <m:rPr>
+                              <m:sty m:val="p"/>
+                            </m:rPr>
+                            <a:rPr lang="el-GR" b="0" i="1" smtClean="0">
+                              <a:latin typeface="Cambria Math" panose="02040503050406030204" pitchFamily="18" charset="0"/>
+                              <a:ea typeface="Cambria Math" panose="02040503050406030204" pitchFamily="18" charset="0"/>
+                            </a:rPr>
+                            <m:t>Φ</m:t>
+                          </m:r>
+                        </m:num>
+                        <m:den>
+                          <m:r>
+                            <a:rPr lang="hu-HU" b="0" i="1" smtClean="0">
+                              <a:latin typeface="Cambria Math" panose="02040503050406030204" pitchFamily="18" charset="0"/>
+                            </a:rPr>
+                            <m:t>𝑑𝐴</m:t>
+                          </m:r>
+                          <m:func>
+                            <m:funcPr>
+                              <m:ctrlPr>
+                                <a:rPr lang="hu-HU" b="0" i="1" smtClean="0">
+                                  <a:latin typeface="Cambria Math" panose="02040503050406030204" pitchFamily="18" charset="0"/>
+                                </a:rPr>
+                              </m:ctrlPr>
+                            </m:funcPr>
+                            <m:fName>
+                              <m:r>
+                                <m:rPr>
+                                  <m:sty m:val="p"/>
+                                </m:rPr>
+                                <a:rPr lang="hu-HU" b="0" i="0" smtClean="0">
+                                  <a:latin typeface="Cambria Math" panose="02040503050406030204" pitchFamily="18" charset="0"/>
+                                </a:rPr>
+                                <m:t>cos</m:t>
+                              </m:r>
+                            </m:fName>
+                            <m:e>
+                              <m:r>
+                                <a:rPr lang="en-US" b="0" i="1" smtClean="0">
+                                  <a:latin typeface="Cambria Math" panose="02040503050406030204" pitchFamily="18" charset="0"/>
+                                </a:rPr>
+                                <m:t>𝜃</m:t>
+                              </m:r>
+                              <m:r>
+                                <a:rPr lang="en-US" b="0" i="1" smtClean="0">
+                                  <a:latin typeface="Cambria Math" panose="02040503050406030204" pitchFamily="18" charset="0"/>
+                                </a:rPr>
+                                <m:t> </m:t>
+                              </m:r>
+                              <m:r>
+                                <a:rPr lang="en-US" b="0" i="1" smtClean="0">
+                                  <a:latin typeface="Cambria Math" panose="02040503050406030204" pitchFamily="18" charset="0"/>
+                                </a:rPr>
+                                <m:t>𝑑</m:t>
+                              </m:r>
+                              <m:r>
+                                <a:rPr lang="en-US" b="0" i="1" smtClean="0">
+                                  <a:latin typeface="Cambria Math" panose="02040503050406030204" pitchFamily="18" charset="0"/>
+                                </a:rPr>
+                                <m:t>𝜔</m:t>
+                              </m:r>
+                            </m:e>
+                          </m:func>
+                        </m:den>
+                      </m:f>
+                    </m:oMath>
+                  </m:oMathPara>
+                </a14:m>
+                <a:endParaRPr lang="en-US" dirty="0"/>
+              </a:p>
+              <a:p>
+                <a:pPr>
+                  <a:lnSpc>
+                    <a:spcPct val="100000"/>
+                  </a:lnSpc>
+                  <a:buFont typeface="Wingdings" panose="05000000000000000000" pitchFamily="2" charset="2"/>
+                  <a:buChar char="§"/>
+                </a:pPr>
+                <a:r>
+                  <a:rPr lang="en-US" dirty="0" err="1"/>
+                  <a:t>Ezeket</a:t>
+                </a:r>
+                <a:r>
+                  <a:rPr lang="en-US" dirty="0"/>
+                  <a:t> </a:t>
+                </a:r>
+                <a:r>
+                  <a:rPr lang="en-US" dirty="0" err="1"/>
+                  <a:t>kell</a:t>
+                </a:r>
+                <a:r>
+                  <a:rPr lang="en-US" dirty="0"/>
+                  <a:t> </a:t>
+                </a:r>
+                <a:r>
+                  <a:rPr lang="hu-HU" dirty="0"/>
+                  <a:t>álmodból felébresztve kenni-vágni</a:t>
+                </a:r>
+              </a:p>
+              <a:p>
+                <a:pPr>
+                  <a:lnSpc>
+                    <a:spcPct val="100000"/>
+                  </a:lnSpc>
+                  <a:buFont typeface="Wingdings" panose="05000000000000000000" pitchFamily="2" charset="2"/>
+                  <a:buChar char="§"/>
+                </a:pPr>
+                <a14:m>
+                  <m:oMath xmlns:m="http://schemas.openxmlformats.org/officeDocument/2006/math">
+                    <m:sSup>
+                      <m:sSupPr>
+                        <m:ctrlPr>
+                          <a:rPr lang="hu-HU" i="1" smtClean="0">
+                            <a:latin typeface="Cambria Math" panose="02040503050406030204" pitchFamily="18" charset="0"/>
+                          </a:rPr>
+                        </m:ctrlPr>
+                      </m:sSupPr>
+                      <m:e>
+                        <m:r>
+                          <a:rPr lang="hu-HU" b="0" i="1" smtClean="0">
+                            <a:latin typeface="Cambria Math" panose="02040503050406030204" pitchFamily="18" charset="0"/>
+                          </a:rPr>
+                          <m:t>𝑑𝐴</m:t>
+                        </m:r>
+                      </m:e>
+                      <m:sup>
+                        <m:r>
+                          <a:rPr lang="hu-HU" i="1" smtClean="0">
+                            <a:latin typeface="Cambria Math" panose="02040503050406030204" pitchFamily="18" charset="0"/>
+                            <a:ea typeface="Cambria Math" panose="02040503050406030204" pitchFamily="18" charset="0"/>
+                          </a:rPr>
+                          <m:t>⊥</m:t>
+                        </m:r>
+                      </m:sup>
+                    </m:sSup>
+                    <m:r>
+                      <a:rPr lang="hu-HU" b="0" i="1" smtClean="0">
+                        <a:latin typeface="Cambria Math" panose="02040503050406030204" pitchFamily="18" charset="0"/>
+                      </a:rPr>
+                      <m:t>=</m:t>
+                    </m:r>
+                    <m:r>
+                      <a:rPr lang="hu-HU" b="0" i="1" smtClean="0">
+                        <a:latin typeface="Cambria Math" panose="02040503050406030204" pitchFamily="18" charset="0"/>
+                      </a:rPr>
+                      <m:t>𝑑𝐴</m:t>
+                    </m:r>
+                    <m:func>
+                      <m:funcPr>
+                        <m:ctrlPr>
+                          <a:rPr lang="hu-HU" b="0" i="1" smtClean="0">
+                            <a:latin typeface="Cambria Math" panose="02040503050406030204" pitchFamily="18" charset="0"/>
+                          </a:rPr>
+                        </m:ctrlPr>
+                      </m:funcPr>
+                      <m:fName>
+                        <m:r>
+                          <m:rPr>
+                            <m:sty m:val="p"/>
+                          </m:rPr>
+                          <a:rPr lang="hu-HU" b="0" i="0" smtClean="0">
+                            <a:latin typeface="Cambria Math" panose="02040503050406030204" pitchFamily="18" charset="0"/>
+                          </a:rPr>
+                          <m:t>cos</m:t>
+                        </m:r>
+                      </m:fName>
+                      <m:e>
+                        <m:r>
+                          <a:rPr lang="hu-HU" b="0" i="1" smtClean="0">
+                            <a:latin typeface="Cambria Math" panose="02040503050406030204" pitchFamily="18" charset="0"/>
+                          </a:rPr>
+                          <m:t>𝜃</m:t>
+                        </m:r>
+                      </m:e>
+                    </m:func>
+                  </m:oMath>
+                </a14:m>
+                <a:r>
+                  <a:rPr lang="hu-HU" dirty="0"/>
+                  <a:t> a vetített terület (egyes irodalmak így jelölik)</a:t>
+                </a:r>
+              </a:p>
+            </p:txBody>
+          </p:sp>
+        </mc:Choice>
+        <mc:Fallback>
+          <p:sp>
+            <p:nvSpPr>
+              <p:cNvPr id="3" name="Content Placeholder 2">
+                <a:extLst>
+                  <a:ext uri="{FF2B5EF4-FFF2-40B4-BE49-F238E27FC236}">
+                    <a16:creationId xmlns:a16="http://schemas.microsoft.com/office/drawing/2014/main" id="{37146FB5-96A2-4FB5-8328-5D33DF38473F}"/>
+                  </a:ext>
+                </a:extLst>
+              </p:cNvPr>
+              <p:cNvSpPr>
+                <a:spLocks noGrp="1" noRot="1" noChangeAspect="1" noMove="1" noResize="1" noEditPoints="1" noAdjustHandles="1" noChangeArrowheads="1" noChangeShapeType="1" noTextEdit="1"/>
+              </p:cNvSpPr>
+              <p:nvPr>
+                <p:ph idx="1"/>
+              </p:nvPr>
+            </p:nvSpPr>
+            <p:spPr>
+              <a:blipFill>
+                <a:blip r:embed="rId2"/>
+                <a:stretch>
+                  <a:fillRect l="-1455" t="-2273" b="-1364"/>
+                </a:stretch>
+              </a:blipFill>
+            </p:spPr>
+            <p:txBody>
+              <a:bodyPr/>
+              <a:lstStyle/>
+              <a:p>
+                <a:r>
+                  <a:rPr lang="hu-HU">
+                    <a:noFill/>
+                  </a:rPr>
+                  <a:t> </a:t>
+                </a:r>
+              </a:p>
+            </p:txBody>
+          </p:sp>
+        </mc:Fallback>
+      </mc:AlternateContent>
+    </p:spTree>
+    <p:extLst>
+      <p:ext uri="{BB962C8B-B14F-4D97-AF65-F5344CB8AC3E}">
+        <p14:creationId xmlns:p14="http://schemas.microsoft.com/office/powerpoint/2010/main" val="196534322"/>
+      </p:ext>
+    </p:extLst>
+  </p:cSld>
+  <p:clrMapOvr>
+    <a:masterClrMapping/>
+  </p:clrMapOvr>
+</p:sld>
+</file>
+
+<file path=ppt/slides/slide9.xml><?xml version="1.0" encoding="utf-8"?>
+<p:sld xmlns:a="http://schemas.openxmlformats.org/drawingml/2006/main" xmlns:r="http://schemas.openxmlformats.org/officeDocument/2006/relationships" xmlns:p="http://schemas.openxmlformats.org/presentationml/2006/main">
+  <p:cSld>
+    <p:spTree>
+      <p:nvGrpSpPr>
+        <p:cNvPr id="1" name=""/>
+        <p:cNvGrpSpPr/>
+        <p:nvPr/>
+      </p:nvGrpSpPr>
+      <p:grpSpPr>
+        <a:xfrm>
+          <a:off x="0" y="0"/>
+          <a:ext cx="0" cy="0"/>
+          <a:chOff x="0" y="0"/>
+          <a:chExt cx="0" cy="0"/>
+        </a:xfrm>
+      </p:grpSpPr>
+      <p:sp>
+        <p:nvSpPr>
+          <p:cNvPr id="2" name="Title 1">
+            <a:extLst>
+              <a:ext uri="{FF2B5EF4-FFF2-40B4-BE49-F238E27FC236}">
+                <a16:creationId xmlns:a16="http://schemas.microsoft.com/office/drawing/2014/main" id="{7E8E739B-D2F6-4A13-AEFA-C8E73EDFB912}"/>
+              </a:ext>
+            </a:extLst>
+          </p:cNvPr>
+          <p:cNvSpPr>
+            <a:spLocks noGrp="1"/>
+          </p:cNvSpPr>
+          <p:nvPr>
+            <p:ph type="title"/>
+          </p:nvPr>
+        </p:nvSpPr>
+        <p:spPr/>
+        <p:txBody>
+          <a:bodyPr/>
+          <a:lstStyle/>
+          <a:p>
+            <a:r>
+              <a:rPr lang="hu-HU" dirty="0"/>
+              <a:t>Ismétlés: tükröződési egyenlet</a:t>
+            </a:r>
+          </a:p>
+        </p:txBody>
+      </p:sp>
+      <mc:AlternateContent xmlns:mc="http://schemas.openxmlformats.org/markup-compatibility/2006">
+        <mc:Choice xmlns:a14="http://schemas.microsoft.com/office/drawing/2010/main" Requires="a14">
+          <p:sp>
+            <p:nvSpPr>
+              <p:cNvPr id="3" name="Content Placeholder 2">
+                <a:extLst>
+                  <a:ext uri="{FF2B5EF4-FFF2-40B4-BE49-F238E27FC236}">
+                    <a16:creationId xmlns:a16="http://schemas.microsoft.com/office/drawing/2014/main" id="{A8231030-22AE-46B4-B53C-E4DABEA3D3BE}"/>
+                  </a:ext>
+                </a:extLst>
+              </p:cNvPr>
+              <p:cNvSpPr>
+                <a:spLocks noGrp="1"/>
+              </p:cNvSpPr>
+              <p:nvPr>
+                <p:ph idx="1"/>
+              </p:nvPr>
+            </p:nvSpPr>
+            <p:spPr/>
+            <p:txBody>
+              <a:bodyPr/>
+              <a:lstStyle/>
+              <a:p>
+                <a:pPr>
+                  <a:buFont typeface="Wingdings" panose="05000000000000000000" pitchFamily="2" charset="2"/>
+                  <a:buChar char="§"/>
+                </a:pPr>
+                <a:r>
+                  <a:rPr lang="hu-HU" dirty="0"/>
+                  <a:t>A felületet elhagyó iránybeli (</a:t>
+                </a:r>
+                <a14:m>
+                  <m:oMath xmlns:m="http://schemas.openxmlformats.org/officeDocument/2006/math">
+                    <m:sSub>
+                      <m:sSubPr>
+                        <m:ctrlPr>
+                          <a:rPr lang="hu-HU" b="0" i="1" smtClean="0">
+                            <a:latin typeface="Cambria Math" panose="02040503050406030204" pitchFamily="18" charset="0"/>
+                          </a:rPr>
+                        </m:ctrlPr>
+                      </m:sSubPr>
+                      <m:e>
+                        <m:r>
+                          <a:rPr lang="hu-HU" b="0" i="1" smtClean="0">
+                            <a:latin typeface="Cambria Math" panose="02040503050406030204" pitchFamily="18" charset="0"/>
+                          </a:rPr>
+                          <m:t>𝜔</m:t>
+                        </m:r>
+                      </m:e>
+                      <m:sub>
+                        <m:r>
+                          <a:rPr lang="hu-HU" b="0" i="1" smtClean="0">
+                            <a:latin typeface="Cambria Math" panose="02040503050406030204" pitchFamily="18" charset="0"/>
+                          </a:rPr>
+                          <m:t>𝑜</m:t>
+                        </m:r>
+                      </m:sub>
+                    </m:sSub>
+                  </m:oMath>
+                </a14:m>
+                <a:r>
+                  <a:rPr lang="hu-HU" dirty="0"/>
+                  <a:t>) radiancia:</a:t>
+                </a:r>
+              </a:p>
+              <a:p>
+                <a:pPr marL="0" indent="0" algn="ctr">
+                  <a:lnSpc>
+                    <a:spcPct val="100000"/>
+                  </a:lnSpc>
+                  <a:buNone/>
+                </a:pPr>
+                <a14:m>
+                  <m:oMathPara xmlns:m="http://schemas.openxmlformats.org/officeDocument/2006/math">
+                    <m:oMathParaPr>
+                      <m:jc m:val="centerGroup"/>
+                    </m:oMathParaPr>
+                    <m:oMath xmlns:m="http://schemas.openxmlformats.org/officeDocument/2006/math">
+                      <m:sSub>
+                        <m:sSubPr>
+                          <m:ctrlPr>
+                            <a:rPr lang="hu-HU" b="0" i="1" smtClean="0">
+                              <a:latin typeface="Cambria Math" panose="02040503050406030204" pitchFamily="18" charset="0"/>
+                            </a:rPr>
+                          </m:ctrlPr>
+                        </m:sSubPr>
+                        <m:e>
+                          <m:r>
+                            <a:rPr lang="hu-HU" b="0" i="1" smtClean="0">
+                              <a:latin typeface="Cambria Math" panose="02040503050406030204" pitchFamily="18" charset="0"/>
+                            </a:rPr>
+                            <m:t>𝐿</m:t>
+                          </m:r>
+                        </m:e>
+                        <m:sub>
+                          <m:r>
+                            <a:rPr lang="hu-HU" b="0" i="1" smtClean="0">
+                              <a:latin typeface="Cambria Math" panose="02040503050406030204" pitchFamily="18" charset="0"/>
+                            </a:rPr>
+                            <m:t>𝑜</m:t>
+                          </m:r>
+                        </m:sub>
+                      </m:sSub>
+                      <m:d>
+                        <m:dPr>
+                          <m:ctrlPr>
+                            <a:rPr lang="hu-HU" b="0" i="1" smtClean="0">
+                              <a:latin typeface="Cambria Math" panose="02040503050406030204" pitchFamily="18" charset="0"/>
+                            </a:rPr>
+                          </m:ctrlPr>
+                        </m:dPr>
+                        <m:e>
+                          <m:sSub>
+                            <m:sSubPr>
+                              <m:ctrlPr>
+                                <a:rPr lang="hu-HU" b="0" i="1" smtClean="0">
+                                  <a:latin typeface="Cambria Math" panose="02040503050406030204" pitchFamily="18" charset="0"/>
+                                </a:rPr>
+                              </m:ctrlPr>
+                            </m:sSubPr>
+                            <m:e>
+                              <m:r>
+                                <a:rPr lang="hu-HU" b="0" i="1" smtClean="0">
+                                  <a:latin typeface="Cambria Math" panose="02040503050406030204" pitchFamily="18" charset="0"/>
+                                </a:rPr>
+                                <m:t>𝜔</m:t>
+                              </m:r>
+                            </m:e>
+                            <m:sub>
+                              <m:r>
+                                <a:rPr lang="hu-HU" b="0" i="1" smtClean="0">
+                                  <a:latin typeface="Cambria Math" panose="02040503050406030204" pitchFamily="18" charset="0"/>
+                                </a:rPr>
+                                <m:t>𝑜</m:t>
+                              </m:r>
+                            </m:sub>
+                          </m:sSub>
+                        </m:e>
+                      </m:d>
+                      <m:r>
+                        <a:rPr lang="hu-HU" b="0" i="1" smtClean="0">
+                          <a:latin typeface="Cambria Math" panose="02040503050406030204" pitchFamily="18" charset="0"/>
+                        </a:rPr>
+                        <m:t>=</m:t>
+                      </m:r>
+                      <m:nary>
+                        <m:naryPr>
+                          <m:limLoc m:val="undOvr"/>
+                          <m:ctrlPr>
+                            <a:rPr lang="hu-HU" b="0" i="1" smtClean="0">
+                              <a:latin typeface="Cambria Math" panose="02040503050406030204" pitchFamily="18" charset="0"/>
+                            </a:rPr>
+                          </m:ctrlPr>
+                        </m:naryPr>
+                        <m:sub>
+                          <m:r>
+                            <m:rPr>
+                              <m:sty m:val="p"/>
+                            </m:rPr>
+                            <a:rPr lang="hu-HU" b="0" i="0" smtClean="0">
+                              <a:latin typeface="Cambria Math" panose="02040503050406030204" pitchFamily="18" charset="0"/>
+                            </a:rPr>
+                            <m:t>Ω</m:t>
+                          </m:r>
+                        </m:sub>
+                        <m:sup>
+                          <m:r>
+                            <a:rPr lang="hu-HU" b="0" i="1" smtClean="0">
+                              <a:latin typeface="Cambria Math" panose="02040503050406030204" pitchFamily="18" charset="0"/>
+                            </a:rPr>
+                            <m:t> </m:t>
+                          </m:r>
+                        </m:sup>
+                        <m:e>
+                          <m:sSub>
+                            <m:sSubPr>
+                              <m:ctrlPr>
+                                <a:rPr lang="hu-HU" b="0" i="1" smtClean="0">
+                                  <a:latin typeface="Cambria Math" panose="02040503050406030204" pitchFamily="18" charset="0"/>
+                                </a:rPr>
+                              </m:ctrlPr>
+                            </m:sSubPr>
+                            <m:e>
+                              <m:r>
+                                <a:rPr lang="hu-HU" b="0" i="1" smtClean="0">
+                                  <a:latin typeface="Cambria Math" panose="02040503050406030204" pitchFamily="18" charset="0"/>
+                                </a:rPr>
+                                <m:t>𝑓</m:t>
+                              </m:r>
+                            </m:e>
+                            <m:sub>
+                              <m:r>
+                                <a:rPr lang="hu-HU" b="0" i="1" smtClean="0">
+                                  <a:latin typeface="Cambria Math" panose="02040503050406030204" pitchFamily="18" charset="0"/>
+                                </a:rPr>
+                                <m:t>𝑟</m:t>
+                              </m:r>
+                            </m:sub>
+                          </m:sSub>
+                          <m:d>
+                            <m:dPr>
+                              <m:ctrlPr>
+                                <a:rPr lang="hu-HU" b="0" i="1" smtClean="0">
+                                  <a:latin typeface="Cambria Math" panose="02040503050406030204" pitchFamily="18" charset="0"/>
+                                </a:rPr>
+                              </m:ctrlPr>
+                            </m:dPr>
+                            <m:e>
+                              <m:sSub>
+                                <m:sSubPr>
+                                  <m:ctrlPr>
+                                    <a:rPr lang="hu-HU" b="0" i="1" smtClean="0">
+                                      <a:latin typeface="Cambria Math" panose="02040503050406030204" pitchFamily="18" charset="0"/>
+                                    </a:rPr>
+                                  </m:ctrlPr>
+                                </m:sSubPr>
+                                <m:e>
+                                  <m:r>
+                                    <a:rPr lang="hu-HU" b="0" i="1" smtClean="0">
+                                      <a:latin typeface="Cambria Math" panose="02040503050406030204" pitchFamily="18" charset="0"/>
+                                    </a:rPr>
+                                    <m:t>𝜔</m:t>
+                                  </m:r>
+                                </m:e>
+                                <m:sub>
+                                  <m:r>
+                                    <a:rPr lang="hu-HU" b="0" i="1" smtClean="0">
+                                      <a:latin typeface="Cambria Math" panose="02040503050406030204" pitchFamily="18" charset="0"/>
+                                    </a:rPr>
+                                    <m:t>𝑜</m:t>
+                                  </m:r>
+                                </m:sub>
+                              </m:sSub>
+                              <m:r>
+                                <a:rPr lang="hu-HU" b="0" i="1" smtClean="0">
+                                  <a:latin typeface="Cambria Math" panose="02040503050406030204" pitchFamily="18" charset="0"/>
+                                </a:rPr>
+                                <m:t>, </m:t>
+                              </m:r>
+                              <m:sSub>
+                                <m:sSubPr>
+                                  <m:ctrlPr>
+                                    <a:rPr lang="hu-HU" b="0" i="1" smtClean="0">
+                                      <a:latin typeface="Cambria Math" panose="02040503050406030204" pitchFamily="18" charset="0"/>
+                                    </a:rPr>
+                                  </m:ctrlPr>
+                                </m:sSubPr>
+                                <m:e>
+                                  <m:r>
+                                    <a:rPr lang="hu-HU" b="0" i="1" smtClean="0">
+                                      <a:latin typeface="Cambria Math" panose="02040503050406030204" pitchFamily="18" charset="0"/>
+                                    </a:rPr>
+                                    <m:t>𝜔</m:t>
+                                  </m:r>
+                                </m:e>
+                                <m:sub>
+                                  <m:r>
+                                    <a:rPr lang="hu-HU" b="0" i="1" smtClean="0">
+                                      <a:latin typeface="Cambria Math" panose="02040503050406030204" pitchFamily="18" charset="0"/>
+                                    </a:rPr>
+                                    <m:t>𝑖</m:t>
+                                  </m:r>
+                                </m:sub>
+                              </m:sSub>
+                            </m:e>
+                          </m:d>
+                          <m:r>
+                            <a:rPr lang="hu-HU" b="0" i="1" smtClean="0">
+                              <a:latin typeface="Cambria Math" panose="02040503050406030204" pitchFamily="18" charset="0"/>
+                            </a:rPr>
+                            <m:t> </m:t>
+                          </m:r>
+                          <m:sSub>
+                            <m:sSubPr>
+                              <m:ctrlPr>
+                                <a:rPr lang="hu-HU" b="0" i="1" smtClean="0">
+                                  <a:latin typeface="Cambria Math" panose="02040503050406030204" pitchFamily="18" charset="0"/>
+                                </a:rPr>
+                              </m:ctrlPr>
+                            </m:sSubPr>
+                            <m:e>
+                              <m:r>
+                                <a:rPr lang="hu-HU" b="0" i="1" smtClean="0">
+                                  <a:latin typeface="Cambria Math" panose="02040503050406030204" pitchFamily="18" charset="0"/>
+                                </a:rPr>
+                                <m:t>𝐿</m:t>
+                              </m:r>
+                            </m:e>
+                            <m:sub>
+                              <m:r>
+                                <a:rPr lang="hu-HU" b="0" i="1" smtClean="0">
+                                  <a:latin typeface="Cambria Math" panose="02040503050406030204" pitchFamily="18" charset="0"/>
+                                </a:rPr>
+                                <m:t>𝑖</m:t>
+                              </m:r>
+                            </m:sub>
+                          </m:sSub>
+                          <m:d>
+                            <m:dPr>
+                              <m:ctrlPr>
+                                <a:rPr lang="hu-HU" b="0" i="1" smtClean="0">
+                                  <a:latin typeface="Cambria Math" panose="02040503050406030204" pitchFamily="18" charset="0"/>
+                                </a:rPr>
+                              </m:ctrlPr>
+                            </m:dPr>
+                            <m:e>
+                              <m:sSub>
+                                <m:sSubPr>
+                                  <m:ctrlPr>
+                                    <a:rPr lang="hu-HU" b="0" i="1" smtClean="0">
+                                      <a:latin typeface="Cambria Math" panose="02040503050406030204" pitchFamily="18" charset="0"/>
+                                    </a:rPr>
+                                  </m:ctrlPr>
+                                </m:sSubPr>
+                                <m:e>
+                                  <m:r>
+                                    <a:rPr lang="hu-HU" b="0" i="1" smtClean="0">
+                                      <a:latin typeface="Cambria Math" panose="02040503050406030204" pitchFamily="18" charset="0"/>
+                                    </a:rPr>
+                                    <m:t>𝜔</m:t>
+                                  </m:r>
+                                </m:e>
+                                <m:sub>
+                                  <m:r>
+                                    <a:rPr lang="hu-HU" b="0" i="1" smtClean="0">
+                                      <a:latin typeface="Cambria Math" panose="02040503050406030204" pitchFamily="18" charset="0"/>
+                                    </a:rPr>
+                                    <m:t>𝑖</m:t>
+                                  </m:r>
+                                </m:sub>
+                              </m:sSub>
+                            </m:e>
+                          </m:d>
+                          <m:func>
+                            <m:funcPr>
+                              <m:ctrlPr>
+                                <a:rPr lang="hu-HU" b="0" i="1" smtClean="0">
+                                  <a:latin typeface="Cambria Math" panose="02040503050406030204" pitchFamily="18" charset="0"/>
+                                </a:rPr>
+                              </m:ctrlPr>
+                            </m:funcPr>
+                            <m:fName>
+                              <m:r>
+                                <m:rPr>
+                                  <m:sty m:val="p"/>
+                                </m:rPr>
+                                <a:rPr lang="hu-HU" b="0" i="0" smtClean="0">
+                                  <a:latin typeface="Cambria Math" panose="02040503050406030204" pitchFamily="18" charset="0"/>
+                                </a:rPr>
+                                <m:t>cos</m:t>
+                              </m:r>
+                            </m:fName>
+                            <m:e>
+                              <m:r>
+                                <a:rPr lang="hu-HU" b="0" i="1" smtClean="0">
+                                  <a:latin typeface="Cambria Math" panose="02040503050406030204" pitchFamily="18" charset="0"/>
+                                </a:rPr>
+                                <m:t>𝜃</m:t>
+                              </m:r>
+                              <m:r>
+                                <a:rPr lang="hu-HU" b="0" i="1" smtClean="0">
+                                  <a:latin typeface="Cambria Math" panose="02040503050406030204" pitchFamily="18" charset="0"/>
+                                </a:rPr>
+                                <m:t> </m:t>
+                              </m:r>
+                              <m:r>
+                                <a:rPr lang="hu-HU" b="0" i="1" smtClean="0">
+                                  <a:latin typeface="Cambria Math" panose="02040503050406030204" pitchFamily="18" charset="0"/>
+                                </a:rPr>
+                                <m:t>𝑑</m:t>
+                              </m:r>
+                              <m:r>
+                                <a:rPr lang="hu-HU" b="0" i="1" smtClean="0">
+                                  <a:latin typeface="Cambria Math" panose="02040503050406030204" pitchFamily="18" charset="0"/>
+                                </a:rPr>
+                                <m:t>𝜔</m:t>
+                              </m:r>
+                            </m:e>
+                          </m:func>
+                        </m:e>
+                      </m:nary>
+                    </m:oMath>
+                  </m:oMathPara>
+                </a14:m>
+                <a:endParaRPr lang="hu-HU" dirty="0"/>
+              </a:p>
+              <a:p>
+                <a:pPr>
+                  <a:buFont typeface="Wingdings" panose="05000000000000000000" pitchFamily="2" charset="2"/>
+                  <a:buChar char="§"/>
+                </a:pPr>
+                <a:r>
+                  <a:rPr lang="hu-HU" dirty="0"/>
+                  <a:t>Differenciális irradiancia: </a:t>
+                </a:r>
+                <a14:m>
+                  <m:oMath xmlns:m="http://schemas.openxmlformats.org/officeDocument/2006/math">
+                    <m:sSub>
+                      <m:sSubPr>
+                        <m:ctrlPr>
+                          <a:rPr lang="hu-HU" b="0" i="1" smtClean="0">
+                            <a:latin typeface="Cambria Math" panose="02040503050406030204" pitchFamily="18" charset="0"/>
+                          </a:rPr>
+                        </m:ctrlPr>
+                      </m:sSubPr>
+                      <m:e>
+                        <m:r>
+                          <a:rPr lang="hu-HU" b="0" i="1" smtClean="0">
+                            <a:latin typeface="Cambria Math" panose="02040503050406030204" pitchFamily="18" charset="0"/>
+                          </a:rPr>
+                          <m:t>𝐿</m:t>
+                        </m:r>
+                      </m:e>
+                      <m:sub>
+                        <m:r>
+                          <a:rPr lang="hu-HU" b="0" i="1" smtClean="0">
+                            <a:latin typeface="Cambria Math" panose="02040503050406030204" pitchFamily="18" charset="0"/>
+                          </a:rPr>
+                          <m:t>𝑖</m:t>
+                        </m:r>
+                      </m:sub>
+                    </m:sSub>
+                    <m:d>
+                      <m:dPr>
+                        <m:ctrlPr>
+                          <a:rPr lang="hu-HU" b="0" i="1" smtClean="0">
+                            <a:latin typeface="Cambria Math" panose="02040503050406030204" pitchFamily="18" charset="0"/>
+                          </a:rPr>
+                        </m:ctrlPr>
+                      </m:dPr>
+                      <m:e>
+                        <m:sSub>
+                          <m:sSubPr>
+                            <m:ctrlPr>
+                              <a:rPr lang="hu-HU" b="0" i="1" smtClean="0">
+                                <a:latin typeface="Cambria Math" panose="02040503050406030204" pitchFamily="18" charset="0"/>
+                              </a:rPr>
+                            </m:ctrlPr>
+                          </m:sSubPr>
+                          <m:e>
+                            <m:r>
+                              <a:rPr lang="hu-HU" b="0" i="1" smtClean="0">
+                                <a:latin typeface="Cambria Math" panose="02040503050406030204" pitchFamily="18" charset="0"/>
+                              </a:rPr>
+                              <m:t>𝜔</m:t>
+                            </m:r>
+                          </m:e>
+                          <m:sub>
+                            <m:r>
+                              <a:rPr lang="hu-HU" b="0" i="1" smtClean="0">
+                                <a:latin typeface="Cambria Math" panose="02040503050406030204" pitchFamily="18" charset="0"/>
+                              </a:rPr>
+                              <m:t>𝑖</m:t>
+                            </m:r>
+                          </m:sub>
+                        </m:sSub>
+                      </m:e>
+                    </m:d>
+                    <m:func>
+                      <m:funcPr>
+                        <m:ctrlPr>
+                          <a:rPr lang="hu-HU" b="0" i="1" smtClean="0">
+                            <a:latin typeface="Cambria Math" panose="02040503050406030204" pitchFamily="18" charset="0"/>
+                          </a:rPr>
+                        </m:ctrlPr>
+                      </m:funcPr>
+                      <m:fName>
+                        <m:r>
+                          <m:rPr>
+                            <m:sty m:val="p"/>
+                          </m:rPr>
+                          <a:rPr lang="hu-HU" b="0" i="0" smtClean="0">
+                            <a:latin typeface="Cambria Math" panose="02040503050406030204" pitchFamily="18" charset="0"/>
+                          </a:rPr>
+                          <m:t>cos</m:t>
+                        </m:r>
+                      </m:fName>
+                      <m:e>
+                        <m:r>
+                          <a:rPr lang="hu-HU" b="0" i="1" smtClean="0">
+                            <a:latin typeface="Cambria Math" panose="02040503050406030204" pitchFamily="18" charset="0"/>
+                          </a:rPr>
+                          <m:t>𝜃</m:t>
+                        </m:r>
+                        <m:r>
+                          <a:rPr lang="hu-HU" b="0" i="1" smtClean="0">
+                            <a:latin typeface="Cambria Math" panose="02040503050406030204" pitchFamily="18" charset="0"/>
+                          </a:rPr>
+                          <m:t> </m:t>
+                        </m:r>
+                        <m:r>
+                          <a:rPr lang="hu-HU" b="0" i="1" smtClean="0">
+                            <a:latin typeface="Cambria Math" panose="02040503050406030204" pitchFamily="18" charset="0"/>
+                          </a:rPr>
+                          <m:t>𝑑</m:t>
+                        </m:r>
+                        <m:r>
+                          <a:rPr lang="hu-HU" b="0" i="1" smtClean="0">
+                            <a:latin typeface="Cambria Math" panose="02040503050406030204" pitchFamily="18" charset="0"/>
+                          </a:rPr>
+                          <m:t>𝜔</m:t>
+                        </m:r>
+                      </m:e>
+                    </m:func>
+                  </m:oMath>
+                </a14:m>
+                <a:r>
+                  <a:rPr lang="hu-HU" dirty="0"/>
+                  <a:t> a BRDF definíciójának alapeleme</a:t>
+                </a:r>
+              </a:p>
+              <a:p>
+                <a:pPr>
+                  <a:buFont typeface="Wingdings" panose="05000000000000000000" pitchFamily="2" charset="2"/>
+                  <a:buChar char="§"/>
+                </a:pPr>
+                <a:r>
+                  <a:rPr lang="hu-HU" dirty="0"/>
+                  <a:t>Alternatív felírás (pl. az </a:t>
+                </a:r>
+                <a:r>
+                  <a:rPr lang="hu-HU" i="1" dirty="0"/>
+                  <a:t>Epic</a:t>
+                </a:r>
+                <a:r>
+                  <a:rPr lang="hu-HU" dirty="0"/>
+                  <a:t> prezentációiban):</a:t>
+                </a:r>
+              </a:p>
+              <a:p>
+                <a:pPr marL="0" indent="0" algn="ctr">
+                  <a:buNone/>
+                </a:pPr>
+                <a14:m>
+                  <m:oMathPara xmlns:m="http://schemas.openxmlformats.org/officeDocument/2006/math">
+                    <m:oMathParaPr>
+                      <m:jc m:val="centerGroup"/>
+                    </m:oMathParaPr>
+                    <m:oMath xmlns:m="http://schemas.openxmlformats.org/officeDocument/2006/math">
+                      <m:sSub>
+                        <m:sSubPr>
+                          <m:ctrlPr>
+                            <a:rPr lang="hu-HU" b="0" i="1" smtClean="0">
+                              <a:latin typeface="Cambria Math" panose="02040503050406030204" pitchFamily="18" charset="0"/>
+                            </a:rPr>
+                          </m:ctrlPr>
+                        </m:sSubPr>
+                        <m:e>
+                          <m:r>
+                            <a:rPr lang="hu-HU" b="0" i="1" smtClean="0">
+                              <a:latin typeface="Cambria Math" panose="02040503050406030204" pitchFamily="18" charset="0"/>
+                            </a:rPr>
+                            <m:t>𝐿</m:t>
+                          </m:r>
+                        </m:e>
+                        <m:sub>
+                          <m:r>
+                            <a:rPr lang="hu-HU" b="0" i="1" smtClean="0">
+                              <a:latin typeface="Cambria Math" panose="02040503050406030204" pitchFamily="18" charset="0"/>
+                            </a:rPr>
+                            <m:t>𝑜</m:t>
+                          </m:r>
+                        </m:sub>
+                      </m:sSub>
+                      <m:d>
+                        <m:dPr>
+                          <m:ctrlPr>
+                            <a:rPr lang="hu-HU" b="0" i="1" smtClean="0">
+                              <a:latin typeface="Cambria Math" panose="02040503050406030204" pitchFamily="18" charset="0"/>
+                            </a:rPr>
+                          </m:ctrlPr>
+                        </m:dPr>
+                        <m:e>
+                          <m:r>
+                            <a:rPr lang="hu-HU" b="1" i="1" smtClean="0">
+                              <a:latin typeface="Cambria Math" panose="02040503050406030204" pitchFamily="18" charset="0"/>
+                            </a:rPr>
+                            <m:t>𝒗</m:t>
+                          </m:r>
+                        </m:e>
+                      </m:d>
+                      <m:r>
+                        <a:rPr lang="hu-HU" b="0" i="1" smtClean="0">
+                          <a:latin typeface="Cambria Math" panose="02040503050406030204" pitchFamily="18" charset="0"/>
+                        </a:rPr>
+                        <m:t>=</m:t>
+                      </m:r>
+                      <m:nary>
+                        <m:naryPr>
+                          <m:limLoc m:val="undOvr"/>
+                          <m:ctrlPr>
+                            <a:rPr lang="hu-HU" b="0" i="1" smtClean="0">
+                              <a:latin typeface="Cambria Math" panose="02040503050406030204" pitchFamily="18" charset="0"/>
+                            </a:rPr>
+                          </m:ctrlPr>
+                        </m:naryPr>
+                        <m:sub>
+                          <m:r>
+                            <m:rPr>
+                              <m:sty m:val="p"/>
+                            </m:rPr>
+                            <a:rPr lang="hu-HU" b="0" i="0" smtClean="0">
+                              <a:latin typeface="Cambria Math" panose="02040503050406030204" pitchFamily="18" charset="0"/>
+                            </a:rPr>
+                            <m:t>Ω</m:t>
+                          </m:r>
+                        </m:sub>
+                        <m:sup>
+                          <m:r>
+                            <a:rPr lang="hu-HU" b="0" i="1" smtClean="0">
+                              <a:latin typeface="Cambria Math" panose="02040503050406030204" pitchFamily="18" charset="0"/>
+                            </a:rPr>
+                            <m:t> </m:t>
+                          </m:r>
+                        </m:sup>
+                        <m:e>
+                          <m:sSub>
+                            <m:sSubPr>
+                              <m:ctrlPr>
+                                <a:rPr lang="hu-HU" b="0" i="1" smtClean="0">
+                                  <a:latin typeface="Cambria Math" panose="02040503050406030204" pitchFamily="18" charset="0"/>
+                                </a:rPr>
+                              </m:ctrlPr>
+                            </m:sSubPr>
+                            <m:e>
+                              <m:r>
+                                <a:rPr lang="hu-HU" b="0" i="1" smtClean="0">
+                                  <a:latin typeface="Cambria Math" panose="02040503050406030204" pitchFamily="18" charset="0"/>
+                                </a:rPr>
+                                <m:t>𝑓</m:t>
+                              </m:r>
+                            </m:e>
+                            <m:sub>
+                              <m:r>
+                                <a:rPr lang="hu-HU" b="0" i="1" smtClean="0">
+                                  <a:latin typeface="Cambria Math" panose="02040503050406030204" pitchFamily="18" charset="0"/>
+                                </a:rPr>
+                                <m:t>𝑟</m:t>
+                              </m:r>
+                            </m:sub>
+                          </m:sSub>
+                          <m:d>
+                            <m:dPr>
+                              <m:ctrlPr>
+                                <a:rPr lang="hu-HU" b="0" i="1" smtClean="0">
+                                  <a:latin typeface="Cambria Math" panose="02040503050406030204" pitchFamily="18" charset="0"/>
+                                </a:rPr>
+                              </m:ctrlPr>
+                            </m:dPr>
+                            <m:e>
+                              <m:r>
+                                <a:rPr lang="hu-HU" b="1" i="1" smtClean="0">
+                                  <a:latin typeface="Cambria Math" panose="02040503050406030204" pitchFamily="18" charset="0"/>
+                                </a:rPr>
+                                <m:t>𝒗</m:t>
+                              </m:r>
+                              <m:r>
+                                <a:rPr lang="hu-HU" b="0" i="1" smtClean="0">
+                                  <a:latin typeface="Cambria Math" panose="02040503050406030204" pitchFamily="18" charset="0"/>
+                                </a:rPr>
+                                <m:t>, </m:t>
+                              </m:r>
+                              <m:r>
+                                <a:rPr lang="hu-HU" b="1" i="1" smtClean="0">
+                                  <a:latin typeface="Cambria Math" panose="02040503050406030204" pitchFamily="18" charset="0"/>
+                                </a:rPr>
+                                <m:t>𝒍</m:t>
+                              </m:r>
+                            </m:e>
+                          </m:d>
+                          <m:r>
+                            <a:rPr lang="hu-HU" b="0" i="1" smtClean="0">
+                              <a:latin typeface="Cambria Math" panose="02040503050406030204" pitchFamily="18" charset="0"/>
+                            </a:rPr>
+                            <m:t> </m:t>
+                          </m:r>
+                          <m:sSub>
+                            <m:sSubPr>
+                              <m:ctrlPr>
+                                <a:rPr lang="hu-HU" b="0" i="1" smtClean="0">
+                                  <a:latin typeface="Cambria Math" panose="02040503050406030204" pitchFamily="18" charset="0"/>
+                                </a:rPr>
+                              </m:ctrlPr>
+                            </m:sSubPr>
+                            <m:e>
+                              <m:r>
+                                <a:rPr lang="hu-HU" b="0" i="1" smtClean="0">
+                                  <a:latin typeface="Cambria Math" panose="02040503050406030204" pitchFamily="18" charset="0"/>
+                                </a:rPr>
+                                <m:t>𝐿</m:t>
+                              </m:r>
+                            </m:e>
+                            <m:sub>
+                              <m:r>
+                                <a:rPr lang="hu-HU" b="0" i="1" smtClean="0">
+                                  <a:latin typeface="Cambria Math" panose="02040503050406030204" pitchFamily="18" charset="0"/>
+                                </a:rPr>
+                                <m:t>𝑖</m:t>
+                              </m:r>
+                            </m:sub>
+                          </m:sSub>
+                          <m:d>
+                            <m:dPr>
+                              <m:ctrlPr>
+                                <a:rPr lang="hu-HU" b="0" i="1" smtClean="0">
+                                  <a:latin typeface="Cambria Math" panose="02040503050406030204" pitchFamily="18" charset="0"/>
+                                </a:rPr>
+                              </m:ctrlPr>
+                            </m:dPr>
+                            <m:e>
+                              <m:r>
+                                <a:rPr lang="hu-HU" b="1" i="1" smtClean="0">
+                                  <a:latin typeface="Cambria Math" panose="02040503050406030204" pitchFamily="18" charset="0"/>
+                                </a:rPr>
+                                <m:t>𝒍</m:t>
+                              </m:r>
+                            </m:e>
+                          </m:d>
+                          <m:r>
+                            <a:rPr lang="hu-HU" b="0" i="1" smtClean="0">
+                              <a:latin typeface="Cambria Math" panose="02040503050406030204" pitchFamily="18" charset="0"/>
+                            </a:rPr>
+                            <m:t> </m:t>
+                          </m:r>
+                          <m:r>
+                            <a:rPr lang="hu-HU" b="1" i="1" smtClean="0">
+                              <a:latin typeface="Cambria Math" panose="02040503050406030204" pitchFamily="18" charset="0"/>
+                            </a:rPr>
+                            <m:t>𝒏</m:t>
+                          </m:r>
+                          <m:r>
+                            <a:rPr lang="hu-HU" b="0" i="1" smtClean="0">
+                              <a:latin typeface="Cambria Math" panose="02040503050406030204" pitchFamily="18" charset="0"/>
+                            </a:rPr>
+                            <m:t>⋅</m:t>
+                          </m:r>
+                          <m:r>
+                            <a:rPr lang="hu-HU" b="1" i="1" smtClean="0">
+                              <a:latin typeface="Cambria Math" panose="02040503050406030204" pitchFamily="18" charset="0"/>
+                            </a:rPr>
+                            <m:t>𝒍</m:t>
+                          </m:r>
+                        </m:e>
+                      </m:nary>
+                      <m:r>
+                        <a:rPr lang="hu-HU" b="0" i="1" smtClean="0">
+                          <a:latin typeface="Cambria Math" panose="02040503050406030204" pitchFamily="18" charset="0"/>
+                        </a:rPr>
+                        <m:t> </m:t>
+                      </m:r>
+                      <m:r>
+                        <a:rPr lang="hu-HU" b="0" i="1" smtClean="0">
+                          <a:latin typeface="Cambria Math" panose="02040503050406030204" pitchFamily="18" charset="0"/>
+                        </a:rPr>
+                        <m:t>𝑑</m:t>
+                      </m:r>
+                      <m:r>
+                        <a:rPr lang="hu-HU" b="1" i="1" smtClean="0">
+                          <a:latin typeface="Cambria Math" panose="02040503050406030204" pitchFamily="18" charset="0"/>
+                        </a:rPr>
+                        <m:t>𝒍</m:t>
+                      </m:r>
+                    </m:oMath>
+                  </m:oMathPara>
+                </a14:m>
+                <a:endParaRPr lang="hu-HU" b="1" dirty="0"/>
+              </a:p>
+              <a:p>
+                <a:pPr>
+                  <a:buFont typeface="Wingdings" panose="05000000000000000000" pitchFamily="2" charset="2"/>
+                  <a:buChar char="§"/>
+                </a:pPr>
+                <a:r>
+                  <a:rPr lang="hu-HU" dirty="0"/>
+                  <a:t>Sokkal érthetőbb, csak ne felejtsd el 0-hoz m</a:t>
+                </a:r>
+                <a:r>
+                  <a:rPr lang="en-US" dirty="0" err="1"/>
+                  <a:t>ini</a:t>
+                </a:r>
+                <a:r>
+                  <a:rPr lang="hu-HU" dirty="0"/>
+                  <a:t>malizálni </a:t>
+                </a:r>
+                <a14:m>
+                  <m:oMath xmlns:m="http://schemas.openxmlformats.org/officeDocument/2006/math">
+                    <m:r>
+                      <a:rPr lang="hu-HU" b="1" i="1" smtClean="0">
+                        <a:latin typeface="Cambria Math" panose="02040503050406030204" pitchFamily="18" charset="0"/>
+                      </a:rPr>
+                      <m:t>𝒏</m:t>
+                    </m:r>
+                    <m:r>
+                      <a:rPr lang="hu-HU" b="0" i="1" smtClean="0">
+                        <a:latin typeface="Cambria Math" panose="02040503050406030204" pitchFamily="18" charset="0"/>
+                      </a:rPr>
+                      <m:t>⋅</m:t>
+                    </m:r>
+                    <m:r>
+                      <a:rPr lang="hu-HU" b="1" i="1" smtClean="0">
+                        <a:latin typeface="Cambria Math" panose="02040503050406030204" pitchFamily="18" charset="0"/>
+                      </a:rPr>
+                      <m:t>𝒍</m:t>
+                    </m:r>
+                  </m:oMath>
+                </a14:m>
+                <a:r>
+                  <a:rPr lang="hu-HU" dirty="0"/>
+                  <a:t>-t</a:t>
+                </a:r>
+              </a:p>
+            </p:txBody>
+          </p:sp>
+        </mc:Choice>
+        <mc:Fallback>
+          <p:sp>
+            <p:nvSpPr>
+              <p:cNvPr id="3" name="Content Placeholder 2">
+                <a:extLst>
+                  <a:ext uri="{FF2B5EF4-FFF2-40B4-BE49-F238E27FC236}">
+                    <a16:creationId xmlns:a16="http://schemas.microsoft.com/office/drawing/2014/main" id="{A8231030-22AE-46B4-B53C-E4DABEA3D3BE}"/>
+                  </a:ext>
+                </a:extLst>
+              </p:cNvPr>
+              <p:cNvSpPr>
+                <a:spLocks noGrp="1" noRot="1" noChangeAspect="1" noMove="1" noResize="1" noEditPoints="1" noAdjustHandles="1" noChangeArrowheads="1" noChangeShapeType="1" noTextEdit="1"/>
+              </p:cNvSpPr>
+              <p:nvPr>
+                <p:ph idx="1"/>
+              </p:nvPr>
+            </p:nvSpPr>
+            <p:spPr>
+              <a:blipFill>
+                <a:blip r:embed="rId2"/>
+                <a:stretch>
+                  <a:fillRect l="-1455" t="-1667"/>
+                </a:stretch>
+              </a:blipFill>
+            </p:spPr>
+            <p:txBody>
+              <a:bodyPr/>
+              <a:lstStyle/>
+              <a:p>
+                <a:r>
+                  <a:rPr lang="hu-HU">
+                    <a:noFill/>
+                  </a:rPr>
+                  <a:t> </a:t>
+                </a:r>
+              </a:p>
+            </p:txBody>
+          </p:sp>
+        </mc:Fallback>
+      </mc:AlternateContent>
+    </p:spTree>
+    <p:extLst>
+      <p:ext uri="{BB962C8B-B14F-4D97-AF65-F5344CB8AC3E}">
+        <p14:creationId xmlns:p14="http://schemas.microsoft.com/office/powerpoint/2010/main" val="2255019694"/>
       </p:ext>
     </p:extLst>
   </p:cSld>

--- a/PBR_EA_01.pptx
+++ b/PBR_EA_01.pptx
@@ -5,7 +5,7 @@
     <p:sldMasterId id="2147483767" r:id="rId1"/>
   </p:sldMasterIdLst>
   <p:notesMasterIdLst>
-    <p:notesMasterId r:id="rId17"/>
+    <p:notesMasterId r:id="rId18"/>
   </p:notesMasterIdLst>
   <p:sldIdLst>
     <p:sldId id="256" r:id="rId2"/>
@@ -16,13 +16,14 @@
     <p:sldId id="263" r:id="rId7"/>
     <p:sldId id="261" r:id="rId8"/>
     <p:sldId id="262" r:id="rId9"/>
-    <p:sldId id="264" r:id="rId10"/>
-    <p:sldId id="266" r:id="rId11"/>
+    <p:sldId id="266" r:id="rId10"/>
+    <p:sldId id="264" r:id="rId11"/>
     <p:sldId id="267" r:id="rId12"/>
-    <p:sldId id="268" r:id="rId13"/>
-    <p:sldId id="269" r:id="rId14"/>
-    <p:sldId id="265" r:id="rId15"/>
+    <p:sldId id="265" r:id="rId13"/>
+    <p:sldId id="268" r:id="rId14"/>
+    <p:sldId id="269" r:id="rId15"/>
     <p:sldId id="270" r:id="rId16"/>
+    <p:sldId id="271" r:id="rId17"/>
   </p:sldIdLst>
   <p:sldSz cx="12192000" cy="6858000"/>
   <p:notesSz cx="6858000" cy="9144000"/>
@@ -215,7 +216,7 @@
           <a:p>
             <a:fld id="{3A5A56FF-9D9E-417E-8DB7-17CB8EBF566C}" type="datetimeFigureOut">
               <a:rPr lang="hu-HU" smtClean="0"/>
-              <a:t>2018. 02. 21.</a:t>
+              <a:t>2018. 02. 23.</a:t>
             </a:fld>
             <a:endParaRPr lang="hu-HU"/>
           </a:p>
@@ -1272,7 +1273,7 @@
           <a:p>
             <a:r>
               <a:rPr lang="hu-HU" dirty="0"/>
-              <a:t>* ún. non-participating medium-okban (nem igaz pl. ha füstön halad át)</a:t>
+              <a:t>* pl. ha füstön halad át, akkor nem igaz</a:t>
             </a:r>
           </a:p>
         </p:txBody>
@@ -1378,7 +1379,7 @@
           <a:p>
             <a:fld id="{14C09B99-3F57-4C83-A41A-980FBCAF7828}" type="slidenum">
               <a:rPr lang="hu-HU" smtClean="0"/>
-              <a:t>10</a:t>
+              <a:t>9</a:t>
             </a:fld>
             <a:endParaRPr lang="hu-HU"/>
           </a:p>
@@ -1623,7 +1624,7 @@
           <a:p>
             <a:fld id="{EE90FBA0-FEE2-473A-A4B4-051DFD2DB1BD}" type="datetimeFigureOut">
               <a:rPr lang="en-US" smtClean="0"/>
-              <a:t>2/21/2018</a:t>
+              <a:t>2/23/2018</a:t>
             </a:fld>
             <a:endParaRPr lang="en-US"/>
           </a:p>
@@ -1831,7 +1832,7 @@
           <a:p>
             <a:fld id="{EE90FBA0-FEE2-473A-A4B4-051DFD2DB1BD}" type="datetimeFigureOut">
               <a:rPr lang="en-US" smtClean="0"/>
-              <a:t>2/21/2018</a:t>
+              <a:t>2/23/2018</a:t>
             </a:fld>
             <a:endParaRPr lang="en-US"/>
           </a:p>
@@ -2087,7 +2088,7 @@
           <a:p>
             <a:fld id="{EE90FBA0-FEE2-473A-A4B4-051DFD2DB1BD}" type="datetimeFigureOut">
               <a:rPr lang="en-US" smtClean="0"/>
-              <a:t>2/21/2018</a:t>
+              <a:t>2/23/2018</a:t>
             </a:fld>
             <a:endParaRPr lang="en-US"/>
           </a:p>
@@ -2261,7 +2262,7 @@
           <a:p>
             <a:fld id="{EE90FBA0-FEE2-473A-A4B4-051DFD2DB1BD}" type="datetimeFigureOut">
               <a:rPr lang="en-US" smtClean="0"/>
-              <a:t>2/21/2018</a:t>
+              <a:t>2/23/2018</a:t>
             </a:fld>
             <a:endParaRPr lang="en-US"/>
           </a:p>
@@ -2604,7 +2605,7 @@
           <a:p>
             <a:fld id="{EE90FBA0-FEE2-473A-A4B4-051DFD2DB1BD}" type="datetimeFigureOut">
               <a:rPr lang="en-US" smtClean="0"/>
-              <a:t>2/21/2018</a:t>
+              <a:t>2/23/2018</a:t>
             </a:fld>
             <a:endParaRPr lang="en-US"/>
           </a:p>
@@ -2879,7 +2880,7 @@
           <a:p>
             <a:fld id="{EE90FBA0-FEE2-473A-A4B4-051DFD2DB1BD}" type="datetimeFigureOut">
               <a:rPr lang="en-US" smtClean="0"/>
-              <a:t>2/21/2018</a:t>
+              <a:t>2/23/2018</a:t>
             </a:fld>
             <a:endParaRPr lang="en-US"/>
           </a:p>
@@ -3258,7 +3259,7 @@
           <a:p>
             <a:fld id="{EE90FBA0-FEE2-473A-A4B4-051DFD2DB1BD}" type="datetimeFigureOut">
               <a:rPr lang="en-US" smtClean="0"/>
-              <a:t>2/21/2018</a:t>
+              <a:t>2/23/2018</a:t>
             </a:fld>
             <a:endParaRPr lang="en-US"/>
           </a:p>
@@ -3376,7 +3377,7 @@
           <a:p>
             <a:fld id="{EE90FBA0-FEE2-473A-A4B4-051DFD2DB1BD}" type="datetimeFigureOut">
               <a:rPr lang="en-US" smtClean="0"/>
-              <a:t>2/21/2018</a:t>
+              <a:t>2/23/2018</a:t>
             </a:fld>
             <a:endParaRPr lang="en-US"/>
           </a:p>
@@ -3547,7 +3548,7 @@
           <a:p>
             <a:fld id="{EE90FBA0-FEE2-473A-A4B4-051DFD2DB1BD}" type="datetimeFigureOut">
               <a:rPr lang="en-US" smtClean="0"/>
-              <a:t>2/21/2018</a:t>
+              <a:t>2/23/2018</a:t>
             </a:fld>
             <a:endParaRPr lang="en-US"/>
           </a:p>
@@ -3901,7 +3902,7 @@
           <a:p>
             <a:fld id="{EE90FBA0-FEE2-473A-A4B4-051DFD2DB1BD}" type="datetimeFigureOut">
               <a:rPr lang="en-US" smtClean="0"/>
-              <a:t>2/21/2018</a:t>
+              <a:t>2/23/2018</a:t>
             </a:fld>
             <a:endParaRPr lang="en-US"/>
           </a:p>
@@ -4283,7 +4284,7 @@
           <a:p>
             <a:fld id="{EE90FBA0-FEE2-473A-A4B4-051DFD2DB1BD}" type="datetimeFigureOut">
               <a:rPr lang="en-US" smtClean="0"/>
-              <a:t>2/21/2018</a:t>
+              <a:t>2/23/2018</a:t>
             </a:fld>
             <a:endParaRPr lang="en-US"/>
           </a:p>
@@ -4570,7 +4571,7 @@
           <a:p>
             <a:fld id="{EE90FBA0-FEE2-473A-A4B4-051DFD2DB1BD}" type="datetimeFigureOut">
               <a:rPr lang="en-US" smtClean="0"/>
-              <a:t>2/21/2018</a:t>
+              <a:t>2/23/2018</a:t>
             </a:fld>
             <a:endParaRPr lang="en-US"/>
           </a:p>
@@ -5223,7 +5224,7 @@
           <p:cNvPr id="2" name="Title 1">
             <a:extLst>
               <a:ext uri="{FF2B5EF4-FFF2-40B4-BE49-F238E27FC236}">
-                <a16:creationId xmlns:a16="http://schemas.microsoft.com/office/drawing/2014/main" id="{D01094EE-3D6F-4F96-8AE8-4AD498D865F9}"/>
+                <a16:creationId xmlns:a16="http://schemas.microsoft.com/office/drawing/2014/main" id="{7E8E739B-D2F6-4A13-AEFA-C8E73EDFB912}"/>
               </a:ext>
             </a:extLst>
           </p:cNvPr>
@@ -5241,7 +5242,7 @@
           <a:p>
             <a:r>
               <a:rPr lang="hu-HU" dirty="0"/>
-              <a:t>Ismétlés: BRDF</a:t>
+              <a:t>Ismétlés: tükröződési egyenlet</a:t>
             </a:r>
           </a:p>
         </p:txBody>
@@ -5253,7 +5254,7 @@
               <p:cNvPr id="3" name="Content Placeholder 2">
                 <a:extLst>
                   <a:ext uri="{FF2B5EF4-FFF2-40B4-BE49-F238E27FC236}">
-                    <a16:creationId xmlns:a16="http://schemas.microsoft.com/office/drawing/2014/main" id="{E083E11F-9E0C-4556-8290-7B98EDF250F5}"/>
+                    <a16:creationId xmlns:a16="http://schemas.microsoft.com/office/drawing/2014/main" id="{A8231030-22AE-46B4-B53C-E4DABEA3D3BE}"/>
                   </a:ext>
                 </a:extLst>
               </p:cNvPr>
@@ -5275,21 +5276,46 @@
                 </a:pPr>
                 <a:r>
                   <a:rPr lang="hu-HU" dirty="0"/>
-                  <a:t>A felületet elhagyó radiancia és a felületre beérkező </a:t>
-                </a:r>
-                <a:r>
-                  <a:rPr lang="hu-HU" b="1" dirty="0"/>
-                  <a:t>differenciális irradiancia</a:t>
-                </a:r>
+                  <a:t>A felületet elhagyó iránybeli (</a:t>
+                </a:r>
+                <a14:m>
+                  <m:oMath xmlns:m="http://schemas.openxmlformats.org/officeDocument/2006/math">
+                    <m:sSub>
+                      <m:sSubPr>
+                        <m:ctrlPr>
+                          <a:rPr lang="hu-HU" b="0" i="1" smtClean="0">
+                            <a:latin typeface="Cambria Math" panose="02040503050406030204" pitchFamily="18" charset="0"/>
+                          </a:rPr>
+                        </m:ctrlPr>
+                      </m:sSubPr>
+                      <m:e>
+                        <m:r>
+                          <a:rPr lang="hu-HU" b="0" i="1" smtClean="0">
+                            <a:latin typeface="Cambria Math" panose="02040503050406030204" pitchFamily="18" charset="0"/>
+                          </a:rPr>
+                          <m:t>𝜔</m:t>
+                        </m:r>
+                      </m:e>
+                      <m:sub>
+                        <m:r>
+                          <a:rPr lang="hu-HU" b="0" i="1" smtClean="0">
+                            <a:latin typeface="Cambria Math" panose="02040503050406030204" pitchFamily="18" charset="0"/>
+                          </a:rPr>
+                          <m:t>𝑜</m:t>
+                        </m:r>
+                      </m:sub>
+                    </m:sSub>
+                  </m:oMath>
+                </a14:m>
                 <a:r>
                   <a:rPr lang="hu-HU" dirty="0"/>
-                  <a:t> aránya</a:t>
+                  <a:t>) radiancia:</a:t>
                 </a:r>
               </a:p>
               <a:p>
                 <a:pPr marL="0" indent="0" algn="ctr">
                   <a:lnSpc>
-                    <a:spcPct val="150000"/>
+                    <a:spcPct val="100000"/>
                   </a:lnSpc>
                   <a:buNone/>
                 </a:pPr>
@@ -5312,7 +5338,7 @@
                             <a:rPr lang="hu-HU" b="0" i="1" smtClean="0">
                               <a:latin typeface="Cambria Math" panose="02040503050406030204" pitchFamily="18" charset="0"/>
                             </a:rPr>
-                            <m:t>𝑓</m:t>
+                            <m:t>𝐿</m:t>
                           </m:r>
                         </m:e>
                         <m:sub>
@@ -5320,7 +5346,7 @@
                             <a:rPr lang="hu-HU" b="0" i="1" smtClean="0">
                               <a:latin typeface="Cambria Math" panose="02040503050406030204" pitchFamily="18" charset="0"/>
                             </a:rPr>
-                            <m:t>𝑟</m:t>
+                            <m:t>𝑜</m:t>
                           </m:r>
                         </m:sub>
                       </m:sSub>
@@ -5358,12 +5384,43 @@
                               </m:r>
                             </m:sub>
                           </m:sSub>
+                        </m:e>
+                      </m:d>
+                      <m:r>
+                        <a:rPr lang="hu-HU" b="0" i="1" smtClean="0">
+                          <a:latin typeface="Cambria Math" panose="02040503050406030204" pitchFamily="18" charset="0"/>
+                        </a:rPr>
+                        <m:t>=</m:t>
+                      </m:r>
+                      <m:nary>
+                        <m:naryPr>
+                          <m:limLoc m:val="undOvr"/>
+                          <m:ctrlPr>
+                            <a:rPr lang="hu-HU" b="0" i="1" smtClean="0">
+                              <a:latin typeface="Cambria Math" panose="02040503050406030204" pitchFamily="18" charset="0"/>
+                            </a:rPr>
+                          </m:ctrlPr>
+                        </m:naryPr>
+                        <m:sub>
+                          <m:r>
+                            <m:rPr>
+                              <m:sty m:val="p"/>
+                            </m:rPr>
+                            <a:rPr lang="hu-HU" b="0" i="0" smtClean="0">
+                              <a:latin typeface="Cambria Math" panose="02040503050406030204" pitchFamily="18" charset="0"/>
+                            </a:rPr>
+                            <m:t>Ω</m:t>
+                          </m:r>
+                        </m:sub>
+                        <m:sup>
                           <m:r>
                             <a:rPr lang="hu-HU" b="0" i="1" smtClean="0">
                               <a:latin typeface="Cambria Math" panose="02040503050406030204" pitchFamily="18" charset="0"/>
                             </a:rPr>
-                            <m:t>, </m:t>
+                            <m:t> </m:t>
                           </m:r>
+                        </m:sup>
+                        <m:e>
                           <m:sSub>
                             <m:sSubPr>
                               <m:ctrlPr>
@@ -5377,7 +5434,7 @@
                                 <a:rPr lang="hu-HU" b="0" i="1" smtClean="0">
                                   <a:latin typeface="Cambria Math" panose="02040503050406030204" pitchFamily="18" charset="0"/>
                                 </a:rPr>
-                                <m:t>𝜔</m:t>
+                                <m:t>𝑓</m:t>
                               </m:r>
                             </m:e>
                             <m:sub>
@@ -5385,227 +5442,83 @@
                                 <a:rPr lang="hu-HU" b="0" i="1" smtClean="0">
                                   <a:latin typeface="Cambria Math" panose="02040503050406030204" pitchFamily="18" charset="0"/>
                                 </a:rPr>
-                                <m:t>𝑖</m:t>
+                                <m:t>𝑟</m:t>
                               </m:r>
                             </m:sub>
                           </m:sSub>
-                        </m:e>
-                      </m:d>
-                      <m:r>
-                        <a:rPr lang="hu-HU" b="0" i="1" smtClean="0">
-                          <a:latin typeface="Cambria Math" panose="02040503050406030204" pitchFamily="18" charset="0"/>
-                        </a:rPr>
-                        <m:t>=</m:t>
-                      </m:r>
-                      <m:f>
-                        <m:fPr>
-                          <m:ctrlPr>
-                            <a:rPr lang="hu-HU" b="0" i="1" smtClean="0">
-                              <a:latin typeface="Cambria Math" panose="02040503050406030204" pitchFamily="18" charset="0"/>
-                            </a:rPr>
-                          </m:ctrlPr>
-                        </m:fPr>
-                        <m:num>
-                          <m:r>
-                            <a:rPr lang="hu-HU" b="0" i="1" smtClean="0">
-                              <a:latin typeface="Cambria Math" panose="02040503050406030204" pitchFamily="18" charset="0"/>
-                            </a:rPr>
-                            <m:t>𝑑</m:t>
-                          </m:r>
-                          <m:sSub>
-                            <m:sSubPr>
+                          <m:d>
+                            <m:dPr>
                               <m:ctrlPr>
                                 <a:rPr lang="hu-HU" b="0" i="1" smtClean="0">
                                   <a:latin typeface="Cambria Math" panose="02040503050406030204" pitchFamily="18" charset="0"/>
                                 </a:rPr>
                               </m:ctrlPr>
-                            </m:sSubPr>
+                            </m:dPr>
                             <m:e>
+                              <m:sSub>
+                                <m:sSubPr>
+                                  <m:ctrlPr>
+                                    <a:rPr lang="hu-HU" b="0" i="1" smtClean="0">
+                                      <a:latin typeface="Cambria Math" panose="02040503050406030204" pitchFamily="18" charset="0"/>
+                                    </a:rPr>
+                                  </m:ctrlPr>
+                                </m:sSubPr>
+                                <m:e>
+                                  <m:r>
+                                    <a:rPr lang="hu-HU" b="0" i="1" smtClean="0">
+                                      <a:latin typeface="Cambria Math" panose="02040503050406030204" pitchFamily="18" charset="0"/>
+                                    </a:rPr>
+                                    <m:t>𝜔</m:t>
+                                  </m:r>
+                                </m:e>
+                                <m:sub>
+                                  <m:r>
+                                    <a:rPr lang="hu-HU" b="0" i="1" smtClean="0">
+                                      <a:latin typeface="Cambria Math" panose="02040503050406030204" pitchFamily="18" charset="0"/>
+                                    </a:rPr>
+                                    <m:t>𝑜</m:t>
+                                  </m:r>
+                                </m:sub>
+                              </m:sSub>
                               <m:r>
                                 <a:rPr lang="hu-HU" b="0" i="1" smtClean="0">
                                   <a:latin typeface="Cambria Math" panose="02040503050406030204" pitchFamily="18" charset="0"/>
                                 </a:rPr>
-                                <m:t>𝐿</m:t>
+                                <m:t>, </m:t>
                               </m:r>
+                              <m:sSub>
+                                <m:sSubPr>
+                                  <m:ctrlPr>
+                                    <a:rPr lang="hu-HU" b="0" i="1" smtClean="0">
+                                      <a:latin typeface="Cambria Math" panose="02040503050406030204" pitchFamily="18" charset="0"/>
+                                    </a:rPr>
+                                  </m:ctrlPr>
+                                </m:sSubPr>
+                                <m:e>
+                                  <m:r>
+                                    <a:rPr lang="hu-HU" b="0" i="1" smtClean="0">
+                                      <a:latin typeface="Cambria Math" panose="02040503050406030204" pitchFamily="18" charset="0"/>
+                                    </a:rPr>
+                                    <m:t>𝜔</m:t>
+                                  </m:r>
+                                </m:e>
+                                <m:sub>
+                                  <m:r>
+                                    <a:rPr lang="hu-HU" b="0" i="1" smtClean="0">
+                                      <a:latin typeface="Cambria Math" panose="02040503050406030204" pitchFamily="18" charset="0"/>
+                                    </a:rPr>
+                                    <m:t>𝑖</m:t>
+                                  </m:r>
+                                </m:sub>
+                              </m:sSub>
                             </m:e>
-                            <m:sub>
-                              <m:r>
-                                <a:rPr lang="hu-HU" b="0" i="1" smtClean="0">
-                                  <a:latin typeface="Cambria Math" panose="02040503050406030204" pitchFamily="18" charset="0"/>
-                                </a:rPr>
-                                <m:t>𝑜</m:t>
-                              </m:r>
-                            </m:sub>
-                          </m:sSub>
+                          </m:d>
                           <m:r>
                             <a:rPr lang="hu-HU" b="0" i="1" smtClean="0">
                               <a:latin typeface="Cambria Math" panose="02040503050406030204" pitchFamily="18" charset="0"/>
                             </a:rPr>
-                            <m:t>(</m:t>
+                            <m:t> </m:t>
                           </m:r>
-                          <m:sSub>
-                            <m:sSubPr>
-                              <m:ctrlPr>
-                                <a:rPr lang="hu-HU" b="0" i="1" smtClean="0">
-                                  <a:latin typeface="Cambria Math" panose="02040503050406030204" pitchFamily="18" charset="0"/>
-                                </a:rPr>
-                              </m:ctrlPr>
-                            </m:sSubPr>
-                            <m:e>
-                              <m:r>
-                                <a:rPr lang="hu-HU" b="0" i="1" smtClean="0">
-                                  <a:latin typeface="Cambria Math" panose="02040503050406030204" pitchFamily="18" charset="0"/>
-                                </a:rPr>
-                                <m:t>𝜔</m:t>
-                              </m:r>
-                            </m:e>
-                            <m:sub>
-                              <m:r>
-                                <a:rPr lang="hu-HU" b="0" i="1" smtClean="0">
-                                  <a:latin typeface="Cambria Math" panose="02040503050406030204" pitchFamily="18" charset="0"/>
-                                </a:rPr>
-                                <m:t>𝑜</m:t>
-                              </m:r>
-                            </m:sub>
-                          </m:sSub>
-                          <m:r>
-                            <a:rPr lang="hu-HU" b="0" i="1" smtClean="0">
-                              <a:latin typeface="Cambria Math" panose="02040503050406030204" pitchFamily="18" charset="0"/>
-                            </a:rPr>
-                            <m:t>)</m:t>
-                          </m:r>
-                        </m:num>
-                        <m:den>
-                          <m:r>
-                            <a:rPr lang="hu-HU" b="0" i="1" smtClean="0">
-                              <a:latin typeface="Cambria Math" panose="02040503050406030204" pitchFamily="18" charset="0"/>
-                            </a:rPr>
-                            <m:t>𝑑𝐸</m:t>
-                          </m:r>
-                          <m:r>
-                            <a:rPr lang="hu-HU" b="0" i="1" smtClean="0">
-                              <a:latin typeface="Cambria Math" panose="02040503050406030204" pitchFamily="18" charset="0"/>
-                            </a:rPr>
-                            <m:t>(</m:t>
-                          </m:r>
-                          <m:sSub>
-                            <m:sSubPr>
-                              <m:ctrlPr>
-                                <a:rPr lang="hu-HU" b="0" i="1" smtClean="0">
-                                  <a:latin typeface="Cambria Math" panose="02040503050406030204" pitchFamily="18" charset="0"/>
-                                </a:rPr>
-                              </m:ctrlPr>
-                            </m:sSubPr>
-                            <m:e>
-                              <m:r>
-                                <a:rPr lang="hu-HU" b="0" i="1" smtClean="0">
-                                  <a:latin typeface="Cambria Math" panose="02040503050406030204" pitchFamily="18" charset="0"/>
-                                </a:rPr>
-                                <m:t>𝜔</m:t>
-                              </m:r>
-                            </m:e>
-                            <m:sub>
-                              <m:r>
-                                <a:rPr lang="hu-HU" b="0" i="1" smtClean="0">
-                                  <a:latin typeface="Cambria Math" panose="02040503050406030204" pitchFamily="18" charset="0"/>
-                                </a:rPr>
-                                <m:t>𝑖</m:t>
-                              </m:r>
-                            </m:sub>
-                          </m:sSub>
-                          <m:r>
-                            <a:rPr lang="hu-HU" b="0" i="1" smtClean="0">
-                              <a:latin typeface="Cambria Math" panose="02040503050406030204" pitchFamily="18" charset="0"/>
-                            </a:rPr>
-                            <m:t>)</m:t>
-                          </m:r>
-                        </m:den>
-                      </m:f>
-                      <m:r>
-                        <a:rPr lang="hu-HU" b="0" i="1" smtClean="0">
-                          <a:latin typeface="Cambria Math" panose="02040503050406030204" pitchFamily="18" charset="0"/>
-                        </a:rPr>
-                        <m:t>=</m:t>
-                      </m:r>
-                      <m:f>
-                        <m:fPr>
-                          <m:ctrlPr>
-                            <a:rPr lang="hu-HU" b="0" i="1" smtClean="0">
-                              <a:latin typeface="Cambria Math" panose="02040503050406030204" pitchFamily="18" charset="0"/>
-                            </a:rPr>
-                          </m:ctrlPr>
-                        </m:fPr>
-                        <m:num>
-                          <m:r>
-                            <a:rPr lang="hu-HU" b="0" i="1" smtClean="0">
-                              <a:latin typeface="Cambria Math" panose="02040503050406030204" pitchFamily="18" charset="0"/>
-                            </a:rPr>
-                            <m:t>𝑑</m:t>
-                          </m:r>
-                          <m:sSub>
-                            <m:sSubPr>
-                              <m:ctrlPr>
-                                <a:rPr lang="hu-HU" b="0" i="1" smtClean="0">
-                                  <a:latin typeface="Cambria Math" panose="02040503050406030204" pitchFamily="18" charset="0"/>
-                                </a:rPr>
-                              </m:ctrlPr>
-                            </m:sSubPr>
-                            <m:e>
-                              <m:r>
-                                <a:rPr lang="hu-HU" b="0" i="1" smtClean="0">
-                                  <a:latin typeface="Cambria Math" panose="02040503050406030204" pitchFamily="18" charset="0"/>
-                                </a:rPr>
-                                <m:t>𝐿</m:t>
-                              </m:r>
-                            </m:e>
-                            <m:sub>
-                              <m:r>
-                                <a:rPr lang="hu-HU" b="0" i="1" smtClean="0">
-                                  <a:latin typeface="Cambria Math" panose="02040503050406030204" pitchFamily="18" charset="0"/>
-                                </a:rPr>
-                                <m:t>𝑜</m:t>
-                              </m:r>
-                            </m:sub>
-                          </m:sSub>
-                          <m:r>
-                            <a:rPr lang="hu-HU" b="0" i="1" smtClean="0">
-                              <a:latin typeface="Cambria Math" panose="02040503050406030204" pitchFamily="18" charset="0"/>
-                            </a:rPr>
-                            <m:t>(</m:t>
-                          </m:r>
-                          <m:sSub>
-                            <m:sSubPr>
-                              <m:ctrlPr>
-                                <a:rPr lang="hu-HU" b="0" i="1" smtClean="0">
-                                  <a:latin typeface="Cambria Math" panose="02040503050406030204" pitchFamily="18" charset="0"/>
-                                </a:rPr>
-                              </m:ctrlPr>
-                            </m:sSubPr>
-                            <m:e>
-                              <m:r>
-                                <a:rPr lang="hu-HU" b="0" i="1" smtClean="0">
-                                  <a:latin typeface="Cambria Math" panose="02040503050406030204" pitchFamily="18" charset="0"/>
-                                </a:rPr>
-                                <m:t>𝜔</m:t>
-                              </m:r>
-                            </m:e>
-                            <m:sub>
-                              <m:r>
-                                <a:rPr lang="hu-HU" b="0" i="1" smtClean="0">
-                                  <a:latin typeface="Cambria Math" panose="02040503050406030204" pitchFamily="18" charset="0"/>
-                                </a:rPr>
-                                <m:t>𝑜</m:t>
-                              </m:r>
-                            </m:sub>
-                          </m:sSub>
-                          <m:r>
-                            <a:rPr lang="hu-HU" b="0" i="1" smtClean="0">
-                              <a:latin typeface="Cambria Math" panose="02040503050406030204" pitchFamily="18" charset="0"/>
-                            </a:rPr>
-                            <m:t>)</m:t>
-                          </m:r>
-                        </m:num>
-                        <m:den>
                           <m:sSub>
                             <m:sSubPr>
                               <m:ctrlPr>
@@ -5705,35 +5618,16 @@
                                 </a:rPr>
                                 <m:t>𝑑</m:t>
                               </m:r>
-                              <m:sSub>
-                                <m:sSubPr>
-                                  <m:ctrlPr>
-                                    <a:rPr lang="hu-HU" b="0" i="1" smtClean="0">
-                                      <a:latin typeface="Cambria Math" panose="02040503050406030204" pitchFamily="18" charset="0"/>
-                                    </a:rPr>
-                                  </m:ctrlPr>
-                                </m:sSubPr>
-                                <m:e>
-                                  <m:r>
-                                    <a:rPr lang="hu-HU" b="0" i="1" smtClean="0">
-                                      <a:latin typeface="Cambria Math" panose="02040503050406030204" pitchFamily="18" charset="0"/>
-                                    </a:rPr>
-                                    <m:t>𝜔</m:t>
-                                  </m:r>
-                                </m:e>
-                                <m:sub>
-                                  <m:r>
-                                    <a:rPr lang="hu-HU" b="0" i="1" smtClean="0">
-                                      <a:latin typeface="Cambria Math" panose="02040503050406030204" pitchFamily="18" charset="0"/>
-                                    </a:rPr>
-                                    <m:t>𝑖</m:t>
-                                  </m:r>
-                                </m:sub>
-                              </m:sSub>
+                              <m:r>
+                                <a:rPr lang="hu-HU" b="0" i="1" smtClean="0">
+                                  <a:latin typeface="Cambria Math" panose="02040503050406030204" pitchFamily="18" charset="0"/>
+                                </a:rPr>
+                                <m:t>𝜔</m:t>
+                              </m:r>
                             </m:e>
                           </m:func>
-                        </m:den>
-                      </m:f>
+                        </m:e>
+                      </m:nary>
                     </m:oMath>
                   </m:oMathPara>
                 </a14:m>
@@ -5746,8 +5640,254 @@
                 </a:pPr>
                 <a:r>
                   <a:rPr lang="hu-HU" dirty="0"/>
-                  <a:t>Átrendezve és integrálva kapható meg a tükröződési egyenlet</a:t>
-                </a:r>
+                  <a:t>Alternatív felírás (pl. az </a:t>
+                </a:r>
+                <a:r>
+                  <a:rPr lang="hu-HU" i="1" dirty="0"/>
+                  <a:t>Epic</a:t>
+                </a:r>
+                <a:r>
+                  <a:rPr lang="hu-HU" dirty="0"/>
+                  <a:t> prezentációiban):</a:t>
+                </a:r>
+              </a:p>
+              <a:p>
+                <a:pPr marL="0" indent="0" algn="ctr">
+                  <a:buNone/>
+                </a:pPr>
+                <a14:m>
+                  <m:oMathPara xmlns:m="http://schemas.openxmlformats.org/officeDocument/2006/math">
+                    <m:oMathParaPr>
+                      <m:jc m:val="centerGroup"/>
+                    </m:oMathParaPr>
+                    <m:oMath xmlns:m="http://schemas.openxmlformats.org/officeDocument/2006/math">
+                      <m:sSub>
+                        <m:sSubPr>
+                          <m:ctrlPr>
+                            <a:rPr lang="hu-HU" b="0" i="1" smtClean="0">
+                              <a:latin typeface="Cambria Math" panose="02040503050406030204" pitchFamily="18" charset="0"/>
+                            </a:rPr>
+                          </m:ctrlPr>
+                        </m:sSubPr>
+                        <m:e>
+                          <m:r>
+                            <a:rPr lang="hu-HU" b="0" i="1" smtClean="0">
+                              <a:latin typeface="Cambria Math" panose="02040503050406030204" pitchFamily="18" charset="0"/>
+                            </a:rPr>
+                            <m:t>𝐿</m:t>
+                          </m:r>
+                        </m:e>
+                        <m:sub>
+                          <m:r>
+                            <a:rPr lang="hu-HU" b="0" i="1" smtClean="0">
+                              <a:latin typeface="Cambria Math" panose="02040503050406030204" pitchFamily="18" charset="0"/>
+                            </a:rPr>
+                            <m:t>𝑜</m:t>
+                          </m:r>
+                        </m:sub>
+                      </m:sSub>
+                      <m:d>
+                        <m:dPr>
+                          <m:ctrlPr>
+                            <a:rPr lang="hu-HU" b="0" i="1" smtClean="0">
+                              <a:latin typeface="Cambria Math" panose="02040503050406030204" pitchFamily="18" charset="0"/>
+                            </a:rPr>
+                          </m:ctrlPr>
+                        </m:dPr>
+                        <m:e>
+                          <m:r>
+                            <a:rPr lang="hu-HU" b="1" i="1" smtClean="0">
+                              <a:latin typeface="Cambria Math" panose="02040503050406030204" pitchFamily="18" charset="0"/>
+                            </a:rPr>
+                            <m:t>𝒗</m:t>
+                          </m:r>
+                        </m:e>
+                      </m:d>
+                      <m:r>
+                        <a:rPr lang="hu-HU" b="0" i="1" smtClean="0">
+                          <a:latin typeface="Cambria Math" panose="02040503050406030204" pitchFamily="18" charset="0"/>
+                        </a:rPr>
+                        <m:t>=</m:t>
+                      </m:r>
+                      <m:nary>
+                        <m:naryPr>
+                          <m:limLoc m:val="undOvr"/>
+                          <m:ctrlPr>
+                            <a:rPr lang="hu-HU" b="0" i="1" smtClean="0">
+                              <a:latin typeface="Cambria Math" panose="02040503050406030204" pitchFamily="18" charset="0"/>
+                            </a:rPr>
+                          </m:ctrlPr>
+                        </m:naryPr>
+                        <m:sub>
+                          <m:r>
+                            <m:rPr>
+                              <m:sty m:val="p"/>
+                            </m:rPr>
+                            <a:rPr lang="hu-HU" b="0" i="0" smtClean="0">
+                              <a:latin typeface="Cambria Math" panose="02040503050406030204" pitchFamily="18" charset="0"/>
+                            </a:rPr>
+                            <m:t>Ω</m:t>
+                          </m:r>
+                        </m:sub>
+                        <m:sup>
+                          <m:r>
+                            <a:rPr lang="hu-HU" b="0" i="1" smtClean="0">
+                              <a:latin typeface="Cambria Math" panose="02040503050406030204" pitchFamily="18" charset="0"/>
+                            </a:rPr>
+                            <m:t> </m:t>
+                          </m:r>
+                        </m:sup>
+                        <m:e>
+                          <m:sSub>
+                            <m:sSubPr>
+                              <m:ctrlPr>
+                                <a:rPr lang="hu-HU" b="0" i="1" smtClean="0">
+                                  <a:latin typeface="Cambria Math" panose="02040503050406030204" pitchFamily="18" charset="0"/>
+                                </a:rPr>
+                              </m:ctrlPr>
+                            </m:sSubPr>
+                            <m:e>
+                              <m:r>
+                                <a:rPr lang="hu-HU" b="0" i="1" smtClean="0">
+                                  <a:latin typeface="Cambria Math" panose="02040503050406030204" pitchFamily="18" charset="0"/>
+                                </a:rPr>
+                                <m:t>𝑓</m:t>
+                              </m:r>
+                            </m:e>
+                            <m:sub>
+                              <m:r>
+                                <a:rPr lang="hu-HU" b="0" i="1" smtClean="0">
+                                  <a:latin typeface="Cambria Math" panose="02040503050406030204" pitchFamily="18" charset="0"/>
+                                </a:rPr>
+                                <m:t>𝑟</m:t>
+                              </m:r>
+                            </m:sub>
+                          </m:sSub>
+                          <m:d>
+                            <m:dPr>
+                              <m:ctrlPr>
+                                <a:rPr lang="hu-HU" b="0" i="1" smtClean="0">
+                                  <a:latin typeface="Cambria Math" panose="02040503050406030204" pitchFamily="18" charset="0"/>
+                                </a:rPr>
+                              </m:ctrlPr>
+                            </m:dPr>
+                            <m:e>
+                              <m:r>
+                                <a:rPr lang="hu-HU" b="1" i="1" smtClean="0">
+                                  <a:latin typeface="Cambria Math" panose="02040503050406030204" pitchFamily="18" charset="0"/>
+                                </a:rPr>
+                                <m:t>𝒗</m:t>
+                              </m:r>
+                              <m:r>
+                                <a:rPr lang="hu-HU" b="0" i="1" smtClean="0">
+                                  <a:latin typeface="Cambria Math" panose="02040503050406030204" pitchFamily="18" charset="0"/>
+                                </a:rPr>
+                                <m:t>, </m:t>
+                              </m:r>
+                              <m:r>
+                                <a:rPr lang="hu-HU" b="1" i="1" smtClean="0">
+                                  <a:latin typeface="Cambria Math" panose="02040503050406030204" pitchFamily="18" charset="0"/>
+                                </a:rPr>
+                                <m:t>𝒍</m:t>
+                              </m:r>
+                            </m:e>
+                          </m:d>
+                          <m:r>
+                            <a:rPr lang="hu-HU" b="0" i="1" smtClean="0">
+                              <a:latin typeface="Cambria Math" panose="02040503050406030204" pitchFamily="18" charset="0"/>
+                            </a:rPr>
+                            <m:t> </m:t>
+                          </m:r>
+                          <m:sSub>
+                            <m:sSubPr>
+                              <m:ctrlPr>
+                                <a:rPr lang="hu-HU" b="0" i="1" smtClean="0">
+                                  <a:latin typeface="Cambria Math" panose="02040503050406030204" pitchFamily="18" charset="0"/>
+                                </a:rPr>
+                              </m:ctrlPr>
+                            </m:sSubPr>
+                            <m:e>
+                              <m:r>
+                                <a:rPr lang="hu-HU" b="0" i="1" smtClean="0">
+                                  <a:latin typeface="Cambria Math" panose="02040503050406030204" pitchFamily="18" charset="0"/>
+                                </a:rPr>
+                                <m:t>𝐿</m:t>
+                              </m:r>
+                            </m:e>
+                            <m:sub>
+                              <m:r>
+                                <a:rPr lang="hu-HU" b="0" i="1" smtClean="0">
+                                  <a:latin typeface="Cambria Math" panose="02040503050406030204" pitchFamily="18" charset="0"/>
+                                </a:rPr>
+                                <m:t>𝑖</m:t>
+                              </m:r>
+                            </m:sub>
+                          </m:sSub>
+                          <m:d>
+                            <m:dPr>
+                              <m:ctrlPr>
+                                <a:rPr lang="hu-HU" b="0" i="1" smtClean="0">
+                                  <a:latin typeface="Cambria Math" panose="02040503050406030204" pitchFamily="18" charset="0"/>
+                                </a:rPr>
+                              </m:ctrlPr>
+                            </m:dPr>
+                            <m:e>
+                              <m:r>
+                                <a:rPr lang="hu-HU" b="1" i="1" smtClean="0">
+                                  <a:latin typeface="Cambria Math" panose="02040503050406030204" pitchFamily="18" charset="0"/>
+                                </a:rPr>
+                                <m:t>𝒍</m:t>
+                              </m:r>
+                            </m:e>
+                          </m:d>
+                          <m:r>
+                            <a:rPr lang="hu-HU" b="0" i="1" smtClean="0">
+                              <a:latin typeface="Cambria Math" panose="02040503050406030204" pitchFamily="18" charset="0"/>
+                            </a:rPr>
+                            <m:t> </m:t>
+                          </m:r>
+                          <m:r>
+                            <a:rPr lang="hu-HU" b="1" i="1" smtClean="0">
+                              <a:latin typeface="Cambria Math" panose="02040503050406030204" pitchFamily="18" charset="0"/>
+                            </a:rPr>
+                            <m:t>𝒏</m:t>
+                          </m:r>
+                          <m:r>
+                            <a:rPr lang="hu-HU" b="0" i="1" smtClean="0">
+                              <a:latin typeface="Cambria Math" panose="02040503050406030204" pitchFamily="18" charset="0"/>
+                            </a:rPr>
+                            <m:t>⋅</m:t>
+                          </m:r>
+                          <m:r>
+                            <a:rPr lang="hu-HU" b="1" i="1" smtClean="0">
+                              <a:latin typeface="Cambria Math" panose="02040503050406030204" pitchFamily="18" charset="0"/>
+                            </a:rPr>
+                            <m:t>𝒍</m:t>
+                          </m:r>
+                        </m:e>
+                      </m:nary>
+                      <m:r>
+                        <a:rPr lang="hu-HU" b="0" i="1" smtClean="0">
+                          <a:latin typeface="Cambria Math" panose="02040503050406030204" pitchFamily="18" charset="0"/>
+                        </a:rPr>
+                        <m:t> </m:t>
+                      </m:r>
+                      <m:r>
+                        <a:rPr lang="hu-HU" b="0" i="1" smtClean="0">
+                          <a:latin typeface="Cambria Math" panose="02040503050406030204" pitchFamily="18" charset="0"/>
+                        </a:rPr>
+                        <m:t>𝑑</m:t>
+                      </m:r>
+                      <m:r>
+                        <a:rPr lang="hu-HU" b="1" i="1" smtClean="0">
+                          <a:latin typeface="Cambria Math" panose="02040503050406030204" pitchFamily="18" charset="0"/>
+                        </a:rPr>
+                        <m:t>𝒍</m:t>
+                      </m:r>
+                    </m:oMath>
+                  </m:oMathPara>
+                </a14:m>
+                <a:endParaRPr lang="hu-HU" b="1" dirty="0"/>
               </a:p>
               <a:p>
                 <a:pPr>
@@ -5756,438 +5896,41 @@
                 </a:pPr>
                 <a:r>
                   <a:rPr lang="hu-HU" dirty="0"/>
-                  <a:t>Egy függvény akkor BRDF ha:</a:t>
-                </a:r>
-              </a:p>
-              <a:p>
-                <a:pPr lvl="1">
-                  <a:buFont typeface="Wingdings" panose="05000000000000000000" pitchFamily="2" charset="2"/>
-                  <a:buChar char="q"/>
-                </a:pPr>
+                  <a:t>Sokkal érthetőbb, csak ne felejtsd el 0-hoz m</a:t>
+                </a:r>
+                <a:r>
+                  <a:rPr lang="en-US" dirty="0" err="1"/>
+                  <a:t>ini</a:t>
+                </a:r>
                 <a:r>
                   <a:rPr lang="hu-HU" dirty="0"/>
-                  <a:t>Pozitív</a:t>
-                </a:r>
-              </a:p>
-              <a:p>
-                <a:pPr lvl="1">
-                  <a:buFont typeface="Wingdings" panose="05000000000000000000" pitchFamily="2" charset="2"/>
-                  <a:buChar char="q"/>
-                </a:pPr>
-                <a:r>
-                  <a:rPr lang="hu-HU" dirty="0"/>
-                  <a:t>Szimmetrikus (</a:t>
+                  <a:t>malizálni </a:t>
                 </a:r>
                 <a14:m>
                   <m:oMath xmlns:m="http://schemas.openxmlformats.org/officeDocument/2006/math">
-                    <m:sSub>
-                      <m:sSubPr>
-                        <m:ctrlPr>
-                          <a:rPr lang="hu-HU" b="0" i="1" smtClean="0">
-                            <a:latin typeface="Cambria Math" panose="02040503050406030204" pitchFamily="18" charset="0"/>
-                          </a:rPr>
-                        </m:ctrlPr>
-                      </m:sSubPr>
-                      <m:e>
-                        <m:r>
-                          <a:rPr lang="hu-HU" b="0" i="1" smtClean="0">
-                            <a:latin typeface="Cambria Math" panose="02040503050406030204" pitchFamily="18" charset="0"/>
-                          </a:rPr>
-                          <m:t>𝑓</m:t>
-                        </m:r>
-                      </m:e>
-                      <m:sub>
-                        <m:r>
-                          <a:rPr lang="hu-HU" b="0" i="1" smtClean="0">
-                            <a:latin typeface="Cambria Math" panose="02040503050406030204" pitchFamily="18" charset="0"/>
-                          </a:rPr>
-                          <m:t>𝑟</m:t>
-                        </m:r>
-                      </m:sub>
-                    </m:sSub>
-                    <m:d>
-                      <m:dPr>
-                        <m:ctrlPr>
-                          <a:rPr lang="hu-HU" b="0" i="1" smtClean="0">
-                            <a:latin typeface="Cambria Math" panose="02040503050406030204" pitchFamily="18" charset="0"/>
-                          </a:rPr>
-                        </m:ctrlPr>
-                      </m:dPr>
-                      <m:e>
-                        <m:sSub>
-                          <m:sSubPr>
-                            <m:ctrlPr>
-                              <a:rPr lang="hu-HU" b="0" i="1" smtClean="0">
-                                <a:latin typeface="Cambria Math" panose="02040503050406030204" pitchFamily="18" charset="0"/>
-                              </a:rPr>
-                            </m:ctrlPr>
-                          </m:sSubPr>
-                          <m:e>
-                            <m:r>
-                              <a:rPr lang="hu-HU" b="0" i="1" smtClean="0">
-                                <a:latin typeface="Cambria Math" panose="02040503050406030204" pitchFamily="18" charset="0"/>
-                              </a:rPr>
-                              <m:t>𝜔</m:t>
-                            </m:r>
-                          </m:e>
-                          <m:sub>
-                            <m:r>
-                              <a:rPr lang="hu-HU" b="0" i="1" smtClean="0">
-                                <a:latin typeface="Cambria Math" panose="02040503050406030204" pitchFamily="18" charset="0"/>
-                              </a:rPr>
-                              <m:t>𝑜</m:t>
-                            </m:r>
-                          </m:sub>
-                        </m:sSub>
-                        <m:r>
-                          <a:rPr lang="hu-HU" b="0" i="1" smtClean="0">
-                            <a:latin typeface="Cambria Math" panose="02040503050406030204" pitchFamily="18" charset="0"/>
-                          </a:rPr>
-                          <m:t>,</m:t>
-                        </m:r>
-                        <m:sSub>
-                          <m:sSubPr>
-                            <m:ctrlPr>
-                              <a:rPr lang="hu-HU" b="0" i="1" smtClean="0">
-                                <a:latin typeface="Cambria Math" panose="02040503050406030204" pitchFamily="18" charset="0"/>
-                              </a:rPr>
-                            </m:ctrlPr>
-                          </m:sSubPr>
-                          <m:e>
-                            <m:r>
-                              <a:rPr lang="hu-HU" b="0" i="1" smtClean="0">
-                                <a:latin typeface="Cambria Math" panose="02040503050406030204" pitchFamily="18" charset="0"/>
-                              </a:rPr>
-                              <m:t>𝜔</m:t>
-                            </m:r>
-                          </m:e>
-                          <m:sub>
-                            <m:r>
-                              <a:rPr lang="hu-HU" b="0" i="1" smtClean="0">
-                                <a:latin typeface="Cambria Math" panose="02040503050406030204" pitchFamily="18" charset="0"/>
-                              </a:rPr>
-                              <m:t>𝑖</m:t>
-                            </m:r>
-                          </m:sub>
-                        </m:sSub>
-                      </m:e>
-                    </m:d>
+                    <m:r>
+                      <a:rPr lang="hu-HU" b="1" i="1" smtClean="0">
+                        <a:latin typeface="Cambria Math" panose="02040503050406030204" pitchFamily="18" charset="0"/>
+                      </a:rPr>
+                      <m:t>𝒏</m:t>
+                    </m:r>
                     <m:r>
                       <a:rPr lang="hu-HU" b="0" i="1" smtClean="0">
                         <a:latin typeface="Cambria Math" panose="02040503050406030204" pitchFamily="18" charset="0"/>
                       </a:rPr>
-                      <m:t>=</m:t>
+                      <m:t>⋅</m:t>
                     </m:r>
-                    <m:sSub>
-                      <m:sSubPr>
-                        <m:ctrlPr>
-                          <a:rPr lang="hu-HU" b="0" i="1" smtClean="0">
-                            <a:latin typeface="Cambria Math" panose="02040503050406030204" pitchFamily="18" charset="0"/>
-                          </a:rPr>
-                        </m:ctrlPr>
-                      </m:sSubPr>
-                      <m:e>
-                        <m:r>
-                          <a:rPr lang="hu-HU" b="0" i="1" smtClean="0">
-                            <a:latin typeface="Cambria Math" panose="02040503050406030204" pitchFamily="18" charset="0"/>
-                          </a:rPr>
-                          <m:t>𝑓</m:t>
-                        </m:r>
-                      </m:e>
-                      <m:sub>
-                        <m:r>
-                          <a:rPr lang="hu-HU" b="0" i="1" smtClean="0">
-                            <a:latin typeface="Cambria Math" panose="02040503050406030204" pitchFamily="18" charset="0"/>
-                          </a:rPr>
-                          <m:t>𝑟</m:t>
-                        </m:r>
-                      </m:sub>
-                    </m:sSub>
                     <m:r>
-                      <a:rPr lang="hu-HU" b="0" i="1" smtClean="0">
+                      <a:rPr lang="hu-HU" b="1" i="1" smtClean="0">
                         <a:latin typeface="Cambria Math" panose="02040503050406030204" pitchFamily="18" charset="0"/>
                       </a:rPr>
-                      <m:t>(</m:t>
-                    </m:r>
-                    <m:sSub>
-                      <m:sSubPr>
-                        <m:ctrlPr>
-                          <a:rPr lang="hu-HU" b="0" i="1" smtClean="0">
-                            <a:latin typeface="Cambria Math" panose="02040503050406030204" pitchFamily="18" charset="0"/>
-                          </a:rPr>
-                        </m:ctrlPr>
-                      </m:sSubPr>
-                      <m:e>
-                        <m:r>
-                          <a:rPr lang="hu-HU" b="0" i="1" smtClean="0">
-                            <a:latin typeface="Cambria Math" panose="02040503050406030204" pitchFamily="18" charset="0"/>
-                          </a:rPr>
-                          <m:t>𝜔</m:t>
-                        </m:r>
-                      </m:e>
-                      <m:sub>
-                        <m:r>
-                          <a:rPr lang="hu-HU" b="0" i="1" smtClean="0">
-                            <a:latin typeface="Cambria Math" panose="02040503050406030204" pitchFamily="18" charset="0"/>
-                          </a:rPr>
-                          <m:t>𝑖</m:t>
-                        </m:r>
-                      </m:sub>
-                    </m:sSub>
-                    <m:r>
-                      <a:rPr lang="hu-HU" b="0" i="1" smtClean="0">
-                        <a:latin typeface="Cambria Math" panose="02040503050406030204" pitchFamily="18" charset="0"/>
-                      </a:rPr>
-                      <m:t>,</m:t>
-                    </m:r>
-                    <m:sSub>
-                      <m:sSubPr>
-                        <m:ctrlPr>
-                          <a:rPr lang="hu-HU" b="0" i="1" smtClean="0">
-                            <a:latin typeface="Cambria Math" panose="02040503050406030204" pitchFamily="18" charset="0"/>
-                          </a:rPr>
-                        </m:ctrlPr>
-                      </m:sSubPr>
-                      <m:e>
-                        <m:r>
-                          <a:rPr lang="hu-HU" b="0" i="1" smtClean="0">
-                            <a:latin typeface="Cambria Math" panose="02040503050406030204" pitchFamily="18" charset="0"/>
-                          </a:rPr>
-                          <m:t>𝜔</m:t>
-                        </m:r>
-                      </m:e>
-                      <m:sub>
-                        <m:r>
-                          <a:rPr lang="hu-HU" b="0" i="1" smtClean="0">
-                            <a:latin typeface="Cambria Math" panose="02040503050406030204" pitchFamily="18" charset="0"/>
-                          </a:rPr>
-                          <m:t>𝑜</m:t>
-                        </m:r>
-                      </m:sub>
-                    </m:sSub>
-                    <m:r>
-                      <a:rPr lang="hu-HU" b="0" i="1" smtClean="0">
-                        <a:latin typeface="Cambria Math" panose="02040503050406030204" pitchFamily="18" charset="0"/>
-                      </a:rPr>
-                      <m:t>)</m:t>
+                      <m:t>𝒍</m:t>
                     </m:r>
                   </m:oMath>
                 </a14:m>
                 <a:r>
                   <a:rPr lang="hu-HU" dirty="0"/>
-                  <a:t>)</a:t>
-                </a:r>
-              </a:p>
-              <a:p>
-                <a:pPr lvl="1">
-                  <a:buFont typeface="Wingdings" panose="05000000000000000000" pitchFamily="2" charset="2"/>
-                  <a:buChar char="q"/>
-                </a:pPr>
-                <a:r>
-                  <a:rPr lang="hu-HU" dirty="0"/>
-                  <a:t>Nem sérti az energiamegmaradást (</a:t>
-                </a:r>
-                <a14:m>
-                  <m:oMath xmlns:m="http://schemas.openxmlformats.org/officeDocument/2006/math">
-                    <m:nary>
-                      <m:naryPr>
-                        <m:limLoc m:val="undOvr"/>
-                        <m:ctrlPr>
-                          <a:rPr lang="hu-HU" i="1" smtClean="0">
-                            <a:latin typeface="Cambria Math" panose="02040503050406030204" pitchFamily="18" charset="0"/>
-                          </a:rPr>
-                        </m:ctrlPr>
-                      </m:naryPr>
-                      <m:sub>
-                        <m:r>
-                          <m:rPr>
-                            <m:brk m:alnAt="24"/>
-                          </m:rPr>
-                          <a:rPr lang="hu-HU" b="0" i="1" smtClean="0">
-                            <a:latin typeface="Cambria Math" panose="02040503050406030204" pitchFamily="18" charset="0"/>
-                          </a:rPr>
-                          <m:t>𝐻</m:t>
-                        </m:r>
-                      </m:sub>
-                      <m:sup>
-                        <m:r>
-                          <a:rPr lang="hu-HU" b="0" i="1" smtClean="0">
-                            <a:latin typeface="Cambria Math" panose="02040503050406030204" pitchFamily="18" charset="0"/>
-                          </a:rPr>
-                          <m:t> </m:t>
-                        </m:r>
-                      </m:sup>
-                      <m:e>
-                        <m:sSub>
-                          <m:sSubPr>
-                            <m:ctrlPr>
-                              <a:rPr lang="hu-HU" b="0" i="1" smtClean="0">
-                                <a:latin typeface="Cambria Math" panose="02040503050406030204" pitchFamily="18" charset="0"/>
-                              </a:rPr>
-                            </m:ctrlPr>
-                          </m:sSubPr>
-                          <m:e>
-                            <m:r>
-                              <a:rPr lang="hu-HU" b="0" i="1" smtClean="0">
-                                <a:latin typeface="Cambria Math" panose="02040503050406030204" pitchFamily="18" charset="0"/>
-                              </a:rPr>
-                              <m:t>𝑓</m:t>
-                            </m:r>
-                          </m:e>
-                          <m:sub>
-                            <m:r>
-                              <a:rPr lang="hu-HU" b="0" i="1" smtClean="0">
-                                <a:latin typeface="Cambria Math" panose="02040503050406030204" pitchFamily="18" charset="0"/>
-                              </a:rPr>
-                              <m:t>𝑟</m:t>
-                            </m:r>
-                          </m:sub>
-                        </m:sSub>
-                        <m:d>
-                          <m:dPr>
-                            <m:ctrlPr>
-                              <a:rPr lang="hu-HU" b="0" i="1" smtClean="0">
-                                <a:latin typeface="Cambria Math" panose="02040503050406030204" pitchFamily="18" charset="0"/>
-                              </a:rPr>
-                            </m:ctrlPr>
-                          </m:dPr>
-                          <m:e>
-                            <m:sSub>
-                              <m:sSubPr>
-                                <m:ctrlPr>
-                                  <a:rPr lang="hu-HU" b="0" i="1" smtClean="0">
-                                    <a:latin typeface="Cambria Math" panose="02040503050406030204" pitchFamily="18" charset="0"/>
-                                  </a:rPr>
-                                </m:ctrlPr>
-                              </m:sSubPr>
-                              <m:e>
-                                <m:r>
-                                  <a:rPr lang="hu-HU" b="0" i="1" smtClean="0">
-                                    <a:latin typeface="Cambria Math" panose="02040503050406030204" pitchFamily="18" charset="0"/>
-                                  </a:rPr>
-                                  <m:t>𝜔</m:t>
-                                </m:r>
-                              </m:e>
-                              <m:sub>
-                                <m:r>
-                                  <a:rPr lang="hu-HU" b="0" i="1" smtClean="0">
-                                    <a:latin typeface="Cambria Math" panose="02040503050406030204" pitchFamily="18" charset="0"/>
-                                  </a:rPr>
-                                  <m:t>𝑜</m:t>
-                                </m:r>
-                              </m:sub>
-                            </m:sSub>
-                            <m:r>
-                              <a:rPr lang="hu-HU" b="0" i="1" smtClean="0">
-                                <a:latin typeface="Cambria Math" panose="02040503050406030204" pitchFamily="18" charset="0"/>
-                              </a:rPr>
-                              <m:t>,</m:t>
-                            </m:r>
-                            <m:sSub>
-                              <m:sSubPr>
-                                <m:ctrlPr>
-                                  <a:rPr lang="hu-HU" b="0" i="1" smtClean="0">
-                                    <a:latin typeface="Cambria Math" panose="02040503050406030204" pitchFamily="18" charset="0"/>
-                                  </a:rPr>
-                                </m:ctrlPr>
-                              </m:sSubPr>
-                              <m:e>
-                                <m:r>
-                                  <a:rPr lang="hu-HU" b="0" i="1" smtClean="0">
-                                    <a:latin typeface="Cambria Math" panose="02040503050406030204" pitchFamily="18" charset="0"/>
-                                  </a:rPr>
-                                  <m:t>𝜔</m:t>
-                                </m:r>
-                              </m:e>
-                              <m:sub>
-                                <m:r>
-                                  <a:rPr lang="hu-HU" b="0" i="1" smtClean="0">
-                                    <a:latin typeface="Cambria Math" panose="02040503050406030204" pitchFamily="18" charset="0"/>
-                                  </a:rPr>
-                                  <m:t>𝑖</m:t>
-                                </m:r>
-                              </m:sub>
-                            </m:sSub>
-                          </m:e>
-                        </m:d>
-                        <m:func>
-                          <m:funcPr>
-                            <m:ctrlPr>
-                              <a:rPr lang="hu-HU" b="0" i="1" smtClean="0">
-                                <a:latin typeface="Cambria Math" panose="02040503050406030204" pitchFamily="18" charset="0"/>
-                              </a:rPr>
-                            </m:ctrlPr>
-                          </m:funcPr>
-                          <m:fName>
-                            <m:r>
-                              <m:rPr>
-                                <m:sty m:val="p"/>
-                              </m:rPr>
-                              <a:rPr lang="hu-HU" b="0" i="0" smtClean="0">
-                                <a:latin typeface="Cambria Math" panose="02040503050406030204" pitchFamily="18" charset="0"/>
-                              </a:rPr>
-                              <m:t>cos</m:t>
-                            </m:r>
-                          </m:fName>
-                          <m:e>
-                            <m:r>
-                              <a:rPr lang="hu-HU" b="0" i="1" smtClean="0">
-                                <a:latin typeface="Cambria Math" panose="02040503050406030204" pitchFamily="18" charset="0"/>
-                              </a:rPr>
-                              <m:t>𝜃</m:t>
-                            </m:r>
-                            <m:r>
-                              <a:rPr lang="hu-HU" b="0" i="1" smtClean="0">
-                                <a:latin typeface="Cambria Math" panose="02040503050406030204" pitchFamily="18" charset="0"/>
-                              </a:rPr>
-                              <m:t> </m:t>
-                            </m:r>
-                            <m:r>
-                              <a:rPr lang="hu-HU" b="0" i="1" smtClean="0">
-                                <a:latin typeface="Cambria Math" panose="02040503050406030204" pitchFamily="18" charset="0"/>
-                              </a:rPr>
-                              <m:t>𝑑</m:t>
-                            </m:r>
-                            <m:sSub>
-                              <m:sSubPr>
-                                <m:ctrlPr>
-                                  <a:rPr lang="hu-HU" b="0" i="1" smtClean="0">
-                                    <a:latin typeface="Cambria Math" panose="02040503050406030204" pitchFamily="18" charset="0"/>
-                                  </a:rPr>
-                                </m:ctrlPr>
-                              </m:sSubPr>
-                              <m:e>
-                                <m:r>
-                                  <a:rPr lang="hu-HU" b="0" i="1" smtClean="0">
-                                    <a:latin typeface="Cambria Math" panose="02040503050406030204" pitchFamily="18" charset="0"/>
-                                  </a:rPr>
-                                  <m:t>𝜔</m:t>
-                                </m:r>
-                              </m:e>
-                              <m:sub>
-                                <m:r>
-                                  <a:rPr lang="hu-HU" b="0" i="1" smtClean="0">
-                                    <a:latin typeface="Cambria Math" panose="02040503050406030204" pitchFamily="18" charset="0"/>
-                                  </a:rPr>
-                                  <m:t>𝑖</m:t>
-                                </m:r>
-                              </m:sub>
-                            </m:sSub>
-                            <m:r>
-                              <a:rPr lang="hu-HU" b="0" i="1" smtClean="0">
-                                <a:latin typeface="Cambria Math" panose="02040503050406030204" pitchFamily="18" charset="0"/>
-                              </a:rPr>
-                              <m:t>≤1</m:t>
-                            </m:r>
-                          </m:e>
-                        </m:func>
-                      </m:e>
-                    </m:nary>
-                  </m:oMath>
-                </a14:m>
-                <a:r>
-                  <a:rPr lang="hu-HU" dirty="0"/>
-                  <a:t>)</a:t>
+                  <a:t>-t</a:t>
                 </a:r>
               </a:p>
               <a:p>
@@ -6197,35 +5940,25 @@
                 </a:pPr>
                 <a:r>
                   <a:rPr lang="hu-HU" dirty="0"/>
-                  <a:t>Mérhető: ld. </a:t>
-                </a:r>
-                <a:r>
-                  <a:rPr lang="hu-HU" dirty="0">
-                    <a:hlinkClick r:id="rId3"/>
-                  </a:rPr>
-                  <a:t>MERL adatbázis</a:t>
-                </a:r>
+                  <a:t>Ugyanis a BRDF csak a „felső” félgömbön dolgozik (a teljes gömbhöz már a BSDF kell)</a:t>
+                </a:r>
+              </a:p>
+              <a:p>
+                <a:pPr>
+                  <a:buFont typeface="Wingdings" panose="05000000000000000000" pitchFamily="2" charset="2"/>
+                  <a:buChar char="§"/>
+                </a:pPr>
                 <a:r>
                   <a:rPr lang="hu-HU" dirty="0"/>
-                  <a:t>; a </a:t>
+                  <a:t>Anizotróp felületekhez pedig a SVBRDF (</a:t>
                 </a:r>
                 <a:r>
                   <a:rPr lang="hu-HU" i="1" dirty="0"/>
-                  <a:t>Disney</a:t>
+                  <a:t>Spatially Varying</a:t>
                 </a:r>
                 <a:r>
                   <a:rPr lang="hu-HU" dirty="0"/>
-                  <a:t> </a:t>
-                </a:r>
-                <a:r>
-                  <a:rPr lang="hu-HU" dirty="0">
-                    <a:hlinkClick r:id="rId4"/>
-                  </a:rPr>
-                  <a:t>programjával</a:t>
-                </a:r>
-                <a:r>
-                  <a:rPr lang="hu-HU" dirty="0"/>
-                  <a:t> megtekinthető</a:t>
+                  <a:t> BRDF)</a:t>
                 </a:r>
               </a:p>
             </p:txBody>
@@ -6237,7 +5970,7 @@
               <p:cNvPr id="3" name="Content Placeholder 2">
                 <a:extLst>
                   <a:ext uri="{FF2B5EF4-FFF2-40B4-BE49-F238E27FC236}">
-                    <a16:creationId xmlns:a16="http://schemas.microsoft.com/office/drawing/2014/main" id="{E083E11F-9E0C-4556-8290-7B98EDF250F5}"/>
+                    <a16:creationId xmlns:a16="http://schemas.microsoft.com/office/drawing/2014/main" id="{A8231030-22AE-46B4-B53C-E4DABEA3D3BE}"/>
                   </a:ext>
                 </a:extLst>
               </p:cNvPr>
@@ -6250,9 +5983,9 @@
             </p:nvSpPr>
             <p:spPr>
               <a:blipFill>
-                <a:blip r:embed="rId5"/>
+                <a:blip r:embed="rId2"/>
                 <a:stretch>
-                  <a:fillRect l="-1455" t="-1667" b="-455"/>
+                  <a:fillRect l="-1455" t="-1667"/>
                 </a:stretch>
               </a:blipFill>
             </p:spPr>
@@ -6274,7 +6007,7 @@
     </p:spTree>
     <p:extLst>
       <p:ext uri="{BB962C8B-B14F-4D97-AF65-F5344CB8AC3E}">
-        <p14:creationId xmlns:p14="http://schemas.microsoft.com/office/powerpoint/2010/main" val="4256416895"/>
+        <p14:creationId xmlns:p14="http://schemas.microsoft.com/office/powerpoint/2010/main" val="2255019694"/>
       </p:ext>
     </p:extLst>
   </p:cSld>
@@ -6358,7 +6091,7 @@
                 </a:pPr>
                 <a:r>
                   <a:rPr lang="hu-HU" dirty="0"/>
-                  <a:t>A BRDF-et két komponens összegére szokás osztani: </a:t>
+                  <a:t>A BRDF-et két komponens összegére szokás bontani: </a:t>
                 </a:r>
                 <a14:m>
                   <m:oMath xmlns:m="http://schemas.openxmlformats.org/officeDocument/2006/math">
@@ -6431,7 +6164,15 @@
                 </a:pPr>
                 <a:r>
                   <a:rPr lang="hu-HU" dirty="0"/>
-                  <a:t>A legegyszerűbb diffúz BRDF a Lambert függvény, általában elég is szokott lenni</a:t>
+                  <a:t>A legegyszerűbb diffúz BRDF a </a:t>
+                </a:r>
+                <a:r>
+                  <a:rPr lang="hu-HU" i="1" dirty="0"/>
+                  <a:t>Lambert</a:t>
+                </a:r>
+                <a:r>
+                  <a:rPr lang="hu-HU" dirty="0"/>
+                  <a:t> függvény, ez általában elég is szokott lenni</a:t>
                 </a:r>
               </a:p>
               <a:p>
@@ -6525,7 +6266,7 @@
                 </a:pPr>
                 <a:r>
                   <a:rPr lang="hu-HU" dirty="0"/>
-                  <a:t>Jobb diffúz modellek a </a:t>
+                  <a:t>Realisztikusabb diffúz modellek a </a:t>
                 </a:r>
                 <a:r>
                   <a:rPr lang="hu-HU" i="1" dirty="0"/>
@@ -6537,7 +6278,7 @@
                 </a:r>
                 <a:r>
                   <a:rPr lang="hu-HU" i="1" dirty="0"/>
-                  <a:t>DICE/Frostbite</a:t>
+                  <a:t>Frostbite 2</a:t>
                 </a:r>
                 <a:r>
                   <a:rPr lang="hu-HU" dirty="0"/>
@@ -6553,7 +6294,7 @@
                 </a:r>
                 <a:r>
                   <a:rPr lang="hu-HU" i="1" dirty="0"/>
-                  <a:t>Crytek</a:t>
+                  <a:t>CryEngine 3</a:t>
                 </a:r>
                 <a:r>
                   <a:rPr lang="hu-HU" dirty="0"/>
@@ -6566,8 +6307,12 @@
                   <a:buChar char="§"/>
                 </a:pPr>
                 <a:r>
+                  <a:rPr lang="hu-HU" b="1" dirty="0"/>
+                  <a:t>Erősen ajánlott</a:t>
+                </a:r>
+                <a:r>
                   <a:rPr lang="hu-HU" dirty="0"/>
-                  <a:t>Erősen ajánlott elolvasni a </a:t>
+                  <a:t> elolvasni a </a:t>
                 </a:r>
                 <a:r>
                   <a:rPr lang="hu-HU" i="1" dirty="0"/>
@@ -6642,6 +6387,418 @@
 </file>
 
 <file path=ppt/slides/slide12.xml><?xml version="1.0" encoding="utf-8"?>
+<p:sld xmlns:a="http://schemas.openxmlformats.org/drawingml/2006/main" xmlns:r="http://schemas.openxmlformats.org/officeDocument/2006/relationships" xmlns:p="http://schemas.openxmlformats.org/presentationml/2006/main">
+  <p:cSld>
+    <p:spTree>
+      <p:nvGrpSpPr>
+        <p:cNvPr id="1" name=""/>
+        <p:cNvGrpSpPr/>
+        <p:nvPr/>
+      </p:nvGrpSpPr>
+      <p:grpSpPr>
+        <a:xfrm>
+          <a:off x="0" y="0"/>
+          <a:ext cx="0" cy="0"/>
+          <a:chOff x="0" y="0"/>
+          <a:chExt cx="0" cy="0"/>
+        </a:xfrm>
+      </p:grpSpPr>
+      <p:sp>
+        <p:nvSpPr>
+          <p:cNvPr id="2" name="Title 1">
+            <a:extLst>
+              <a:ext uri="{FF2B5EF4-FFF2-40B4-BE49-F238E27FC236}">
+                <a16:creationId xmlns:a16="http://schemas.microsoft.com/office/drawing/2014/main" id="{5472C4D5-4C57-4CDD-BFA6-B11CD71BDE7C}"/>
+              </a:ext>
+            </a:extLst>
+          </p:cNvPr>
+          <p:cNvSpPr>
+            <a:spLocks noGrp="1"/>
+          </p:cNvSpPr>
+          <p:nvPr>
+            <p:ph type="title"/>
+          </p:nvPr>
+        </p:nvSpPr>
+        <p:spPr/>
+        <p:txBody>
+          <a:bodyPr/>
+          <a:lstStyle/>
+          <a:p>
+            <a:r>
+              <a:rPr lang="hu-HU" dirty="0"/>
+              <a:t>A tükr. egyenlet analitikus megoldása</a:t>
+            </a:r>
+          </a:p>
+        </p:txBody>
+      </p:sp>
+      <mc:AlternateContent xmlns:mc="http://schemas.openxmlformats.org/markup-compatibility/2006">
+        <mc:Choice xmlns:a14="http://schemas.microsoft.com/office/drawing/2010/main" Requires="a14">
+          <p:sp>
+            <p:nvSpPr>
+              <p:cNvPr id="3" name="Content Placeholder 2">
+                <a:extLst>
+                  <a:ext uri="{FF2B5EF4-FFF2-40B4-BE49-F238E27FC236}">
+                    <a16:creationId xmlns:a16="http://schemas.microsoft.com/office/drawing/2014/main" id="{B03C10A5-9D9E-4A05-9E41-CB1AAA08218F}"/>
+                  </a:ext>
+                </a:extLst>
+              </p:cNvPr>
+              <p:cNvSpPr>
+                <a:spLocks noGrp="1"/>
+              </p:cNvSpPr>
+              <p:nvPr>
+                <p:ph idx="1"/>
+              </p:nvPr>
+            </p:nvSpPr>
+            <p:spPr/>
+            <p:txBody>
+              <a:bodyPr/>
+              <a:lstStyle/>
+              <a:p>
+                <a:pPr>
+                  <a:buFont typeface="Wingdings" panose="05000000000000000000" pitchFamily="2" charset="2"/>
+                  <a:buChar char="§"/>
+                </a:pPr>
+                <a:r>
+                  <a:rPr lang="hu-HU" dirty="0"/>
+                  <a:t>Pont fényre (irányított fényre nem lehet)</a:t>
+                </a:r>
+              </a:p>
+              <a:p>
+                <a:pPr>
+                  <a:buFont typeface="Wingdings" panose="05000000000000000000" pitchFamily="2" charset="2"/>
+                  <a:buChar char="§"/>
+                </a:pPr>
+                <a:r>
+                  <a:rPr lang="hu-HU" dirty="0"/>
+                  <a:t>A radiancia egyenes vonalakon való konstanssága miatt alkalmazható a térszögeknél megbeszélt (differenciális felületre vonatkozó) képlet</a:t>
+                </a:r>
+              </a:p>
+              <a:p>
+                <a:pPr>
+                  <a:buFont typeface="Wingdings" panose="05000000000000000000" pitchFamily="2" charset="2"/>
+                  <a:buChar char="§"/>
+                </a:pPr>
+                <a:r>
+                  <a:rPr lang="hu-HU" dirty="0"/>
+                  <a:t>Az intenzitás szintén könnyen kiszámolható</a:t>
+                </a:r>
+              </a:p>
+              <a:p>
+                <a:pPr>
+                  <a:buFont typeface="Wingdings" panose="05000000000000000000" pitchFamily="2" charset="2"/>
+                  <a:buChar char="§"/>
+                </a:pPr>
+                <a:r>
+                  <a:rPr lang="hu-HU" dirty="0"/>
+                  <a:t>Ezek után egy egyszerű észrevételt kell csak tenni és készen vagyunk</a:t>
+                </a:r>
+              </a:p>
+              <a:p>
+                <a:pPr marL="0" indent="0" algn="ctr">
+                  <a:lnSpc>
+                    <a:spcPct val="150000"/>
+                  </a:lnSpc>
+                  <a:buNone/>
+                </a:pPr>
+                <a14:m>
+                  <m:oMathPara xmlns:m="http://schemas.openxmlformats.org/officeDocument/2006/math">
+                    <m:oMathParaPr>
+                      <m:jc m:val="centerGroup"/>
+                    </m:oMathParaPr>
+                    <m:oMath xmlns:m="http://schemas.openxmlformats.org/officeDocument/2006/math">
+                      <m:sSub>
+                        <m:sSubPr>
+                          <m:ctrlPr>
+                            <a:rPr lang="hu-HU" b="0" i="1" smtClean="0">
+                              <a:latin typeface="Cambria Math" panose="02040503050406030204" pitchFamily="18" charset="0"/>
+                            </a:rPr>
+                          </m:ctrlPr>
+                        </m:sSubPr>
+                        <m:e>
+                          <m:r>
+                            <a:rPr lang="hu-HU" b="0" i="1" smtClean="0">
+                              <a:latin typeface="Cambria Math" panose="02040503050406030204" pitchFamily="18" charset="0"/>
+                            </a:rPr>
+                            <m:t>𝐿</m:t>
+                          </m:r>
+                        </m:e>
+                        <m:sub>
+                          <m:r>
+                            <a:rPr lang="hu-HU" b="0" i="1" smtClean="0">
+                              <a:latin typeface="Cambria Math" panose="02040503050406030204" pitchFamily="18" charset="0"/>
+                            </a:rPr>
+                            <m:t>𝑜</m:t>
+                          </m:r>
+                        </m:sub>
+                      </m:sSub>
+                      <m:d>
+                        <m:dPr>
+                          <m:ctrlPr>
+                            <a:rPr lang="hu-HU" b="0" i="1" smtClean="0">
+                              <a:latin typeface="Cambria Math" panose="02040503050406030204" pitchFamily="18" charset="0"/>
+                            </a:rPr>
+                          </m:ctrlPr>
+                        </m:dPr>
+                        <m:e>
+                          <m:r>
+                            <a:rPr lang="hu-HU" b="1" i="1" smtClean="0">
+                              <a:latin typeface="Cambria Math" panose="02040503050406030204" pitchFamily="18" charset="0"/>
+                            </a:rPr>
+                            <m:t>𝒗</m:t>
+                          </m:r>
+                        </m:e>
+                      </m:d>
+                      <m:r>
+                        <a:rPr lang="hu-HU" b="0" i="1" smtClean="0">
+                          <a:latin typeface="Cambria Math" panose="02040503050406030204" pitchFamily="18" charset="0"/>
+                        </a:rPr>
+                        <m:t>=</m:t>
+                      </m:r>
+                      <m:sSub>
+                        <m:sSubPr>
+                          <m:ctrlPr>
+                            <a:rPr lang="hu-HU" b="0" i="1" smtClean="0">
+                              <a:latin typeface="Cambria Math" panose="02040503050406030204" pitchFamily="18" charset="0"/>
+                            </a:rPr>
+                          </m:ctrlPr>
+                        </m:sSubPr>
+                        <m:e>
+                          <m:r>
+                            <a:rPr lang="hu-HU" b="0" i="1" smtClean="0">
+                              <a:latin typeface="Cambria Math" panose="02040503050406030204" pitchFamily="18" charset="0"/>
+                            </a:rPr>
+                            <m:t>𝑓</m:t>
+                          </m:r>
+                        </m:e>
+                        <m:sub>
+                          <m:r>
+                            <a:rPr lang="hu-HU" b="0" i="1" smtClean="0">
+                              <a:latin typeface="Cambria Math" panose="02040503050406030204" pitchFamily="18" charset="0"/>
+                            </a:rPr>
+                            <m:t>𝑟</m:t>
+                          </m:r>
+                        </m:sub>
+                      </m:sSub>
+                      <m:d>
+                        <m:dPr>
+                          <m:ctrlPr>
+                            <a:rPr lang="hu-HU" b="0" i="1" smtClean="0">
+                              <a:latin typeface="Cambria Math" panose="02040503050406030204" pitchFamily="18" charset="0"/>
+                            </a:rPr>
+                          </m:ctrlPr>
+                        </m:dPr>
+                        <m:e>
+                          <m:r>
+                            <a:rPr lang="hu-HU" b="1" i="1" smtClean="0">
+                              <a:latin typeface="Cambria Math" panose="02040503050406030204" pitchFamily="18" charset="0"/>
+                            </a:rPr>
+                            <m:t>𝒗</m:t>
+                          </m:r>
+                          <m:r>
+                            <a:rPr lang="hu-HU" b="0" i="1" smtClean="0">
+                              <a:latin typeface="Cambria Math" panose="02040503050406030204" pitchFamily="18" charset="0"/>
+                            </a:rPr>
+                            <m:t>,</m:t>
+                          </m:r>
+                          <m:r>
+                            <a:rPr lang="hu-HU" b="1" i="1" smtClean="0">
+                              <a:latin typeface="Cambria Math" panose="02040503050406030204" pitchFamily="18" charset="0"/>
+                            </a:rPr>
+                            <m:t>𝒍</m:t>
+                          </m:r>
+                        </m:e>
+                      </m:d>
+                      <m:f>
+                        <m:fPr>
+                          <m:ctrlPr>
+                            <a:rPr lang="hu-HU" b="0" i="1" smtClean="0">
+                              <a:latin typeface="Cambria Math" panose="02040503050406030204" pitchFamily="18" charset="0"/>
+                            </a:rPr>
+                          </m:ctrlPr>
+                        </m:fPr>
+                        <m:num>
+                          <m:r>
+                            <m:rPr>
+                              <m:sty m:val="p"/>
+                            </m:rPr>
+                            <a:rPr lang="hu-HU" b="0" i="0" smtClean="0">
+                              <a:latin typeface="Cambria Math" panose="02040503050406030204" pitchFamily="18" charset="0"/>
+                            </a:rPr>
+                            <m:t>Φ</m:t>
+                          </m:r>
+                        </m:num>
+                        <m:den>
+                          <m:r>
+                            <a:rPr lang="hu-HU" b="0" i="1" smtClean="0">
+                              <a:latin typeface="Cambria Math" panose="02040503050406030204" pitchFamily="18" charset="0"/>
+                            </a:rPr>
+                            <m:t>4</m:t>
+                          </m:r>
+                          <m:r>
+                            <a:rPr lang="hu-HU" b="0" i="1" smtClean="0">
+                              <a:latin typeface="Cambria Math" panose="02040503050406030204" pitchFamily="18" charset="0"/>
+                            </a:rPr>
+                            <m:t>𝜋</m:t>
+                          </m:r>
+                          <m:r>
+                            <a:rPr lang="hu-HU" b="0" i="1" smtClean="0">
+                              <a:latin typeface="Cambria Math" panose="02040503050406030204" pitchFamily="18" charset="0"/>
+                            </a:rPr>
+                            <m:t> </m:t>
+                          </m:r>
+                          <m:r>
+                            <a:rPr lang="hu-HU" b="0" i="1" smtClean="0">
+                              <a:latin typeface="Cambria Math" panose="02040503050406030204" pitchFamily="18" charset="0"/>
+                            </a:rPr>
+                            <m:t>𝑑𝑖𝑠</m:t>
+                          </m:r>
+                          <m:sSup>
+                            <m:sSupPr>
+                              <m:ctrlPr>
+                                <a:rPr lang="hu-HU" b="0" i="1" smtClean="0">
+                                  <a:latin typeface="Cambria Math" panose="02040503050406030204" pitchFamily="18" charset="0"/>
+                                </a:rPr>
+                              </m:ctrlPr>
+                            </m:sSupPr>
+                            <m:e>
+                              <m:r>
+                                <a:rPr lang="hu-HU" b="0" i="1" smtClean="0">
+                                  <a:latin typeface="Cambria Math" panose="02040503050406030204" pitchFamily="18" charset="0"/>
+                                </a:rPr>
+                                <m:t>𝑡</m:t>
+                              </m:r>
+                            </m:e>
+                            <m:sup>
+                              <m:r>
+                                <a:rPr lang="hu-HU" b="0" i="1" smtClean="0">
+                                  <a:latin typeface="Cambria Math" panose="02040503050406030204" pitchFamily="18" charset="0"/>
+                                </a:rPr>
+                                <m:t>2</m:t>
+                              </m:r>
+                            </m:sup>
+                          </m:sSup>
+                        </m:den>
+                      </m:f>
+                      <m:r>
+                        <a:rPr lang="hu-HU" b="1" i="1" smtClean="0">
+                          <a:latin typeface="Cambria Math" panose="02040503050406030204" pitchFamily="18" charset="0"/>
+                        </a:rPr>
+                        <m:t>𝒏</m:t>
+                      </m:r>
+                      <m:r>
+                        <a:rPr lang="hu-HU" b="0" i="1" smtClean="0">
+                          <a:latin typeface="Cambria Math" panose="02040503050406030204" pitchFamily="18" charset="0"/>
+                        </a:rPr>
+                        <m:t>⋅</m:t>
+                      </m:r>
+                      <m:r>
+                        <a:rPr lang="hu-HU" b="1" i="1" smtClean="0">
+                          <a:latin typeface="Cambria Math" panose="02040503050406030204" pitchFamily="18" charset="0"/>
+                        </a:rPr>
+                        <m:t>𝒍</m:t>
+                      </m:r>
+                    </m:oMath>
+                  </m:oMathPara>
+                </a14:m>
+                <a:endParaRPr lang="hu-HU" b="1" dirty="0"/>
+              </a:p>
+              <a:p>
+                <a:pPr>
+                  <a:buFont typeface="Wingdings" panose="05000000000000000000" pitchFamily="2" charset="2"/>
+                  <a:buChar char="§"/>
+                </a:pPr>
+                <a:r>
+                  <a:rPr lang="hu-HU" dirty="0"/>
+                  <a:t>Reflektorfényre (</a:t>
+                </a:r>
+                <a:r>
+                  <a:rPr lang="hu-HU" i="1" dirty="0"/>
+                  <a:t>spot light</a:t>
+                </a:r>
+                <a:r>
+                  <a:rPr lang="hu-HU" dirty="0"/>
+                  <a:t>) hasonlóan megoldható</a:t>
+                </a:r>
+              </a:p>
+              <a:p>
+                <a:pPr>
+                  <a:buFont typeface="Wingdings" panose="05000000000000000000" pitchFamily="2" charset="2"/>
+                  <a:buChar char="§"/>
+                </a:pPr>
+                <a:r>
+                  <a:rPr lang="hu-HU" b="1" dirty="0"/>
+                  <a:t>Első feladat:</a:t>
+                </a:r>
+                <a:r>
+                  <a:rPr lang="hu-HU" dirty="0"/>
+                  <a:t> ezt a képletet megírni shaderben (a BRDF egyelőre lehet </a:t>
+                </a:r>
+                <a:r>
+                  <a:rPr lang="hu-HU" i="1" dirty="0"/>
+                  <a:t>Lambert</a:t>
+                </a:r>
+                <a:r>
+                  <a:rPr lang="hu-HU" dirty="0"/>
+                  <a:t>)</a:t>
+                </a:r>
+              </a:p>
+            </p:txBody>
+          </p:sp>
+        </mc:Choice>
+        <mc:Fallback>
+          <p:sp>
+            <p:nvSpPr>
+              <p:cNvPr id="3" name="Content Placeholder 2">
+                <a:extLst>
+                  <a:ext uri="{FF2B5EF4-FFF2-40B4-BE49-F238E27FC236}">
+                    <a16:creationId xmlns:a16="http://schemas.microsoft.com/office/drawing/2014/main" id="{B03C10A5-9D9E-4A05-9E41-CB1AAA08218F}"/>
+                  </a:ext>
+                </a:extLst>
+              </p:cNvPr>
+              <p:cNvSpPr>
+                <a:spLocks noGrp="1" noRot="1" noChangeAspect="1" noMove="1" noResize="1" noEditPoints="1" noAdjustHandles="1" noChangeArrowheads="1" noChangeShapeType="1" noTextEdit="1"/>
+              </p:cNvSpPr>
+              <p:nvPr>
+                <p:ph idx="1"/>
+              </p:nvPr>
+            </p:nvSpPr>
+            <p:spPr>
+              <a:blipFill>
+                <a:blip r:embed="rId2"/>
+                <a:stretch>
+                  <a:fillRect l="-1455" t="-1667" r="-1333"/>
+                </a:stretch>
+              </a:blipFill>
+            </p:spPr>
+            <p:txBody>
+              <a:bodyPr/>
+              <a:lstStyle/>
+              <a:p>
+                <a:r>
+                  <a:rPr lang="hu-HU">
+                    <a:noFill/>
+                  </a:rPr>
+                  <a:t> </a:t>
+                </a:r>
+              </a:p>
+            </p:txBody>
+          </p:sp>
+        </mc:Fallback>
+      </mc:AlternateContent>
+    </p:spTree>
+    <p:extLst>
+      <p:ext uri="{BB962C8B-B14F-4D97-AF65-F5344CB8AC3E}">
+        <p14:creationId xmlns:p14="http://schemas.microsoft.com/office/powerpoint/2010/main" val="1147664492"/>
+      </p:ext>
+    </p:extLst>
+  </p:cSld>
+  <p:clrMapOvr>
+    <a:masterClrMapping/>
+  </p:clrMapOvr>
+</p:sld>
+</file>
+
+<file path=ppt/slides/slide13.xml><?xml version="1.0" encoding="utf-8"?>
 <p:sld xmlns:a="http://schemas.openxmlformats.org/drawingml/2006/main" xmlns:r="http://schemas.openxmlformats.org/officeDocument/2006/relationships" xmlns:p="http://schemas.openxmlformats.org/presentationml/2006/main">
   <p:cSld>
     <p:spTree>
@@ -7121,7 +7278,7 @@
                 </a14:m>
                 <a:r>
                   <a:rPr lang="hu-HU" dirty="0"/>
-                  <a:t> a felület normálvektorainak eloszlásfüggvénye</a:t>
+                  <a:t> a mikrofelületek normálvektorainak eloszlásfüggvénye</a:t>
                 </a:r>
               </a:p>
               <a:p>
@@ -7174,18 +7331,23 @@
                   <a:t> a </a:t>
                 </a:r>
                 <a:r>
-                  <a:rPr lang="hu-HU" i="1" dirty="0">
-                    <a:hlinkClick r:id="rId2"/>
-                  </a:rPr>
+                  <a:rPr lang="hu-HU" i="1" dirty="0"/>
                   <a:t>Fresnel</a:t>
+                </a:r>
+                <a:r>
+                  <a:rPr lang="hu-HU" dirty="0"/>
+                  <a:t> függvény (ld. az erre vonatkozó </a:t>
                 </a:r>
                 <a:r>
                   <a:rPr lang="hu-HU" dirty="0">
                     <a:hlinkClick r:id="rId2"/>
                   </a:rPr>
-                  <a:t> függvény</a:t>
-                </a:r>
-                <a:endParaRPr lang="hu-HU" dirty="0"/>
+                  <a:t>cikkemet</a:t>
+                </a:r>
+                <a:r>
+                  <a:rPr lang="hu-HU" dirty="0"/>
+                  <a:t>)</a:t>
+                </a:r>
               </a:p>
               <a:p>
                 <a:pPr lvl="1">
@@ -7312,7 +7474,7 @@
 </p:sld>
 </file>
 
-<file path=ppt/slides/slide13.xml><?xml version="1.0" encoding="utf-8"?>
+<file path=ppt/slides/slide14.xml><?xml version="1.0" encoding="utf-8"?>
 <p:sld xmlns:a="http://schemas.openxmlformats.org/drawingml/2006/main" xmlns:r="http://schemas.openxmlformats.org/officeDocument/2006/relationships" xmlns:p="http://schemas.openxmlformats.org/presentationml/2006/main">
   <p:cSld>
     <p:spTree>
@@ -8054,10 +8216,10 @@
                       <m:t>(</m:t>
                     </m:r>
                     <m:r>
-                      <a:rPr lang="hu-HU" b="0" i="1" smtClean="0">
+                      <a:rPr lang="hu-HU" b="1" i="1" smtClean="0">
                         <a:latin typeface="Cambria Math" panose="02040503050406030204" pitchFamily="18" charset="0"/>
                       </a:rPr>
-                      <m:t>𝑙</m:t>
+                      <m:t>𝒍</m:t>
                     </m:r>
                     <m:r>
                       <a:rPr lang="hu-HU" b="0" i="1" smtClean="0">
@@ -8066,10 +8228,10 @@
                       <m:t>,</m:t>
                     </m:r>
                     <m:r>
-                      <a:rPr lang="hu-HU" b="0" i="1" smtClean="0">
+                      <a:rPr lang="hu-HU" b="1" i="1" smtClean="0">
                         <a:latin typeface="Cambria Math" panose="02040503050406030204" pitchFamily="18" charset="0"/>
                       </a:rPr>
-                      <m:t>𝑣</m:t>
+                      <m:t>𝒗</m:t>
                     </m:r>
                     <m:r>
                       <a:rPr lang="hu-HU" b="0" i="1" smtClean="0">
@@ -8078,10 +8240,10 @@
                       <m:t>,</m:t>
                     </m:r>
                     <m:r>
-                      <a:rPr lang="hu-HU" b="0" i="1" smtClean="0">
+                      <a:rPr lang="hu-HU" b="1" i="1" smtClean="0">
                         <a:latin typeface="Cambria Math" panose="02040503050406030204" pitchFamily="18" charset="0"/>
                       </a:rPr>
-                      <m:t>h</m:t>
+                      <m:t>𝒉</m:t>
                     </m:r>
                     <m:r>
                       <a:rPr lang="hu-HU" b="0" i="1" smtClean="0">
@@ -8456,7 +8618,7 @@
                     </m:oMath>
                   </m:oMathPara>
                 </a14:m>
-                <a:endParaRPr lang="hu-HU" dirty="0"/>
+                <a:endParaRPr lang="hu-HU" b="1" dirty="0"/>
               </a:p>
               <a:p>
                 <a:pPr>
@@ -8467,8 +8629,12 @@
                   <a:buChar char="§"/>
                 </a:pPr>
                 <a:r>
+                  <a:rPr lang="hu-HU" b="1" dirty="0"/>
+                  <a:t>Fontos:</a:t>
+                </a:r>
+                <a:r>
                   <a:rPr lang="hu-HU" dirty="0"/>
-                  <a:t>Utóbbi kiejti a </a:t>
+                  <a:t> utóbbi kiejti a </a:t>
                 </a:r>
                 <a:r>
                   <a:rPr lang="hu-HU" i="1" dirty="0"/>
@@ -8476,7 +8642,7 @@
                 </a:r>
                 <a:r>
                   <a:rPr lang="hu-HU" dirty="0"/>
-                  <a:t> nevezőjét! (fontos optim.)</a:t>
+                  <a:t> nevezőjét!</a:t>
                 </a:r>
               </a:p>
             </p:txBody>
@@ -8530,414 +8696,6 @@
     <p:extLst>
       <p:ext uri="{BB962C8B-B14F-4D97-AF65-F5344CB8AC3E}">
         <p14:creationId xmlns:p14="http://schemas.microsoft.com/office/powerpoint/2010/main" val="707691276"/>
-      </p:ext>
-    </p:extLst>
-  </p:cSld>
-  <p:clrMapOvr>
-    <a:masterClrMapping/>
-  </p:clrMapOvr>
-</p:sld>
-</file>
-
-<file path=ppt/slides/slide14.xml><?xml version="1.0" encoding="utf-8"?>
-<p:sld xmlns:a="http://schemas.openxmlformats.org/drawingml/2006/main" xmlns:r="http://schemas.openxmlformats.org/officeDocument/2006/relationships" xmlns:p="http://schemas.openxmlformats.org/presentationml/2006/main">
-  <p:cSld>
-    <p:spTree>
-      <p:nvGrpSpPr>
-        <p:cNvPr id="1" name=""/>
-        <p:cNvGrpSpPr/>
-        <p:nvPr/>
-      </p:nvGrpSpPr>
-      <p:grpSpPr>
-        <a:xfrm>
-          <a:off x="0" y="0"/>
-          <a:ext cx="0" cy="0"/>
-          <a:chOff x="0" y="0"/>
-          <a:chExt cx="0" cy="0"/>
-        </a:xfrm>
-      </p:grpSpPr>
-      <p:sp>
-        <p:nvSpPr>
-          <p:cNvPr id="2" name="Title 1">
-            <a:extLst>
-              <a:ext uri="{FF2B5EF4-FFF2-40B4-BE49-F238E27FC236}">
-                <a16:creationId xmlns:a16="http://schemas.microsoft.com/office/drawing/2014/main" id="{5472C4D5-4C57-4CDD-BFA6-B11CD71BDE7C}"/>
-              </a:ext>
-            </a:extLst>
-          </p:cNvPr>
-          <p:cNvSpPr>
-            <a:spLocks noGrp="1"/>
-          </p:cNvSpPr>
-          <p:nvPr>
-            <p:ph type="title"/>
-          </p:nvPr>
-        </p:nvSpPr>
-        <p:spPr/>
-        <p:txBody>
-          <a:bodyPr/>
-          <a:lstStyle/>
-          <a:p>
-            <a:r>
-              <a:rPr lang="hu-HU" dirty="0"/>
-              <a:t>A tükr. egyenlet analitikus megoldása</a:t>
-            </a:r>
-          </a:p>
-        </p:txBody>
-      </p:sp>
-      <mc:AlternateContent xmlns:mc="http://schemas.openxmlformats.org/markup-compatibility/2006">
-        <mc:Choice xmlns:a14="http://schemas.microsoft.com/office/drawing/2010/main" Requires="a14">
-          <p:sp>
-            <p:nvSpPr>
-              <p:cNvPr id="3" name="Content Placeholder 2">
-                <a:extLst>
-                  <a:ext uri="{FF2B5EF4-FFF2-40B4-BE49-F238E27FC236}">
-                    <a16:creationId xmlns:a16="http://schemas.microsoft.com/office/drawing/2014/main" id="{B03C10A5-9D9E-4A05-9E41-CB1AAA08218F}"/>
-                  </a:ext>
-                </a:extLst>
-              </p:cNvPr>
-              <p:cNvSpPr>
-                <a:spLocks noGrp="1"/>
-              </p:cNvSpPr>
-              <p:nvPr>
-                <p:ph idx="1"/>
-              </p:nvPr>
-            </p:nvSpPr>
-            <p:spPr/>
-            <p:txBody>
-              <a:bodyPr/>
-              <a:lstStyle/>
-              <a:p>
-                <a:pPr>
-                  <a:buFont typeface="Wingdings" panose="05000000000000000000" pitchFamily="2" charset="2"/>
-                  <a:buChar char="§"/>
-                </a:pPr>
-                <a:r>
-                  <a:rPr lang="hu-HU" dirty="0"/>
-                  <a:t>Pont fényre (irányított fényre nem lehet)</a:t>
-                </a:r>
-              </a:p>
-              <a:p>
-                <a:pPr>
-                  <a:buFont typeface="Wingdings" panose="05000000000000000000" pitchFamily="2" charset="2"/>
-                  <a:buChar char="§"/>
-                </a:pPr>
-                <a:r>
-                  <a:rPr lang="hu-HU" dirty="0"/>
-                  <a:t>A radiancia egyenes vonalakon való konstanssága miatt alkalmazható a térszögeknél megbeszélt (differenciális felületre vonatkozó) képlet</a:t>
-                </a:r>
-              </a:p>
-              <a:p>
-                <a:pPr>
-                  <a:buFont typeface="Wingdings" panose="05000000000000000000" pitchFamily="2" charset="2"/>
-                  <a:buChar char="§"/>
-                </a:pPr>
-                <a:r>
-                  <a:rPr lang="hu-HU" dirty="0"/>
-                  <a:t>Az intenzitás szintén könnyen kiszámolható</a:t>
-                </a:r>
-              </a:p>
-              <a:p>
-                <a:pPr>
-                  <a:buFont typeface="Wingdings" panose="05000000000000000000" pitchFamily="2" charset="2"/>
-                  <a:buChar char="§"/>
-                </a:pPr>
-                <a:r>
-                  <a:rPr lang="hu-HU" dirty="0"/>
-                  <a:t>Ezek után egy egyszerű észrevételt kell csak tenni és készen vagyunk</a:t>
-                </a:r>
-              </a:p>
-              <a:p>
-                <a:pPr marL="0" indent="0" algn="ctr">
-                  <a:lnSpc>
-                    <a:spcPct val="150000"/>
-                  </a:lnSpc>
-                  <a:buNone/>
-                </a:pPr>
-                <a14:m>
-                  <m:oMathPara xmlns:m="http://schemas.openxmlformats.org/officeDocument/2006/math">
-                    <m:oMathParaPr>
-                      <m:jc m:val="centerGroup"/>
-                    </m:oMathParaPr>
-                    <m:oMath xmlns:m="http://schemas.openxmlformats.org/officeDocument/2006/math">
-                      <m:sSub>
-                        <m:sSubPr>
-                          <m:ctrlPr>
-                            <a:rPr lang="hu-HU" b="0" i="1" smtClean="0">
-                              <a:latin typeface="Cambria Math" panose="02040503050406030204" pitchFamily="18" charset="0"/>
-                            </a:rPr>
-                          </m:ctrlPr>
-                        </m:sSubPr>
-                        <m:e>
-                          <m:r>
-                            <a:rPr lang="hu-HU" b="0" i="1" smtClean="0">
-                              <a:latin typeface="Cambria Math" panose="02040503050406030204" pitchFamily="18" charset="0"/>
-                            </a:rPr>
-                            <m:t>𝐿</m:t>
-                          </m:r>
-                        </m:e>
-                        <m:sub>
-                          <m:r>
-                            <a:rPr lang="hu-HU" b="0" i="1" smtClean="0">
-                              <a:latin typeface="Cambria Math" panose="02040503050406030204" pitchFamily="18" charset="0"/>
-                            </a:rPr>
-                            <m:t>𝑜</m:t>
-                          </m:r>
-                        </m:sub>
-                      </m:sSub>
-                      <m:d>
-                        <m:dPr>
-                          <m:ctrlPr>
-                            <a:rPr lang="hu-HU" b="0" i="1" smtClean="0">
-                              <a:latin typeface="Cambria Math" panose="02040503050406030204" pitchFamily="18" charset="0"/>
-                            </a:rPr>
-                          </m:ctrlPr>
-                        </m:dPr>
-                        <m:e>
-                          <m:r>
-                            <a:rPr lang="hu-HU" b="1" i="1" smtClean="0">
-                              <a:latin typeface="Cambria Math" panose="02040503050406030204" pitchFamily="18" charset="0"/>
-                            </a:rPr>
-                            <m:t>𝒗</m:t>
-                          </m:r>
-                        </m:e>
-                      </m:d>
-                      <m:r>
-                        <a:rPr lang="hu-HU" b="0" i="1" smtClean="0">
-                          <a:latin typeface="Cambria Math" panose="02040503050406030204" pitchFamily="18" charset="0"/>
-                        </a:rPr>
-                        <m:t>=</m:t>
-                      </m:r>
-                      <m:sSub>
-                        <m:sSubPr>
-                          <m:ctrlPr>
-                            <a:rPr lang="hu-HU" b="0" i="1" smtClean="0">
-                              <a:latin typeface="Cambria Math" panose="02040503050406030204" pitchFamily="18" charset="0"/>
-                            </a:rPr>
-                          </m:ctrlPr>
-                        </m:sSubPr>
-                        <m:e>
-                          <m:r>
-                            <a:rPr lang="hu-HU" b="0" i="1" smtClean="0">
-                              <a:latin typeface="Cambria Math" panose="02040503050406030204" pitchFamily="18" charset="0"/>
-                            </a:rPr>
-                            <m:t>𝑓</m:t>
-                          </m:r>
-                        </m:e>
-                        <m:sub>
-                          <m:r>
-                            <a:rPr lang="hu-HU" b="0" i="1" smtClean="0">
-                              <a:latin typeface="Cambria Math" panose="02040503050406030204" pitchFamily="18" charset="0"/>
-                            </a:rPr>
-                            <m:t>𝑟</m:t>
-                          </m:r>
-                        </m:sub>
-                      </m:sSub>
-                      <m:d>
-                        <m:dPr>
-                          <m:ctrlPr>
-                            <a:rPr lang="hu-HU" b="0" i="1" smtClean="0">
-                              <a:latin typeface="Cambria Math" panose="02040503050406030204" pitchFamily="18" charset="0"/>
-                            </a:rPr>
-                          </m:ctrlPr>
-                        </m:dPr>
-                        <m:e>
-                          <m:r>
-                            <a:rPr lang="hu-HU" b="1" i="1" smtClean="0">
-                              <a:latin typeface="Cambria Math" panose="02040503050406030204" pitchFamily="18" charset="0"/>
-                            </a:rPr>
-                            <m:t>𝒗</m:t>
-                          </m:r>
-                          <m:r>
-                            <a:rPr lang="hu-HU" b="0" i="1" smtClean="0">
-                              <a:latin typeface="Cambria Math" panose="02040503050406030204" pitchFamily="18" charset="0"/>
-                            </a:rPr>
-                            <m:t>,</m:t>
-                          </m:r>
-                          <m:r>
-                            <a:rPr lang="hu-HU" b="1" i="1" smtClean="0">
-                              <a:latin typeface="Cambria Math" panose="02040503050406030204" pitchFamily="18" charset="0"/>
-                            </a:rPr>
-                            <m:t>𝒍</m:t>
-                          </m:r>
-                        </m:e>
-                      </m:d>
-                      <m:f>
-                        <m:fPr>
-                          <m:ctrlPr>
-                            <a:rPr lang="hu-HU" b="0" i="1" smtClean="0">
-                              <a:latin typeface="Cambria Math" panose="02040503050406030204" pitchFamily="18" charset="0"/>
-                            </a:rPr>
-                          </m:ctrlPr>
-                        </m:fPr>
-                        <m:num>
-                          <m:r>
-                            <m:rPr>
-                              <m:sty m:val="p"/>
-                            </m:rPr>
-                            <a:rPr lang="hu-HU" b="0" i="0" smtClean="0">
-                              <a:latin typeface="Cambria Math" panose="02040503050406030204" pitchFamily="18" charset="0"/>
-                            </a:rPr>
-                            <m:t>Φ</m:t>
-                          </m:r>
-                        </m:num>
-                        <m:den>
-                          <m:r>
-                            <a:rPr lang="hu-HU" b="0" i="1" smtClean="0">
-                              <a:latin typeface="Cambria Math" panose="02040503050406030204" pitchFamily="18" charset="0"/>
-                            </a:rPr>
-                            <m:t>4</m:t>
-                          </m:r>
-                          <m:r>
-                            <a:rPr lang="hu-HU" b="0" i="1" smtClean="0">
-                              <a:latin typeface="Cambria Math" panose="02040503050406030204" pitchFamily="18" charset="0"/>
-                            </a:rPr>
-                            <m:t>𝜋</m:t>
-                          </m:r>
-                          <m:r>
-                            <a:rPr lang="hu-HU" b="0" i="1" smtClean="0">
-                              <a:latin typeface="Cambria Math" panose="02040503050406030204" pitchFamily="18" charset="0"/>
-                            </a:rPr>
-                            <m:t> </m:t>
-                          </m:r>
-                          <m:r>
-                            <a:rPr lang="hu-HU" b="0" i="1" smtClean="0">
-                              <a:latin typeface="Cambria Math" panose="02040503050406030204" pitchFamily="18" charset="0"/>
-                            </a:rPr>
-                            <m:t>𝑑𝑖𝑠</m:t>
-                          </m:r>
-                          <m:sSup>
-                            <m:sSupPr>
-                              <m:ctrlPr>
-                                <a:rPr lang="hu-HU" b="0" i="1" smtClean="0">
-                                  <a:latin typeface="Cambria Math" panose="02040503050406030204" pitchFamily="18" charset="0"/>
-                                </a:rPr>
-                              </m:ctrlPr>
-                            </m:sSupPr>
-                            <m:e>
-                              <m:r>
-                                <a:rPr lang="hu-HU" b="0" i="1" smtClean="0">
-                                  <a:latin typeface="Cambria Math" panose="02040503050406030204" pitchFamily="18" charset="0"/>
-                                </a:rPr>
-                                <m:t>𝑡</m:t>
-                              </m:r>
-                            </m:e>
-                            <m:sup>
-                              <m:r>
-                                <a:rPr lang="hu-HU" b="0" i="1" smtClean="0">
-                                  <a:latin typeface="Cambria Math" panose="02040503050406030204" pitchFamily="18" charset="0"/>
-                                </a:rPr>
-                                <m:t>2</m:t>
-                              </m:r>
-                            </m:sup>
-                          </m:sSup>
-                        </m:den>
-                      </m:f>
-                      <m:r>
-                        <a:rPr lang="hu-HU" b="1" i="1" smtClean="0">
-                          <a:latin typeface="Cambria Math" panose="02040503050406030204" pitchFamily="18" charset="0"/>
-                        </a:rPr>
-                        <m:t>𝒏</m:t>
-                      </m:r>
-                      <m:r>
-                        <a:rPr lang="hu-HU" b="0" i="1" smtClean="0">
-                          <a:latin typeface="Cambria Math" panose="02040503050406030204" pitchFamily="18" charset="0"/>
-                        </a:rPr>
-                        <m:t>⋅</m:t>
-                      </m:r>
-                      <m:r>
-                        <a:rPr lang="hu-HU" b="1" i="1" smtClean="0">
-                          <a:latin typeface="Cambria Math" panose="02040503050406030204" pitchFamily="18" charset="0"/>
-                        </a:rPr>
-                        <m:t>𝒍</m:t>
-                      </m:r>
-                    </m:oMath>
-                  </m:oMathPara>
-                </a14:m>
-                <a:endParaRPr lang="hu-HU" b="1" dirty="0"/>
-              </a:p>
-              <a:p>
-                <a:pPr>
-                  <a:buFont typeface="Wingdings" panose="05000000000000000000" pitchFamily="2" charset="2"/>
-                  <a:buChar char="§"/>
-                </a:pPr>
-                <a:r>
-                  <a:rPr lang="hu-HU" dirty="0"/>
-                  <a:t>Reflektorfényre (</a:t>
-                </a:r>
-                <a:r>
-                  <a:rPr lang="hu-HU" i="1" dirty="0"/>
-                  <a:t>spot light</a:t>
-                </a:r>
-                <a:r>
-                  <a:rPr lang="hu-HU" dirty="0"/>
-                  <a:t>) hasonlóan megoldható</a:t>
-                </a:r>
-              </a:p>
-              <a:p>
-                <a:pPr>
-                  <a:buFont typeface="Wingdings" panose="05000000000000000000" pitchFamily="2" charset="2"/>
-                  <a:buChar char="§"/>
-                </a:pPr>
-                <a:r>
-                  <a:rPr lang="hu-HU" dirty="0"/>
-                  <a:t>Első feladat: ezt a képletet megírni shaderben (a BRDF egyelőre lehet </a:t>
-                </a:r>
-                <a:r>
-                  <a:rPr lang="hu-HU" i="1" dirty="0"/>
-                  <a:t>Lambert</a:t>
-                </a:r>
-                <a:r>
-                  <a:rPr lang="hu-HU" dirty="0"/>
-                  <a:t>)</a:t>
-                </a:r>
-              </a:p>
-            </p:txBody>
-          </p:sp>
-        </mc:Choice>
-        <mc:Fallback>
-          <p:sp>
-            <p:nvSpPr>
-              <p:cNvPr id="3" name="Content Placeholder 2">
-                <a:extLst>
-                  <a:ext uri="{FF2B5EF4-FFF2-40B4-BE49-F238E27FC236}">
-                    <a16:creationId xmlns:a16="http://schemas.microsoft.com/office/drawing/2014/main" id="{B03C10A5-9D9E-4A05-9E41-CB1AAA08218F}"/>
-                  </a:ext>
-                </a:extLst>
-              </p:cNvPr>
-              <p:cNvSpPr>
-                <a:spLocks noGrp="1" noRot="1" noChangeAspect="1" noMove="1" noResize="1" noEditPoints="1" noAdjustHandles="1" noChangeArrowheads="1" noChangeShapeType="1" noTextEdit="1"/>
-              </p:cNvSpPr>
-              <p:nvPr>
-                <p:ph idx="1"/>
-              </p:nvPr>
-            </p:nvSpPr>
-            <p:spPr>
-              <a:blipFill>
-                <a:blip r:embed="rId2"/>
-                <a:stretch>
-                  <a:fillRect l="-1455" t="-1667" r="-1333"/>
-                </a:stretch>
-              </a:blipFill>
-            </p:spPr>
-            <p:txBody>
-              <a:bodyPr/>
-              <a:lstStyle/>
-              <a:p>
-                <a:r>
-                  <a:rPr lang="hu-HU">
-                    <a:noFill/>
-                  </a:rPr>
-                  <a:t> </a:t>
-                </a:r>
-              </a:p>
-            </p:txBody>
-          </p:sp>
-        </mc:Fallback>
-      </mc:AlternateContent>
-    </p:spTree>
-    <p:extLst>
-      <p:ext uri="{BB962C8B-B14F-4D97-AF65-F5344CB8AC3E}">
-        <p14:creationId xmlns:p14="http://schemas.microsoft.com/office/powerpoint/2010/main" val="1147664492"/>
       </p:ext>
     </p:extLst>
   </p:cSld>
@@ -9013,6 +8771,255 @@
           <a:bodyPr/>
           <a:lstStyle/>
           <a:p>
+            <a:pPr>
+              <a:buFont typeface="Wingdings" panose="05000000000000000000" pitchFamily="2" charset="2"/>
+              <a:buChar char="§"/>
+            </a:pPr>
+            <a:r>
+              <a:rPr lang="hu-HU" i="1" dirty="0"/>
+              <a:t>Image Based Lighting</a:t>
+            </a:r>
+            <a:r>
+              <a:rPr lang="hu-HU" dirty="0"/>
+              <a:t> (IBL); a fényforrás tipikusan egy HDR </a:t>
+            </a:r>
+            <a:r>
+              <a:rPr lang="hu-HU" i="1" dirty="0"/>
+              <a:t>cubemap</a:t>
+            </a:r>
+          </a:p>
+          <a:p>
+            <a:pPr>
+              <a:buFont typeface="Wingdings" panose="05000000000000000000" pitchFamily="2" charset="2"/>
+              <a:buChar char="§"/>
+            </a:pPr>
+            <a:r>
+              <a:rPr lang="hu-HU" dirty="0"/>
+              <a:t>A tükröződési egyenlet nem oldható meg analitikusan (a félgömb minden irányából jöhet fény)</a:t>
+            </a:r>
+          </a:p>
+          <a:p>
+            <a:pPr>
+              <a:buFont typeface="Wingdings" panose="05000000000000000000" pitchFamily="2" charset="2"/>
+              <a:buChar char="§"/>
+            </a:pPr>
+            <a:r>
+              <a:rPr lang="hu-HU" dirty="0"/>
+              <a:t>Viszont egy kis csalással előre elvégezhető az integrálás (</a:t>
+            </a:r>
+            <a:r>
+              <a:rPr lang="hu-HU" i="1" dirty="0"/>
+              <a:t>Monte Carlo</a:t>
+            </a:r>
+            <a:r>
+              <a:rPr lang="hu-HU" dirty="0"/>
+              <a:t> módszer)</a:t>
+            </a:r>
+          </a:p>
+          <a:p>
+            <a:pPr>
+              <a:buFont typeface="Wingdings" panose="05000000000000000000" pitchFamily="2" charset="2"/>
+              <a:buChar char="§"/>
+            </a:pPr>
+            <a:r>
+              <a:rPr lang="hu-HU" dirty="0"/>
+              <a:t>Az eredmény két ún. </a:t>
+            </a:r>
+            <a:r>
+              <a:rPr lang="hu-HU" i="1" dirty="0"/>
+              <a:t>irradiance cubemap</a:t>
+            </a:r>
+            <a:r>
+              <a:rPr lang="hu-HU" dirty="0"/>
+              <a:t> és egy BRDF textúra</a:t>
+            </a:r>
+          </a:p>
+          <a:p>
+            <a:pPr>
+              <a:buFont typeface="Wingdings" panose="05000000000000000000" pitchFamily="2" charset="2"/>
+              <a:buChar char="§"/>
+            </a:pPr>
+            <a:endParaRPr lang="hu-HU" dirty="0"/>
+          </a:p>
+          <a:p>
+            <a:pPr>
+              <a:buFont typeface="Wingdings" panose="05000000000000000000" pitchFamily="2" charset="2"/>
+              <a:buChar char="§"/>
+            </a:pPr>
+            <a:endParaRPr lang="hu-HU" dirty="0"/>
+          </a:p>
+          <a:p>
+            <a:pPr>
+              <a:buFont typeface="Wingdings" panose="05000000000000000000" pitchFamily="2" charset="2"/>
+              <a:buChar char="§"/>
+            </a:pPr>
+            <a:endParaRPr lang="hu-HU" dirty="0"/>
+          </a:p>
+          <a:p>
+            <a:pPr>
+              <a:buFont typeface="Wingdings" panose="05000000000000000000" pitchFamily="2" charset="2"/>
+              <a:buChar char="§"/>
+            </a:pPr>
+            <a:r>
+              <a:rPr lang="hu-HU" b="1" dirty="0"/>
+              <a:t>Fontos:</a:t>
+            </a:r>
+            <a:r>
+              <a:rPr lang="hu-HU" dirty="0"/>
+              <a:t> a </a:t>
+            </a:r>
+            <a:r>
+              <a:rPr lang="hu-HU" i="1" dirty="0"/>
+              <a:t>Monte Carlo</a:t>
+            </a:r>
+            <a:r>
+              <a:rPr lang="hu-HU" dirty="0"/>
+              <a:t>-ban a sűrűségfüggvény a BRDF-hez igazodjon!</a:t>
+            </a:r>
+          </a:p>
+          <a:p>
+            <a:pPr>
+              <a:buFont typeface="Wingdings" panose="05000000000000000000" pitchFamily="2" charset="2"/>
+              <a:buChar char="§"/>
+            </a:pPr>
+            <a:r>
+              <a:rPr lang="hu-HU" dirty="0"/>
+              <a:t>(megj.: nem tanultuk még, de a </a:t>
+            </a:r>
+            <a:r>
+              <a:rPr lang="hu-HU" dirty="0">
+                <a:hlinkClick r:id="rId2"/>
+              </a:rPr>
+              <a:t>cikkemben</a:t>
+            </a:r>
+            <a:r>
+              <a:rPr lang="hu-HU" dirty="0"/>
+              <a:t> ismertetve van)</a:t>
+            </a:r>
+          </a:p>
+          <a:p>
+            <a:pPr marL="0" indent="0">
+              <a:buNone/>
+            </a:pPr>
+            <a:endParaRPr lang="hu-HU" dirty="0"/>
+          </a:p>
+        </p:txBody>
+      </p:sp>
+      <p:pic>
+        <p:nvPicPr>
+          <p:cNvPr id="5" name="Picture 4">
+            <a:extLst>
+              <a:ext uri="{FF2B5EF4-FFF2-40B4-BE49-F238E27FC236}">
+                <a16:creationId xmlns:a16="http://schemas.microsoft.com/office/drawing/2014/main" id="{BAE3551F-B69B-4D0D-AD79-89B3A1FE95A0}"/>
+              </a:ext>
+            </a:extLst>
+          </p:cNvPr>
+          <p:cNvPicPr>
+            <a:picLocks noChangeAspect="1"/>
+          </p:cNvPicPr>
+          <p:nvPr/>
+        </p:nvPicPr>
+        <p:blipFill>
+          <a:blip r:embed="rId3">
+            <a:extLst>
+              <a:ext uri="{28A0092B-C50C-407E-A947-70E740481C1C}">
+                <a14:useLocalDpi xmlns:a14="http://schemas.microsoft.com/office/drawing/2010/main" val="0"/>
+              </a:ext>
+            </a:extLst>
+          </a:blip>
+          <a:stretch>
+            <a:fillRect/>
+          </a:stretch>
+        </p:blipFill>
+        <p:spPr>
+          <a:xfrm>
+            <a:off x="2314939" y="3857414"/>
+            <a:ext cx="7623081" cy="724193"/>
+          </a:xfrm>
+          <a:prstGeom prst="rect">
+            <a:avLst/>
+          </a:prstGeom>
+        </p:spPr>
+      </p:pic>
+    </p:spTree>
+    <p:extLst>
+      <p:ext uri="{BB962C8B-B14F-4D97-AF65-F5344CB8AC3E}">
+        <p14:creationId xmlns:p14="http://schemas.microsoft.com/office/powerpoint/2010/main" val="3952644768"/>
+      </p:ext>
+    </p:extLst>
+  </p:cSld>
+  <p:clrMapOvr>
+    <a:masterClrMapping/>
+  </p:clrMapOvr>
+</p:sld>
+</file>
+
+<file path=ppt/slides/slide16.xml><?xml version="1.0" encoding="utf-8"?>
+<p:sld xmlns:a="http://schemas.openxmlformats.org/drawingml/2006/main" xmlns:r="http://schemas.openxmlformats.org/officeDocument/2006/relationships" xmlns:p="http://schemas.openxmlformats.org/presentationml/2006/main">
+  <p:cSld>
+    <p:spTree>
+      <p:nvGrpSpPr>
+        <p:cNvPr id="1" name=""/>
+        <p:cNvGrpSpPr/>
+        <p:nvPr/>
+      </p:nvGrpSpPr>
+      <p:grpSpPr>
+        <a:xfrm>
+          <a:off x="0" y="0"/>
+          <a:ext cx="0" cy="0"/>
+          <a:chOff x="0" y="0"/>
+          <a:chExt cx="0" cy="0"/>
+        </a:xfrm>
+      </p:grpSpPr>
+      <p:sp>
+        <p:nvSpPr>
+          <p:cNvPr id="2" name="Title 1">
+            <a:extLst>
+              <a:ext uri="{FF2B5EF4-FFF2-40B4-BE49-F238E27FC236}">
+                <a16:creationId xmlns:a16="http://schemas.microsoft.com/office/drawing/2014/main" id="{8D98245E-E430-44E2-A2F9-7F7CF369D7B7}"/>
+              </a:ext>
+            </a:extLst>
+          </p:cNvPr>
+          <p:cNvSpPr>
+            <a:spLocks noGrp="1"/>
+          </p:cNvSpPr>
+          <p:nvPr>
+            <p:ph type="title"/>
+          </p:nvPr>
+        </p:nvSpPr>
+        <p:spPr/>
+        <p:txBody>
+          <a:bodyPr/>
+          <a:lstStyle/>
+          <a:p>
+            <a:r>
+              <a:rPr lang="hu-HU" dirty="0"/>
+              <a:t>Kép alapú fények (folyt.)</a:t>
+            </a:r>
+          </a:p>
+        </p:txBody>
+      </p:sp>
+      <p:sp>
+        <p:nvSpPr>
+          <p:cNvPr id="3" name="Content Placeholder 2">
+            <a:extLst>
+              <a:ext uri="{FF2B5EF4-FFF2-40B4-BE49-F238E27FC236}">
+                <a16:creationId xmlns:a16="http://schemas.microsoft.com/office/drawing/2014/main" id="{DF2F637F-ADB4-4F33-9951-BEF7E601EB8C}"/>
+              </a:ext>
+            </a:extLst>
+          </p:cNvPr>
+          <p:cNvSpPr>
+            <a:spLocks noGrp="1"/>
+          </p:cNvSpPr>
+          <p:nvPr>
+            <p:ph idx="1"/>
+          </p:nvPr>
+        </p:nvSpPr>
+        <p:spPr/>
+        <p:txBody>
+          <a:bodyPr/>
+          <a:lstStyle/>
+          <a:p>
             <a:endParaRPr lang="hu-HU" dirty="0"/>
           </a:p>
         </p:txBody>
@@ -9020,7 +9027,7 @@
     </p:spTree>
     <p:extLst>
       <p:ext uri="{BB962C8B-B14F-4D97-AF65-F5344CB8AC3E}">
-        <p14:creationId xmlns:p14="http://schemas.microsoft.com/office/powerpoint/2010/main" val="3952644768"/>
+        <p14:creationId xmlns:p14="http://schemas.microsoft.com/office/powerpoint/2010/main" val="4136297497"/>
       </p:ext>
     </p:extLst>
   </p:cSld>
@@ -9903,8 +9910,8 @@
           </a:p>
         </p:txBody>
       </p:sp>
-      <mc:AlternateContent xmlns:mc="http://schemas.openxmlformats.org/markup-compatibility/2006">
-        <mc:Choice xmlns:a14="http://schemas.microsoft.com/office/drawing/2010/main" Requires="a14">
+      <mc:AlternateContent xmlns:mc="http://schemas.openxmlformats.org/markup-compatibility/2006" xmlns:a14="http://schemas.microsoft.com/office/drawing/2010/main">
+        <mc:Choice Requires="a14">
           <p:sp>
             <p:nvSpPr>
               <p:cNvPr id="3" name="Content Placeholder 2">
@@ -10424,7 +10431,7 @@
             </p:txBody>
           </p:sp>
         </mc:Choice>
-        <mc:Fallback>
+        <mc:Fallback xmlns="">
           <p:sp>
             <p:nvSpPr>
               <p:cNvPr id="3" name="Content Placeholder 2">
@@ -11604,8 +11611,8 @@
           </a:p>
         </p:txBody>
       </p:sp>
-      <mc:AlternateContent xmlns:mc="http://schemas.openxmlformats.org/markup-compatibility/2006">
-        <mc:Choice xmlns:a14="http://schemas.microsoft.com/office/drawing/2010/main" Requires="a14">
+      <mc:AlternateContent xmlns:mc="http://schemas.openxmlformats.org/markup-compatibility/2006" xmlns:a14="http://schemas.microsoft.com/office/drawing/2010/main">
+        <mc:Choice Requires="a14">
           <p:sp>
             <p:nvSpPr>
               <p:cNvPr id="9" name="Content Placeholder 8">
@@ -11670,7 +11677,7 @@
             </p:txBody>
           </p:sp>
         </mc:Choice>
-        <mc:Fallback>
+        <mc:Fallback xmlns="">
           <p:sp>
             <p:nvSpPr>
               <p:cNvPr id="9" name="Content Placeholder 8">
@@ -11738,7 +11745,7 @@
         </p:blipFill>
         <p:spPr>
           <a:xfrm>
-            <a:off x="4069080" y="3044214"/>
+            <a:off x="4069080" y="2958244"/>
             <a:ext cx="4114800" cy="2314575"/>
           </a:xfrm>
           <a:prstGeom prst="rect">
@@ -12123,7 +12130,7 @@
                 </a:pPr>
                 <a:r>
                   <a:rPr lang="hu-HU" dirty="0"/>
-                  <a:t>Amikor ránézel egy fényforrásra, akkor a „fényessége” alatt tulajdonképpen az intenzitását kell érteni; ez független attól, hogy milyen szögben illetve milyen távolról nézel rá</a:t>
+                  <a:t>Amikor ránézel egy fényforrásra, akkor a „fényessége” alatt tulajdonképpen az intenzitását kell érteni; ez független attól, hogy milyen szögből illetve milyen távolról nézel rá</a:t>
                 </a:r>
               </a:p>
               <a:p>
@@ -12157,7 +12164,15 @@
                 </a:r>
                 <a:r>
                   <a:rPr lang="hu-HU" dirty="0"/>
-                  <a:t> a radiancia egyenes vonalak mentén konstans!*</a:t>
+                  <a:t> a radiancia egyenes vonalak mentén konstans! (ún. </a:t>
+                </a:r>
+                <a:r>
+                  <a:rPr lang="hu-HU" i="1" dirty="0"/>
+                  <a:t>non-participating</a:t>
+                </a:r>
+                <a:r>
+                  <a:rPr lang="hu-HU" dirty="0"/>
+                  <a:t> közegekben)*</a:t>
                 </a:r>
               </a:p>
               <a:p>
@@ -12306,7 +12321,7 @@
                 </a:pPr>
                 <a:r>
                   <a:rPr lang="hu-HU" dirty="0"/>
-                  <a:t>A paramétereket a legtöbb irodalom el szokta hagyni (lustaságból):</a:t>
+                  <a:t>A paramétereket a legtöbb irodalom el szokta hagyni (lustaságból)</a:t>
                 </a:r>
               </a:p>
               <a:p>
@@ -12585,34 +12600,9 @@
                   <a:buChar char="§"/>
                 </a:pPr>
                 <a:r>
-                  <a:rPr lang="en-US" dirty="0" err="1"/>
-                  <a:t>Ezeket</a:t>
-                </a:r>
-                <a:r>
-                  <a:rPr lang="en-US" dirty="0"/>
-                  <a:t> </a:t>
-                </a:r>
-                <a:r>
-                  <a:rPr lang="en-US" dirty="0" err="1"/>
-                  <a:t>kell</a:t>
-                </a:r>
-                <a:r>
-                  <a:rPr lang="en-US" dirty="0"/>
-                  <a:t> </a:t>
-                </a:r>
-                <a:r>
                   <a:rPr lang="hu-HU" dirty="0"/>
-                  <a:t>álmodból felébresztve kenni-vágni</a:t>
-                </a:r>
-              </a:p>
-              <a:p>
-                <a:pPr>
-                  <a:lnSpc>
-                    <a:spcPct val="100000"/>
-                  </a:lnSpc>
-                  <a:buFont typeface="Wingdings" panose="05000000000000000000" pitchFamily="2" charset="2"/>
-                  <a:buChar char="§"/>
-                </a:pPr>
+                  <a:t>Vetített terület: </a:t>
+                </a:r>
                 <a14:m>
                   <m:oMath xmlns:m="http://schemas.openxmlformats.org/officeDocument/2006/math">
                     <m:sSup>
@@ -12685,8 +12675,181 @@
                 </a14:m>
                 <a:r>
                   <a:rPr lang="hu-HU" dirty="0"/>
-                  <a:t> a vetített terület (egyes irodalmak így jelölik)</a:t>
-                </a:r>
+                  <a:t> (egyes irodalmak így jelölik)</a:t>
+                </a:r>
+              </a:p>
+              <a:p>
+                <a:pPr>
+                  <a:lnSpc>
+                    <a:spcPct val="100000"/>
+                  </a:lnSpc>
+                  <a:buFont typeface="Wingdings" panose="05000000000000000000" pitchFamily="2" charset="2"/>
+                  <a:buChar char="§"/>
+                </a:pPr>
+                <a:r>
+                  <a:rPr lang="hu-HU" dirty="0"/>
+                  <a:t>Differenciális irradiancia: </a:t>
+                </a:r>
+                <a14:m>
+                  <m:oMath xmlns:m="http://schemas.openxmlformats.org/officeDocument/2006/math">
+                    <m:sSub>
+                      <m:sSubPr>
+                        <m:ctrlPr>
+                          <a:rPr lang="hu-HU" i="1">
+                            <a:latin typeface="Cambria Math" panose="02040503050406030204" pitchFamily="18" charset="0"/>
+                          </a:rPr>
+                        </m:ctrlPr>
+                      </m:sSubPr>
+                      <m:e>
+                        <m:r>
+                          <a:rPr lang="hu-HU" i="1">
+                            <a:latin typeface="Cambria Math" panose="02040503050406030204" pitchFamily="18" charset="0"/>
+                          </a:rPr>
+                          <m:t>𝑑𝐸</m:t>
+                        </m:r>
+                        <m:d>
+                          <m:dPr>
+                            <m:ctrlPr>
+                              <a:rPr lang="hu-HU" i="1">
+                                <a:latin typeface="Cambria Math" panose="02040503050406030204" pitchFamily="18" charset="0"/>
+                              </a:rPr>
+                            </m:ctrlPr>
+                          </m:dPr>
+                          <m:e>
+                            <m:sSub>
+                              <m:sSubPr>
+                                <m:ctrlPr>
+                                  <a:rPr lang="hu-HU" i="1">
+                                    <a:latin typeface="Cambria Math" panose="02040503050406030204" pitchFamily="18" charset="0"/>
+                                  </a:rPr>
+                                </m:ctrlPr>
+                              </m:sSubPr>
+                              <m:e>
+                                <m:r>
+                                  <a:rPr lang="hu-HU" i="1">
+                                    <a:latin typeface="Cambria Math" panose="02040503050406030204" pitchFamily="18" charset="0"/>
+                                  </a:rPr>
+                                  <m:t>𝜔</m:t>
+                                </m:r>
+                              </m:e>
+                              <m:sub>
+                                <m:r>
+                                  <a:rPr lang="hu-HU" i="1">
+                                    <a:latin typeface="Cambria Math" panose="02040503050406030204" pitchFamily="18" charset="0"/>
+                                  </a:rPr>
+                                  <m:t>𝑖</m:t>
+                                </m:r>
+                              </m:sub>
+                            </m:sSub>
+                          </m:e>
+                        </m:d>
+                        <m:r>
+                          <a:rPr lang="hu-HU" i="1">
+                            <a:latin typeface="Cambria Math" panose="02040503050406030204" pitchFamily="18" charset="0"/>
+                          </a:rPr>
+                          <m:t>=</m:t>
+                        </m:r>
+                        <m:r>
+                          <a:rPr lang="hu-HU" i="1">
+                            <a:latin typeface="Cambria Math" panose="02040503050406030204" pitchFamily="18" charset="0"/>
+                          </a:rPr>
+                          <m:t>𝐿</m:t>
+                        </m:r>
+                      </m:e>
+                      <m:sub>
+                        <m:r>
+                          <a:rPr lang="hu-HU" i="1">
+                            <a:latin typeface="Cambria Math" panose="02040503050406030204" pitchFamily="18" charset="0"/>
+                          </a:rPr>
+                          <m:t>𝑖</m:t>
+                        </m:r>
+                      </m:sub>
+                    </m:sSub>
+                    <m:d>
+                      <m:dPr>
+                        <m:ctrlPr>
+                          <a:rPr lang="hu-HU" i="1">
+                            <a:latin typeface="Cambria Math" panose="02040503050406030204" pitchFamily="18" charset="0"/>
+                          </a:rPr>
+                        </m:ctrlPr>
+                      </m:dPr>
+                      <m:e>
+                        <m:sSub>
+                          <m:sSubPr>
+                            <m:ctrlPr>
+                              <a:rPr lang="hu-HU" i="1">
+                                <a:latin typeface="Cambria Math" panose="02040503050406030204" pitchFamily="18" charset="0"/>
+                              </a:rPr>
+                            </m:ctrlPr>
+                          </m:sSubPr>
+                          <m:e>
+                            <m:r>
+                              <a:rPr lang="hu-HU" i="1">
+                                <a:latin typeface="Cambria Math" panose="02040503050406030204" pitchFamily="18" charset="0"/>
+                              </a:rPr>
+                              <m:t>𝜔</m:t>
+                            </m:r>
+                          </m:e>
+                          <m:sub>
+                            <m:r>
+                              <a:rPr lang="hu-HU" i="1">
+                                <a:latin typeface="Cambria Math" panose="02040503050406030204" pitchFamily="18" charset="0"/>
+                              </a:rPr>
+                              <m:t>𝑖</m:t>
+                            </m:r>
+                          </m:sub>
+                        </m:sSub>
+                      </m:e>
+                    </m:d>
+                    <m:func>
+                      <m:funcPr>
+                        <m:ctrlPr>
+                          <a:rPr lang="hu-HU" i="1">
+                            <a:latin typeface="Cambria Math" panose="02040503050406030204" pitchFamily="18" charset="0"/>
+                          </a:rPr>
+                        </m:ctrlPr>
+                      </m:funcPr>
+                      <m:fName>
+                        <m:r>
+                          <m:rPr>
+                            <m:sty m:val="p"/>
+                          </m:rPr>
+                          <a:rPr lang="hu-HU">
+                            <a:latin typeface="Cambria Math" panose="02040503050406030204" pitchFamily="18" charset="0"/>
+                          </a:rPr>
+                          <m:t>cos</m:t>
+                        </m:r>
+                      </m:fName>
+                      <m:e>
+                        <m:r>
+                          <a:rPr lang="hu-HU" i="1">
+                            <a:latin typeface="Cambria Math" panose="02040503050406030204" pitchFamily="18" charset="0"/>
+                          </a:rPr>
+                          <m:t>𝜃</m:t>
+                        </m:r>
+                        <m:r>
+                          <a:rPr lang="hu-HU" i="1">
+                            <a:latin typeface="Cambria Math" panose="02040503050406030204" pitchFamily="18" charset="0"/>
+                          </a:rPr>
+                          <m:t> </m:t>
+                        </m:r>
+                        <m:r>
+                          <a:rPr lang="hu-HU" i="1">
+                            <a:latin typeface="Cambria Math" panose="02040503050406030204" pitchFamily="18" charset="0"/>
+                          </a:rPr>
+                          <m:t>𝑑</m:t>
+                        </m:r>
+                        <m:r>
+                          <a:rPr lang="hu-HU" i="1">
+                            <a:latin typeface="Cambria Math" panose="02040503050406030204" pitchFamily="18" charset="0"/>
+                          </a:rPr>
+                          <m:t>𝜔</m:t>
+                        </m:r>
+                      </m:e>
+                    </m:func>
+                  </m:oMath>
+                </a14:m>
+                <a:endParaRPr lang="hu-HU" dirty="0"/>
               </a:p>
             </p:txBody>
           </p:sp>
@@ -12766,7 +12929,7 @@
           <p:cNvPr id="2" name="Title 1">
             <a:extLst>
               <a:ext uri="{FF2B5EF4-FFF2-40B4-BE49-F238E27FC236}">
-                <a16:creationId xmlns:a16="http://schemas.microsoft.com/office/drawing/2014/main" id="{7E8E739B-D2F6-4A13-AEFA-C8E73EDFB912}"/>
+                <a16:creationId xmlns:a16="http://schemas.microsoft.com/office/drawing/2014/main" id="{D01094EE-3D6F-4F96-8AE8-4AD498D865F9}"/>
               </a:ext>
             </a:extLst>
           </p:cNvPr>
@@ -12784,7 +12947,7 @@
           <a:p>
             <a:r>
               <a:rPr lang="hu-HU" dirty="0"/>
-              <a:t>Ismétlés: tükröződési egyenlet</a:t>
+              <a:t>Ismétlés: BRDF</a:t>
             </a:r>
           </a:p>
         </p:txBody>
@@ -12796,7 +12959,7 @@
               <p:cNvPr id="3" name="Content Placeholder 2">
                 <a:extLst>
                   <a:ext uri="{FF2B5EF4-FFF2-40B4-BE49-F238E27FC236}">
-                    <a16:creationId xmlns:a16="http://schemas.microsoft.com/office/drawing/2014/main" id="{A8231030-22AE-46B4-B53C-E4DABEA3D3BE}"/>
+                    <a16:creationId xmlns:a16="http://schemas.microsoft.com/office/drawing/2014/main" id="{E083E11F-9E0C-4556-8290-7B98EDF250F5}"/>
                   </a:ext>
                 </a:extLst>
               </p:cNvPr>
@@ -12818,46 +12981,37 @@
                 </a:pPr>
                 <a:r>
                   <a:rPr lang="hu-HU" dirty="0"/>
-                  <a:t>A felületet elhagyó iránybeli (</a:t>
-                </a:r>
-                <a14:m>
-                  <m:oMath xmlns:m="http://schemas.openxmlformats.org/officeDocument/2006/math">
-                    <m:sSub>
-                      <m:sSubPr>
-                        <m:ctrlPr>
-                          <a:rPr lang="hu-HU" b="0" i="1" smtClean="0">
-                            <a:latin typeface="Cambria Math" panose="02040503050406030204" pitchFamily="18" charset="0"/>
-                          </a:rPr>
-                        </m:ctrlPr>
-                      </m:sSubPr>
-                      <m:e>
-                        <m:r>
-                          <a:rPr lang="hu-HU" b="0" i="1" smtClean="0">
-                            <a:latin typeface="Cambria Math" panose="02040503050406030204" pitchFamily="18" charset="0"/>
-                          </a:rPr>
-                          <m:t>𝜔</m:t>
-                        </m:r>
-                      </m:e>
-                      <m:sub>
-                        <m:r>
-                          <a:rPr lang="hu-HU" b="0" i="1" smtClean="0">
-                            <a:latin typeface="Cambria Math" panose="02040503050406030204" pitchFamily="18" charset="0"/>
-                          </a:rPr>
-                          <m:t>𝑜</m:t>
-                        </m:r>
-                      </m:sub>
-                    </m:sSub>
-                  </m:oMath>
-                </a14:m>
+                  <a:t>A felületet </a:t>
+                </a:r>
+                <a:r>
+                  <a:rPr lang="hu-HU" b="1" dirty="0"/>
+                  <a:t>minden irányban</a:t>
+                </a:r>
                 <a:r>
                   <a:rPr lang="hu-HU" dirty="0"/>
-                  <a:t>) radiancia:</a:t>
+                  <a:t> elhagyó radiancia és a felületre beérkező </a:t>
+                </a:r>
+                <a:r>
+                  <a:rPr lang="hu-HU" b="1" dirty="0"/>
+                  <a:t>differenciális irradiancia</a:t>
+                </a:r>
+                <a:r>
+                  <a:rPr lang="hu-HU" dirty="0"/>
+                  <a:t> aránya (</a:t>
+                </a:r>
+                <a:r>
+                  <a:rPr lang="hu-HU" i="1" dirty="0"/>
+                  <a:t>feladvány: miért kell a delta?</a:t>
+                </a:r>
+                <a:r>
+                  <a:rPr lang="hu-HU" dirty="0"/>
+                  <a:t>)</a:t>
                 </a:r>
               </a:p>
               <a:p>
                 <a:pPr marL="0" indent="0" algn="ctr">
                   <a:lnSpc>
-                    <a:spcPct val="100000"/>
+                    <a:spcPct val="150000"/>
                   </a:lnSpc>
                   <a:buNone/>
                 </a:pPr>
@@ -12880,7 +13034,7 @@
                             <a:rPr lang="hu-HU" b="0" i="1" smtClean="0">
                               <a:latin typeface="Cambria Math" panose="02040503050406030204" pitchFamily="18" charset="0"/>
                             </a:rPr>
-                            <m:t>𝐿</m:t>
+                            <m:t>𝑓</m:t>
                           </m:r>
                         </m:e>
                         <m:sub>
@@ -12888,7 +13042,7 @@
                             <a:rPr lang="hu-HU" b="0" i="1" smtClean="0">
                               <a:latin typeface="Cambria Math" panose="02040503050406030204" pitchFamily="18" charset="0"/>
                             </a:rPr>
-                            <m:t>𝑜</m:t>
+                            <m:t>𝑟</m:t>
                           </m:r>
                         </m:sub>
                       </m:sSub>
@@ -12926,43 +13080,12 @@
                               </m:r>
                             </m:sub>
                           </m:sSub>
-                        </m:e>
-                      </m:d>
-                      <m:r>
-                        <a:rPr lang="hu-HU" b="0" i="1" smtClean="0">
-                          <a:latin typeface="Cambria Math" panose="02040503050406030204" pitchFamily="18" charset="0"/>
-                        </a:rPr>
-                        <m:t>=</m:t>
-                      </m:r>
-                      <m:nary>
-                        <m:naryPr>
-                          <m:limLoc m:val="undOvr"/>
-                          <m:ctrlPr>
-                            <a:rPr lang="hu-HU" b="0" i="1" smtClean="0">
-                              <a:latin typeface="Cambria Math" panose="02040503050406030204" pitchFamily="18" charset="0"/>
-                            </a:rPr>
-                          </m:ctrlPr>
-                        </m:naryPr>
-                        <m:sub>
-                          <m:r>
-                            <m:rPr>
-                              <m:sty m:val="p"/>
-                            </m:rPr>
-                            <a:rPr lang="hu-HU" b="0" i="0" smtClean="0">
-                              <a:latin typeface="Cambria Math" panose="02040503050406030204" pitchFamily="18" charset="0"/>
-                            </a:rPr>
-                            <m:t>Ω</m:t>
-                          </m:r>
-                        </m:sub>
-                        <m:sup>
                           <m:r>
                             <a:rPr lang="hu-HU" b="0" i="1" smtClean="0">
                               <a:latin typeface="Cambria Math" panose="02040503050406030204" pitchFamily="18" charset="0"/>
                             </a:rPr>
-                            <m:t> </m:t>
+                            <m:t>, </m:t>
                           </m:r>
-                        </m:sup>
-                        <m:e>
                           <m:sSub>
                             <m:sSubPr>
                               <m:ctrlPr>
@@ -12976,7 +13099,7 @@
                                 <a:rPr lang="hu-HU" b="0" i="1" smtClean="0">
                                   <a:latin typeface="Cambria Math" panose="02040503050406030204" pitchFamily="18" charset="0"/>
                                 </a:rPr>
-                                <m:t>𝑓</m:t>
+                                <m:t>𝜔</m:t>
                               </m:r>
                             </m:e>
                             <m:sub>
@@ -12984,83 +13107,227 @@
                                 <a:rPr lang="hu-HU" b="0" i="1" smtClean="0">
                                   <a:latin typeface="Cambria Math" panose="02040503050406030204" pitchFamily="18" charset="0"/>
                                 </a:rPr>
-                                <m:t>𝑟</m:t>
+                                <m:t>𝑖</m:t>
                               </m:r>
                             </m:sub>
                           </m:sSub>
-                          <m:d>
-                            <m:dPr>
+                        </m:e>
+                      </m:d>
+                      <m:r>
+                        <a:rPr lang="hu-HU" b="0" i="1" smtClean="0">
+                          <a:latin typeface="Cambria Math" panose="02040503050406030204" pitchFamily="18" charset="0"/>
+                        </a:rPr>
+                        <m:t>=</m:t>
+                      </m:r>
+                      <m:f>
+                        <m:fPr>
+                          <m:ctrlPr>
+                            <a:rPr lang="hu-HU" b="0" i="1" smtClean="0">
+                              <a:latin typeface="Cambria Math" panose="02040503050406030204" pitchFamily="18" charset="0"/>
+                            </a:rPr>
+                          </m:ctrlPr>
+                        </m:fPr>
+                        <m:num>
+                          <m:r>
+                            <a:rPr lang="hu-HU" b="0" i="1" smtClean="0">
+                              <a:latin typeface="Cambria Math" panose="02040503050406030204" pitchFamily="18" charset="0"/>
+                            </a:rPr>
+                            <m:t>𝑑</m:t>
+                          </m:r>
+                          <m:sSub>
+                            <m:sSubPr>
                               <m:ctrlPr>
                                 <a:rPr lang="hu-HU" b="0" i="1" smtClean="0">
                                   <a:latin typeface="Cambria Math" panose="02040503050406030204" pitchFamily="18" charset="0"/>
                                 </a:rPr>
                               </m:ctrlPr>
-                            </m:dPr>
+                            </m:sSubPr>
                             <m:e>
-                              <m:sSub>
-                                <m:sSubPr>
-                                  <m:ctrlPr>
-                                    <a:rPr lang="hu-HU" b="0" i="1" smtClean="0">
-                                      <a:latin typeface="Cambria Math" panose="02040503050406030204" pitchFamily="18" charset="0"/>
-                                    </a:rPr>
-                                  </m:ctrlPr>
-                                </m:sSubPr>
-                                <m:e>
-                                  <m:r>
-                                    <a:rPr lang="hu-HU" b="0" i="1" smtClean="0">
-                                      <a:latin typeface="Cambria Math" panose="02040503050406030204" pitchFamily="18" charset="0"/>
-                                    </a:rPr>
-                                    <m:t>𝜔</m:t>
-                                  </m:r>
-                                </m:e>
-                                <m:sub>
-                                  <m:r>
-                                    <a:rPr lang="hu-HU" b="0" i="1" smtClean="0">
-                                      <a:latin typeface="Cambria Math" panose="02040503050406030204" pitchFamily="18" charset="0"/>
-                                    </a:rPr>
-                                    <m:t>𝑜</m:t>
-                                  </m:r>
-                                </m:sub>
-                              </m:sSub>
                               <m:r>
                                 <a:rPr lang="hu-HU" b="0" i="1" smtClean="0">
                                   <a:latin typeface="Cambria Math" panose="02040503050406030204" pitchFamily="18" charset="0"/>
                                 </a:rPr>
-                                <m:t>, </m:t>
+                                <m:t>𝐿</m:t>
                               </m:r>
-                              <m:sSub>
-                                <m:sSubPr>
-                                  <m:ctrlPr>
-                                    <a:rPr lang="hu-HU" b="0" i="1" smtClean="0">
-                                      <a:latin typeface="Cambria Math" panose="02040503050406030204" pitchFamily="18" charset="0"/>
-                                    </a:rPr>
-                                  </m:ctrlPr>
-                                </m:sSubPr>
-                                <m:e>
-                                  <m:r>
-                                    <a:rPr lang="hu-HU" b="0" i="1" smtClean="0">
-                                      <a:latin typeface="Cambria Math" panose="02040503050406030204" pitchFamily="18" charset="0"/>
-                                    </a:rPr>
-                                    <m:t>𝜔</m:t>
-                                  </m:r>
-                                </m:e>
-                                <m:sub>
-                                  <m:r>
-                                    <a:rPr lang="hu-HU" b="0" i="1" smtClean="0">
-                                      <a:latin typeface="Cambria Math" panose="02040503050406030204" pitchFamily="18" charset="0"/>
-                                    </a:rPr>
-                                    <m:t>𝑖</m:t>
-                                  </m:r>
-                                </m:sub>
-                              </m:sSub>
                             </m:e>
-                          </m:d>
+                            <m:sub>
+                              <m:r>
+                                <a:rPr lang="hu-HU" b="0" i="1" smtClean="0">
+                                  <a:latin typeface="Cambria Math" panose="02040503050406030204" pitchFamily="18" charset="0"/>
+                                </a:rPr>
+                                <m:t>𝑜</m:t>
+                              </m:r>
+                            </m:sub>
+                          </m:sSub>
                           <m:r>
                             <a:rPr lang="hu-HU" b="0" i="1" smtClean="0">
                               <a:latin typeface="Cambria Math" panose="02040503050406030204" pitchFamily="18" charset="0"/>
                             </a:rPr>
-                            <m:t> </m:t>
+                            <m:t>(</m:t>
                           </m:r>
+                          <m:sSub>
+                            <m:sSubPr>
+                              <m:ctrlPr>
+                                <a:rPr lang="hu-HU" b="0" i="1" smtClean="0">
+                                  <a:latin typeface="Cambria Math" panose="02040503050406030204" pitchFamily="18" charset="0"/>
+                                </a:rPr>
+                              </m:ctrlPr>
+                            </m:sSubPr>
+                            <m:e>
+                              <m:r>
+                                <a:rPr lang="hu-HU" b="0" i="1" smtClean="0">
+                                  <a:latin typeface="Cambria Math" panose="02040503050406030204" pitchFamily="18" charset="0"/>
+                                </a:rPr>
+                                <m:t>𝜔</m:t>
+                              </m:r>
+                            </m:e>
+                            <m:sub>
+                              <m:r>
+                                <a:rPr lang="hu-HU" b="0" i="1" smtClean="0">
+                                  <a:latin typeface="Cambria Math" panose="02040503050406030204" pitchFamily="18" charset="0"/>
+                                </a:rPr>
+                                <m:t>𝑜</m:t>
+                              </m:r>
+                            </m:sub>
+                          </m:sSub>
+                          <m:r>
+                            <a:rPr lang="hu-HU" b="0" i="1" smtClean="0">
+                              <a:latin typeface="Cambria Math" panose="02040503050406030204" pitchFamily="18" charset="0"/>
+                            </a:rPr>
+                            <m:t>)</m:t>
+                          </m:r>
+                        </m:num>
+                        <m:den>
+                          <m:r>
+                            <a:rPr lang="hu-HU" b="0" i="1" smtClean="0">
+                              <a:latin typeface="Cambria Math" panose="02040503050406030204" pitchFamily="18" charset="0"/>
+                            </a:rPr>
+                            <m:t>𝑑𝐸</m:t>
+                          </m:r>
+                          <m:r>
+                            <a:rPr lang="hu-HU" b="0" i="1" smtClean="0">
+                              <a:latin typeface="Cambria Math" panose="02040503050406030204" pitchFamily="18" charset="0"/>
+                            </a:rPr>
+                            <m:t>(</m:t>
+                          </m:r>
+                          <m:sSub>
+                            <m:sSubPr>
+                              <m:ctrlPr>
+                                <a:rPr lang="hu-HU" b="0" i="1" smtClean="0">
+                                  <a:latin typeface="Cambria Math" panose="02040503050406030204" pitchFamily="18" charset="0"/>
+                                </a:rPr>
+                              </m:ctrlPr>
+                            </m:sSubPr>
+                            <m:e>
+                              <m:r>
+                                <a:rPr lang="hu-HU" b="0" i="1" smtClean="0">
+                                  <a:latin typeface="Cambria Math" panose="02040503050406030204" pitchFamily="18" charset="0"/>
+                                </a:rPr>
+                                <m:t>𝜔</m:t>
+                              </m:r>
+                            </m:e>
+                            <m:sub>
+                              <m:r>
+                                <a:rPr lang="hu-HU" b="0" i="1" smtClean="0">
+                                  <a:latin typeface="Cambria Math" panose="02040503050406030204" pitchFamily="18" charset="0"/>
+                                </a:rPr>
+                                <m:t>𝑖</m:t>
+                              </m:r>
+                            </m:sub>
+                          </m:sSub>
+                          <m:r>
+                            <a:rPr lang="hu-HU" b="0" i="1" smtClean="0">
+                              <a:latin typeface="Cambria Math" panose="02040503050406030204" pitchFamily="18" charset="0"/>
+                            </a:rPr>
+                            <m:t>)</m:t>
+                          </m:r>
+                        </m:den>
+                      </m:f>
+                      <m:r>
+                        <a:rPr lang="hu-HU" b="0" i="1" smtClean="0">
+                          <a:latin typeface="Cambria Math" panose="02040503050406030204" pitchFamily="18" charset="0"/>
+                        </a:rPr>
+                        <m:t>=</m:t>
+                      </m:r>
+                      <m:f>
+                        <m:fPr>
+                          <m:ctrlPr>
+                            <a:rPr lang="hu-HU" b="0" i="1" smtClean="0">
+                              <a:latin typeface="Cambria Math" panose="02040503050406030204" pitchFamily="18" charset="0"/>
+                            </a:rPr>
+                          </m:ctrlPr>
+                        </m:fPr>
+                        <m:num>
+                          <m:r>
+                            <a:rPr lang="hu-HU" b="0" i="1" smtClean="0">
+                              <a:latin typeface="Cambria Math" panose="02040503050406030204" pitchFamily="18" charset="0"/>
+                            </a:rPr>
+                            <m:t>𝑑</m:t>
+                          </m:r>
+                          <m:sSub>
+                            <m:sSubPr>
+                              <m:ctrlPr>
+                                <a:rPr lang="hu-HU" b="0" i="1" smtClean="0">
+                                  <a:latin typeface="Cambria Math" panose="02040503050406030204" pitchFamily="18" charset="0"/>
+                                </a:rPr>
+                              </m:ctrlPr>
+                            </m:sSubPr>
+                            <m:e>
+                              <m:r>
+                                <a:rPr lang="hu-HU" b="0" i="1" smtClean="0">
+                                  <a:latin typeface="Cambria Math" panose="02040503050406030204" pitchFamily="18" charset="0"/>
+                                </a:rPr>
+                                <m:t>𝐿</m:t>
+                              </m:r>
+                            </m:e>
+                            <m:sub>
+                              <m:r>
+                                <a:rPr lang="hu-HU" b="0" i="1" smtClean="0">
+                                  <a:latin typeface="Cambria Math" panose="02040503050406030204" pitchFamily="18" charset="0"/>
+                                </a:rPr>
+                                <m:t>𝑜</m:t>
+                              </m:r>
+                            </m:sub>
+                          </m:sSub>
+                          <m:r>
+                            <a:rPr lang="hu-HU" b="0" i="1" smtClean="0">
+                              <a:latin typeface="Cambria Math" panose="02040503050406030204" pitchFamily="18" charset="0"/>
+                            </a:rPr>
+                            <m:t>(</m:t>
+                          </m:r>
+                          <m:sSub>
+                            <m:sSubPr>
+                              <m:ctrlPr>
+                                <a:rPr lang="hu-HU" b="0" i="1" smtClean="0">
+                                  <a:latin typeface="Cambria Math" panose="02040503050406030204" pitchFamily="18" charset="0"/>
+                                </a:rPr>
+                              </m:ctrlPr>
+                            </m:sSubPr>
+                            <m:e>
+                              <m:r>
+                                <a:rPr lang="hu-HU" b="0" i="1" smtClean="0">
+                                  <a:latin typeface="Cambria Math" panose="02040503050406030204" pitchFamily="18" charset="0"/>
+                                </a:rPr>
+                                <m:t>𝜔</m:t>
+                              </m:r>
+                            </m:e>
+                            <m:sub>
+                              <m:r>
+                                <a:rPr lang="hu-HU" b="0" i="1" smtClean="0">
+                                  <a:latin typeface="Cambria Math" panose="02040503050406030204" pitchFamily="18" charset="0"/>
+                                </a:rPr>
+                                <m:t>𝑜</m:t>
+                              </m:r>
+                            </m:sub>
+                          </m:sSub>
+                          <m:r>
+                            <a:rPr lang="hu-HU" b="0" i="1" smtClean="0">
+                              <a:latin typeface="Cambria Math" panose="02040503050406030204" pitchFamily="18" charset="0"/>
+                            </a:rPr>
+                            <m:t>)</m:t>
+                          </m:r>
+                        </m:num>
+                        <m:den>
                           <m:sSub>
                             <m:sSubPr>
                               <m:ctrlPr>
@@ -13160,16 +13427,35 @@
                                 </a:rPr>
                                 <m:t>𝑑</m:t>
                               </m:r>
-                              <m:r>
-                                <a:rPr lang="hu-HU" b="0" i="1" smtClean="0">
-                                  <a:latin typeface="Cambria Math" panose="02040503050406030204" pitchFamily="18" charset="0"/>
-                                </a:rPr>
-                                <m:t>𝜔</m:t>
-                              </m:r>
+                              <m:sSub>
+                                <m:sSubPr>
+                                  <m:ctrlPr>
+                                    <a:rPr lang="hu-HU" b="0" i="1" smtClean="0">
+                                      <a:latin typeface="Cambria Math" panose="02040503050406030204" pitchFamily="18" charset="0"/>
+                                    </a:rPr>
+                                  </m:ctrlPr>
+                                </m:sSubPr>
+                                <m:e>
+                                  <m:r>
+                                    <a:rPr lang="hu-HU" b="0" i="1" smtClean="0">
+                                      <a:latin typeface="Cambria Math" panose="02040503050406030204" pitchFamily="18" charset="0"/>
+                                    </a:rPr>
+                                    <m:t>𝜔</m:t>
+                                  </m:r>
+                                </m:e>
+                                <m:sub>
+                                  <m:r>
+                                    <a:rPr lang="hu-HU" b="0" i="1" smtClean="0">
+                                      <a:latin typeface="Cambria Math" panose="02040503050406030204" pitchFamily="18" charset="0"/>
+                                    </a:rPr>
+                                    <m:t>𝑖</m:t>
+                                  </m:r>
+                                </m:sub>
+                              </m:sSub>
                             </m:e>
                           </m:func>
-                        </m:e>
-                      </m:nary>
+                        </m:den>
+                      </m:f>
                     </m:oMath>
                   </m:oMathPara>
                 </a14:m>
@@ -13182,7 +13468,37 @@
                 </a:pPr>
                 <a:r>
                   <a:rPr lang="hu-HU" dirty="0"/>
-                  <a:t>Differenciális irradiancia: </a:t>
+                  <a:t>Átrendezve és integrálva kapható meg a tükröződési egyenlet</a:t>
+                </a:r>
+              </a:p>
+              <a:p>
+                <a:pPr>
+                  <a:buFont typeface="Wingdings" panose="05000000000000000000" pitchFamily="2" charset="2"/>
+                  <a:buChar char="§"/>
+                </a:pPr>
+                <a:r>
+                  <a:rPr lang="hu-HU" dirty="0"/>
+                  <a:t>Egy függvény akkor BRDF ha:</a:t>
+                </a:r>
+              </a:p>
+              <a:p>
+                <a:pPr lvl="1">
+                  <a:buFont typeface="Wingdings" panose="05000000000000000000" pitchFamily="2" charset="2"/>
+                  <a:buChar char="q"/>
+                </a:pPr>
+                <a:r>
+                  <a:rPr lang="hu-HU" dirty="0"/>
+                  <a:t>Pozitív</a:t>
+                </a:r>
+              </a:p>
+              <a:p>
+                <a:pPr lvl="1">
+                  <a:buFont typeface="Wingdings" panose="05000000000000000000" pitchFamily="2" charset="2"/>
+                  <a:buChar char="q"/>
+                </a:pPr>
+                <a:r>
+                  <a:rPr lang="hu-HU" dirty="0"/>
+                  <a:t>Szimmetrikus (</a:t>
                 </a:r>
                 <a14:m>
                   <m:oMath xmlns:m="http://schemas.openxmlformats.org/officeDocument/2006/math">
@@ -13199,7 +13515,7 @@
                           <a:rPr lang="hu-HU" b="0" i="1" smtClean="0">
                             <a:latin typeface="Cambria Math" panose="02040503050406030204" pitchFamily="18" charset="0"/>
                           </a:rPr>
-                          <m:t>𝐿</m:t>
+                          <m:t>𝑓</m:t>
                         </m:r>
                       </m:e>
                       <m:sub>
@@ -13207,7 +13523,7 @@
                           <a:rPr lang="hu-HU" b="0" i="1" smtClean="0">
                             <a:latin typeface="Cambria Math" panose="02040503050406030204" pitchFamily="18" charset="0"/>
                           </a:rPr>
-                          <m:t>𝑖</m:t>
+                          <m:t>𝑟</m:t>
                         </m:r>
                       </m:sub>
                     </m:sSub>
@@ -13241,50 +13557,89 @@
                               <a:rPr lang="hu-HU" b="0" i="1" smtClean="0">
                                 <a:latin typeface="Cambria Math" panose="02040503050406030204" pitchFamily="18" charset="0"/>
                               </a:rPr>
+                              <m:t>𝑜</m:t>
+                            </m:r>
+                          </m:sub>
+                        </m:sSub>
+                        <m:r>
+                          <a:rPr lang="hu-HU" b="0" i="1" smtClean="0">
+                            <a:latin typeface="Cambria Math" panose="02040503050406030204" pitchFamily="18" charset="0"/>
+                          </a:rPr>
+                          <m:t>,</m:t>
+                        </m:r>
+                        <m:sSub>
+                          <m:sSubPr>
+                            <m:ctrlPr>
+                              <a:rPr lang="hu-HU" b="0" i="1" smtClean="0">
+                                <a:latin typeface="Cambria Math" panose="02040503050406030204" pitchFamily="18" charset="0"/>
+                              </a:rPr>
+                            </m:ctrlPr>
+                          </m:sSubPr>
+                          <m:e>
+                            <m:r>
+                              <a:rPr lang="hu-HU" b="0" i="1" smtClean="0">
+                                <a:latin typeface="Cambria Math" panose="02040503050406030204" pitchFamily="18" charset="0"/>
+                              </a:rPr>
+                              <m:t>𝜔</m:t>
+                            </m:r>
+                          </m:e>
+                          <m:sub>
+                            <m:r>
+                              <a:rPr lang="hu-HU" b="0" i="1" smtClean="0">
+                                <a:latin typeface="Cambria Math" panose="02040503050406030204" pitchFamily="18" charset="0"/>
+                              </a:rPr>
                               <m:t>𝑖</m:t>
                             </m:r>
                           </m:sub>
                         </m:sSub>
                       </m:e>
                     </m:d>
-                    <m:func>
-                      <m:funcPr>
+                    <m:r>
+                      <a:rPr lang="hu-HU" b="0" i="1" smtClean="0">
+                        <a:latin typeface="Cambria Math" panose="02040503050406030204" pitchFamily="18" charset="0"/>
+                      </a:rPr>
+                      <m:t>=</m:t>
+                    </m:r>
+                    <m:sSub>
+                      <m:sSubPr>
                         <m:ctrlPr>
                           <a:rPr lang="hu-HU" b="0" i="1" smtClean="0">
                             <a:latin typeface="Cambria Math" panose="02040503050406030204" pitchFamily="18" charset="0"/>
                           </a:rPr>
                         </m:ctrlPr>
-                      </m:funcPr>
-                      <m:fName>
-                        <m:r>
-                          <m:rPr>
-                            <m:sty m:val="p"/>
-                          </m:rPr>
-                          <a:rPr lang="hu-HU" b="0" i="0" smtClean="0">
-                            <a:latin typeface="Cambria Math" panose="02040503050406030204" pitchFamily="18" charset="0"/>
-                          </a:rPr>
-                          <m:t>cos</m:t>
-                        </m:r>
-                      </m:fName>
+                      </m:sSubPr>
                       <m:e>
                         <m:r>
                           <a:rPr lang="hu-HU" b="0" i="1" smtClean="0">
                             <a:latin typeface="Cambria Math" panose="02040503050406030204" pitchFamily="18" charset="0"/>
                           </a:rPr>
-                          <m:t>𝜃</m:t>
+                          <m:t>𝑓</m:t>
                         </m:r>
+                      </m:e>
+                      <m:sub>
                         <m:r>
                           <a:rPr lang="hu-HU" b="0" i="1" smtClean="0">
                             <a:latin typeface="Cambria Math" panose="02040503050406030204" pitchFamily="18" charset="0"/>
                           </a:rPr>
-                          <m:t> </m:t>
+                          <m:t>𝑟</m:t>
                         </m:r>
-                        <m:r>
+                      </m:sub>
+                    </m:sSub>
+                    <m:r>
+                      <a:rPr lang="hu-HU" b="0" i="1" smtClean="0">
+                        <a:latin typeface="Cambria Math" panose="02040503050406030204" pitchFamily="18" charset="0"/>
+                      </a:rPr>
+                      <m:t>(</m:t>
+                    </m:r>
+                    <m:sSub>
+                      <m:sSubPr>
+                        <m:ctrlPr>
                           <a:rPr lang="hu-HU" b="0" i="1" smtClean="0">
                             <a:latin typeface="Cambria Math" panose="02040503050406030204" pitchFamily="18" charset="0"/>
                           </a:rPr>
-                          <m:t>𝑑</m:t>
-                        </m:r>
+                        </m:ctrlPr>
+                      </m:sSubPr>
+                      <m:e>
                         <m:r>
                           <a:rPr lang="hu-HU" b="0" i="1" smtClean="0">
                             <a:latin typeface="Cambria Math" panose="02040503050406030204" pitchFamily="18" charset="0"/>
@@ -13292,12 +13647,269 @@
                           <m:t>𝜔</m:t>
                         </m:r>
                       </m:e>
-                    </m:func>
+                      <m:sub>
+                        <m:r>
+                          <a:rPr lang="hu-HU" b="0" i="1" smtClean="0">
+                            <a:latin typeface="Cambria Math" panose="02040503050406030204" pitchFamily="18" charset="0"/>
+                          </a:rPr>
+                          <m:t>𝑖</m:t>
+                        </m:r>
+                      </m:sub>
+                    </m:sSub>
+                    <m:r>
+                      <a:rPr lang="hu-HU" b="0" i="1" smtClean="0">
+                        <a:latin typeface="Cambria Math" panose="02040503050406030204" pitchFamily="18" charset="0"/>
+                      </a:rPr>
+                      <m:t>,</m:t>
+                    </m:r>
+                    <m:sSub>
+                      <m:sSubPr>
+                        <m:ctrlPr>
+                          <a:rPr lang="hu-HU" b="0" i="1" smtClean="0">
+                            <a:latin typeface="Cambria Math" panose="02040503050406030204" pitchFamily="18" charset="0"/>
+                          </a:rPr>
+                        </m:ctrlPr>
+                      </m:sSubPr>
+                      <m:e>
+                        <m:r>
+                          <a:rPr lang="hu-HU" b="0" i="1" smtClean="0">
+                            <a:latin typeface="Cambria Math" panose="02040503050406030204" pitchFamily="18" charset="0"/>
+                          </a:rPr>
+                          <m:t>𝜔</m:t>
+                        </m:r>
+                      </m:e>
+                      <m:sub>
+                        <m:r>
+                          <a:rPr lang="hu-HU" b="0" i="1" smtClean="0">
+                            <a:latin typeface="Cambria Math" panose="02040503050406030204" pitchFamily="18" charset="0"/>
+                          </a:rPr>
+                          <m:t>𝑜</m:t>
+                        </m:r>
+                      </m:sub>
+                    </m:sSub>
+                    <m:r>
+                      <a:rPr lang="hu-HU" b="0" i="1" smtClean="0">
+                        <a:latin typeface="Cambria Math" panose="02040503050406030204" pitchFamily="18" charset="0"/>
+                      </a:rPr>
+                      <m:t>)</m:t>
+                    </m:r>
                   </m:oMath>
                 </a14:m>
                 <a:r>
                   <a:rPr lang="hu-HU" dirty="0"/>
-                  <a:t> a BRDF definíciójának alapeleme</a:t>
+                  <a:t>)</a:t>
+                </a:r>
+              </a:p>
+              <a:p>
+                <a:pPr lvl="1">
+                  <a:buFont typeface="Wingdings" panose="05000000000000000000" pitchFamily="2" charset="2"/>
+                  <a:buChar char="q"/>
+                </a:pPr>
+                <a:r>
+                  <a:rPr lang="hu-HU" dirty="0"/>
+                  <a:t>Nem sérti az energiamegmaradást (</a:t>
+                </a:r>
+                <a14:m>
+                  <m:oMath xmlns:m="http://schemas.openxmlformats.org/officeDocument/2006/math">
+                    <m:nary>
+                      <m:naryPr>
+                        <m:limLoc m:val="undOvr"/>
+                        <m:ctrlPr>
+                          <a:rPr lang="hu-HU" i="1" smtClean="0">
+                            <a:latin typeface="Cambria Math" panose="02040503050406030204" pitchFamily="18" charset="0"/>
+                          </a:rPr>
+                        </m:ctrlPr>
+                      </m:naryPr>
+                      <m:sub>
+                        <m:r>
+                          <m:rPr>
+                            <m:brk m:alnAt="24"/>
+                          </m:rPr>
+                          <a:rPr lang="hu-HU" b="0" i="1" smtClean="0">
+                            <a:latin typeface="Cambria Math" panose="02040503050406030204" pitchFamily="18" charset="0"/>
+                          </a:rPr>
+                          <m:t>𝐻</m:t>
+                        </m:r>
+                      </m:sub>
+                      <m:sup>
+                        <m:r>
+                          <a:rPr lang="hu-HU" b="0" i="1" smtClean="0">
+                            <a:latin typeface="Cambria Math" panose="02040503050406030204" pitchFamily="18" charset="0"/>
+                          </a:rPr>
+                          <m:t> </m:t>
+                        </m:r>
+                      </m:sup>
+                      <m:e>
+                        <m:sSub>
+                          <m:sSubPr>
+                            <m:ctrlPr>
+                              <a:rPr lang="hu-HU" b="0" i="1" smtClean="0">
+                                <a:latin typeface="Cambria Math" panose="02040503050406030204" pitchFamily="18" charset="0"/>
+                              </a:rPr>
+                            </m:ctrlPr>
+                          </m:sSubPr>
+                          <m:e>
+                            <m:r>
+                              <a:rPr lang="hu-HU" b="0" i="1" smtClean="0">
+                                <a:latin typeface="Cambria Math" panose="02040503050406030204" pitchFamily="18" charset="0"/>
+                              </a:rPr>
+                              <m:t>𝑓</m:t>
+                            </m:r>
+                          </m:e>
+                          <m:sub>
+                            <m:r>
+                              <a:rPr lang="hu-HU" b="0" i="1" smtClean="0">
+                                <a:latin typeface="Cambria Math" panose="02040503050406030204" pitchFamily="18" charset="0"/>
+                              </a:rPr>
+                              <m:t>𝑟</m:t>
+                            </m:r>
+                          </m:sub>
+                        </m:sSub>
+                        <m:d>
+                          <m:dPr>
+                            <m:ctrlPr>
+                              <a:rPr lang="hu-HU" b="0" i="1" smtClean="0">
+                                <a:latin typeface="Cambria Math" panose="02040503050406030204" pitchFamily="18" charset="0"/>
+                              </a:rPr>
+                            </m:ctrlPr>
+                          </m:dPr>
+                          <m:e>
+                            <m:sSub>
+                              <m:sSubPr>
+                                <m:ctrlPr>
+                                  <a:rPr lang="hu-HU" b="0" i="1" smtClean="0">
+                                    <a:latin typeface="Cambria Math" panose="02040503050406030204" pitchFamily="18" charset="0"/>
+                                  </a:rPr>
+                                </m:ctrlPr>
+                              </m:sSubPr>
+                              <m:e>
+                                <m:r>
+                                  <a:rPr lang="hu-HU" b="0" i="1" smtClean="0">
+                                    <a:latin typeface="Cambria Math" panose="02040503050406030204" pitchFamily="18" charset="0"/>
+                                  </a:rPr>
+                                  <m:t>𝜔</m:t>
+                                </m:r>
+                              </m:e>
+                              <m:sub>
+                                <m:r>
+                                  <a:rPr lang="hu-HU" b="0" i="1" smtClean="0">
+                                    <a:latin typeface="Cambria Math" panose="02040503050406030204" pitchFamily="18" charset="0"/>
+                                  </a:rPr>
+                                  <m:t>𝑜</m:t>
+                                </m:r>
+                              </m:sub>
+                            </m:sSub>
+                            <m:r>
+                              <a:rPr lang="hu-HU" b="0" i="1" smtClean="0">
+                                <a:latin typeface="Cambria Math" panose="02040503050406030204" pitchFamily="18" charset="0"/>
+                              </a:rPr>
+                              <m:t>,</m:t>
+                            </m:r>
+                            <m:sSub>
+                              <m:sSubPr>
+                                <m:ctrlPr>
+                                  <a:rPr lang="hu-HU" b="0" i="1" smtClean="0">
+                                    <a:latin typeface="Cambria Math" panose="02040503050406030204" pitchFamily="18" charset="0"/>
+                                  </a:rPr>
+                                </m:ctrlPr>
+                              </m:sSubPr>
+                              <m:e>
+                                <m:r>
+                                  <a:rPr lang="hu-HU" b="0" i="1" smtClean="0">
+                                    <a:latin typeface="Cambria Math" panose="02040503050406030204" pitchFamily="18" charset="0"/>
+                                  </a:rPr>
+                                  <m:t>𝜔</m:t>
+                                </m:r>
+                              </m:e>
+                              <m:sub>
+                                <m:r>
+                                  <a:rPr lang="hu-HU" b="0" i="1" smtClean="0">
+                                    <a:latin typeface="Cambria Math" panose="02040503050406030204" pitchFamily="18" charset="0"/>
+                                  </a:rPr>
+                                  <m:t>𝑖</m:t>
+                                </m:r>
+                              </m:sub>
+                            </m:sSub>
+                          </m:e>
+                        </m:d>
+                        <m:func>
+                          <m:funcPr>
+                            <m:ctrlPr>
+                              <a:rPr lang="hu-HU" b="0" i="1" smtClean="0">
+                                <a:latin typeface="Cambria Math" panose="02040503050406030204" pitchFamily="18" charset="0"/>
+                              </a:rPr>
+                            </m:ctrlPr>
+                          </m:funcPr>
+                          <m:fName>
+                            <m:r>
+                              <m:rPr>
+                                <m:sty m:val="p"/>
+                              </m:rPr>
+                              <a:rPr lang="hu-HU" b="0" i="0" smtClean="0">
+                                <a:latin typeface="Cambria Math" panose="02040503050406030204" pitchFamily="18" charset="0"/>
+                              </a:rPr>
+                              <m:t>cos</m:t>
+                            </m:r>
+                          </m:fName>
+                          <m:e>
+                            <m:r>
+                              <a:rPr lang="hu-HU" b="0" i="1" smtClean="0">
+                                <a:latin typeface="Cambria Math" panose="02040503050406030204" pitchFamily="18" charset="0"/>
+                              </a:rPr>
+                              <m:t>𝜃</m:t>
+                            </m:r>
+                            <m:r>
+                              <a:rPr lang="hu-HU" b="0" i="1" smtClean="0">
+                                <a:latin typeface="Cambria Math" panose="02040503050406030204" pitchFamily="18" charset="0"/>
+                              </a:rPr>
+                              <m:t> </m:t>
+                            </m:r>
+                            <m:r>
+                              <a:rPr lang="hu-HU" b="0" i="1" smtClean="0">
+                                <a:latin typeface="Cambria Math" panose="02040503050406030204" pitchFamily="18" charset="0"/>
+                              </a:rPr>
+                              <m:t>𝑑</m:t>
+                            </m:r>
+                            <m:sSub>
+                              <m:sSubPr>
+                                <m:ctrlPr>
+                                  <a:rPr lang="hu-HU" b="0" i="1" smtClean="0">
+                                    <a:latin typeface="Cambria Math" panose="02040503050406030204" pitchFamily="18" charset="0"/>
+                                  </a:rPr>
+                                </m:ctrlPr>
+                              </m:sSubPr>
+                              <m:e>
+                                <m:r>
+                                  <a:rPr lang="hu-HU" b="0" i="1" smtClean="0">
+                                    <a:latin typeface="Cambria Math" panose="02040503050406030204" pitchFamily="18" charset="0"/>
+                                  </a:rPr>
+                                  <m:t>𝜔</m:t>
+                                </m:r>
+                              </m:e>
+                              <m:sub>
+                                <m:r>
+                                  <a:rPr lang="hu-HU" b="0" i="1" smtClean="0">
+                                    <a:latin typeface="Cambria Math" panose="02040503050406030204" pitchFamily="18" charset="0"/>
+                                  </a:rPr>
+                                  <m:t>𝑖</m:t>
+                                </m:r>
+                              </m:sub>
+                            </m:sSub>
+                            <m:r>
+                              <a:rPr lang="hu-HU" b="0" i="1" smtClean="0">
+                                <a:latin typeface="Cambria Math" panose="02040503050406030204" pitchFamily="18" charset="0"/>
+                              </a:rPr>
+                              <m:t>≤1</m:t>
+                            </m:r>
+                          </m:e>
+                        </m:func>
+                      </m:e>
+                    </m:nary>
+                  </m:oMath>
+                </a14:m>
+                <a:r>
+                  <a:rPr lang="hu-HU" dirty="0"/>
+                  <a:t>)</a:t>
                 </a:r>
               </a:p>
               <a:p>
@@ -13307,297 +13919,35 @@
                 </a:pPr>
                 <a:r>
                   <a:rPr lang="hu-HU" dirty="0"/>
-                  <a:t>Alternatív felírás (pl. az </a:t>
+                  <a:t>Mérhető: ld. </a:t>
+                </a:r>
+                <a:r>
+                  <a:rPr lang="hu-HU" dirty="0">
+                    <a:hlinkClick r:id="rId3"/>
+                  </a:rPr>
+                  <a:t>MERL adatbázis</a:t>
+                </a:r>
+                <a:r>
+                  <a:rPr lang="hu-HU" dirty="0"/>
+                  <a:t>; a </a:t>
                 </a:r>
                 <a:r>
                   <a:rPr lang="hu-HU" i="1" dirty="0"/>
-                  <a:t>Epic</a:t>
+                  <a:t>Disney</a:t>
                 </a:r>
                 <a:r>
                   <a:rPr lang="hu-HU" dirty="0"/>
-                  <a:t> prezentációiban):</a:t>
-                </a:r>
-              </a:p>
-              <a:p>
-                <a:pPr marL="0" indent="0" algn="ctr">
-                  <a:buNone/>
-                </a:pPr>
-                <a14:m>
-                  <m:oMathPara xmlns:m="http://schemas.openxmlformats.org/officeDocument/2006/math">
-                    <m:oMathParaPr>
-                      <m:jc m:val="centerGroup"/>
-                    </m:oMathParaPr>
-                    <m:oMath xmlns:m="http://schemas.openxmlformats.org/officeDocument/2006/math">
-                      <m:sSub>
-                        <m:sSubPr>
-                          <m:ctrlPr>
-                            <a:rPr lang="hu-HU" b="0" i="1" smtClean="0">
-                              <a:latin typeface="Cambria Math" panose="02040503050406030204" pitchFamily="18" charset="0"/>
-                            </a:rPr>
-                          </m:ctrlPr>
-                        </m:sSubPr>
-                        <m:e>
-                          <m:r>
-                            <a:rPr lang="hu-HU" b="0" i="1" smtClean="0">
-                              <a:latin typeface="Cambria Math" panose="02040503050406030204" pitchFamily="18" charset="0"/>
-                            </a:rPr>
-                            <m:t>𝐿</m:t>
-                          </m:r>
-                        </m:e>
-                        <m:sub>
-                          <m:r>
-                            <a:rPr lang="hu-HU" b="0" i="1" smtClean="0">
-                              <a:latin typeface="Cambria Math" panose="02040503050406030204" pitchFamily="18" charset="0"/>
-                            </a:rPr>
-                            <m:t>𝑜</m:t>
-                          </m:r>
-                        </m:sub>
-                      </m:sSub>
-                      <m:d>
-                        <m:dPr>
-                          <m:ctrlPr>
-                            <a:rPr lang="hu-HU" b="0" i="1" smtClean="0">
-                              <a:latin typeface="Cambria Math" panose="02040503050406030204" pitchFamily="18" charset="0"/>
-                            </a:rPr>
-                          </m:ctrlPr>
-                        </m:dPr>
-                        <m:e>
-                          <m:r>
-                            <a:rPr lang="hu-HU" b="1" i="1" smtClean="0">
-                              <a:latin typeface="Cambria Math" panose="02040503050406030204" pitchFamily="18" charset="0"/>
-                            </a:rPr>
-                            <m:t>𝒗</m:t>
-                          </m:r>
-                        </m:e>
-                      </m:d>
-                      <m:r>
-                        <a:rPr lang="hu-HU" b="0" i="1" smtClean="0">
-                          <a:latin typeface="Cambria Math" panose="02040503050406030204" pitchFamily="18" charset="0"/>
-                        </a:rPr>
-                        <m:t>=</m:t>
-                      </m:r>
-                      <m:nary>
-                        <m:naryPr>
-                          <m:limLoc m:val="undOvr"/>
-                          <m:ctrlPr>
-                            <a:rPr lang="hu-HU" b="0" i="1" smtClean="0">
-                              <a:latin typeface="Cambria Math" panose="02040503050406030204" pitchFamily="18" charset="0"/>
-                            </a:rPr>
-                          </m:ctrlPr>
-                        </m:naryPr>
-                        <m:sub>
-                          <m:r>
-                            <m:rPr>
-                              <m:sty m:val="p"/>
-                            </m:rPr>
-                            <a:rPr lang="hu-HU" b="0" i="0" smtClean="0">
-                              <a:latin typeface="Cambria Math" panose="02040503050406030204" pitchFamily="18" charset="0"/>
-                            </a:rPr>
-                            <m:t>Ω</m:t>
-                          </m:r>
-                        </m:sub>
-                        <m:sup>
-                          <m:r>
-                            <a:rPr lang="hu-HU" b="0" i="1" smtClean="0">
-                              <a:latin typeface="Cambria Math" panose="02040503050406030204" pitchFamily="18" charset="0"/>
-                            </a:rPr>
-                            <m:t> </m:t>
-                          </m:r>
-                        </m:sup>
-                        <m:e>
-                          <m:sSub>
-                            <m:sSubPr>
-                              <m:ctrlPr>
-                                <a:rPr lang="hu-HU" b="0" i="1" smtClean="0">
-                                  <a:latin typeface="Cambria Math" panose="02040503050406030204" pitchFamily="18" charset="0"/>
-                                </a:rPr>
-                              </m:ctrlPr>
-                            </m:sSubPr>
-                            <m:e>
-                              <m:r>
-                                <a:rPr lang="hu-HU" b="0" i="1" smtClean="0">
-                                  <a:latin typeface="Cambria Math" panose="02040503050406030204" pitchFamily="18" charset="0"/>
-                                </a:rPr>
-                                <m:t>𝑓</m:t>
-                              </m:r>
-                            </m:e>
-                            <m:sub>
-                              <m:r>
-                                <a:rPr lang="hu-HU" b="0" i="1" smtClean="0">
-                                  <a:latin typeface="Cambria Math" panose="02040503050406030204" pitchFamily="18" charset="0"/>
-                                </a:rPr>
-                                <m:t>𝑟</m:t>
-                              </m:r>
-                            </m:sub>
-                          </m:sSub>
-                          <m:d>
-                            <m:dPr>
-                              <m:ctrlPr>
-                                <a:rPr lang="hu-HU" b="0" i="1" smtClean="0">
-                                  <a:latin typeface="Cambria Math" panose="02040503050406030204" pitchFamily="18" charset="0"/>
-                                </a:rPr>
-                              </m:ctrlPr>
-                            </m:dPr>
-                            <m:e>
-                              <m:r>
-                                <a:rPr lang="hu-HU" b="1" i="1" smtClean="0">
-                                  <a:latin typeface="Cambria Math" panose="02040503050406030204" pitchFamily="18" charset="0"/>
-                                </a:rPr>
-                                <m:t>𝒗</m:t>
-                              </m:r>
-                              <m:r>
-                                <a:rPr lang="hu-HU" b="0" i="1" smtClean="0">
-                                  <a:latin typeface="Cambria Math" panose="02040503050406030204" pitchFamily="18" charset="0"/>
-                                </a:rPr>
-                                <m:t>, </m:t>
-                              </m:r>
-                              <m:r>
-                                <a:rPr lang="hu-HU" b="1" i="1" smtClean="0">
-                                  <a:latin typeface="Cambria Math" panose="02040503050406030204" pitchFamily="18" charset="0"/>
-                                </a:rPr>
-                                <m:t>𝒍</m:t>
-                              </m:r>
-                            </m:e>
-                          </m:d>
-                          <m:r>
-                            <a:rPr lang="hu-HU" b="0" i="1" smtClean="0">
-                              <a:latin typeface="Cambria Math" panose="02040503050406030204" pitchFamily="18" charset="0"/>
-                            </a:rPr>
-                            <m:t> </m:t>
-                          </m:r>
-                          <m:sSub>
-                            <m:sSubPr>
-                              <m:ctrlPr>
-                                <a:rPr lang="hu-HU" b="0" i="1" smtClean="0">
-                                  <a:latin typeface="Cambria Math" panose="02040503050406030204" pitchFamily="18" charset="0"/>
-                                </a:rPr>
-                              </m:ctrlPr>
-                            </m:sSubPr>
-                            <m:e>
-                              <m:r>
-                                <a:rPr lang="hu-HU" b="0" i="1" smtClean="0">
-                                  <a:latin typeface="Cambria Math" panose="02040503050406030204" pitchFamily="18" charset="0"/>
-                                </a:rPr>
-                                <m:t>𝐿</m:t>
-                              </m:r>
-                            </m:e>
-                            <m:sub>
-                              <m:r>
-                                <a:rPr lang="hu-HU" b="0" i="1" smtClean="0">
-                                  <a:latin typeface="Cambria Math" panose="02040503050406030204" pitchFamily="18" charset="0"/>
-                                </a:rPr>
-                                <m:t>𝑖</m:t>
-                              </m:r>
-                            </m:sub>
-                          </m:sSub>
-                          <m:d>
-                            <m:dPr>
-                              <m:ctrlPr>
-                                <a:rPr lang="hu-HU" b="0" i="1" smtClean="0">
-                                  <a:latin typeface="Cambria Math" panose="02040503050406030204" pitchFamily="18" charset="0"/>
-                                </a:rPr>
-                              </m:ctrlPr>
-                            </m:dPr>
-                            <m:e>
-                              <m:r>
-                                <a:rPr lang="hu-HU" b="1" i="1" smtClean="0">
-                                  <a:latin typeface="Cambria Math" panose="02040503050406030204" pitchFamily="18" charset="0"/>
-                                </a:rPr>
-                                <m:t>𝒍</m:t>
-                              </m:r>
-                            </m:e>
-                          </m:d>
-                          <m:r>
-                            <a:rPr lang="hu-HU" b="0" i="1" smtClean="0">
-                              <a:latin typeface="Cambria Math" panose="02040503050406030204" pitchFamily="18" charset="0"/>
-                            </a:rPr>
-                            <m:t> </m:t>
-                          </m:r>
-                          <m:r>
-                            <a:rPr lang="hu-HU" b="1" i="1" smtClean="0">
-                              <a:latin typeface="Cambria Math" panose="02040503050406030204" pitchFamily="18" charset="0"/>
-                            </a:rPr>
-                            <m:t>𝒏</m:t>
-                          </m:r>
-                          <m:r>
-                            <a:rPr lang="hu-HU" b="0" i="1" smtClean="0">
-                              <a:latin typeface="Cambria Math" panose="02040503050406030204" pitchFamily="18" charset="0"/>
-                            </a:rPr>
-                            <m:t>⋅</m:t>
-                          </m:r>
-                          <m:r>
-                            <a:rPr lang="hu-HU" b="1" i="1" smtClean="0">
-                              <a:latin typeface="Cambria Math" panose="02040503050406030204" pitchFamily="18" charset="0"/>
-                            </a:rPr>
-                            <m:t>𝒍</m:t>
-                          </m:r>
-                        </m:e>
-                      </m:nary>
-                      <m:r>
-                        <a:rPr lang="hu-HU" b="0" i="1" smtClean="0">
-                          <a:latin typeface="Cambria Math" panose="02040503050406030204" pitchFamily="18" charset="0"/>
-                        </a:rPr>
-                        <m:t> </m:t>
-                      </m:r>
-                      <m:r>
-                        <a:rPr lang="hu-HU" b="0" i="1" smtClean="0">
-                          <a:latin typeface="Cambria Math" panose="02040503050406030204" pitchFamily="18" charset="0"/>
-                        </a:rPr>
-                        <m:t>𝑑</m:t>
-                      </m:r>
-                      <m:r>
-                        <a:rPr lang="hu-HU" b="1" i="1" smtClean="0">
-                          <a:latin typeface="Cambria Math" panose="02040503050406030204" pitchFamily="18" charset="0"/>
-                        </a:rPr>
-                        <m:t>𝒍</m:t>
-                      </m:r>
-                    </m:oMath>
-                  </m:oMathPara>
-                </a14:m>
-                <a:endParaRPr lang="hu-HU" b="1" dirty="0"/>
-              </a:p>
-              <a:p>
-                <a:pPr>
-                  <a:buFont typeface="Wingdings" panose="05000000000000000000" pitchFamily="2" charset="2"/>
-                  <a:buChar char="§"/>
-                </a:pPr>
+                  <a:t> </a:t>
+                </a:r>
+                <a:r>
+                  <a:rPr lang="hu-HU" dirty="0">
+                    <a:hlinkClick r:id="rId4"/>
+                  </a:rPr>
+                  <a:t>programjával</a:t>
+                </a:r>
                 <a:r>
                   <a:rPr lang="hu-HU" dirty="0"/>
-                  <a:t>Sokkal érthetőbb, csak ne felejtsd el 0-hoz m</a:t>
-                </a:r>
-                <a:r>
-                  <a:rPr lang="en-US" dirty="0" err="1"/>
-                  <a:t>ini</a:t>
-                </a:r>
-                <a:r>
-                  <a:rPr lang="hu-HU" dirty="0"/>
-                  <a:t>malizálni </a:t>
-                </a:r>
-                <a14:m>
-                  <m:oMath xmlns:m="http://schemas.openxmlformats.org/officeDocument/2006/math">
-                    <m:r>
-                      <a:rPr lang="hu-HU" b="1" i="1" smtClean="0">
-                        <a:latin typeface="Cambria Math" panose="02040503050406030204" pitchFamily="18" charset="0"/>
-                      </a:rPr>
-                      <m:t>𝒏</m:t>
-                    </m:r>
-                    <m:r>
-                      <a:rPr lang="hu-HU" b="0" i="1" smtClean="0">
-                        <a:latin typeface="Cambria Math" panose="02040503050406030204" pitchFamily="18" charset="0"/>
-                      </a:rPr>
-                      <m:t>⋅</m:t>
-                    </m:r>
-                    <m:r>
-                      <a:rPr lang="hu-HU" b="1" i="1" smtClean="0">
-                        <a:latin typeface="Cambria Math" panose="02040503050406030204" pitchFamily="18" charset="0"/>
-                      </a:rPr>
-                      <m:t>𝒍</m:t>
-                    </m:r>
-                  </m:oMath>
-                </a14:m>
-                <a:r>
-                  <a:rPr lang="hu-HU" dirty="0"/>
-                  <a:t>-t</a:t>
+                  <a:t> megtekinthető</a:t>
                 </a:r>
               </a:p>
             </p:txBody>
@@ -13609,7 +13959,7 @@
               <p:cNvPr id="3" name="Content Placeholder 2">
                 <a:extLst>
                   <a:ext uri="{FF2B5EF4-FFF2-40B4-BE49-F238E27FC236}">
-                    <a16:creationId xmlns:a16="http://schemas.microsoft.com/office/drawing/2014/main" id="{A8231030-22AE-46B4-B53C-E4DABEA3D3BE}"/>
+                    <a16:creationId xmlns:a16="http://schemas.microsoft.com/office/drawing/2014/main" id="{E083E11F-9E0C-4556-8290-7B98EDF250F5}"/>
                   </a:ext>
                 </a:extLst>
               </p:cNvPr>
@@ -13622,9 +13972,9 @@
             </p:nvSpPr>
             <p:spPr>
               <a:blipFill>
-                <a:blip r:embed="rId2"/>
+                <a:blip r:embed="rId5"/>
                 <a:stretch>
-                  <a:fillRect l="-1455" t="-1667"/>
+                  <a:fillRect l="-1455" t="-1667" b="-7273"/>
                 </a:stretch>
               </a:blipFill>
             </p:spPr>
@@ -13646,7 +13996,7 @@
     </p:spTree>
     <p:extLst>
       <p:ext uri="{BB962C8B-B14F-4D97-AF65-F5344CB8AC3E}">
-        <p14:creationId xmlns:p14="http://schemas.microsoft.com/office/powerpoint/2010/main" val="2255019694"/>
+        <p14:creationId xmlns:p14="http://schemas.microsoft.com/office/powerpoint/2010/main" val="4256416895"/>
       </p:ext>
     </p:extLst>
   </p:cSld>

--- a/PBR_EA_01.pptx
+++ b/PBR_EA_01.pptx
@@ -5,7 +5,7 @@
     <p:sldMasterId id="2147483767" r:id="rId1"/>
   </p:sldMasterIdLst>
   <p:notesMasterIdLst>
-    <p:notesMasterId r:id="rId18"/>
+    <p:notesMasterId r:id="rId20"/>
   </p:notesMasterIdLst>
   <p:sldIdLst>
     <p:sldId id="256" r:id="rId2"/>
@@ -24,6 +24,8 @@
     <p:sldId id="269" r:id="rId15"/>
     <p:sldId id="270" r:id="rId16"/>
     <p:sldId id="271" r:id="rId17"/>
+    <p:sldId id="272" r:id="rId18"/>
+    <p:sldId id="273" r:id="rId19"/>
   </p:sldIdLst>
   <p:sldSz cx="12192000" cy="6858000"/>
   <p:notesSz cx="6858000" cy="9144000"/>
@@ -5247,8 +5249,8 @@
           </a:p>
         </p:txBody>
       </p:sp>
-      <mc:AlternateContent xmlns:mc="http://schemas.openxmlformats.org/markup-compatibility/2006">
-        <mc:Choice xmlns:a14="http://schemas.microsoft.com/office/drawing/2010/main" Requires="a14">
+      <mc:AlternateContent xmlns:mc="http://schemas.openxmlformats.org/markup-compatibility/2006" xmlns:a14="http://schemas.microsoft.com/office/drawing/2010/main">
+        <mc:Choice Requires="a14">
           <p:sp>
             <p:nvSpPr>
               <p:cNvPr id="3" name="Content Placeholder 2">
@@ -5964,7 +5966,7 @@
             </p:txBody>
           </p:sp>
         </mc:Choice>
-        <mc:Fallback>
+        <mc:Fallback xmlns="">
           <p:sp>
             <p:nvSpPr>
               <p:cNvPr id="3" name="Content Placeholder 2">
@@ -6062,8 +6064,8 @@
           </a:p>
         </p:txBody>
       </p:sp>
-      <mc:AlternateContent xmlns:mc="http://schemas.openxmlformats.org/markup-compatibility/2006">
-        <mc:Choice xmlns:a14="http://schemas.microsoft.com/office/drawing/2010/main" Requires="a14">
+      <mc:AlternateContent xmlns:mc="http://schemas.openxmlformats.org/markup-compatibility/2006" xmlns:a14="http://schemas.microsoft.com/office/drawing/2010/main">
+        <mc:Choice Requires="a14">
           <p:sp>
             <p:nvSpPr>
               <p:cNvPr id="3" name="Content Placeholder 2">
@@ -6333,7 +6335,7 @@
             </p:txBody>
           </p:sp>
         </mc:Choice>
-        <mc:Fallback>
+        <mc:Fallback xmlns="">
           <p:sp>
             <p:nvSpPr>
               <p:cNvPr id="3" name="Content Placeholder 2">
@@ -6431,8 +6433,8 @@
           </a:p>
         </p:txBody>
       </p:sp>
-      <mc:AlternateContent xmlns:mc="http://schemas.openxmlformats.org/markup-compatibility/2006">
-        <mc:Choice xmlns:a14="http://schemas.microsoft.com/office/drawing/2010/main" Requires="a14">
+      <mc:AlternateContent xmlns:mc="http://schemas.openxmlformats.org/markup-compatibility/2006" xmlns:a14="http://schemas.microsoft.com/office/drawing/2010/main">
+        <mc:Choice Requires="a14">
           <p:sp>
             <p:nvSpPr>
               <p:cNvPr id="3" name="Content Placeholder 2">
@@ -6745,7 +6747,7 @@
             </p:txBody>
           </p:sp>
         </mc:Choice>
-        <mc:Fallback>
+        <mc:Fallback xmlns="">
           <p:sp>
             <p:nvSpPr>
               <p:cNvPr id="3" name="Content Placeholder 2">
@@ -6843,8 +6845,8 @@
           </a:p>
         </p:txBody>
       </p:sp>
-      <mc:AlternateContent xmlns:mc="http://schemas.openxmlformats.org/markup-compatibility/2006">
-        <mc:Choice xmlns:a14="http://schemas.microsoft.com/office/drawing/2010/main" Requires="a14">
+      <mc:AlternateContent xmlns:mc="http://schemas.openxmlformats.org/markup-compatibility/2006" xmlns:a14="http://schemas.microsoft.com/office/drawing/2010/main">
+        <mc:Choice Requires="a14">
           <p:sp>
             <p:nvSpPr>
               <p:cNvPr id="3" name="Content Placeholder 2">
@@ -7421,7 +7423,7 @@
             </p:txBody>
           </p:sp>
         </mc:Choice>
-        <mc:Fallback>
+        <mc:Fallback xmlns="">
           <p:sp>
             <p:nvSpPr>
               <p:cNvPr id="3" name="Content Placeholder 2">
@@ -7519,8 +7521,8 @@
           </a:p>
         </p:txBody>
       </p:sp>
-      <mc:AlternateContent xmlns:mc="http://schemas.openxmlformats.org/markup-compatibility/2006">
-        <mc:Choice xmlns:a14="http://schemas.microsoft.com/office/drawing/2010/main" Requires="a14">
+      <mc:AlternateContent xmlns:mc="http://schemas.openxmlformats.org/markup-compatibility/2006" xmlns:a14="http://schemas.microsoft.com/office/drawing/2010/main">
+        <mc:Choice Requires="a14">
           <p:sp>
             <p:nvSpPr>
               <p:cNvPr id="3" name="Content Placeholder 2">
@@ -8648,7 +8650,7 @@
             </p:txBody>
           </p:sp>
         </mc:Choice>
-        <mc:Fallback>
+        <mc:Fallback xmlns="">
           <p:sp>
             <p:nvSpPr>
               <p:cNvPr id="3" name="Content Placeholder 2">
@@ -8805,15 +8807,7 @@
             </a:pPr>
             <a:r>
               <a:rPr lang="hu-HU" dirty="0"/>
-              <a:t>Viszont egy kis csalással előre elvégezhető az integrálás (</a:t>
-            </a:r>
-            <a:r>
-              <a:rPr lang="hu-HU" i="1" dirty="0"/>
-              <a:t>Monte Carlo</a:t>
-            </a:r>
-            <a:r>
-              <a:rPr lang="hu-HU" dirty="0"/>
-              <a:t> módszer)</a:t>
+              <a:t>Viszont egy kis csalással előre elvégezhető az integrálás (de szinte sosem lesz helyes)</a:t>
             </a:r>
           </a:p>
           <a:p>
@@ -8823,7 +8817,7 @@
             </a:pPr>
             <a:r>
               <a:rPr lang="hu-HU" dirty="0"/>
-              <a:t>Az eredmény két ún. </a:t>
+              <a:t>Amiből lesz két ún. </a:t>
             </a:r>
             <a:r>
               <a:rPr lang="hu-HU" i="1" dirty="0"/>
@@ -8831,7 +8825,15 @@
             </a:r>
             <a:r>
               <a:rPr lang="hu-HU" dirty="0"/>
-              <a:t> és egy BRDF textúra</a:t>
+              <a:t> és egy BRDF </a:t>
+            </a:r>
+            <a:r>
+              <a:rPr lang="hu-HU" i="1" dirty="0"/>
+              <a:t>look-up</a:t>
+            </a:r>
+            <a:r>
+              <a:rPr lang="hu-HU" dirty="0"/>
+              <a:t> textúra</a:t>
             </a:r>
           </a:p>
           <a:p>
@@ -8861,12 +8863,8 @@
               <a:buChar char="§"/>
             </a:pPr>
             <a:r>
-              <a:rPr lang="hu-HU" b="1" dirty="0"/>
-              <a:t>Fontos:</a:t>
-            </a:r>
-            <a:r>
               <a:rPr lang="hu-HU" dirty="0"/>
-              <a:t> a </a:t>
+              <a:t>Ezeket ún. </a:t>
             </a:r>
             <a:r>
               <a:rPr lang="hu-HU" i="1" dirty="0"/>
@@ -8874,7 +8872,7 @@
             </a:r>
             <a:r>
               <a:rPr lang="hu-HU" dirty="0"/>
-              <a:t>-ban a sűrűségfüggvény a BRDF-hez igazodjon!</a:t>
+              <a:t> integrálással lehet kiszámolni</a:t>
             </a:r>
           </a:p>
           <a:p>
@@ -8884,7 +8882,7 @@
             </a:pPr>
             <a:r>
               <a:rPr lang="hu-HU" dirty="0"/>
-              <a:t>(megj.: nem tanultuk még, de a </a:t>
+              <a:t>Megj.: nem tanultuk (?) még, de a </a:t>
             </a:r>
             <a:r>
               <a:rPr lang="hu-HU" dirty="0">
@@ -8894,7 +8892,7 @@
             </a:r>
             <a:r>
               <a:rPr lang="hu-HU" dirty="0"/>
-              <a:t> ismertetve van)</a:t>
+              <a:t> ismertetve van</a:t>
             </a:r>
           </a:p>
           <a:p>
@@ -8999,12 +8997,934 @@
           </a:p>
         </p:txBody>
       </p:sp>
+      <mc:AlternateContent xmlns:mc="http://schemas.openxmlformats.org/markup-compatibility/2006">
+        <mc:Choice xmlns:a14="http://schemas.microsoft.com/office/drawing/2010/main" Requires="a14">
+          <p:sp>
+            <p:nvSpPr>
+              <p:cNvPr id="3" name="Content Placeholder 2">
+                <a:extLst>
+                  <a:ext uri="{FF2B5EF4-FFF2-40B4-BE49-F238E27FC236}">
+                    <a16:creationId xmlns:a16="http://schemas.microsoft.com/office/drawing/2014/main" id="{DF2F637F-ADB4-4F33-9951-BEF7E601EB8C}"/>
+                  </a:ext>
+                </a:extLst>
+              </p:cNvPr>
+              <p:cNvSpPr>
+                <a:spLocks noGrp="1"/>
+              </p:cNvSpPr>
+              <p:nvPr>
+                <p:ph idx="1"/>
+              </p:nvPr>
+            </p:nvSpPr>
+            <p:spPr>
+              <a:xfrm>
+                <a:off x="1097280" y="1845734"/>
+                <a:ext cx="10058400" cy="4023360"/>
+              </a:xfrm>
+            </p:spPr>
+            <p:txBody>
+              <a:bodyPr>
+                <a:normAutofit/>
+              </a:bodyPr>
+              <a:lstStyle/>
+              <a:p>
+                <a:pPr>
+                  <a:buFont typeface="Wingdings" panose="05000000000000000000" pitchFamily="2" charset="2"/>
+                  <a:buChar char="§"/>
+                </a:pPr>
+                <a:r>
+                  <a:rPr lang="hu-HU" dirty="0"/>
+                  <a:t>Csak nagyon röviden (ezt előre megcsináltam nektek, úgyhogy </a:t>
+                </a:r>
+                <a:r>
+                  <a:rPr lang="hu-HU" i="1" dirty="0"/>
+                  <a:t>keep calm</a:t>
+                </a:r>
+                <a:r>
+                  <a:rPr lang="hu-HU" dirty="0"/>
+                  <a:t>)</a:t>
+                </a:r>
+              </a:p>
+              <a:p>
+                <a:pPr>
+                  <a:buFont typeface="Wingdings" panose="05000000000000000000" pitchFamily="2" charset="2"/>
+                  <a:buChar char="§"/>
+                </a:pPr>
+                <a:r>
+                  <a:rPr lang="hu-HU" dirty="0"/>
+                  <a:t>Az </a:t>
+                </a:r>
+                <a:r>
+                  <a:rPr lang="hu-HU" i="1" dirty="0"/>
+                  <a:t>irradiance cubemap</a:t>
+                </a:r>
+                <a:r>
+                  <a:rPr lang="hu-HU" dirty="0"/>
+                  <a:t>-ek kiszámolása (</a:t>
+                </a:r>
+                <a:r>
+                  <a:rPr lang="hu-HU" i="1" dirty="0"/>
+                  <a:t>roughness</a:t>
+                </a:r>
+                <a:r>
+                  <a:rPr lang="hu-HU" dirty="0"/>
+                  <a:t> →</a:t>
+                </a:r>
+                <a:r>
+                  <a:rPr lang="hu-HU" i="1" dirty="0"/>
+                  <a:t>mip level</a:t>
+                </a:r>
+                <a:r>
+                  <a:rPr lang="hu-HU" dirty="0"/>
+                  <a:t>):</a:t>
+                </a:r>
+              </a:p>
+              <a:p>
+                <a:pPr marL="0" indent="0" algn="ctr">
+                  <a:buNone/>
+                </a:pPr>
+                <a14:m>
+                  <m:oMathPara xmlns:m="http://schemas.openxmlformats.org/officeDocument/2006/math">
+                    <m:oMathParaPr>
+                      <m:jc m:val="centerGroup"/>
+                    </m:oMathParaPr>
+                    <m:oMath xmlns:m="http://schemas.openxmlformats.org/officeDocument/2006/math">
+                      <m:f>
+                        <m:fPr>
+                          <m:ctrlPr>
+                            <a:rPr lang="hu-HU" i="1" smtClean="0">
+                              <a:latin typeface="Cambria Math" panose="02040503050406030204" pitchFamily="18" charset="0"/>
+                            </a:rPr>
+                          </m:ctrlPr>
+                        </m:fPr>
+                        <m:num>
+                          <m:r>
+                            <a:rPr lang="hu-HU" b="0" i="1" smtClean="0">
+                              <a:latin typeface="Cambria Math" panose="02040503050406030204" pitchFamily="18" charset="0"/>
+                            </a:rPr>
+                            <m:t>1</m:t>
+                          </m:r>
+                        </m:num>
+                        <m:den>
+                          <m:nary>
+                            <m:naryPr>
+                              <m:chr m:val="∑"/>
+                              <m:ctrlPr>
+                                <a:rPr lang="hu-HU" i="1" smtClean="0">
+                                  <a:latin typeface="Cambria Math" panose="02040503050406030204" pitchFamily="18" charset="0"/>
+                                </a:rPr>
+                              </m:ctrlPr>
+                            </m:naryPr>
+                            <m:sub>
+                              <m:r>
+                                <m:rPr>
+                                  <m:brk m:alnAt="23"/>
+                                </m:rPr>
+                                <a:rPr lang="hu-HU" b="0" i="1" smtClean="0">
+                                  <a:latin typeface="Cambria Math" panose="02040503050406030204" pitchFamily="18" charset="0"/>
+                                </a:rPr>
+                                <m:t>𝑘</m:t>
+                              </m:r>
+                              <m:r>
+                                <a:rPr lang="hu-HU" b="0" i="1" smtClean="0">
+                                  <a:latin typeface="Cambria Math" panose="02040503050406030204" pitchFamily="18" charset="0"/>
+                                </a:rPr>
+                                <m:t>=1</m:t>
+                              </m:r>
+                            </m:sub>
+                            <m:sup>
+                              <m:r>
+                                <a:rPr lang="hu-HU" b="0" i="1" smtClean="0">
+                                  <a:latin typeface="Cambria Math" panose="02040503050406030204" pitchFamily="18" charset="0"/>
+                                </a:rPr>
+                                <m:t>𝑁</m:t>
+                              </m:r>
+                            </m:sup>
+                            <m:e>
+                              <m:func>
+                                <m:funcPr>
+                                  <m:ctrlPr>
+                                    <a:rPr lang="hu-HU" b="0" i="1" smtClean="0">
+                                      <a:latin typeface="Cambria Math" panose="02040503050406030204" pitchFamily="18" charset="0"/>
+                                    </a:rPr>
+                                  </m:ctrlPr>
+                                </m:funcPr>
+                                <m:fName>
+                                  <m:r>
+                                    <m:rPr>
+                                      <m:sty m:val="p"/>
+                                    </m:rPr>
+                                    <a:rPr lang="hu-HU" b="0" i="0" smtClean="0">
+                                      <a:latin typeface="Cambria Math" panose="02040503050406030204" pitchFamily="18" charset="0"/>
+                                    </a:rPr>
+                                    <m:t>cos</m:t>
+                                  </m:r>
+                                </m:fName>
+                                <m:e>
+                                  <m:r>
+                                    <a:rPr lang="hu-HU" b="0" i="1" smtClean="0">
+                                      <a:latin typeface="Cambria Math" panose="02040503050406030204" pitchFamily="18" charset="0"/>
+                                    </a:rPr>
+                                    <m:t>𝜃</m:t>
+                                  </m:r>
+                                  <m:r>
+                                    <a:rPr lang="hu-HU" b="0" i="1" smtClean="0">
+                                      <a:latin typeface="Cambria Math" panose="02040503050406030204" pitchFamily="18" charset="0"/>
+                                    </a:rPr>
+                                    <m:t> </m:t>
+                                  </m:r>
+                                  <m:sSub>
+                                    <m:sSubPr>
+                                      <m:ctrlPr>
+                                        <a:rPr lang="hu-HU" b="0" i="1" smtClean="0">
+                                          <a:latin typeface="Cambria Math" panose="02040503050406030204" pitchFamily="18" charset="0"/>
+                                        </a:rPr>
+                                      </m:ctrlPr>
+                                    </m:sSubPr>
+                                    <m:e>
+                                      <m:r>
+                                        <a:rPr lang="hu-HU" b="1" i="1" smtClean="0">
+                                          <a:latin typeface="Cambria Math" panose="02040503050406030204" pitchFamily="18" charset="0"/>
+                                        </a:rPr>
+                                        <m:t>𝒍</m:t>
+                                      </m:r>
+                                    </m:e>
+                                    <m:sub>
+                                      <m:r>
+                                        <a:rPr lang="hu-HU" b="0" i="1" smtClean="0">
+                                          <a:latin typeface="Cambria Math" panose="02040503050406030204" pitchFamily="18" charset="0"/>
+                                        </a:rPr>
+                                        <m:t>𝑘</m:t>
+                                      </m:r>
+                                    </m:sub>
+                                  </m:sSub>
+                                </m:e>
+                              </m:func>
+                            </m:e>
+                          </m:nary>
+                        </m:den>
+                      </m:f>
+                      <m:nary>
+                        <m:naryPr>
+                          <m:chr m:val="∑"/>
+                          <m:ctrlPr>
+                            <a:rPr lang="hu-HU" i="1" smtClean="0">
+                              <a:latin typeface="Cambria Math" panose="02040503050406030204" pitchFamily="18" charset="0"/>
+                            </a:rPr>
+                          </m:ctrlPr>
+                        </m:naryPr>
+                        <m:sub>
+                          <m:r>
+                            <m:rPr>
+                              <m:brk m:alnAt="23"/>
+                            </m:rPr>
+                            <a:rPr lang="hu-HU" b="0" i="1" smtClean="0">
+                              <a:latin typeface="Cambria Math" panose="02040503050406030204" pitchFamily="18" charset="0"/>
+                            </a:rPr>
+                            <m:t>𝑘</m:t>
+                          </m:r>
+                          <m:r>
+                            <a:rPr lang="hu-HU" b="0" i="1" smtClean="0">
+                              <a:latin typeface="Cambria Math" panose="02040503050406030204" pitchFamily="18" charset="0"/>
+                            </a:rPr>
+                            <m:t>=1</m:t>
+                          </m:r>
+                        </m:sub>
+                        <m:sup>
+                          <m:r>
+                            <a:rPr lang="hu-HU" b="0" i="1" smtClean="0">
+                              <a:latin typeface="Cambria Math" panose="02040503050406030204" pitchFamily="18" charset="0"/>
+                            </a:rPr>
+                            <m:t>𝑁</m:t>
+                          </m:r>
+                        </m:sup>
+                        <m:e>
+                          <m:sSub>
+                            <m:sSubPr>
+                              <m:ctrlPr>
+                                <a:rPr lang="hu-HU" b="0" i="1" smtClean="0">
+                                  <a:latin typeface="Cambria Math" panose="02040503050406030204" pitchFamily="18" charset="0"/>
+                                </a:rPr>
+                              </m:ctrlPr>
+                            </m:sSubPr>
+                            <m:e>
+                              <m:r>
+                                <a:rPr lang="hu-HU" b="0" i="1" smtClean="0">
+                                  <a:latin typeface="Cambria Math" panose="02040503050406030204" pitchFamily="18" charset="0"/>
+                                </a:rPr>
+                                <m:t>𝐿</m:t>
+                              </m:r>
+                            </m:e>
+                            <m:sub>
+                              <m:r>
+                                <a:rPr lang="hu-HU" b="0" i="1" smtClean="0">
+                                  <a:latin typeface="Cambria Math" panose="02040503050406030204" pitchFamily="18" charset="0"/>
+                                </a:rPr>
+                                <m:t>𝑖</m:t>
+                              </m:r>
+                            </m:sub>
+                          </m:sSub>
+                          <m:d>
+                            <m:dPr>
+                              <m:ctrlPr>
+                                <a:rPr lang="hu-HU" b="0" i="1" smtClean="0">
+                                  <a:latin typeface="Cambria Math" panose="02040503050406030204" pitchFamily="18" charset="0"/>
+                                </a:rPr>
+                              </m:ctrlPr>
+                            </m:dPr>
+                            <m:e>
+                              <m:sSub>
+                                <m:sSubPr>
+                                  <m:ctrlPr>
+                                    <a:rPr lang="hu-HU" b="0" i="1" smtClean="0">
+                                      <a:latin typeface="Cambria Math" panose="02040503050406030204" pitchFamily="18" charset="0"/>
+                                    </a:rPr>
+                                  </m:ctrlPr>
+                                </m:sSubPr>
+                                <m:e>
+                                  <m:r>
+                                    <a:rPr lang="hu-HU" b="1" i="1" smtClean="0">
+                                      <a:latin typeface="Cambria Math" panose="02040503050406030204" pitchFamily="18" charset="0"/>
+                                    </a:rPr>
+                                    <m:t>𝒍</m:t>
+                                  </m:r>
+                                </m:e>
+                                <m:sub>
+                                  <m:r>
+                                    <a:rPr lang="hu-HU" b="0" i="1" smtClean="0">
+                                      <a:latin typeface="Cambria Math" panose="02040503050406030204" pitchFamily="18" charset="0"/>
+                                    </a:rPr>
+                                    <m:t>𝑘</m:t>
+                                  </m:r>
+                                </m:sub>
+                              </m:sSub>
+                            </m:e>
+                          </m:d>
+                          <m:func>
+                            <m:funcPr>
+                              <m:ctrlPr>
+                                <a:rPr lang="hu-HU" b="0" i="1" smtClean="0">
+                                  <a:latin typeface="Cambria Math" panose="02040503050406030204" pitchFamily="18" charset="0"/>
+                                </a:rPr>
+                              </m:ctrlPr>
+                            </m:funcPr>
+                            <m:fName>
+                              <m:r>
+                                <m:rPr>
+                                  <m:sty m:val="p"/>
+                                </m:rPr>
+                                <a:rPr lang="hu-HU" b="0" i="0" smtClean="0">
+                                  <a:latin typeface="Cambria Math" panose="02040503050406030204" pitchFamily="18" charset="0"/>
+                                </a:rPr>
+                                <m:t>cos</m:t>
+                              </m:r>
+                            </m:fName>
+                            <m:e>
+                              <m:sSub>
+                                <m:sSubPr>
+                                  <m:ctrlPr>
+                                    <a:rPr lang="hu-HU" b="0" i="1" smtClean="0">
+                                      <a:latin typeface="Cambria Math" panose="02040503050406030204" pitchFamily="18" charset="0"/>
+                                    </a:rPr>
+                                  </m:ctrlPr>
+                                </m:sSubPr>
+                                <m:e>
+                                  <m:r>
+                                    <a:rPr lang="hu-HU" b="0" i="1" smtClean="0">
+                                      <a:latin typeface="Cambria Math" panose="02040503050406030204" pitchFamily="18" charset="0"/>
+                                    </a:rPr>
+                                    <m:t>𝜃</m:t>
+                                  </m:r>
+                                </m:e>
+                                <m:sub>
+                                  <m:sSub>
+                                    <m:sSubPr>
+                                      <m:ctrlPr>
+                                        <a:rPr lang="hu-HU" b="0" i="1" smtClean="0">
+                                          <a:latin typeface="Cambria Math" panose="02040503050406030204" pitchFamily="18" charset="0"/>
+                                        </a:rPr>
+                                      </m:ctrlPr>
+                                    </m:sSubPr>
+                                    <m:e>
+                                      <m:r>
+                                        <a:rPr lang="hu-HU" b="1" i="1" smtClean="0">
+                                          <a:latin typeface="Cambria Math" panose="02040503050406030204" pitchFamily="18" charset="0"/>
+                                        </a:rPr>
+                                        <m:t>𝒍</m:t>
+                                      </m:r>
+                                    </m:e>
+                                    <m:sub>
+                                      <m:r>
+                                        <a:rPr lang="hu-HU" b="0" i="1" smtClean="0">
+                                          <a:latin typeface="Cambria Math" panose="02040503050406030204" pitchFamily="18" charset="0"/>
+                                        </a:rPr>
+                                        <m:t>𝑘</m:t>
+                                      </m:r>
+                                    </m:sub>
+                                  </m:sSub>
+                                </m:sub>
+                              </m:sSub>
+                            </m:e>
+                          </m:func>
+                        </m:e>
+                      </m:nary>
+                    </m:oMath>
+                  </m:oMathPara>
+                </a14:m>
+                <a:endParaRPr lang="hu-HU" dirty="0"/>
+              </a:p>
+              <a:p>
+                <a:pPr>
+                  <a:buFont typeface="Wingdings" panose="05000000000000000000" pitchFamily="2" charset="2"/>
+                  <a:buChar char="§"/>
+                </a:pPr>
+                <a:r>
+                  <a:rPr lang="hu-HU" b="1" dirty="0"/>
+                  <a:t>Fontos:</a:t>
+                </a:r>
+                <a:r>
+                  <a:rPr lang="hu-HU" dirty="0"/>
+                  <a:t> </a:t>
+                </a:r>
+                <a14:m>
+                  <m:oMath xmlns:m="http://schemas.openxmlformats.org/officeDocument/2006/math">
+                    <m:sSub>
+                      <m:sSubPr>
+                        <m:ctrlPr>
+                          <a:rPr lang="hu-HU" b="0" i="1" smtClean="0">
+                            <a:latin typeface="Cambria Math" panose="02040503050406030204" pitchFamily="18" charset="0"/>
+                          </a:rPr>
+                        </m:ctrlPr>
+                      </m:sSubPr>
+                      <m:e>
+                        <m:r>
+                          <a:rPr lang="hu-HU" b="1" i="1" smtClean="0">
+                            <a:latin typeface="Cambria Math" panose="02040503050406030204" pitchFamily="18" charset="0"/>
+                          </a:rPr>
+                          <m:t>𝒍</m:t>
+                        </m:r>
+                      </m:e>
+                      <m:sub>
+                        <m:r>
+                          <a:rPr lang="hu-HU" b="0" i="1" smtClean="0">
+                            <a:latin typeface="Cambria Math" panose="02040503050406030204" pitchFamily="18" charset="0"/>
+                          </a:rPr>
+                          <m:t>𝑘</m:t>
+                        </m:r>
+                      </m:sub>
+                    </m:sSub>
+                  </m:oMath>
+                </a14:m>
+                <a:r>
+                  <a:rPr lang="hu-HU" dirty="0"/>
+                  <a:t>itt valószínűségi változó (azaz a lenti </a:t>
+                </a:r>
+                <a14:m>
+                  <m:oMath xmlns:m="http://schemas.openxmlformats.org/officeDocument/2006/math">
+                    <m:sSub>
+                      <m:sSubPr>
+                        <m:ctrlPr>
+                          <a:rPr lang="hu-HU" b="0" i="1" smtClean="0">
+                            <a:latin typeface="Cambria Math" panose="02040503050406030204" pitchFamily="18" charset="0"/>
+                          </a:rPr>
+                        </m:ctrlPr>
+                      </m:sSubPr>
+                      <m:e>
+                        <m:r>
+                          <a:rPr lang="hu-HU" b="0" i="1" smtClean="0">
+                            <a:latin typeface="Cambria Math" panose="02040503050406030204" pitchFamily="18" charset="0"/>
+                          </a:rPr>
+                          <m:t>𝑝</m:t>
+                        </m:r>
+                      </m:e>
+                      <m:sub>
+                        <m:r>
+                          <a:rPr lang="hu-HU" b="0" i="1" smtClean="0">
+                            <a:latin typeface="Cambria Math" panose="02040503050406030204" pitchFamily="18" charset="0"/>
+                          </a:rPr>
+                          <m:t>𝑟</m:t>
+                        </m:r>
+                      </m:sub>
+                    </m:sSub>
+                  </m:oMath>
+                </a14:m>
+                <a:r>
+                  <a:rPr lang="hu-HU" dirty="0"/>
+                  <a:t>-nek megfelelően kell megválasztani)</a:t>
+                </a:r>
+              </a:p>
+              <a:p>
+                <a:pPr>
+                  <a:buFont typeface="Wingdings" panose="05000000000000000000" pitchFamily="2" charset="2"/>
+                  <a:buChar char="§"/>
+                </a:pPr>
+                <a:r>
+                  <a:rPr lang="hu-HU" dirty="0"/>
+                  <a:t>A BRDF textúra kiszámolása pedig nem fér ki </a:t>
+                </a:r>
+                <a:r>
+                  <a:rPr lang="hu-HU" dirty="0">
+                    <a:sym typeface="Wingdings" panose="05000000000000000000" pitchFamily="2" charset="2"/>
+                  </a:rPr>
+                  <a:t>, úgyhogy a rövid változatot írom:</a:t>
+                </a:r>
+              </a:p>
+              <a:p>
+                <a:pPr marL="0" indent="0" algn="ctr">
+                  <a:buNone/>
+                </a:pPr>
+                <a14:m>
+                  <m:oMathPara xmlns:m="http://schemas.openxmlformats.org/officeDocument/2006/math">
+                    <m:oMathParaPr>
+                      <m:jc m:val="centerGroup"/>
+                    </m:oMathParaPr>
+                    <m:oMath xmlns:m="http://schemas.openxmlformats.org/officeDocument/2006/math">
+                      <m:f>
+                        <m:fPr>
+                          <m:ctrlPr>
+                            <a:rPr lang="hu-HU" i="1" smtClean="0">
+                              <a:latin typeface="Cambria Math" panose="02040503050406030204" pitchFamily="18" charset="0"/>
+                            </a:rPr>
+                          </m:ctrlPr>
+                        </m:fPr>
+                        <m:num>
+                          <m:r>
+                            <a:rPr lang="hu-HU" b="0" i="1" smtClean="0">
+                              <a:latin typeface="Cambria Math" panose="02040503050406030204" pitchFamily="18" charset="0"/>
+                            </a:rPr>
+                            <m:t>1</m:t>
+                          </m:r>
+                        </m:num>
+                        <m:den>
+                          <m:r>
+                            <a:rPr lang="hu-HU" b="0" i="1" smtClean="0">
+                              <a:latin typeface="Cambria Math" panose="02040503050406030204" pitchFamily="18" charset="0"/>
+                            </a:rPr>
+                            <m:t>𝑁</m:t>
+                          </m:r>
+                        </m:den>
+                      </m:f>
+                      <m:nary>
+                        <m:naryPr>
+                          <m:chr m:val="∑"/>
+                          <m:ctrlPr>
+                            <a:rPr lang="hu-HU" i="1" smtClean="0">
+                              <a:latin typeface="Cambria Math" panose="02040503050406030204" pitchFamily="18" charset="0"/>
+                            </a:rPr>
+                          </m:ctrlPr>
+                        </m:naryPr>
+                        <m:sub>
+                          <m:r>
+                            <m:rPr>
+                              <m:brk m:alnAt="23"/>
+                            </m:rPr>
+                            <a:rPr lang="hu-HU" b="0" i="1" smtClean="0">
+                              <a:latin typeface="Cambria Math" panose="02040503050406030204" pitchFamily="18" charset="0"/>
+                            </a:rPr>
+                            <m:t>𝑘</m:t>
+                          </m:r>
+                          <m:r>
+                            <a:rPr lang="hu-HU" b="0" i="1" smtClean="0">
+                              <a:latin typeface="Cambria Math" panose="02040503050406030204" pitchFamily="18" charset="0"/>
+                            </a:rPr>
+                            <m:t>=1</m:t>
+                          </m:r>
+                        </m:sub>
+                        <m:sup>
+                          <m:r>
+                            <a:rPr lang="hu-HU" b="0" i="1" smtClean="0">
+                              <a:latin typeface="Cambria Math" panose="02040503050406030204" pitchFamily="18" charset="0"/>
+                            </a:rPr>
+                            <m:t>𝑁</m:t>
+                          </m:r>
+                        </m:sup>
+                        <m:e>
+                          <m:f>
+                            <m:fPr>
+                              <m:ctrlPr>
+                                <a:rPr lang="hu-HU" i="1" smtClean="0">
+                                  <a:latin typeface="Cambria Math" panose="02040503050406030204" pitchFamily="18" charset="0"/>
+                                </a:rPr>
+                              </m:ctrlPr>
+                            </m:fPr>
+                            <m:num>
+                              <m:sSub>
+                                <m:sSubPr>
+                                  <m:ctrlPr>
+                                    <a:rPr lang="hu-HU" b="0" i="1" smtClean="0">
+                                      <a:latin typeface="Cambria Math" panose="02040503050406030204" pitchFamily="18" charset="0"/>
+                                    </a:rPr>
+                                  </m:ctrlPr>
+                                </m:sSubPr>
+                                <m:e>
+                                  <m:r>
+                                    <a:rPr lang="hu-HU" b="0" i="1" smtClean="0">
+                                      <a:latin typeface="Cambria Math" panose="02040503050406030204" pitchFamily="18" charset="0"/>
+                                    </a:rPr>
+                                    <m:t>𝑓</m:t>
+                                  </m:r>
+                                </m:e>
+                                <m:sub>
+                                  <m:r>
+                                    <a:rPr lang="hu-HU" b="0" i="1" smtClean="0">
+                                      <a:latin typeface="Cambria Math" panose="02040503050406030204" pitchFamily="18" charset="0"/>
+                                    </a:rPr>
+                                    <m:t>𝑟</m:t>
+                                  </m:r>
+                                </m:sub>
+                              </m:sSub>
+                              <m:d>
+                                <m:dPr>
+                                  <m:ctrlPr>
+                                    <a:rPr lang="hu-HU" b="0" i="1" smtClean="0">
+                                      <a:latin typeface="Cambria Math" panose="02040503050406030204" pitchFamily="18" charset="0"/>
+                                    </a:rPr>
+                                  </m:ctrlPr>
+                                </m:dPr>
+                                <m:e>
+                                  <m:r>
+                                    <a:rPr lang="hu-HU" b="1" i="1" smtClean="0">
+                                      <a:latin typeface="Cambria Math" panose="02040503050406030204" pitchFamily="18" charset="0"/>
+                                    </a:rPr>
+                                    <m:t>𝒗</m:t>
+                                  </m:r>
+                                  <m:r>
+                                    <a:rPr lang="hu-HU" b="0" i="1" smtClean="0">
+                                      <a:latin typeface="Cambria Math" panose="02040503050406030204" pitchFamily="18" charset="0"/>
+                                    </a:rPr>
+                                    <m:t>,</m:t>
+                                  </m:r>
+                                  <m:sSub>
+                                    <m:sSubPr>
+                                      <m:ctrlPr>
+                                        <a:rPr lang="hu-HU" b="0" i="1" smtClean="0">
+                                          <a:latin typeface="Cambria Math" panose="02040503050406030204" pitchFamily="18" charset="0"/>
+                                        </a:rPr>
+                                      </m:ctrlPr>
+                                    </m:sSubPr>
+                                    <m:e>
+                                      <m:r>
+                                        <a:rPr lang="hu-HU" b="1" i="1" smtClean="0">
+                                          <a:latin typeface="Cambria Math" panose="02040503050406030204" pitchFamily="18" charset="0"/>
+                                        </a:rPr>
+                                        <m:t>𝒍</m:t>
+                                      </m:r>
+                                    </m:e>
+                                    <m:sub>
+                                      <m:r>
+                                        <a:rPr lang="hu-HU" b="0" i="1" smtClean="0">
+                                          <a:latin typeface="Cambria Math" panose="02040503050406030204" pitchFamily="18" charset="0"/>
+                                        </a:rPr>
+                                        <m:t>𝑘</m:t>
+                                      </m:r>
+                                    </m:sub>
+                                  </m:sSub>
+                                </m:e>
+                              </m:d>
+                              <m:func>
+                                <m:funcPr>
+                                  <m:ctrlPr>
+                                    <a:rPr lang="hu-HU" b="0" i="1" smtClean="0">
+                                      <a:latin typeface="Cambria Math" panose="02040503050406030204" pitchFamily="18" charset="0"/>
+                                    </a:rPr>
+                                  </m:ctrlPr>
+                                </m:funcPr>
+                                <m:fName>
+                                  <m:r>
+                                    <m:rPr>
+                                      <m:sty m:val="p"/>
+                                    </m:rPr>
+                                    <a:rPr lang="hu-HU" b="0" i="0" smtClean="0">
+                                      <a:latin typeface="Cambria Math" panose="02040503050406030204" pitchFamily="18" charset="0"/>
+                                    </a:rPr>
+                                    <m:t>cos</m:t>
+                                  </m:r>
+                                </m:fName>
+                                <m:e>
+                                  <m:sSub>
+                                    <m:sSubPr>
+                                      <m:ctrlPr>
+                                        <a:rPr lang="hu-HU" b="0" i="1" smtClean="0">
+                                          <a:latin typeface="Cambria Math" panose="02040503050406030204" pitchFamily="18" charset="0"/>
+                                        </a:rPr>
+                                      </m:ctrlPr>
+                                    </m:sSubPr>
+                                    <m:e>
+                                      <m:r>
+                                        <a:rPr lang="hu-HU" b="0" i="1" smtClean="0">
+                                          <a:latin typeface="Cambria Math" panose="02040503050406030204" pitchFamily="18" charset="0"/>
+                                        </a:rPr>
+                                        <m:t>𝜃</m:t>
+                                      </m:r>
+                                    </m:e>
+                                    <m:sub>
+                                      <m:sSub>
+                                        <m:sSubPr>
+                                          <m:ctrlPr>
+                                            <a:rPr lang="hu-HU" b="0" i="1" smtClean="0">
+                                              <a:latin typeface="Cambria Math" panose="02040503050406030204" pitchFamily="18" charset="0"/>
+                                            </a:rPr>
+                                          </m:ctrlPr>
+                                        </m:sSubPr>
+                                        <m:e>
+                                          <m:r>
+                                            <a:rPr lang="hu-HU" b="1" i="1" smtClean="0">
+                                              <a:latin typeface="Cambria Math" panose="02040503050406030204" pitchFamily="18" charset="0"/>
+                                            </a:rPr>
+                                            <m:t>𝒍</m:t>
+                                          </m:r>
+                                        </m:e>
+                                        <m:sub>
+                                          <m:r>
+                                            <a:rPr lang="hu-HU" b="0" i="1" smtClean="0">
+                                              <a:latin typeface="Cambria Math" panose="02040503050406030204" pitchFamily="18" charset="0"/>
+                                            </a:rPr>
+                                            <m:t>𝑘</m:t>
+                                          </m:r>
+                                        </m:sub>
+                                      </m:sSub>
+                                    </m:sub>
+                                  </m:sSub>
+                                </m:e>
+                              </m:func>
+                            </m:num>
+                            <m:den>
+                              <m:sSub>
+                                <m:sSubPr>
+                                  <m:ctrlPr>
+                                    <a:rPr lang="hu-HU" b="0" i="1" smtClean="0">
+                                      <a:latin typeface="Cambria Math" panose="02040503050406030204" pitchFamily="18" charset="0"/>
+                                    </a:rPr>
+                                  </m:ctrlPr>
+                                </m:sSubPr>
+                                <m:e>
+                                  <m:r>
+                                    <a:rPr lang="hu-HU" b="0" i="1" smtClean="0">
+                                      <a:latin typeface="Cambria Math" panose="02040503050406030204" pitchFamily="18" charset="0"/>
+                                    </a:rPr>
+                                    <m:t>𝑝</m:t>
+                                  </m:r>
+                                </m:e>
+                                <m:sub>
+                                  <m:r>
+                                    <a:rPr lang="hu-HU" b="0" i="1" smtClean="0">
+                                      <a:latin typeface="Cambria Math" panose="02040503050406030204" pitchFamily="18" charset="0"/>
+                                    </a:rPr>
+                                    <m:t>𝑟</m:t>
+                                  </m:r>
+                                </m:sub>
+                              </m:sSub>
+                              <m:r>
+                                <a:rPr lang="hu-HU" b="0" i="1" smtClean="0">
+                                  <a:latin typeface="Cambria Math" panose="02040503050406030204" pitchFamily="18" charset="0"/>
+                                </a:rPr>
+                                <m:t>(</m:t>
+                              </m:r>
+                              <m:r>
+                                <a:rPr lang="hu-HU" b="1" i="1" smtClean="0">
+                                  <a:latin typeface="Cambria Math" panose="02040503050406030204" pitchFamily="18" charset="0"/>
+                                </a:rPr>
+                                <m:t>𝒗</m:t>
+                              </m:r>
+                              <m:r>
+                                <a:rPr lang="hu-HU" b="0" i="1" smtClean="0">
+                                  <a:latin typeface="Cambria Math" panose="02040503050406030204" pitchFamily="18" charset="0"/>
+                                </a:rPr>
+                                <m:t>,</m:t>
+                              </m:r>
+                              <m:sSub>
+                                <m:sSubPr>
+                                  <m:ctrlPr>
+                                    <a:rPr lang="hu-HU" b="0" i="1" smtClean="0">
+                                      <a:latin typeface="Cambria Math" panose="02040503050406030204" pitchFamily="18" charset="0"/>
+                                    </a:rPr>
+                                  </m:ctrlPr>
+                                </m:sSubPr>
+                                <m:e>
+                                  <m:r>
+                                    <a:rPr lang="hu-HU" b="1" i="1" smtClean="0">
+                                      <a:latin typeface="Cambria Math" panose="02040503050406030204" pitchFamily="18" charset="0"/>
+                                    </a:rPr>
+                                    <m:t>𝒍</m:t>
+                                  </m:r>
+                                </m:e>
+                                <m:sub>
+                                  <m:r>
+                                    <a:rPr lang="hu-HU" b="0" i="1" smtClean="0">
+                                      <a:latin typeface="Cambria Math" panose="02040503050406030204" pitchFamily="18" charset="0"/>
+                                    </a:rPr>
+                                    <m:t>𝑘</m:t>
+                                  </m:r>
+                                </m:sub>
+                              </m:sSub>
+                              <m:r>
+                                <a:rPr lang="hu-HU" b="0" i="1" smtClean="0">
+                                  <a:latin typeface="Cambria Math" panose="02040503050406030204" pitchFamily="18" charset="0"/>
+                                </a:rPr>
+                                <m:t>)</m:t>
+                              </m:r>
+                            </m:den>
+                          </m:f>
+                        </m:e>
+                      </m:nary>
+                    </m:oMath>
+                  </m:oMathPara>
+                </a14:m>
+                <a:endParaRPr lang="hu-HU" dirty="0"/>
+              </a:p>
+              <a:p>
+                <a:pPr>
+                  <a:buFont typeface="Wingdings" panose="05000000000000000000" pitchFamily="2" charset="2"/>
+                  <a:buChar char="§"/>
+                </a:pPr>
+                <a:r>
+                  <a:rPr lang="hu-HU" dirty="0"/>
+                  <a:t>A kettő szorzata a közelítés (</a:t>
+                </a:r>
+                <a14:m>
+                  <m:oMath xmlns:m="http://schemas.openxmlformats.org/officeDocument/2006/math">
+                    <m:sSub>
+                      <m:sSubPr>
+                        <m:ctrlPr>
+                          <a:rPr lang="hu-HU" b="0" i="1" smtClean="0">
+                            <a:latin typeface="Cambria Math" panose="02040503050406030204" pitchFamily="18" charset="0"/>
+                          </a:rPr>
+                        </m:ctrlPr>
+                      </m:sSubPr>
+                      <m:e>
+                        <m:r>
+                          <a:rPr lang="hu-HU" b="0" i="1" smtClean="0">
+                            <a:latin typeface="Cambria Math" panose="02040503050406030204" pitchFamily="18" charset="0"/>
+                          </a:rPr>
+                          <m:t>𝑝</m:t>
+                        </m:r>
+                      </m:e>
+                      <m:sub>
+                        <m:r>
+                          <a:rPr lang="hu-HU" b="0" i="1" smtClean="0">
+                            <a:latin typeface="Cambria Math" panose="02040503050406030204" pitchFamily="18" charset="0"/>
+                          </a:rPr>
+                          <m:t>𝑟</m:t>
+                        </m:r>
+                      </m:sub>
+                    </m:sSub>
+                  </m:oMath>
+                </a14:m>
+                <a:r>
+                  <a:rPr lang="hu-HU" dirty="0"/>
+                  <a:t> pedig koszinusz [diffúz] ill. GGX [spekuláris] mintavételezés)</a:t>
+                </a:r>
+              </a:p>
+            </p:txBody>
+          </p:sp>
+        </mc:Choice>
+        <mc:Fallback>
+          <p:sp>
+            <p:nvSpPr>
+              <p:cNvPr id="3" name="Content Placeholder 2">
+                <a:extLst>
+                  <a:ext uri="{FF2B5EF4-FFF2-40B4-BE49-F238E27FC236}">
+                    <a16:creationId xmlns:a16="http://schemas.microsoft.com/office/drawing/2014/main" id="{DF2F637F-ADB4-4F33-9951-BEF7E601EB8C}"/>
+                  </a:ext>
+                </a:extLst>
+              </p:cNvPr>
+              <p:cNvSpPr>
+                <a:spLocks noGrp="1" noRot="1" noChangeAspect="1" noMove="1" noResize="1" noEditPoints="1" noAdjustHandles="1" noChangeArrowheads="1" noChangeShapeType="1" noTextEdit="1"/>
+              </p:cNvSpPr>
+              <p:nvPr>
+                <p:ph idx="1"/>
+              </p:nvPr>
+            </p:nvSpPr>
+            <p:spPr>
+              <a:xfrm>
+                <a:off x="1097280" y="1845734"/>
+                <a:ext cx="10058400" cy="4023360"/>
+              </a:xfrm>
+              <a:blipFill>
+                <a:blip r:embed="rId2"/>
+                <a:stretch>
+                  <a:fillRect l="-1455" t="-1667"/>
+                </a:stretch>
+              </a:blipFill>
+            </p:spPr>
+            <p:txBody>
+              <a:bodyPr/>
+              <a:lstStyle/>
+              <a:p>
+                <a:r>
+                  <a:rPr lang="hu-HU">
+                    <a:noFill/>
+                  </a:rPr>
+                  <a:t> </a:t>
+                </a:r>
+              </a:p>
+            </p:txBody>
+          </p:sp>
+        </mc:Fallback>
+      </mc:AlternateContent>
+    </p:spTree>
+    <p:extLst>
+      <p:ext uri="{BB962C8B-B14F-4D97-AF65-F5344CB8AC3E}">
+        <p14:creationId xmlns:p14="http://schemas.microsoft.com/office/powerpoint/2010/main" val="4136297497"/>
+      </p:ext>
+    </p:extLst>
+  </p:cSld>
+  <p:clrMapOvr>
+    <a:masterClrMapping/>
+  </p:clrMapOvr>
+</p:sld>
+</file>
+
+<file path=ppt/slides/slide17.xml><?xml version="1.0" encoding="utf-8"?>
+<p:sld xmlns:a="http://schemas.openxmlformats.org/drawingml/2006/main" xmlns:r="http://schemas.openxmlformats.org/officeDocument/2006/relationships" xmlns:p="http://schemas.openxmlformats.org/presentationml/2006/main">
+  <p:cSld>
+    <p:spTree>
+      <p:nvGrpSpPr>
+        <p:cNvPr id="1" name=""/>
+        <p:cNvGrpSpPr/>
+        <p:nvPr/>
+      </p:nvGrpSpPr>
+      <p:grpSpPr>
+        <a:xfrm>
+          <a:off x="0" y="0"/>
+          <a:ext cx="0" cy="0"/>
+          <a:chOff x="0" y="0"/>
+          <a:chExt cx="0" cy="0"/>
+        </a:xfrm>
+      </p:grpSpPr>
+      <p:sp>
+        <p:nvSpPr>
+          <p:cNvPr id="2" name="Title 1">
+            <a:extLst>
+              <a:ext uri="{FF2B5EF4-FFF2-40B4-BE49-F238E27FC236}">
+                <a16:creationId xmlns:a16="http://schemas.microsoft.com/office/drawing/2014/main" id="{24085249-5A98-4A9F-B0AB-E1E71BB0BE88}"/>
+              </a:ext>
+            </a:extLst>
+          </p:cNvPr>
+          <p:cNvSpPr>
+            <a:spLocks noGrp="1"/>
+          </p:cNvSpPr>
+          <p:nvPr>
+            <p:ph type="title"/>
+          </p:nvPr>
+        </p:nvSpPr>
+        <p:spPr/>
+        <p:txBody>
+          <a:bodyPr/>
+          <a:lstStyle/>
+          <a:p>
+            <a:r>
+              <a:rPr lang="hu-HU" dirty="0"/>
+              <a:t>Kép alapú fények (feladat)</a:t>
+            </a:r>
+          </a:p>
+        </p:txBody>
+      </p:sp>
       <p:sp>
         <p:nvSpPr>
           <p:cNvPr id="3" name="Content Placeholder 2">
             <a:extLst>
               <a:ext uri="{FF2B5EF4-FFF2-40B4-BE49-F238E27FC236}">
-                <a16:creationId xmlns:a16="http://schemas.microsoft.com/office/drawing/2014/main" id="{DF2F637F-ADB4-4F33-9951-BEF7E601EB8C}"/>
+                <a16:creationId xmlns:a16="http://schemas.microsoft.com/office/drawing/2014/main" id="{51CC3AD7-EAD3-4D54-861A-D2EE1B0F4F16}"/>
               </a:ext>
             </a:extLst>
           </p:cNvPr>
@@ -9020,14 +9940,647 @@
           <a:bodyPr/>
           <a:lstStyle/>
           <a:p>
+            <a:pPr>
+              <a:buFont typeface="Wingdings" panose="05000000000000000000" pitchFamily="2" charset="2"/>
+              <a:buChar char="§"/>
+            </a:pPr>
+            <a:r>
+              <a:rPr lang="hu-HU" dirty="0"/>
+              <a:t>Tulajdonképpen csak ki kell olvasni a megfelelő értékeket a textúrákból</a:t>
+            </a:r>
+          </a:p>
+          <a:p>
+            <a:pPr>
+              <a:buFont typeface="Wingdings" panose="05000000000000000000" pitchFamily="2" charset="2"/>
+              <a:buChar char="§"/>
+            </a:pPr>
+            <a:r>
+              <a:rPr lang="hu-HU" dirty="0"/>
+              <a:t>A diffúzt a normálvektorral (</a:t>
+            </a:r>
+            <a:r>
+              <a:rPr lang="hu-HU" i="1" dirty="0"/>
+              <a:t>Lambert</a:t>
+            </a:r>
+            <a:r>
+              <a:rPr lang="hu-HU" dirty="0"/>
+              <a:t>-et ne felejtsd el!)</a:t>
+            </a:r>
+          </a:p>
+          <a:p>
+            <a:pPr>
+              <a:buFont typeface="Wingdings" panose="05000000000000000000" pitchFamily="2" charset="2"/>
+              <a:buChar char="§"/>
+            </a:pPr>
+            <a:r>
+              <a:rPr lang="hu-HU" dirty="0"/>
+              <a:t>A spekulárist a reflektált vektorral, illetve a </a:t>
+            </a:r>
+            <a:r>
+              <a:rPr lang="hu-HU" i="1" dirty="0"/>
+              <a:t>roughness</a:t>
+            </a:r>
+            <a:r>
+              <a:rPr lang="hu-HU" dirty="0"/>
+              <a:t>-ből kiszámolt mip szinttel</a:t>
+            </a:r>
+          </a:p>
+          <a:p>
+            <a:pPr>
+              <a:buFont typeface="Wingdings" panose="05000000000000000000" pitchFamily="2" charset="2"/>
+              <a:buChar char="§"/>
+            </a:pPr>
+            <a:r>
+              <a:rPr lang="hu-HU" dirty="0"/>
+              <a:t>A BRDF </a:t>
+            </a:r>
+            <a:r>
+              <a:rPr lang="hu-HU" i="1" dirty="0"/>
+              <a:t>look-up</a:t>
+            </a:r>
+            <a:r>
+              <a:rPr lang="hu-HU" dirty="0"/>
+              <a:t> textúrából kiolvasott két érték pedig </a:t>
+            </a:r>
+            <a:r>
+              <a:rPr lang="hu-HU" i="1" dirty="0"/>
+              <a:t>Fresnel</a:t>
+            </a:r>
+            <a:r>
+              <a:rPr lang="hu-HU" dirty="0"/>
+              <a:t>...</a:t>
+            </a:r>
+          </a:p>
+          <a:p>
+            <a:pPr marL="0" indent="0" algn="ctr">
+              <a:buNone/>
+            </a:pPr>
             <a:endParaRPr lang="hu-HU" dirty="0"/>
+          </a:p>
+          <a:p>
+            <a:pPr>
+              <a:buFont typeface="Wingdings" panose="05000000000000000000" pitchFamily="2" charset="2"/>
+              <a:buChar char="§"/>
+            </a:pPr>
+            <a:endParaRPr lang="hu-HU" dirty="0"/>
+          </a:p>
+          <a:p>
+            <a:pPr>
+              <a:buFont typeface="Wingdings" panose="05000000000000000000" pitchFamily="2" charset="2"/>
+              <a:buChar char="§"/>
+            </a:pPr>
+            <a:endParaRPr lang="hu-HU" dirty="0"/>
+          </a:p>
+          <a:p>
+            <a:pPr>
+              <a:buFont typeface="Wingdings" panose="05000000000000000000" pitchFamily="2" charset="2"/>
+              <a:buChar char="§"/>
+            </a:pPr>
+            <a:r>
+              <a:rPr lang="hu-HU" dirty="0"/>
+              <a:t>Nem is értem miért segítek ennyit...</a:t>
+            </a:r>
+          </a:p>
+          <a:p>
+            <a:pPr>
+              <a:buFont typeface="Wingdings" panose="05000000000000000000" pitchFamily="2" charset="2"/>
+              <a:buChar char="§"/>
+            </a:pPr>
+            <a:r>
+              <a:rPr lang="hu-HU" dirty="0"/>
+              <a:t>A kódban vannak egyéb höfök is, gyakorlásnak</a:t>
+            </a:r>
+          </a:p>
+        </p:txBody>
+      </p:sp>
+      <p:sp>
+        <p:nvSpPr>
+          <p:cNvPr id="4" name="TextBox 3">
+            <a:extLst>
+              <a:ext uri="{FF2B5EF4-FFF2-40B4-BE49-F238E27FC236}">
+                <a16:creationId xmlns:a16="http://schemas.microsoft.com/office/drawing/2014/main" id="{254061A3-93BA-4F7F-B1B5-7A03C2B1E439}"/>
+              </a:ext>
+            </a:extLst>
+          </p:cNvPr>
+          <p:cNvSpPr txBox="1"/>
+          <p:nvPr/>
+        </p:nvSpPr>
+        <p:spPr>
+          <a:xfrm>
+            <a:off x="2345574" y="3857414"/>
+            <a:ext cx="7561811" cy="954107"/>
+          </a:xfrm>
+          <a:prstGeom prst="rect">
+            <a:avLst/>
+          </a:prstGeom>
+          <a:solidFill>
+            <a:schemeClr val="bg1">
+              <a:lumMod val="85000"/>
+            </a:schemeClr>
+          </a:solidFill>
+          <a:ln>
+            <a:solidFill>
+              <a:schemeClr val="tx1"/>
+            </a:solidFill>
+          </a:ln>
+        </p:spPr>
+        <p:txBody>
+          <a:bodyPr wrap="square" rtlCol="0">
+            <a:spAutoFit/>
+          </a:bodyPr>
+          <a:lstStyle/>
+          <a:p>
+            <a:r>
+              <a:rPr lang="hu-HU" sz="1400" b="1" dirty="0">
+                <a:latin typeface="Consolas" panose="020B0609020204030204" pitchFamily="49" charset="0"/>
+              </a:rPr>
+              <a:t>vec2 f0_scale_bias = texture(brdfLUT, vec2(ndotv, roughness)).rg;</a:t>
+            </a:r>
+          </a:p>
+          <a:p>
+            <a:r>
+              <a:rPr lang="hu-HU" sz="1400" b="1" dirty="0">
+                <a:latin typeface="Consolas" panose="020B0609020204030204" pitchFamily="49" charset="0"/>
+              </a:rPr>
+              <a:t>vec3 F = F0 * f0_scale_bias.x + vec3(f0_scale_bias.y);</a:t>
+            </a:r>
+          </a:p>
+          <a:p>
+            <a:endParaRPr lang="hu-HU" sz="1400" b="1" dirty="0">
+              <a:latin typeface="Consolas" panose="020B0609020204030204" pitchFamily="49" charset="0"/>
+            </a:endParaRPr>
+          </a:p>
+          <a:p>
+            <a:r>
+              <a:rPr lang="hu-HU" sz="1400" b="1" dirty="0">
+                <a:latin typeface="Consolas" panose="020B0609020204030204" pitchFamily="49" charset="0"/>
+              </a:rPr>
+              <a:t>my_FragColor0.rgb = diffuse_rad + specular_rad * F;</a:t>
+            </a:r>
           </a:p>
         </p:txBody>
       </p:sp>
     </p:spTree>
     <p:extLst>
       <p:ext uri="{BB962C8B-B14F-4D97-AF65-F5344CB8AC3E}">
-        <p14:creationId xmlns:p14="http://schemas.microsoft.com/office/powerpoint/2010/main" val="4136297497"/>
+        <p14:creationId xmlns:p14="http://schemas.microsoft.com/office/powerpoint/2010/main" val="2130425501"/>
+      </p:ext>
+    </p:extLst>
+  </p:cSld>
+  <p:clrMapOvr>
+    <a:masterClrMapping/>
+  </p:clrMapOvr>
+</p:sld>
+</file>
+
+<file path=ppt/slides/slide18.xml><?xml version="1.0" encoding="utf-8"?>
+<p:sld xmlns:a="http://schemas.openxmlformats.org/drawingml/2006/main" xmlns:r="http://schemas.openxmlformats.org/officeDocument/2006/relationships" xmlns:p="http://schemas.openxmlformats.org/presentationml/2006/main">
+  <p:cSld>
+    <p:bg>
+      <p:bgPr>
+        <a:solidFill>
+          <a:schemeClr val="bg1"/>
+        </a:solidFill>
+        <a:effectLst/>
+      </p:bgPr>
+    </p:bg>
+    <p:spTree>
+      <p:nvGrpSpPr>
+        <p:cNvPr id="1" name=""/>
+        <p:cNvGrpSpPr/>
+        <p:nvPr/>
+      </p:nvGrpSpPr>
+      <p:grpSpPr>
+        <a:xfrm>
+          <a:off x="0" y="0"/>
+          <a:ext cx="0" cy="0"/>
+          <a:chOff x="0" y="0"/>
+          <a:chExt cx="0" cy="0"/>
+        </a:xfrm>
+      </p:grpSpPr>
+      <p:sp>
+        <p:nvSpPr>
+          <p:cNvPr id="9" name="Rectangle 8">
+            <a:extLst>
+              <a:ext uri="{FF2B5EF4-FFF2-40B4-BE49-F238E27FC236}">
+                <a16:creationId xmlns:a16="http://schemas.microsoft.com/office/drawing/2014/main" id="{25C8D2C1-DA83-420D-9635-D52CE066B5DA}"/>
+              </a:ext>
+            </a:extLst>
+          </p:cNvPr>
+          <p:cNvSpPr>
+            <a:spLocks noGrp="1" noRot="1" noChangeAspect="1" noMove="1" noResize="1" noEditPoints="1" noAdjustHandles="1" noChangeArrowheads="1" noChangeShapeType="1" noTextEdit="1"/>
+          </p:cNvSpPr>
+          <p:nvPr>
+            <p:extLst>
+              <p:ext uri="{386F3935-93C4-4BCD-93E2-E3B085C9AB24}">
+                <p16:designElem xmlns:p16="http://schemas.microsoft.com/office/powerpoint/2015/main" val="1"/>
+              </p:ext>
+            </p:extLst>
+          </p:nvPr>
+        </p:nvSpPr>
+        <p:spPr>
+          <a:xfrm>
+            <a:off x="3175" y="6400800"/>
+            <a:ext cx="12188825" cy="457200"/>
+          </a:xfrm>
+          <a:prstGeom prst="rect">
+            <a:avLst/>
+          </a:prstGeom>
+          <a:solidFill>
+            <a:schemeClr val="accent2"/>
+          </a:solidFill>
+          <a:ln>
+            <a:noFill/>
+          </a:ln>
+        </p:spPr>
+        <p:style>
+          <a:lnRef idx="2">
+            <a:schemeClr val="accent1">
+              <a:shade val="50000"/>
+            </a:schemeClr>
+          </a:lnRef>
+          <a:fillRef idx="1">
+            <a:schemeClr val="accent1"/>
+          </a:fillRef>
+          <a:effectRef idx="0">
+            <a:schemeClr val="accent1"/>
+          </a:effectRef>
+          <a:fontRef idx="minor">
+            <a:schemeClr val="lt1"/>
+          </a:fontRef>
+        </p:style>
+      </p:sp>
+      <p:sp>
+        <p:nvSpPr>
+          <p:cNvPr id="11" name="Rectangle 10">
+            <a:extLst>
+              <a:ext uri="{FF2B5EF4-FFF2-40B4-BE49-F238E27FC236}">
+                <a16:creationId xmlns:a16="http://schemas.microsoft.com/office/drawing/2014/main" id="{434F74C9-6A0B-409E-AD1C-45B58BE91BB8}"/>
+              </a:ext>
+            </a:extLst>
+          </p:cNvPr>
+          <p:cNvSpPr>
+            <a:spLocks noGrp="1" noRot="1" noChangeAspect="1" noMove="1" noResize="1" noEditPoints="1" noAdjustHandles="1" noChangeArrowheads="1" noChangeShapeType="1" noTextEdit="1"/>
+          </p:cNvSpPr>
+          <p:nvPr>
+            <p:extLst>
+              <p:ext uri="{386F3935-93C4-4BCD-93E2-E3B085C9AB24}">
+                <p16:designElem xmlns:p16="http://schemas.microsoft.com/office/powerpoint/2015/main" val="1"/>
+              </p:ext>
+            </p:extLst>
+          </p:nvPr>
+        </p:nvSpPr>
+        <p:spPr>
+          <a:xfrm>
+            <a:off x="15" y="6334316"/>
+            <a:ext cx="12188825" cy="64008"/>
+          </a:xfrm>
+          <a:prstGeom prst="rect">
+            <a:avLst/>
+          </a:prstGeom>
+          <a:solidFill>
+            <a:schemeClr val="accent1"/>
+          </a:solidFill>
+          <a:ln>
+            <a:noFill/>
+          </a:ln>
+        </p:spPr>
+        <p:style>
+          <a:lnRef idx="2">
+            <a:schemeClr val="accent1">
+              <a:shade val="50000"/>
+            </a:schemeClr>
+          </a:lnRef>
+          <a:fillRef idx="1">
+            <a:schemeClr val="accent1"/>
+          </a:fillRef>
+          <a:effectRef idx="0">
+            <a:schemeClr val="accent1"/>
+          </a:effectRef>
+          <a:fontRef idx="minor">
+            <a:schemeClr val="lt1"/>
+          </a:fontRef>
+        </p:style>
+      </p:sp>
+      <p:cxnSp>
+        <p:nvCxnSpPr>
+          <p:cNvPr id="13" name="Straight Connector 12">
+            <a:extLst>
+              <a:ext uri="{FF2B5EF4-FFF2-40B4-BE49-F238E27FC236}">
+                <a16:creationId xmlns:a16="http://schemas.microsoft.com/office/drawing/2014/main" id="{F5486A9D-1265-4B57-91E6-68E666B978BC}"/>
+              </a:ext>
+            </a:extLst>
+          </p:cNvPr>
+          <p:cNvCxnSpPr>
+            <a:cxnSpLocks noGrp="1" noRot="1" noChangeAspect="1" noMove="1" noResize="1" noEditPoints="1" noAdjustHandles="1" noChangeArrowheads="1" noChangeShapeType="1"/>
+          </p:cNvCxnSpPr>
+          <p:nvPr>
+            <p:extLst>
+              <p:ext uri="{386F3935-93C4-4BCD-93E2-E3B085C9AB24}">
+                <p16:designElem xmlns:p16="http://schemas.microsoft.com/office/powerpoint/2015/main" val="1"/>
+              </p:ext>
+            </p:extLst>
+          </p:nvPr>
+        </p:nvCxnSpPr>
+        <p:spPr>
+          <a:xfrm>
+            <a:off x="1207658" y="4343400"/>
+            <a:ext cx="9875520" cy="0"/>
+          </a:xfrm>
+          <a:prstGeom prst="line">
+            <a:avLst/>
+          </a:prstGeom>
+          <a:ln w="6350">
+            <a:solidFill>
+              <a:schemeClr val="tx1">
+                <a:lumMod val="50000"/>
+                <a:lumOff val="50000"/>
+              </a:schemeClr>
+            </a:solidFill>
+          </a:ln>
+        </p:spPr>
+        <p:style>
+          <a:lnRef idx="1">
+            <a:schemeClr val="accent1"/>
+          </a:lnRef>
+          <a:fillRef idx="0">
+            <a:schemeClr val="accent1"/>
+          </a:fillRef>
+          <a:effectRef idx="0">
+            <a:schemeClr val="accent1"/>
+          </a:effectRef>
+          <a:fontRef idx="minor">
+            <a:schemeClr val="tx1"/>
+          </a:fontRef>
+        </p:style>
+      </p:cxnSp>
+      <p:pic>
+        <p:nvPicPr>
+          <p:cNvPr id="4" name="Picture 3">
+            <a:extLst>
+              <a:ext uri="{FF2B5EF4-FFF2-40B4-BE49-F238E27FC236}">
+                <a16:creationId xmlns:a16="http://schemas.microsoft.com/office/drawing/2014/main" id="{358A8899-8A58-488B-B143-467DCAFC1038}"/>
+              </a:ext>
+            </a:extLst>
+          </p:cNvPr>
+          <p:cNvPicPr>
+            <a:picLocks noChangeAspect="1"/>
+          </p:cNvPicPr>
+          <p:nvPr/>
+        </p:nvPicPr>
+        <p:blipFill rotWithShape="1">
+          <a:blip r:embed="rId2">
+            <a:extLst>
+              <a:ext uri="{28A0092B-C50C-407E-A947-70E740481C1C}">
+                <a14:useLocalDpi xmlns:a14="http://schemas.microsoft.com/office/drawing/2010/main" val="0"/>
+              </a:ext>
+            </a:extLst>
+          </a:blip>
+          <a:srcRect t="12976" b="15672"/>
+          <a:stretch/>
+        </p:blipFill>
+        <p:spPr>
+          <a:xfrm>
+            <a:off x="-32" y="10"/>
+            <a:ext cx="12192031" cy="4915066"/>
+          </a:xfrm>
+          <a:prstGeom prst="rect">
+            <a:avLst/>
+          </a:prstGeom>
+        </p:spPr>
+      </p:pic>
+      <p:sp>
+        <p:nvSpPr>
+          <p:cNvPr id="15" name="Rectangle 14">
+            <a:extLst>
+              <a:ext uri="{FF2B5EF4-FFF2-40B4-BE49-F238E27FC236}">
+                <a16:creationId xmlns:a16="http://schemas.microsoft.com/office/drawing/2014/main" id="{B76D919A-FC3E-4B4E-BAF0-ED6CFB8DC4AE}"/>
+              </a:ext>
+            </a:extLst>
+          </p:cNvPr>
+          <p:cNvSpPr>
+            <a:spLocks noGrp="1" noRot="1" noChangeAspect="1" noMove="1" noResize="1" noEditPoints="1" noAdjustHandles="1" noChangeArrowheads="1" noChangeShapeType="1" noTextEdit="1"/>
+          </p:cNvSpPr>
+          <p:nvPr>
+            <p:extLst>
+              <p:ext uri="{386F3935-93C4-4BCD-93E2-E3B085C9AB24}">
+                <p16:designElem xmlns:p16="http://schemas.microsoft.com/office/powerpoint/2015/main" val="1"/>
+              </p:ext>
+            </p:extLst>
+          </p:nvPr>
+        </p:nvSpPr>
+        <p:spPr bwMode="white">
+          <a:xfrm>
+            <a:off x="1507" y="4953000"/>
+            <a:ext cx="12188952" cy="1905000"/>
+          </a:xfrm>
+          <a:prstGeom prst="rect">
+            <a:avLst/>
+          </a:prstGeom>
+          <a:solidFill>
+            <a:schemeClr val="accent2"/>
+          </a:solidFill>
+          <a:ln>
+            <a:noFill/>
+          </a:ln>
+        </p:spPr>
+        <p:style>
+          <a:lnRef idx="2">
+            <a:schemeClr val="accent1">
+              <a:shade val="50000"/>
+            </a:schemeClr>
+          </a:lnRef>
+          <a:fillRef idx="1">
+            <a:schemeClr val="accent1"/>
+          </a:fillRef>
+          <a:effectRef idx="0">
+            <a:schemeClr val="accent1"/>
+          </a:effectRef>
+          <a:fontRef idx="minor">
+            <a:schemeClr val="lt1"/>
+          </a:fontRef>
+        </p:style>
+      </p:sp>
+      <p:sp>
+        <p:nvSpPr>
+          <p:cNvPr id="17" name="Rectangle 16">
+            <a:extLst>
+              <a:ext uri="{FF2B5EF4-FFF2-40B4-BE49-F238E27FC236}">
+                <a16:creationId xmlns:a16="http://schemas.microsoft.com/office/drawing/2014/main" id="{8F66ACBD-1C82-4782-AA7C-05504DD7DE77}"/>
+              </a:ext>
+            </a:extLst>
+          </p:cNvPr>
+          <p:cNvSpPr>
+            <a:spLocks noGrp="1" noRot="1" noChangeAspect="1" noMove="1" noResize="1" noEditPoints="1" noAdjustHandles="1" noChangeArrowheads="1" noChangeShapeType="1" noTextEdit="1"/>
+          </p:cNvSpPr>
+          <p:nvPr>
+            <p:extLst>
+              <p:ext uri="{386F3935-93C4-4BCD-93E2-E3B085C9AB24}">
+                <p16:designElem xmlns:p16="http://schemas.microsoft.com/office/powerpoint/2015/main" val="1"/>
+              </p:ext>
+            </p:extLst>
+          </p:nvPr>
+        </p:nvSpPr>
+        <p:spPr>
+          <a:xfrm>
+            <a:off x="1507" y="4906176"/>
+            <a:ext cx="12188952" cy="64008"/>
+          </a:xfrm>
+          <a:prstGeom prst="rect">
+            <a:avLst/>
+          </a:prstGeom>
+          <a:solidFill>
+            <a:schemeClr val="accent1"/>
+          </a:solidFill>
+          <a:ln>
+            <a:noFill/>
+          </a:ln>
+        </p:spPr>
+        <p:style>
+          <a:lnRef idx="2">
+            <a:schemeClr val="accent1">
+              <a:shade val="50000"/>
+            </a:schemeClr>
+          </a:lnRef>
+          <a:fillRef idx="1">
+            <a:schemeClr val="accent1"/>
+          </a:fillRef>
+          <a:effectRef idx="0">
+            <a:schemeClr val="accent1"/>
+          </a:effectRef>
+          <a:fontRef idx="minor">
+            <a:schemeClr val="lt1"/>
+          </a:fontRef>
+        </p:style>
+      </p:sp>
+      <p:sp>
+        <p:nvSpPr>
+          <p:cNvPr id="2" name="Title 1">
+            <a:extLst>
+              <a:ext uri="{FF2B5EF4-FFF2-40B4-BE49-F238E27FC236}">
+                <a16:creationId xmlns:a16="http://schemas.microsoft.com/office/drawing/2014/main" id="{C3F327D5-C4DE-4620-91EC-DC8789438101}"/>
+              </a:ext>
+            </a:extLst>
+          </p:cNvPr>
+          <p:cNvSpPr>
+            <a:spLocks noGrp="1"/>
+          </p:cNvSpPr>
+          <p:nvPr>
+            <p:ph type="title"/>
+          </p:nvPr>
+        </p:nvSpPr>
+        <p:spPr>
+          <a:xfrm>
+            <a:off x="1065197" y="5120640"/>
+            <a:ext cx="10058400" cy="822960"/>
+          </a:xfrm>
+        </p:spPr>
+        <p:txBody>
+          <a:bodyPr vert="horz" lIns="91440" tIns="45720" rIns="91440" bIns="45720" rtlCol="0" anchor="b">
+            <a:normAutofit/>
+          </a:bodyPr>
+          <a:lstStyle/>
+          <a:p>
+            <a:r>
+              <a:rPr lang="en-US" sz="3600" dirty="0" err="1">
+                <a:solidFill>
+                  <a:srgbClr val="FFFFFF"/>
+                </a:solidFill>
+              </a:rPr>
+              <a:t>Motiváció</a:t>
+            </a:r>
+            <a:r>
+              <a:rPr lang="en-US" sz="3600" dirty="0">
+                <a:solidFill>
+                  <a:srgbClr val="FFFFFF"/>
+                </a:solidFill>
+              </a:rPr>
+              <a:t>: </a:t>
+            </a:r>
+            <a:r>
+              <a:rPr lang="en-US" sz="3600" dirty="0" err="1">
+                <a:solidFill>
+                  <a:srgbClr val="FFFFFF"/>
+                </a:solidFill>
+              </a:rPr>
+              <a:t>ez</a:t>
+            </a:r>
+            <a:r>
+              <a:rPr lang="en-US" sz="3600" dirty="0">
+                <a:solidFill>
+                  <a:srgbClr val="FFFFFF"/>
+                </a:solidFill>
+              </a:rPr>
+              <a:t> </a:t>
+            </a:r>
+            <a:r>
+              <a:rPr lang="en-US" sz="3600" dirty="0" err="1">
+                <a:solidFill>
+                  <a:srgbClr val="FFFFFF"/>
+                </a:solidFill>
+              </a:rPr>
+              <a:t>kell</a:t>
+            </a:r>
+            <a:r>
+              <a:rPr lang="en-US" sz="3600" dirty="0">
+                <a:solidFill>
+                  <a:srgbClr val="FFFFFF"/>
+                </a:solidFill>
+              </a:rPr>
+              <a:t> </a:t>
+            </a:r>
+            <a:r>
+              <a:rPr lang="en-US" sz="3600" dirty="0" err="1">
+                <a:solidFill>
+                  <a:srgbClr val="FFFFFF"/>
+                </a:solidFill>
+              </a:rPr>
+              <a:t>legyen</a:t>
+            </a:r>
+            <a:r>
+              <a:rPr lang="en-US" sz="3600" dirty="0">
+                <a:solidFill>
+                  <a:srgbClr val="FFFFFF"/>
+                </a:solidFill>
+              </a:rPr>
+              <a:t> </a:t>
+            </a:r>
+            <a:r>
+              <a:rPr lang="en-US" sz="3600" dirty="0" err="1">
+                <a:solidFill>
+                  <a:srgbClr val="FFFFFF"/>
+                </a:solidFill>
+              </a:rPr>
+              <a:t>az</a:t>
+            </a:r>
+            <a:r>
+              <a:rPr lang="en-US" sz="3600" dirty="0">
+                <a:solidFill>
+                  <a:srgbClr val="FFFFFF"/>
+                </a:solidFill>
+              </a:rPr>
+              <a:t> </a:t>
+            </a:r>
+            <a:r>
+              <a:rPr lang="en-US" sz="3600" dirty="0" err="1">
+                <a:solidFill>
+                  <a:srgbClr val="FFFFFF"/>
+                </a:solidFill>
+              </a:rPr>
+              <a:t>eredmény</a:t>
+            </a:r>
+            <a:endParaRPr lang="en-US" sz="3600" dirty="0">
+              <a:solidFill>
+                <a:srgbClr val="FFFFFF"/>
+              </a:solidFill>
+            </a:endParaRPr>
+          </a:p>
+        </p:txBody>
+      </p:sp>
+    </p:spTree>
+    <p:extLst>
+      <p:ext uri="{BB962C8B-B14F-4D97-AF65-F5344CB8AC3E}">
+        <p14:creationId xmlns:p14="http://schemas.microsoft.com/office/powerpoint/2010/main" val="2187452819"/>
       </p:ext>
     </p:extLst>
   </p:cSld>
@@ -11820,8 +13373,8 @@
           </a:p>
         </p:txBody>
       </p:sp>
-      <mc:AlternateContent xmlns:mc="http://schemas.openxmlformats.org/markup-compatibility/2006">
-        <mc:Choice xmlns:a14="http://schemas.microsoft.com/office/drawing/2010/main" Requires="a14">
+      <mc:AlternateContent xmlns:mc="http://schemas.openxmlformats.org/markup-compatibility/2006" xmlns:a14="http://schemas.microsoft.com/office/drawing/2010/main">
+        <mc:Choice Requires="a14">
           <p:sp>
             <p:nvSpPr>
               <p:cNvPr id="3" name="Content Placeholder 2">
@@ -12192,7 +13745,7 @@
             </p:txBody>
           </p:sp>
         </mc:Choice>
-        <mc:Fallback>
+        <mc:Fallback xmlns="">
           <p:sp>
             <p:nvSpPr>
               <p:cNvPr id="3" name="Content Placeholder 2">
@@ -12290,8 +13843,8 @@
           </a:p>
         </p:txBody>
       </p:sp>
-      <mc:AlternateContent xmlns:mc="http://schemas.openxmlformats.org/markup-compatibility/2006">
-        <mc:Choice xmlns:a14="http://schemas.microsoft.com/office/drawing/2010/main" Requires="a14">
+      <mc:AlternateContent xmlns:mc="http://schemas.openxmlformats.org/markup-compatibility/2006" xmlns:a14="http://schemas.microsoft.com/office/drawing/2010/main">
+        <mc:Choice Requires="a14">
           <p:sp>
             <p:nvSpPr>
               <p:cNvPr id="3" name="Content Placeholder 2">
@@ -12854,7 +14407,7 @@
             </p:txBody>
           </p:sp>
         </mc:Choice>
-        <mc:Fallback>
+        <mc:Fallback xmlns="">
           <p:sp>
             <p:nvSpPr>
               <p:cNvPr id="3" name="Content Placeholder 2">
@@ -12952,8 +14505,8 @@
           </a:p>
         </p:txBody>
       </p:sp>
-      <mc:AlternateContent xmlns:mc="http://schemas.openxmlformats.org/markup-compatibility/2006">
-        <mc:Choice xmlns:a14="http://schemas.microsoft.com/office/drawing/2010/main" Requires="a14">
+      <mc:AlternateContent xmlns:mc="http://schemas.openxmlformats.org/markup-compatibility/2006" xmlns:a14="http://schemas.microsoft.com/office/drawing/2010/main">
+        <mc:Choice Requires="a14">
           <p:sp>
             <p:nvSpPr>
               <p:cNvPr id="3" name="Content Placeholder 2">
@@ -13953,7 +15506,7 @@
             </p:txBody>
           </p:sp>
         </mc:Choice>
-        <mc:Fallback>
+        <mc:Fallback xmlns="">
           <p:sp>
             <p:nvSpPr>
               <p:cNvPr id="3" name="Content Placeholder 2">

--- a/PBR_EA_01.pptx
+++ b/PBR_EA_01.pptx
@@ -218,7 +218,7 @@
           <a:p>
             <a:fld id="{3A5A56FF-9D9E-417E-8DB7-17CB8EBF566C}" type="datetimeFigureOut">
               <a:rPr lang="hu-HU" smtClean="0"/>
-              <a:t>2018. 02. 23.</a:t>
+              <a:t>2018. 02. 26.</a:t>
             </a:fld>
             <a:endParaRPr lang="hu-HU"/>
           </a:p>
@@ -1626,7 +1626,7 @@
           <a:p>
             <a:fld id="{EE90FBA0-FEE2-473A-A4B4-051DFD2DB1BD}" type="datetimeFigureOut">
               <a:rPr lang="en-US" smtClean="0"/>
-              <a:t>2/23/2018</a:t>
+              <a:t>2/26/2018</a:t>
             </a:fld>
             <a:endParaRPr lang="en-US"/>
           </a:p>
@@ -1834,7 +1834,7 @@
           <a:p>
             <a:fld id="{EE90FBA0-FEE2-473A-A4B4-051DFD2DB1BD}" type="datetimeFigureOut">
               <a:rPr lang="en-US" smtClean="0"/>
-              <a:t>2/23/2018</a:t>
+              <a:t>2/26/2018</a:t>
             </a:fld>
             <a:endParaRPr lang="en-US"/>
           </a:p>
@@ -2090,7 +2090,7 @@
           <a:p>
             <a:fld id="{EE90FBA0-FEE2-473A-A4B4-051DFD2DB1BD}" type="datetimeFigureOut">
               <a:rPr lang="en-US" smtClean="0"/>
-              <a:t>2/23/2018</a:t>
+              <a:t>2/26/2018</a:t>
             </a:fld>
             <a:endParaRPr lang="en-US"/>
           </a:p>
@@ -2264,7 +2264,7 @@
           <a:p>
             <a:fld id="{EE90FBA0-FEE2-473A-A4B4-051DFD2DB1BD}" type="datetimeFigureOut">
               <a:rPr lang="en-US" smtClean="0"/>
-              <a:t>2/23/2018</a:t>
+              <a:t>2/26/2018</a:t>
             </a:fld>
             <a:endParaRPr lang="en-US"/>
           </a:p>
@@ -2607,7 +2607,7 @@
           <a:p>
             <a:fld id="{EE90FBA0-FEE2-473A-A4B4-051DFD2DB1BD}" type="datetimeFigureOut">
               <a:rPr lang="en-US" smtClean="0"/>
-              <a:t>2/23/2018</a:t>
+              <a:t>2/26/2018</a:t>
             </a:fld>
             <a:endParaRPr lang="en-US"/>
           </a:p>
@@ -2882,7 +2882,7 @@
           <a:p>
             <a:fld id="{EE90FBA0-FEE2-473A-A4B4-051DFD2DB1BD}" type="datetimeFigureOut">
               <a:rPr lang="en-US" smtClean="0"/>
-              <a:t>2/23/2018</a:t>
+              <a:t>2/26/2018</a:t>
             </a:fld>
             <a:endParaRPr lang="en-US"/>
           </a:p>
@@ -3261,7 +3261,7 @@
           <a:p>
             <a:fld id="{EE90FBA0-FEE2-473A-A4B4-051DFD2DB1BD}" type="datetimeFigureOut">
               <a:rPr lang="en-US" smtClean="0"/>
-              <a:t>2/23/2018</a:t>
+              <a:t>2/26/2018</a:t>
             </a:fld>
             <a:endParaRPr lang="en-US"/>
           </a:p>
@@ -3379,7 +3379,7 @@
           <a:p>
             <a:fld id="{EE90FBA0-FEE2-473A-A4B4-051DFD2DB1BD}" type="datetimeFigureOut">
               <a:rPr lang="en-US" smtClean="0"/>
-              <a:t>2/23/2018</a:t>
+              <a:t>2/26/2018</a:t>
             </a:fld>
             <a:endParaRPr lang="en-US"/>
           </a:p>
@@ -3550,7 +3550,7 @@
           <a:p>
             <a:fld id="{EE90FBA0-FEE2-473A-A4B4-051DFD2DB1BD}" type="datetimeFigureOut">
               <a:rPr lang="en-US" smtClean="0"/>
-              <a:t>2/23/2018</a:t>
+              <a:t>2/26/2018</a:t>
             </a:fld>
             <a:endParaRPr lang="en-US"/>
           </a:p>
@@ -3904,7 +3904,7 @@
           <a:p>
             <a:fld id="{EE90FBA0-FEE2-473A-A4B4-051DFD2DB1BD}" type="datetimeFigureOut">
               <a:rPr lang="en-US" smtClean="0"/>
-              <a:t>2/23/2018</a:t>
+              <a:t>2/26/2018</a:t>
             </a:fld>
             <a:endParaRPr lang="en-US"/>
           </a:p>
@@ -4286,7 +4286,7 @@
           <a:p>
             <a:fld id="{EE90FBA0-FEE2-473A-A4B4-051DFD2DB1BD}" type="datetimeFigureOut">
               <a:rPr lang="en-US" smtClean="0"/>
-              <a:t>2/23/2018</a:t>
+              <a:t>2/26/2018</a:t>
             </a:fld>
             <a:endParaRPr lang="en-US"/>
           </a:p>
@@ -4573,7 +4573,7 @@
           <a:p>
             <a:fld id="{EE90FBA0-FEE2-473A-A4B4-051DFD2DB1BD}" type="datetimeFigureOut">
               <a:rPr lang="en-US" smtClean="0"/>
-              <a:t>2/23/2018</a:t>
+              <a:t>2/26/2018</a:t>
             </a:fld>
             <a:endParaRPr lang="en-US"/>
           </a:p>
@@ -7521,8 +7521,8 @@
           </a:p>
         </p:txBody>
       </p:sp>
-      <mc:AlternateContent xmlns:mc="http://schemas.openxmlformats.org/markup-compatibility/2006" xmlns:a14="http://schemas.microsoft.com/office/drawing/2010/main">
-        <mc:Choice Requires="a14">
+      <mc:AlternateContent xmlns:mc="http://schemas.openxmlformats.org/markup-compatibility/2006">
+        <mc:Choice xmlns:a14="http://schemas.microsoft.com/office/drawing/2010/main" Requires="a14">
           <p:sp>
             <p:nvSpPr>
               <p:cNvPr id="3" name="Content Placeholder 2">
@@ -8644,13 +8644,13 @@
                 </a:r>
                 <a:r>
                   <a:rPr lang="hu-HU" dirty="0"/>
-                  <a:t> nevezőjét!</a:t>
+                  <a:t> nevezőjét! Második feladat ezt is megcsinálni.</a:t>
                 </a:r>
               </a:p>
             </p:txBody>
           </p:sp>
         </mc:Choice>
-        <mc:Fallback xmlns="">
+        <mc:Fallback>
           <p:sp>
             <p:nvSpPr>
               <p:cNvPr id="3" name="Content Placeholder 2">
@@ -8864,7 +8864,7 @@
             </a:pPr>
             <a:r>
               <a:rPr lang="hu-HU" dirty="0"/>
-              <a:t>Ezeket ún. </a:t>
+              <a:t>Ezeket </a:t>
             </a:r>
             <a:r>
               <a:rPr lang="hu-HU" i="1" dirty="0"/>
@@ -9792,10 +9792,10 @@
                       </m:sSubPr>
                       <m:e>
                         <m:r>
-                          <a:rPr lang="hu-HU" b="0" i="1" smtClean="0">
+                          <a:rPr lang="hu-HU" b="1" i="1" smtClean="0">
                             <a:latin typeface="Cambria Math" panose="02040503050406030204" pitchFamily="18" charset="0"/>
                           </a:rPr>
-                          <m:t>𝑝</m:t>
+                          <m:t>𝒍</m:t>
                         </m:r>
                       </m:e>
                       <m:sub>
@@ -9803,7 +9803,7 @@
                           <a:rPr lang="hu-HU" b="0" i="1" smtClean="0">
                             <a:latin typeface="Cambria Math" panose="02040503050406030204" pitchFamily="18" charset="0"/>
                           </a:rPr>
-                          <m:t>𝑟</m:t>
+                          <m:t>𝑘</m:t>
                         </m:r>
                       </m:sub>
                     </m:sSub>
@@ -9811,7 +9811,7 @@
                 </a14:m>
                 <a:r>
                   <a:rPr lang="hu-HU" dirty="0"/>
-                  <a:t> pedig koszinusz [diffúz] ill. GGX [spekuláris] mintavételezés)</a:t>
+                  <a:t> mintavételezése pedig koszinusz [diffúz] ill. GGX [spekuláris])</a:t>
                 </a:r>
               </a:p>
             </p:txBody>
@@ -9914,7 +9914,7 @@
           <a:p>
             <a:r>
               <a:rPr lang="hu-HU" dirty="0"/>
-              <a:t>Kép alapú fények (feladat)</a:t>
+              <a:t>Kép alapú fények (harmadik feladat)</a:t>
             </a:r>
           </a:p>
         </p:txBody>
@@ -12107,8 +12107,8 @@
           </a:p>
         </p:txBody>
       </p:sp>
-      <mc:AlternateContent xmlns:mc="http://schemas.openxmlformats.org/markup-compatibility/2006" xmlns:a14="http://schemas.microsoft.com/office/drawing/2010/main">
-        <mc:Choice Requires="a14">
+      <mc:AlternateContent xmlns:mc="http://schemas.openxmlformats.org/markup-compatibility/2006">
+        <mc:Choice xmlns:a14="http://schemas.microsoft.com/office/drawing/2010/main" Requires="a14">
           <p:sp>
             <p:nvSpPr>
               <p:cNvPr id="3" name="Content Placeholder 2">
@@ -12356,6 +12356,10 @@
                   <a:t> (</a:t>
                 </a:r>
                 <a:r>
+                  <a:rPr lang="hu-HU" dirty="0"/>
+                  <a:t>de </a:t>
+                </a:r>
+                <a:r>
                   <a:rPr lang="en-US" dirty="0" err="1"/>
                   <a:t>nem</a:t>
                 </a:r>
@@ -12372,16 +12376,8 @@
                   <a:t> </a:t>
                 </a:r>
                 <a:r>
-                  <a:rPr lang="en-US" dirty="0" err="1"/>
-                  <a:t>félkövéren</a:t>
-                </a:r>
-                <a:r>
-                  <a:rPr lang="en-US" dirty="0"/>
-                  <a:t> </a:t>
-                </a:r>
-                <a:r>
-                  <a:rPr lang="en-US" dirty="0" err="1"/>
-                  <a:t>írni</a:t>
+                  <a:rPr lang="hu-HU" dirty="0"/>
+                  <a:t>aláhúzni</a:t>
                 </a:r>
                 <a:r>
                   <a:rPr lang="en-US" dirty="0"/>
@@ -12401,13 +12397,25 @@
                       <m:jc m:val="centerGroup"/>
                     </m:oMathParaPr>
                     <m:oMath xmlns:m="http://schemas.openxmlformats.org/officeDocument/2006/math">
-                      <m:r>
-                        <a:rPr lang="en-US" b="1" i="1" smtClean="0">
-                          <a:latin typeface="Cambria Math" panose="02040503050406030204" pitchFamily="18" charset="0"/>
-                          <a:ea typeface="Cambria Math" panose="02040503050406030204" pitchFamily="18" charset="0"/>
-                        </a:rPr>
-                        <m:t>𝝎</m:t>
-                      </m:r>
+                      <m:bar>
+                        <m:barPr>
+                          <m:ctrlPr>
+                            <a:rPr lang="en-US" b="0" i="1" smtClean="0">
+                              <a:latin typeface="Cambria Math" panose="02040503050406030204" pitchFamily="18" charset="0"/>
+                              <a:ea typeface="Cambria Math" panose="02040503050406030204" pitchFamily="18" charset="0"/>
+                            </a:rPr>
+                          </m:ctrlPr>
+                        </m:barPr>
+                        <m:e>
+                          <m:r>
+                            <a:rPr lang="hu-HU" b="0" i="1" smtClean="0">
+                              <a:latin typeface="Cambria Math" panose="02040503050406030204" pitchFamily="18" charset="0"/>
+                              <a:ea typeface="Cambria Math" panose="02040503050406030204" pitchFamily="18" charset="0"/>
+                            </a:rPr>
+                            <m:t>𝜔</m:t>
+                          </m:r>
+                        </m:e>
+                      </m:bar>
                       <m:r>
                         <a:rPr lang="en-US" b="0" i="1" smtClean="0">
                           <a:latin typeface="Cambria Math" panose="02040503050406030204" pitchFamily="18" charset="0"/>
@@ -13062,7 +13070,7 @@
             </p:txBody>
           </p:sp>
         </mc:Choice>
-        <mc:Fallback xmlns="">
+        <mc:Fallback>
           <p:sp>
             <p:nvSpPr>
               <p:cNvPr id="3" name="Content Placeholder 2">
@@ -13096,7 +13104,7 @@
               <a:lstStyle/>
               <a:p>
                 <a:r>
-                  <a:rPr lang="en-US">
+                  <a:rPr lang="hu-HU">
                     <a:noFill/>
                   </a:rPr>
                   <a:t> </a:t>

--- a/PBR_EA_01.pptx
+++ b/PBR_EA_01.pptx
@@ -218,7 +218,7 @@
           <a:p>
             <a:fld id="{3A5A56FF-9D9E-417E-8DB7-17CB8EBF566C}" type="datetimeFigureOut">
               <a:rPr lang="hu-HU" smtClean="0"/>
-              <a:t>2018. 02. 26.</a:t>
+              <a:t>2018. 02. 27.</a:t>
             </a:fld>
             <a:endParaRPr lang="hu-HU"/>
           </a:p>
@@ -1626,7 +1626,7 @@
           <a:p>
             <a:fld id="{EE90FBA0-FEE2-473A-A4B4-051DFD2DB1BD}" type="datetimeFigureOut">
               <a:rPr lang="en-US" smtClean="0"/>
-              <a:t>2/26/2018</a:t>
+              <a:t>2/27/2018</a:t>
             </a:fld>
             <a:endParaRPr lang="en-US"/>
           </a:p>
@@ -1834,7 +1834,7 @@
           <a:p>
             <a:fld id="{EE90FBA0-FEE2-473A-A4B4-051DFD2DB1BD}" type="datetimeFigureOut">
               <a:rPr lang="en-US" smtClean="0"/>
-              <a:t>2/26/2018</a:t>
+              <a:t>2/27/2018</a:t>
             </a:fld>
             <a:endParaRPr lang="en-US"/>
           </a:p>
@@ -2090,7 +2090,7 @@
           <a:p>
             <a:fld id="{EE90FBA0-FEE2-473A-A4B4-051DFD2DB1BD}" type="datetimeFigureOut">
               <a:rPr lang="en-US" smtClean="0"/>
-              <a:t>2/26/2018</a:t>
+              <a:t>2/27/2018</a:t>
             </a:fld>
             <a:endParaRPr lang="en-US"/>
           </a:p>
@@ -2264,7 +2264,7 @@
           <a:p>
             <a:fld id="{EE90FBA0-FEE2-473A-A4B4-051DFD2DB1BD}" type="datetimeFigureOut">
               <a:rPr lang="en-US" smtClean="0"/>
-              <a:t>2/26/2018</a:t>
+              <a:t>2/27/2018</a:t>
             </a:fld>
             <a:endParaRPr lang="en-US"/>
           </a:p>
@@ -2607,7 +2607,7 @@
           <a:p>
             <a:fld id="{EE90FBA0-FEE2-473A-A4B4-051DFD2DB1BD}" type="datetimeFigureOut">
               <a:rPr lang="en-US" smtClean="0"/>
-              <a:t>2/26/2018</a:t>
+              <a:t>2/27/2018</a:t>
             </a:fld>
             <a:endParaRPr lang="en-US"/>
           </a:p>
@@ -2882,7 +2882,7 @@
           <a:p>
             <a:fld id="{EE90FBA0-FEE2-473A-A4B4-051DFD2DB1BD}" type="datetimeFigureOut">
               <a:rPr lang="en-US" smtClean="0"/>
-              <a:t>2/26/2018</a:t>
+              <a:t>2/27/2018</a:t>
             </a:fld>
             <a:endParaRPr lang="en-US"/>
           </a:p>
@@ -3261,7 +3261,7 @@
           <a:p>
             <a:fld id="{EE90FBA0-FEE2-473A-A4B4-051DFD2DB1BD}" type="datetimeFigureOut">
               <a:rPr lang="en-US" smtClean="0"/>
-              <a:t>2/26/2018</a:t>
+              <a:t>2/27/2018</a:t>
             </a:fld>
             <a:endParaRPr lang="en-US"/>
           </a:p>
@@ -3379,7 +3379,7 @@
           <a:p>
             <a:fld id="{EE90FBA0-FEE2-473A-A4B4-051DFD2DB1BD}" type="datetimeFigureOut">
               <a:rPr lang="en-US" smtClean="0"/>
-              <a:t>2/26/2018</a:t>
+              <a:t>2/27/2018</a:t>
             </a:fld>
             <a:endParaRPr lang="en-US"/>
           </a:p>
@@ -3550,7 +3550,7 @@
           <a:p>
             <a:fld id="{EE90FBA0-FEE2-473A-A4B4-051DFD2DB1BD}" type="datetimeFigureOut">
               <a:rPr lang="en-US" smtClean="0"/>
-              <a:t>2/26/2018</a:t>
+              <a:t>2/27/2018</a:t>
             </a:fld>
             <a:endParaRPr lang="en-US"/>
           </a:p>
@@ -3904,7 +3904,7 @@
           <a:p>
             <a:fld id="{EE90FBA0-FEE2-473A-A4B4-051DFD2DB1BD}" type="datetimeFigureOut">
               <a:rPr lang="en-US" smtClean="0"/>
-              <a:t>2/26/2018</a:t>
+              <a:t>2/27/2018</a:t>
             </a:fld>
             <a:endParaRPr lang="en-US"/>
           </a:p>
@@ -4286,7 +4286,7 @@
           <a:p>
             <a:fld id="{EE90FBA0-FEE2-473A-A4B4-051DFD2DB1BD}" type="datetimeFigureOut">
               <a:rPr lang="en-US" smtClean="0"/>
-              <a:t>2/26/2018</a:t>
+              <a:t>2/27/2018</a:t>
             </a:fld>
             <a:endParaRPr lang="en-US"/>
           </a:p>
@@ -4573,7 +4573,7 @@
           <a:p>
             <a:fld id="{EE90FBA0-FEE2-473A-A4B4-051DFD2DB1BD}" type="datetimeFigureOut">
               <a:rPr lang="en-US" smtClean="0"/>
-              <a:t>2/26/2018</a:t>
+              <a:t>2/27/2018</a:t>
             </a:fld>
             <a:endParaRPr lang="en-US"/>
           </a:p>
@@ -7521,8 +7521,8 @@
           </a:p>
         </p:txBody>
       </p:sp>
-      <mc:AlternateContent xmlns:mc="http://schemas.openxmlformats.org/markup-compatibility/2006">
-        <mc:Choice xmlns:a14="http://schemas.microsoft.com/office/drawing/2010/main" Requires="a14">
+      <mc:AlternateContent xmlns:mc="http://schemas.openxmlformats.org/markup-compatibility/2006" xmlns:a14="http://schemas.microsoft.com/office/drawing/2010/main">
+        <mc:Choice Requires="a14">
           <p:sp>
             <p:nvSpPr>
               <p:cNvPr id="3" name="Content Placeholder 2">
@@ -8650,7 +8650,7 @@
             </p:txBody>
           </p:sp>
         </mc:Choice>
-        <mc:Fallback>
+        <mc:Fallback xmlns="">
           <p:sp>
             <p:nvSpPr>
               <p:cNvPr id="3" name="Content Placeholder 2">
@@ -8997,8 +8997,8 @@
           </a:p>
         </p:txBody>
       </p:sp>
-      <mc:AlternateContent xmlns:mc="http://schemas.openxmlformats.org/markup-compatibility/2006">
-        <mc:Choice xmlns:a14="http://schemas.microsoft.com/office/drawing/2010/main" Requires="a14">
+      <mc:AlternateContent xmlns:mc="http://schemas.openxmlformats.org/markup-compatibility/2006" xmlns:a14="http://schemas.microsoft.com/office/drawing/2010/main">
+        <mc:Choice Requires="a14">
           <p:sp>
             <p:nvSpPr>
               <p:cNvPr id="3" name="Content Placeholder 2">
@@ -9817,7 +9817,7 @@
             </p:txBody>
           </p:sp>
         </mc:Choice>
-        <mc:Fallback>
+        <mc:Fallback xmlns="">
           <p:sp>
             <p:nvSpPr>
               <p:cNvPr id="3" name="Content Placeholder 2">
@@ -12999,7 +12999,19 @@
                 </a:r>
                 <a:r>
                   <a:rPr lang="en-US" dirty="0"/>
-                  <a:t> </a:t>
+                  <a:t> (</a:t>
+                </a:r>
+                <a:r>
+                  <a:rPr lang="en-US" dirty="0" err="1"/>
+                  <a:t>egys</a:t>
+                </a:r>
+                <a:r>
+                  <a:rPr lang="hu-HU" dirty="0"/>
+                  <a:t>égsugarú</a:t>
+                </a:r>
+                <a:r>
+                  <a:rPr lang="en-US" dirty="0"/>
+                  <a:t>) </a:t>
                 </a:r>
                 <a:r>
                   <a:rPr lang="en-US" dirty="0" err="1"/>
@@ -13851,8 +13863,8 @@
           </a:p>
         </p:txBody>
       </p:sp>
-      <mc:AlternateContent xmlns:mc="http://schemas.openxmlformats.org/markup-compatibility/2006" xmlns:a14="http://schemas.microsoft.com/office/drawing/2010/main">
-        <mc:Choice Requires="a14">
+      <mc:AlternateContent xmlns:mc="http://schemas.openxmlformats.org/markup-compatibility/2006">
+        <mc:Choice xmlns:a14="http://schemas.microsoft.com/office/drawing/2010/main" Requires="a14">
           <p:sp>
             <p:nvSpPr>
               <p:cNvPr id="3" name="Content Placeholder 2">
@@ -14400,12 +14412,31 @@
                           </a:rPr>
                           <m:t>𝑑</m:t>
                         </m:r>
-                        <m:r>
-                          <a:rPr lang="hu-HU" i="1">
-                            <a:latin typeface="Cambria Math" panose="02040503050406030204" pitchFamily="18" charset="0"/>
-                          </a:rPr>
-                          <m:t>𝜔</m:t>
-                        </m:r>
+                        <m:sSub>
+                          <m:sSubPr>
+                            <m:ctrlPr>
+                              <a:rPr lang="hu-HU" b="0" i="1" smtClean="0">
+                                <a:latin typeface="Cambria Math" panose="02040503050406030204" pitchFamily="18" charset="0"/>
+                              </a:rPr>
+                            </m:ctrlPr>
+                          </m:sSubPr>
+                          <m:e>
+                            <m:r>
+                              <a:rPr lang="hu-HU" i="1">
+                                <a:latin typeface="Cambria Math" panose="02040503050406030204" pitchFamily="18" charset="0"/>
+                              </a:rPr>
+                              <m:t>𝜔</m:t>
+                            </m:r>
+                          </m:e>
+                          <m:sub>
+                            <m:r>
+                              <a:rPr lang="hu-HU" b="0" i="1" smtClean="0">
+                                <a:latin typeface="Cambria Math" panose="02040503050406030204" pitchFamily="18" charset="0"/>
+                              </a:rPr>
+                              <m:t>𝑖</m:t>
+                            </m:r>
+                          </m:sub>
+                        </m:sSub>
                       </m:e>
                     </m:func>
                   </m:oMath>
@@ -14415,7 +14446,7 @@
             </p:txBody>
           </p:sp>
         </mc:Choice>
-        <mc:Fallback xmlns="">
+        <mc:Fallback>
           <p:sp>
             <p:nvSpPr>
               <p:cNvPr id="3" name="Content Placeholder 2">

--- a/PBR_EA_01.pptx
+++ b/PBR_EA_01.pptx
@@ -218,7 +218,7 @@
           <a:p>
             <a:fld id="{3A5A56FF-9D9E-417E-8DB7-17CB8EBF566C}" type="datetimeFigureOut">
               <a:rPr lang="hu-HU" smtClean="0"/>
-              <a:t>2018. 02. 27.</a:t>
+              <a:t>2018. 03. 06.</a:t>
             </a:fld>
             <a:endParaRPr lang="hu-HU"/>
           </a:p>
@@ -1626,7 +1626,7 @@
           <a:p>
             <a:fld id="{EE90FBA0-FEE2-473A-A4B4-051DFD2DB1BD}" type="datetimeFigureOut">
               <a:rPr lang="en-US" smtClean="0"/>
-              <a:t>2/27/2018</a:t>
+              <a:t>3/6/2018</a:t>
             </a:fld>
             <a:endParaRPr lang="en-US"/>
           </a:p>
@@ -1834,7 +1834,7 @@
           <a:p>
             <a:fld id="{EE90FBA0-FEE2-473A-A4B4-051DFD2DB1BD}" type="datetimeFigureOut">
               <a:rPr lang="en-US" smtClean="0"/>
-              <a:t>2/27/2018</a:t>
+              <a:t>3/6/2018</a:t>
             </a:fld>
             <a:endParaRPr lang="en-US"/>
           </a:p>
@@ -2090,7 +2090,7 @@
           <a:p>
             <a:fld id="{EE90FBA0-FEE2-473A-A4B4-051DFD2DB1BD}" type="datetimeFigureOut">
               <a:rPr lang="en-US" smtClean="0"/>
-              <a:t>2/27/2018</a:t>
+              <a:t>3/6/2018</a:t>
             </a:fld>
             <a:endParaRPr lang="en-US"/>
           </a:p>
@@ -2264,7 +2264,7 @@
           <a:p>
             <a:fld id="{EE90FBA0-FEE2-473A-A4B4-051DFD2DB1BD}" type="datetimeFigureOut">
               <a:rPr lang="en-US" smtClean="0"/>
-              <a:t>2/27/2018</a:t>
+              <a:t>3/6/2018</a:t>
             </a:fld>
             <a:endParaRPr lang="en-US"/>
           </a:p>
@@ -2607,7 +2607,7 @@
           <a:p>
             <a:fld id="{EE90FBA0-FEE2-473A-A4B4-051DFD2DB1BD}" type="datetimeFigureOut">
               <a:rPr lang="en-US" smtClean="0"/>
-              <a:t>2/27/2018</a:t>
+              <a:t>3/6/2018</a:t>
             </a:fld>
             <a:endParaRPr lang="en-US"/>
           </a:p>
@@ -2882,7 +2882,7 @@
           <a:p>
             <a:fld id="{EE90FBA0-FEE2-473A-A4B4-051DFD2DB1BD}" type="datetimeFigureOut">
               <a:rPr lang="en-US" smtClean="0"/>
-              <a:t>2/27/2018</a:t>
+              <a:t>3/6/2018</a:t>
             </a:fld>
             <a:endParaRPr lang="en-US"/>
           </a:p>
@@ -3261,7 +3261,7 @@
           <a:p>
             <a:fld id="{EE90FBA0-FEE2-473A-A4B4-051DFD2DB1BD}" type="datetimeFigureOut">
               <a:rPr lang="en-US" smtClean="0"/>
-              <a:t>2/27/2018</a:t>
+              <a:t>3/6/2018</a:t>
             </a:fld>
             <a:endParaRPr lang="en-US"/>
           </a:p>
@@ -3379,7 +3379,7 @@
           <a:p>
             <a:fld id="{EE90FBA0-FEE2-473A-A4B4-051DFD2DB1BD}" type="datetimeFigureOut">
               <a:rPr lang="en-US" smtClean="0"/>
-              <a:t>2/27/2018</a:t>
+              <a:t>3/6/2018</a:t>
             </a:fld>
             <a:endParaRPr lang="en-US"/>
           </a:p>
@@ -3550,7 +3550,7 @@
           <a:p>
             <a:fld id="{EE90FBA0-FEE2-473A-A4B4-051DFD2DB1BD}" type="datetimeFigureOut">
               <a:rPr lang="en-US" smtClean="0"/>
-              <a:t>2/27/2018</a:t>
+              <a:t>3/6/2018</a:t>
             </a:fld>
             <a:endParaRPr lang="en-US"/>
           </a:p>
@@ -3904,7 +3904,7 @@
           <a:p>
             <a:fld id="{EE90FBA0-FEE2-473A-A4B4-051DFD2DB1BD}" type="datetimeFigureOut">
               <a:rPr lang="en-US" smtClean="0"/>
-              <a:t>2/27/2018</a:t>
+              <a:t>3/6/2018</a:t>
             </a:fld>
             <a:endParaRPr lang="en-US"/>
           </a:p>
@@ -4286,7 +4286,7 @@
           <a:p>
             <a:fld id="{EE90FBA0-FEE2-473A-A4B4-051DFD2DB1BD}" type="datetimeFigureOut">
               <a:rPr lang="en-US" smtClean="0"/>
-              <a:t>2/27/2018</a:t>
+              <a:t>3/6/2018</a:t>
             </a:fld>
             <a:endParaRPr lang="en-US"/>
           </a:p>
@@ -4573,7 +4573,7 @@
           <a:p>
             <a:fld id="{EE90FBA0-FEE2-473A-A4B4-051DFD2DB1BD}" type="datetimeFigureOut">
               <a:rPr lang="en-US" smtClean="0"/>
-              <a:t>2/27/2018</a:t>
+              <a:t>3/6/2018</a:t>
             </a:fld>
             <a:endParaRPr lang="en-US"/>
           </a:p>
@@ -12107,8 +12107,8 @@
           </a:p>
         </p:txBody>
       </p:sp>
-      <mc:AlternateContent xmlns:mc="http://schemas.openxmlformats.org/markup-compatibility/2006">
-        <mc:Choice xmlns:a14="http://schemas.microsoft.com/office/drawing/2010/main" Requires="a14">
+      <mc:AlternateContent xmlns:mc="http://schemas.openxmlformats.org/markup-compatibility/2006" xmlns:a14="http://schemas.microsoft.com/office/drawing/2010/main">
+        <mc:Choice Requires="a14">
           <p:sp>
             <p:nvSpPr>
               <p:cNvPr id="3" name="Content Placeholder 2">
@@ -13082,7 +13082,7 @@
             </p:txBody>
           </p:sp>
         </mc:Choice>
-        <mc:Fallback>
+        <mc:Fallback xmlns="">
           <p:sp>
             <p:nvSpPr>
               <p:cNvPr id="3" name="Content Placeholder 2">
@@ -13863,8 +13863,8 @@
           </a:p>
         </p:txBody>
       </p:sp>
-      <mc:AlternateContent xmlns:mc="http://schemas.openxmlformats.org/markup-compatibility/2006">
-        <mc:Choice xmlns:a14="http://schemas.microsoft.com/office/drawing/2010/main" Requires="a14">
+      <mc:AlternateContent xmlns:mc="http://schemas.openxmlformats.org/markup-compatibility/2006" xmlns:a14="http://schemas.microsoft.com/office/drawing/2010/main">
+        <mc:Choice Requires="a14">
           <p:sp>
             <p:nvSpPr>
               <p:cNvPr id="3" name="Content Placeholder 2">
@@ -14446,7 +14446,7 @@
             </p:txBody>
           </p:sp>
         </mc:Choice>
-        <mc:Fallback>
+        <mc:Fallback xmlns="">
           <p:sp>
             <p:nvSpPr>
               <p:cNvPr id="3" name="Content Placeholder 2">
@@ -14544,8 +14544,8 @@
           </a:p>
         </p:txBody>
       </p:sp>
-      <mc:AlternateContent xmlns:mc="http://schemas.openxmlformats.org/markup-compatibility/2006" xmlns:a14="http://schemas.microsoft.com/office/drawing/2010/main">
-        <mc:Choice Requires="a14">
+      <mc:AlternateContent xmlns:mc="http://schemas.openxmlformats.org/markup-compatibility/2006">
+        <mc:Choice xmlns:a14="http://schemas.microsoft.com/office/drawing/2010/main" Requires="a14">
           <p:sp>
             <p:nvSpPr>
               <p:cNvPr id="3" name="Content Placeholder 2">
@@ -14573,15 +14573,35 @@
                 </a:pPr>
                 <a:r>
                   <a:rPr lang="hu-HU" dirty="0"/>
-                  <a:t>A felületet </a:t>
-                </a:r>
-                <a:r>
-                  <a:rPr lang="hu-HU" b="1" dirty="0"/>
-                  <a:t>minden irányban</a:t>
+                  <a:t>A felületet</a:t>
+                </a:r>
+                <a:r>
+                  <a:rPr lang="en-US" dirty="0"/>
+                  <a:t> </a:t>
                 </a:r>
                 <a:r>
                   <a:rPr lang="hu-HU" dirty="0"/>
-                  <a:t> elhagyó radiancia és a felületre beérkező </a:t>
+                  <a:t>elhagyó radiancia és a felületre </a:t>
+                </a:r>
+                <a:r>
+                  <a:rPr lang="en-US" b="1" dirty="0" err="1"/>
+                  <a:t>minden</a:t>
+                </a:r>
+                <a:r>
+                  <a:rPr lang="en-US" b="1" dirty="0"/>
+                  <a:t> </a:t>
+                </a:r>
+                <a:r>
+                  <a:rPr lang="en-US" b="1" dirty="0" err="1"/>
+                  <a:t>irányból</a:t>
+                </a:r>
+                <a:r>
+                  <a:rPr lang="en-US" dirty="0"/>
+                  <a:t> </a:t>
+                </a:r>
+                <a:r>
+                  <a:rPr lang="hu-HU" dirty="0"/>
+                  <a:t>beérkező </a:t>
                 </a:r>
                 <a:r>
                   <a:rPr lang="hu-HU" b="1" dirty="0"/>
@@ -15545,7 +15565,7 @@
             </p:txBody>
           </p:sp>
         </mc:Choice>
-        <mc:Fallback xmlns="">
+        <mc:Fallback>
           <p:sp>
             <p:nvSpPr>
               <p:cNvPr id="3" name="Content Placeholder 2">

--- a/PBR_EA_01.pptx
+++ b/PBR_EA_01.pptx
@@ -218,7 +218,7 @@
           <a:p>
             <a:fld id="{3A5A56FF-9D9E-417E-8DB7-17CB8EBF566C}" type="datetimeFigureOut">
               <a:rPr lang="hu-HU" smtClean="0"/>
-              <a:t>2018. 03. 06.</a:t>
+              <a:t>2018. 03. 10.</a:t>
             </a:fld>
             <a:endParaRPr lang="hu-HU"/>
           </a:p>
@@ -1626,7 +1626,7 @@
           <a:p>
             <a:fld id="{EE90FBA0-FEE2-473A-A4B4-051DFD2DB1BD}" type="datetimeFigureOut">
               <a:rPr lang="en-US" smtClean="0"/>
-              <a:t>3/6/2018</a:t>
+              <a:t>3/10/2018</a:t>
             </a:fld>
             <a:endParaRPr lang="en-US"/>
           </a:p>
@@ -1834,7 +1834,7 @@
           <a:p>
             <a:fld id="{EE90FBA0-FEE2-473A-A4B4-051DFD2DB1BD}" type="datetimeFigureOut">
               <a:rPr lang="en-US" smtClean="0"/>
-              <a:t>3/6/2018</a:t>
+              <a:t>3/10/2018</a:t>
             </a:fld>
             <a:endParaRPr lang="en-US"/>
           </a:p>
@@ -2090,7 +2090,7 @@
           <a:p>
             <a:fld id="{EE90FBA0-FEE2-473A-A4B4-051DFD2DB1BD}" type="datetimeFigureOut">
               <a:rPr lang="en-US" smtClean="0"/>
-              <a:t>3/6/2018</a:t>
+              <a:t>3/10/2018</a:t>
             </a:fld>
             <a:endParaRPr lang="en-US"/>
           </a:p>
@@ -2264,7 +2264,7 @@
           <a:p>
             <a:fld id="{EE90FBA0-FEE2-473A-A4B4-051DFD2DB1BD}" type="datetimeFigureOut">
               <a:rPr lang="en-US" smtClean="0"/>
-              <a:t>3/6/2018</a:t>
+              <a:t>3/10/2018</a:t>
             </a:fld>
             <a:endParaRPr lang="en-US"/>
           </a:p>
@@ -2607,7 +2607,7 @@
           <a:p>
             <a:fld id="{EE90FBA0-FEE2-473A-A4B4-051DFD2DB1BD}" type="datetimeFigureOut">
               <a:rPr lang="en-US" smtClean="0"/>
-              <a:t>3/6/2018</a:t>
+              <a:t>3/10/2018</a:t>
             </a:fld>
             <a:endParaRPr lang="en-US"/>
           </a:p>
@@ -2882,7 +2882,7 @@
           <a:p>
             <a:fld id="{EE90FBA0-FEE2-473A-A4B4-051DFD2DB1BD}" type="datetimeFigureOut">
               <a:rPr lang="en-US" smtClean="0"/>
-              <a:t>3/6/2018</a:t>
+              <a:t>3/10/2018</a:t>
             </a:fld>
             <a:endParaRPr lang="en-US"/>
           </a:p>
@@ -3261,7 +3261,7 @@
           <a:p>
             <a:fld id="{EE90FBA0-FEE2-473A-A4B4-051DFD2DB1BD}" type="datetimeFigureOut">
               <a:rPr lang="en-US" smtClean="0"/>
-              <a:t>3/6/2018</a:t>
+              <a:t>3/10/2018</a:t>
             </a:fld>
             <a:endParaRPr lang="en-US"/>
           </a:p>
@@ -3379,7 +3379,7 @@
           <a:p>
             <a:fld id="{EE90FBA0-FEE2-473A-A4B4-051DFD2DB1BD}" type="datetimeFigureOut">
               <a:rPr lang="en-US" smtClean="0"/>
-              <a:t>3/6/2018</a:t>
+              <a:t>3/10/2018</a:t>
             </a:fld>
             <a:endParaRPr lang="en-US"/>
           </a:p>
@@ -3550,7 +3550,7 @@
           <a:p>
             <a:fld id="{EE90FBA0-FEE2-473A-A4B4-051DFD2DB1BD}" type="datetimeFigureOut">
               <a:rPr lang="en-US" smtClean="0"/>
-              <a:t>3/6/2018</a:t>
+              <a:t>3/10/2018</a:t>
             </a:fld>
             <a:endParaRPr lang="en-US"/>
           </a:p>
@@ -3904,7 +3904,7 @@
           <a:p>
             <a:fld id="{EE90FBA0-FEE2-473A-A4B4-051DFD2DB1BD}" type="datetimeFigureOut">
               <a:rPr lang="en-US" smtClean="0"/>
-              <a:t>3/6/2018</a:t>
+              <a:t>3/10/2018</a:t>
             </a:fld>
             <a:endParaRPr lang="en-US"/>
           </a:p>
@@ -4286,7 +4286,7 @@
           <a:p>
             <a:fld id="{EE90FBA0-FEE2-473A-A4B4-051DFD2DB1BD}" type="datetimeFigureOut">
               <a:rPr lang="en-US" smtClean="0"/>
-              <a:t>3/6/2018</a:t>
+              <a:t>3/10/2018</a:t>
             </a:fld>
             <a:endParaRPr lang="en-US"/>
           </a:p>
@@ -4573,7 +4573,7 @@
           <a:p>
             <a:fld id="{EE90FBA0-FEE2-473A-A4B4-051DFD2DB1BD}" type="datetimeFigureOut">
               <a:rPr lang="en-US" smtClean="0"/>
-              <a:t>3/6/2018</a:t>
+              <a:t>3/10/2018</a:t>
             </a:fld>
             <a:endParaRPr lang="en-US"/>
           </a:p>
@@ -5249,8 +5249,8 @@
           </a:p>
         </p:txBody>
       </p:sp>
-      <mc:AlternateContent xmlns:mc="http://schemas.openxmlformats.org/markup-compatibility/2006" xmlns:a14="http://schemas.microsoft.com/office/drawing/2010/main">
-        <mc:Choice Requires="a14">
+      <mc:AlternateContent xmlns:mc="http://schemas.openxmlformats.org/markup-compatibility/2006">
+        <mc:Choice xmlns:a14="http://schemas.microsoft.com/office/drawing/2010/main" Requires="a14">
           <p:sp>
             <p:nvSpPr>
               <p:cNvPr id="3" name="Content Placeholder 2">
@@ -5620,12 +5620,31 @@
                                 </a:rPr>
                                 <m:t>𝑑</m:t>
                               </m:r>
-                              <m:r>
-                                <a:rPr lang="hu-HU" b="0" i="1" smtClean="0">
-                                  <a:latin typeface="Cambria Math" panose="02040503050406030204" pitchFamily="18" charset="0"/>
-                                </a:rPr>
-                                <m:t>𝜔</m:t>
-                              </m:r>
+                              <m:sSub>
+                                <m:sSubPr>
+                                  <m:ctrlPr>
+                                    <a:rPr lang="en-US" b="0" i="1" smtClean="0">
+                                      <a:latin typeface="Cambria Math" panose="02040503050406030204" pitchFamily="18" charset="0"/>
+                                    </a:rPr>
+                                  </m:ctrlPr>
+                                </m:sSubPr>
+                                <m:e>
+                                  <m:r>
+                                    <a:rPr lang="hu-HU" b="0" i="1" smtClean="0">
+                                      <a:latin typeface="Cambria Math" panose="02040503050406030204" pitchFamily="18" charset="0"/>
+                                    </a:rPr>
+                                    <m:t>𝜔</m:t>
+                                  </m:r>
+                                </m:e>
+                                <m:sub>
+                                  <m:r>
+                                    <a:rPr lang="en-US" b="0" i="1" smtClean="0">
+                                      <a:latin typeface="Cambria Math" panose="02040503050406030204" pitchFamily="18" charset="0"/>
+                                    </a:rPr>
+                                    <m:t>𝑖</m:t>
+                                  </m:r>
+                                </m:sub>
+                              </m:sSub>
                             </m:e>
                           </m:func>
                         </m:e>
@@ -5966,7 +5985,7 @@
             </p:txBody>
           </p:sp>
         </mc:Choice>
-        <mc:Fallback xmlns="">
+        <mc:Fallback>
           <p:sp>
             <p:nvSpPr>
               <p:cNvPr id="3" name="Content Placeholder 2">
@@ -14544,8 +14563,8 @@
           </a:p>
         </p:txBody>
       </p:sp>
-      <mc:AlternateContent xmlns:mc="http://schemas.openxmlformats.org/markup-compatibility/2006">
-        <mc:Choice xmlns:a14="http://schemas.microsoft.com/office/drawing/2010/main" Requires="a14">
+      <mc:AlternateContent xmlns:mc="http://schemas.openxmlformats.org/markup-compatibility/2006" xmlns:a14="http://schemas.microsoft.com/office/drawing/2010/main">
+        <mc:Choice Requires="a14">
           <p:sp>
             <p:nvSpPr>
               <p:cNvPr id="3" name="Content Placeholder 2">
@@ -15565,7 +15584,7 @@
             </p:txBody>
           </p:sp>
         </mc:Choice>
-        <mc:Fallback>
+        <mc:Fallback xmlns="">
           <p:sp>
             <p:nvSpPr>
               <p:cNvPr id="3" name="Content Placeholder 2">

--- a/PBR_EA_01.pptx
+++ b/PBR_EA_01.pptx
@@ -218,7 +218,7 @@
           <a:p>
             <a:fld id="{3A5A56FF-9D9E-417E-8DB7-17CB8EBF566C}" type="datetimeFigureOut">
               <a:rPr lang="hu-HU" smtClean="0"/>
-              <a:t>2018. 03. 10.</a:t>
+              <a:t>2018. 03. 19.</a:t>
             </a:fld>
             <a:endParaRPr lang="hu-HU"/>
           </a:p>
@@ -1626,7 +1626,7 @@
           <a:p>
             <a:fld id="{EE90FBA0-FEE2-473A-A4B4-051DFD2DB1BD}" type="datetimeFigureOut">
               <a:rPr lang="en-US" smtClean="0"/>
-              <a:t>3/10/2018</a:t>
+              <a:t>3/19/2018</a:t>
             </a:fld>
             <a:endParaRPr lang="en-US"/>
           </a:p>
@@ -1834,7 +1834,7 @@
           <a:p>
             <a:fld id="{EE90FBA0-FEE2-473A-A4B4-051DFD2DB1BD}" type="datetimeFigureOut">
               <a:rPr lang="en-US" smtClean="0"/>
-              <a:t>3/10/2018</a:t>
+              <a:t>3/19/2018</a:t>
             </a:fld>
             <a:endParaRPr lang="en-US"/>
           </a:p>
@@ -2090,7 +2090,7 @@
           <a:p>
             <a:fld id="{EE90FBA0-FEE2-473A-A4B4-051DFD2DB1BD}" type="datetimeFigureOut">
               <a:rPr lang="en-US" smtClean="0"/>
-              <a:t>3/10/2018</a:t>
+              <a:t>3/19/2018</a:t>
             </a:fld>
             <a:endParaRPr lang="en-US"/>
           </a:p>
@@ -2264,7 +2264,7 @@
           <a:p>
             <a:fld id="{EE90FBA0-FEE2-473A-A4B4-051DFD2DB1BD}" type="datetimeFigureOut">
               <a:rPr lang="en-US" smtClean="0"/>
-              <a:t>3/10/2018</a:t>
+              <a:t>3/19/2018</a:t>
             </a:fld>
             <a:endParaRPr lang="en-US"/>
           </a:p>
@@ -2607,7 +2607,7 @@
           <a:p>
             <a:fld id="{EE90FBA0-FEE2-473A-A4B4-051DFD2DB1BD}" type="datetimeFigureOut">
               <a:rPr lang="en-US" smtClean="0"/>
-              <a:t>3/10/2018</a:t>
+              <a:t>3/19/2018</a:t>
             </a:fld>
             <a:endParaRPr lang="en-US"/>
           </a:p>
@@ -2882,7 +2882,7 @@
           <a:p>
             <a:fld id="{EE90FBA0-FEE2-473A-A4B4-051DFD2DB1BD}" type="datetimeFigureOut">
               <a:rPr lang="en-US" smtClean="0"/>
-              <a:t>3/10/2018</a:t>
+              <a:t>3/19/2018</a:t>
             </a:fld>
             <a:endParaRPr lang="en-US"/>
           </a:p>
@@ -3261,7 +3261,7 @@
           <a:p>
             <a:fld id="{EE90FBA0-FEE2-473A-A4B4-051DFD2DB1BD}" type="datetimeFigureOut">
               <a:rPr lang="en-US" smtClean="0"/>
-              <a:t>3/10/2018</a:t>
+              <a:t>3/19/2018</a:t>
             </a:fld>
             <a:endParaRPr lang="en-US"/>
           </a:p>
@@ -3379,7 +3379,7 @@
           <a:p>
             <a:fld id="{EE90FBA0-FEE2-473A-A4B4-051DFD2DB1BD}" type="datetimeFigureOut">
               <a:rPr lang="en-US" smtClean="0"/>
-              <a:t>3/10/2018</a:t>
+              <a:t>3/19/2018</a:t>
             </a:fld>
             <a:endParaRPr lang="en-US"/>
           </a:p>
@@ -3550,7 +3550,7 @@
           <a:p>
             <a:fld id="{EE90FBA0-FEE2-473A-A4B4-051DFD2DB1BD}" type="datetimeFigureOut">
               <a:rPr lang="en-US" smtClean="0"/>
-              <a:t>3/10/2018</a:t>
+              <a:t>3/19/2018</a:t>
             </a:fld>
             <a:endParaRPr lang="en-US"/>
           </a:p>
@@ -3904,7 +3904,7 @@
           <a:p>
             <a:fld id="{EE90FBA0-FEE2-473A-A4B4-051DFD2DB1BD}" type="datetimeFigureOut">
               <a:rPr lang="en-US" smtClean="0"/>
-              <a:t>3/10/2018</a:t>
+              <a:t>3/19/2018</a:t>
             </a:fld>
             <a:endParaRPr lang="en-US"/>
           </a:p>
@@ -4286,7 +4286,7 @@
           <a:p>
             <a:fld id="{EE90FBA0-FEE2-473A-A4B4-051DFD2DB1BD}" type="datetimeFigureOut">
               <a:rPr lang="en-US" smtClean="0"/>
-              <a:t>3/10/2018</a:t>
+              <a:t>3/19/2018</a:t>
             </a:fld>
             <a:endParaRPr lang="en-US"/>
           </a:p>
@@ -4573,7 +4573,7 @@
           <a:p>
             <a:fld id="{EE90FBA0-FEE2-473A-A4B4-051DFD2DB1BD}" type="datetimeFigureOut">
               <a:rPr lang="en-US" smtClean="0"/>
-              <a:t>3/10/2018</a:t>
+              <a:t>3/19/2018</a:t>
             </a:fld>
             <a:endParaRPr lang="en-US"/>
           </a:p>
@@ -5602,12 +5602,31 @@
                               </m:r>
                             </m:fName>
                             <m:e>
-                              <m:r>
-                                <a:rPr lang="hu-HU" b="0" i="1" smtClean="0">
-                                  <a:latin typeface="Cambria Math" panose="02040503050406030204" pitchFamily="18" charset="0"/>
-                                </a:rPr>
-                                <m:t>𝜃</m:t>
-                              </m:r>
+                              <m:sSub>
+                                <m:sSubPr>
+                                  <m:ctrlPr>
+                                    <a:rPr lang="en-US" b="0" i="1" smtClean="0">
+                                      <a:latin typeface="Cambria Math" panose="02040503050406030204" pitchFamily="18" charset="0"/>
+                                    </a:rPr>
+                                  </m:ctrlPr>
+                                </m:sSubPr>
+                                <m:e>
+                                  <m:r>
+                                    <a:rPr lang="hu-HU" b="0" i="1" smtClean="0">
+                                      <a:latin typeface="Cambria Math" panose="02040503050406030204" pitchFamily="18" charset="0"/>
+                                    </a:rPr>
+                                    <m:t>𝜃</m:t>
+                                  </m:r>
+                                </m:e>
+                                <m:sub>
+                                  <m:r>
+                                    <a:rPr lang="en-US" b="0" i="1" smtClean="0">
+                                      <a:latin typeface="Cambria Math" panose="02040503050406030204" pitchFamily="18" charset="0"/>
+                                    </a:rPr>
+                                    <m:t>𝑖</m:t>
+                                  </m:r>
+                                </m:sub>
+                              </m:sSub>
                               <m:r>
                                 <a:rPr lang="hu-HU" b="0" i="1" smtClean="0">
                                   <a:latin typeface="Cambria Math" panose="02040503050406030204" pitchFamily="18" charset="0"/>
@@ -9016,8 +9035,8 @@
           </a:p>
         </p:txBody>
       </p:sp>
-      <mc:AlternateContent xmlns:mc="http://schemas.openxmlformats.org/markup-compatibility/2006" xmlns:a14="http://schemas.microsoft.com/office/drawing/2010/main">
-        <mc:Choice Requires="a14">
+      <mc:AlternateContent xmlns:mc="http://schemas.openxmlformats.org/markup-compatibility/2006">
+        <mc:Choice xmlns:a14="http://schemas.microsoft.com/office/drawing/2010/main" Requires="a14">
           <p:sp>
             <p:nvSpPr>
               <p:cNvPr id="3" name="Content Placeholder 2">
@@ -9179,43 +9198,56 @@
                                   </m:r>
                                 </m:fName>
                                 <m:e>
-                                  <m:r>
-                                    <a:rPr lang="hu-HU" b="0" i="1" smtClean="0">
-                                      <a:latin typeface="Cambria Math" panose="02040503050406030204" pitchFamily="18" charset="0"/>
-                                    </a:rPr>
-                                    <m:t>𝜃</m:t>
-                                  </m:r>
+                                  <m:sSub>
+                                    <m:sSubPr>
+                                      <m:ctrlPr>
+                                        <a:rPr lang="en-US" b="0" i="1" smtClean="0">
+                                          <a:latin typeface="Cambria Math" panose="02040503050406030204" pitchFamily="18" charset="0"/>
+                                        </a:rPr>
+                                      </m:ctrlPr>
+                                    </m:sSubPr>
+                                    <m:e>
+                                      <m:r>
+                                        <a:rPr lang="hu-HU" b="0" i="1" smtClean="0">
+                                          <a:latin typeface="Cambria Math" panose="02040503050406030204" pitchFamily="18" charset="0"/>
+                                        </a:rPr>
+                                        <m:t>𝜃</m:t>
+                                      </m:r>
+                                    </m:e>
+                                    <m:sub>
+                                      <m:sSub>
+                                        <m:sSubPr>
+                                          <m:ctrlPr>
+                                            <a:rPr lang="en-US" b="0" i="1" smtClean="0">
+                                              <a:latin typeface="Cambria Math" panose="02040503050406030204" pitchFamily="18" charset="0"/>
+                                            </a:rPr>
+                                          </m:ctrlPr>
+                                        </m:sSubPr>
+                                        <m:e>
+                                          <m:r>
+                                            <a:rPr lang="en-US" b="1" i="1" smtClean="0">
+                                              <a:latin typeface="Cambria Math" panose="02040503050406030204" pitchFamily="18" charset="0"/>
+                                            </a:rPr>
+                                            <m:t>𝒍</m:t>
+                                          </m:r>
+                                        </m:e>
+                                        <m:sub>
+                                          <m:r>
+                                            <a:rPr lang="en-US" b="0" i="1" smtClean="0">
+                                              <a:latin typeface="Cambria Math" panose="02040503050406030204" pitchFamily="18" charset="0"/>
+                                            </a:rPr>
+                                            <m:t>𝑘</m:t>
+                                          </m:r>
+                                        </m:sub>
+                                      </m:sSub>
+                                    </m:sub>
+                                  </m:sSub>
                                   <m:r>
                                     <a:rPr lang="hu-HU" b="0" i="1" smtClean="0">
                                       <a:latin typeface="Cambria Math" panose="02040503050406030204" pitchFamily="18" charset="0"/>
                                     </a:rPr>
                                     <m:t> </m:t>
                                   </m:r>
-                                  <m:sSub>
-                                    <m:sSubPr>
-                                      <m:ctrlPr>
-                                        <a:rPr lang="hu-HU" b="0" i="1" smtClean="0">
-                                          <a:latin typeface="Cambria Math" panose="02040503050406030204" pitchFamily="18" charset="0"/>
-                                        </a:rPr>
-                                      </m:ctrlPr>
-                                    </m:sSubPr>
-                                    <m:e>
-                                      <m:r>
-                                        <a:rPr lang="hu-HU" b="1" i="1" smtClean="0">
-                                          <a:latin typeface="Cambria Math" panose="02040503050406030204" pitchFamily="18" charset="0"/>
-                                        </a:rPr>
-                                        <m:t>𝒍</m:t>
-                                      </m:r>
-                                    </m:e>
-                                    <m:sub>
-                                      <m:r>
-                                        <a:rPr lang="hu-HU" b="0" i="1" smtClean="0">
-                                          <a:latin typeface="Cambria Math" panose="02040503050406030204" pitchFamily="18" charset="0"/>
-                                        </a:rPr>
-                                        <m:t>𝑘</m:t>
-                                      </m:r>
-                                    </m:sub>
-                                  </m:sSub>
                                 </m:e>
                               </m:func>
                             </m:e>
@@ -9836,7 +9868,7 @@
             </p:txBody>
           </p:sp>
         </mc:Choice>
-        <mc:Fallback xmlns="">
+        <mc:Fallback>
           <p:sp>
             <p:nvSpPr>
               <p:cNvPr id="3" name="Content Placeholder 2">
@@ -13882,8 +13914,8 @@
           </a:p>
         </p:txBody>
       </p:sp>
-      <mc:AlternateContent xmlns:mc="http://schemas.openxmlformats.org/markup-compatibility/2006" xmlns:a14="http://schemas.microsoft.com/office/drawing/2010/main">
-        <mc:Choice Requires="a14">
+      <mc:AlternateContent xmlns:mc="http://schemas.openxmlformats.org/markup-compatibility/2006">
+        <mc:Choice xmlns:a14="http://schemas.microsoft.com/office/drawing/2010/main" Requires="a14">
           <p:sp>
             <p:nvSpPr>
               <p:cNvPr id="3" name="Content Placeholder 2">
@@ -14413,12 +14445,31 @@
                         </m:r>
                       </m:fName>
                       <m:e>
-                        <m:r>
-                          <a:rPr lang="hu-HU" i="1">
-                            <a:latin typeface="Cambria Math" panose="02040503050406030204" pitchFamily="18" charset="0"/>
-                          </a:rPr>
-                          <m:t>𝜃</m:t>
-                        </m:r>
+                        <m:sSub>
+                          <m:sSubPr>
+                            <m:ctrlPr>
+                              <a:rPr lang="en-US" b="0" i="1" smtClean="0">
+                                <a:latin typeface="Cambria Math" panose="02040503050406030204" pitchFamily="18" charset="0"/>
+                              </a:rPr>
+                            </m:ctrlPr>
+                          </m:sSubPr>
+                          <m:e>
+                            <m:r>
+                              <a:rPr lang="hu-HU" i="1">
+                                <a:latin typeface="Cambria Math" panose="02040503050406030204" pitchFamily="18" charset="0"/>
+                              </a:rPr>
+                              <m:t>𝜃</m:t>
+                            </m:r>
+                          </m:e>
+                          <m:sub>
+                            <m:r>
+                              <a:rPr lang="en-US" b="0" i="1" smtClean="0">
+                                <a:latin typeface="Cambria Math" panose="02040503050406030204" pitchFamily="18" charset="0"/>
+                              </a:rPr>
+                              <m:t>𝑖</m:t>
+                            </m:r>
+                          </m:sub>
+                        </m:sSub>
                         <m:r>
                           <a:rPr lang="hu-HU" i="1">
                             <a:latin typeface="Cambria Math" panose="02040503050406030204" pitchFamily="18" charset="0"/>
@@ -14465,7 +14516,7 @@
             </p:txBody>
           </p:sp>
         </mc:Choice>
-        <mc:Fallback xmlns="">
+        <mc:Fallback>
           <p:sp>
             <p:nvSpPr>
               <p:cNvPr id="3" name="Content Placeholder 2">
@@ -14563,8 +14614,8 @@
           </a:p>
         </p:txBody>
       </p:sp>
-      <mc:AlternateContent xmlns:mc="http://schemas.openxmlformats.org/markup-compatibility/2006" xmlns:a14="http://schemas.microsoft.com/office/drawing/2010/main">
-        <mc:Choice Requires="a14">
+      <mc:AlternateContent xmlns:mc="http://schemas.openxmlformats.org/markup-compatibility/2006">
+        <mc:Choice xmlns:a14="http://schemas.microsoft.com/office/drawing/2010/main" Requires="a14">
           <p:sp>
             <p:nvSpPr>
               <p:cNvPr id="3" name="Content Placeholder 2">
@@ -15040,12 +15091,31 @@
                               </m:r>
                             </m:fName>
                             <m:e>
-                              <m:r>
-                                <a:rPr lang="hu-HU" b="0" i="1" smtClean="0">
-                                  <a:latin typeface="Cambria Math" panose="02040503050406030204" pitchFamily="18" charset="0"/>
-                                </a:rPr>
-                                <m:t>𝜃</m:t>
-                              </m:r>
+                              <m:sSub>
+                                <m:sSubPr>
+                                  <m:ctrlPr>
+                                    <a:rPr lang="en-US" b="0" i="1" smtClean="0">
+                                      <a:latin typeface="Cambria Math" panose="02040503050406030204" pitchFamily="18" charset="0"/>
+                                    </a:rPr>
+                                  </m:ctrlPr>
+                                </m:sSubPr>
+                                <m:e>
+                                  <m:r>
+                                    <a:rPr lang="hu-HU" b="0" i="1" smtClean="0">
+                                      <a:latin typeface="Cambria Math" panose="02040503050406030204" pitchFamily="18" charset="0"/>
+                                    </a:rPr>
+                                    <m:t>𝜃</m:t>
+                                  </m:r>
+                                </m:e>
+                                <m:sub>
+                                  <m:r>
+                                    <a:rPr lang="en-US" b="0" i="1" smtClean="0">
+                                      <a:latin typeface="Cambria Math" panose="02040503050406030204" pitchFamily="18" charset="0"/>
+                                    </a:rPr>
+                                    <m:t>𝑖</m:t>
+                                  </m:r>
+                                </m:sub>
+                              </m:sSub>
                               <m:r>
                                 <a:rPr lang="hu-HU" b="0" i="1" smtClean="0">
                                   <a:latin typeface="Cambria Math" panose="02040503050406030204" pitchFamily="18" charset="0"/>
@@ -15483,12 +15553,31 @@
                             </m:r>
                           </m:fName>
                           <m:e>
-                            <m:r>
-                              <a:rPr lang="hu-HU" b="0" i="1" smtClean="0">
-                                <a:latin typeface="Cambria Math" panose="02040503050406030204" pitchFamily="18" charset="0"/>
-                              </a:rPr>
-                              <m:t>𝜃</m:t>
-                            </m:r>
+                            <m:sSub>
+                              <m:sSubPr>
+                                <m:ctrlPr>
+                                  <a:rPr lang="en-US" b="0" i="1" smtClean="0">
+                                    <a:latin typeface="Cambria Math" panose="02040503050406030204" pitchFamily="18" charset="0"/>
+                                  </a:rPr>
+                                </m:ctrlPr>
+                              </m:sSubPr>
+                              <m:e>
+                                <m:r>
+                                  <a:rPr lang="hu-HU" b="0" i="1" smtClean="0">
+                                    <a:latin typeface="Cambria Math" panose="02040503050406030204" pitchFamily="18" charset="0"/>
+                                  </a:rPr>
+                                  <m:t>𝜃</m:t>
+                                </m:r>
+                              </m:e>
+                              <m:sub>
+                                <m:r>
+                                  <a:rPr lang="en-US" b="0" i="1" smtClean="0">
+                                    <a:latin typeface="Cambria Math" panose="02040503050406030204" pitchFamily="18" charset="0"/>
+                                  </a:rPr>
+                                  <m:t>𝑖</m:t>
+                                </m:r>
+                              </m:sub>
+                            </m:sSub>
                             <m:r>
                               <a:rPr lang="hu-HU" b="0" i="1" smtClean="0">
                                 <a:latin typeface="Cambria Math" panose="02040503050406030204" pitchFamily="18" charset="0"/>
@@ -15584,7 +15673,7 @@
             </p:txBody>
           </p:sp>
         </mc:Choice>
-        <mc:Fallback xmlns="">
+        <mc:Fallback>
           <p:sp>
             <p:nvSpPr>
               <p:cNvPr id="3" name="Content Placeholder 2">

--- a/PBR_EA_01.pptx
+++ b/PBR_EA_01.pptx
@@ -218,7 +218,7 @@
           <a:p>
             <a:fld id="{3A5A56FF-9D9E-417E-8DB7-17CB8EBF566C}" type="datetimeFigureOut">
               <a:rPr lang="hu-HU" smtClean="0"/>
-              <a:t>2018. 03. 19.</a:t>
+              <a:t>2018. 04. 23.</a:t>
             </a:fld>
             <a:endParaRPr lang="hu-HU"/>
           </a:p>
@@ -1626,7 +1626,7 @@
           <a:p>
             <a:fld id="{EE90FBA0-FEE2-473A-A4B4-051DFD2DB1BD}" type="datetimeFigureOut">
               <a:rPr lang="en-US" smtClean="0"/>
-              <a:t>3/19/2018</a:t>
+              <a:t>4/23/2018</a:t>
             </a:fld>
             <a:endParaRPr lang="en-US"/>
           </a:p>
@@ -1834,7 +1834,7 @@
           <a:p>
             <a:fld id="{EE90FBA0-FEE2-473A-A4B4-051DFD2DB1BD}" type="datetimeFigureOut">
               <a:rPr lang="en-US" smtClean="0"/>
-              <a:t>3/19/2018</a:t>
+              <a:t>4/23/2018</a:t>
             </a:fld>
             <a:endParaRPr lang="en-US"/>
           </a:p>
@@ -2090,7 +2090,7 @@
           <a:p>
             <a:fld id="{EE90FBA0-FEE2-473A-A4B4-051DFD2DB1BD}" type="datetimeFigureOut">
               <a:rPr lang="en-US" smtClean="0"/>
-              <a:t>3/19/2018</a:t>
+              <a:t>4/23/2018</a:t>
             </a:fld>
             <a:endParaRPr lang="en-US"/>
           </a:p>
@@ -2264,7 +2264,7 @@
           <a:p>
             <a:fld id="{EE90FBA0-FEE2-473A-A4B4-051DFD2DB1BD}" type="datetimeFigureOut">
               <a:rPr lang="en-US" smtClean="0"/>
-              <a:t>3/19/2018</a:t>
+              <a:t>4/23/2018</a:t>
             </a:fld>
             <a:endParaRPr lang="en-US"/>
           </a:p>
@@ -2607,7 +2607,7 @@
           <a:p>
             <a:fld id="{EE90FBA0-FEE2-473A-A4B4-051DFD2DB1BD}" type="datetimeFigureOut">
               <a:rPr lang="en-US" smtClean="0"/>
-              <a:t>3/19/2018</a:t>
+              <a:t>4/23/2018</a:t>
             </a:fld>
             <a:endParaRPr lang="en-US"/>
           </a:p>
@@ -2882,7 +2882,7 @@
           <a:p>
             <a:fld id="{EE90FBA0-FEE2-473A-A4B4-051DFD2DB1BD}" type="datetimeFigureOut">
               <a:rPr lang="en-US" smtClean="0"/>
-              <a:t>3/19/2018</a:t>
+              <a:t>4/23/2018</a:t>
             </a:fld>
             <a:endParaRPr lang="en-US"/>
           </a:p>
@@ -3261,7 +3261,7 @@
           <a:p>
             <a:fld id="{EE90FBA0-FEE2-473A-A4B4-051DFD2DB1BD}" type="datetimeFigureOut">
               <a:rPr lang="en-US" smtClean="0"/>
-              <a:t>3/19/2018</a:t>
+              <a:t>4/23/2018</a:t>
             </a:fld>
             <a:endParaRPr lang="en-US"/>
           </a:p>
@@ -3379,7 +3379,7 @@
           <a:p>
             <a:fld id="{EE90FBA0-FEE2-473A-A4B4-051DFD2DB1BD}" type="datetimeFigureOut">
               <a:rPr lang="en-US" smtClean="0"/>
-              <a:t>3/19/2018</a:t>
+              <a:t>4/23/2018</a:t>
             </a:fld>
             <a:endParaRPr lang="en-US"/>
           </a:p>
@@ -3550,7 +3550,7 @@
           <a:p>
             <a:fld id="{EE90FBA0-FEE2-473A-A4B4-051DFD2DB1BD}" type="datetimeFigureOut">
               <a:rPr lang="en-US" smtClean="0"/>
-              <a:t>3/19/2018</a:t>
+              <a:t>4/23/2018</a:t>
             </a:fld>
             <a:endParaRPr lang="en-US"/>
           </a:p>
@@ -3904,7 +3904,7 @@
           <a:p>
             <a:fld id="{EE90FBA0-FEE2-473A-A4B4-051DFD2DB1BD}" type="datetimeFigureOut">
               <a:rPr lang="en-US" smtClean="0"/>
-              <a:t>3/19/2018</a:t>
+              <a:t>4/23/2018</a:t>
             </a:fld>
             <a:endParaRPr lang="en-US"/>
           </a:p>
@@ -4286,7 +4286,7 @@
           <a:p>
             <a:fld id="{EE90FBA0-FEE2-473A-A4B4-051DFD2DB1BD}" type="datetimeFigureOut">
               <a:rPr lang="en-US" smtClean="0"/>
-              <a:t>3/19/2018</a:t>
+              <a:t>4/23/2018</a:t>
             </a:fld>
             <a:endParaRPr lang="en-US"/>
           </a:p>
@@ -4573,7 +4573,7 @@
           <a:p>
             <a:fld id="{EE90FBA0-FEE2-473A-A4B4-051DFD2DB1BD}" type="datetimeFigureOut">
               <a:rPr lang="en-US" smtClean="0"/>
-              <a:t>3/19/2018</a:t>
+              <a:t>4/23/2018</a:t>
             </a:fld>
             <a:endParaRPr lang="en-US"/>
           </a:p>
@@ -5249,8 +5249,8 @@
           </a:p>
         </p:txBody>
       </p:sp>
-      <mc:AlternateContent xmlns:mc="http://schemas.openxmlformats.org/markup-compatibility/2006">
-        <mc:Choice xmlns:a14="http://schemas.microsoft.com/office/drawing/2010/main" Requires="a14">
+      <mc:AlternateContent xmlns:mc="http://schemas.openxmlformats.org/markup-compatibility/2006" xmlns:a14="http://schemas.microsoft.com/office/drawing/2010/main">
+        <mc:Choice Requires="a14">
           <p:sp>
             <p:nvSpPr>
               <p:cNvPr id="3" name="Content Placeholder 2">
@@ -6004,7 +6004,7 @@
             </p:txBody>
           </p:sp>
         </mc:Choice>
-        <mc:Fallback>
+        <mc:Fallback xmlns="">
           <p:sp>
             <p:nvSpPr>
               <p:cNvPr id="3" name="Content Placeholder 2">
@@ -9035,8 +9035,8 @@
           </a:p>
         </p:txBody>
       </p:sp>
-      <mc:AlternateContent xmlns:mc="http://schemas.openxmlformats.org/markup-compatibility/2006">
-        <mc:Choice xmlns:a14="http://schemas.microsoft.com/office/drawing/2010/main" Requires="a14">
+      <mc:AlternateContent xmlns:mc="http://schemas.openxmlformats.org/markup-compatibility/2006" xmlns:a14="http://schemas.microsoft.com/office/drawing/2010/main">
+        <mc:Choice Requires="a14">
           <p:sp>
             <p:nvSpPr>
               <p:cNvPr id="3" name="Content Placeholder 2">
@@ -9868,7 +9868,7 @@
             </p:txBody>
           </p:sp>
         </mc:Choice>
-        <mc:Fallback>
+        <mc:Fallback xmlns="">
           <p:sp>
             <p:nvSpPr>
               <p:cNvPr id="3" name="Content Placeholder 2">
@@ -13914,8 +13914,8 @@
           </a:p>
         </p:txBody>
       </p:sp>
-      <mc:AlternateContent xmlns:mc="http://schemas.openxmlformats.org/markup-compatibility/2006">
-        <mc:Choice xmlns:a14="http://schemas.microsoft.com/office/drawing/2010/main" Requires="a14">
+      <mc:AlternateContent xmlns:mc="http://schemas.openxmlformats.org/markup-compatibility/2006" xmlns:a14="http://schemas.microsoft.com/office/drawing/2010/main">
+        <mc:Choice Requires="a14">
           <p:sp>
             <p:nvSpPr>
               <p:cNvPr id="3" name="Content Placeholder 2">
@@ -14516,7 +14516,7 @@
             </p:txBody>
           </p:sp>
         </mc:Choice>
-        <mc:Fallback>
+        <mc:Fallback xmlns="">
           <p:sp>
             <p:nvSpPr>
               <p:cNvPr id="3" name="Content Placeholder 2">
@@ -14651,44 +14651,85 @@
                 </a:r>
                 <a:r>
                   <a:rPr lang="hu-HU" dirty="0"/>
-                  <a:t>elhagyó radiancia és a felületre </a:t>
-                </a:r>
-                <a:r>
-                  <a:rPr lang="en-US" b="1" dirty="0" err="1"/>
+                  <a:t>elhagyó radiancia és a felületre beérkező </a:t>
+                </a:r>
+                <a:r>
+                  <a:rPr lang="hu-HU" b="1" dirty="0"/>
+                  <a:t>differenciális irradiancia</a:t>
+                </a:r>
+                <a:r>
+                  <a:rPr lang="hu-HU" dirty="0"/>
+                  <a:t> aránya </a:t>
+                </a:r>
+                <a:r>
+                  <a:rPr lang="en-US" dirty="0"/>
+                  <a:t>(</a:t>
+                </a:r>
+                <a:r>
+                  <a:rPr lang="en-US" dirty="0" err="1"/>
                   <a:t>minden</a:t>
-                </a:r>
-                <a:r>
-                  <a:rPr lang="en-US" b="1" dirty="0"/>
-                  <a:t> </a:t>
-                </a:r>
-                <a:r>
-                  <a:rPr lang="en-US" b="1" dirty="0" err="1"/>
-                  <a:t>irányból</a:t>
                 </a:r>
                 <a:r>
                   <a:rPr lang="en-US" dirty="0"/>
                   <a:t> </a:t>
                 </a:r>
                 <a:r>
-                  <a:rPr lang="hu-HU" dirty="0"/>
-                  <a:t>beérkező </a:t>
-                </a:r>
-                <a:r>
-                  <a:rPr lang="hu-HU" b="1" dirty="0"/>
-                  <a:t>differenciális irradiancia</a:t>
-                </a:r>
-                <a:r>
-                  <a:rPr lang="hu-HU" dirty="0"/>
-                  <a:t> aránya (</a:t>
-                </a:r>
-                <a:r>
-                  <a:rPr lang="hu-HU" i="1" dirty="0"/>
-                  <a:t>feladvány: miért kell a delta?</a:t>
-                </a:r>
-                <a:r>
-                  <a:rPr lang="hu-HU" dirty="0"/>
-                  <a:t>)</a:t>
-                </a:r>
+                  <a:rPr lang="en-US" dirty="0" err="1"/>
+                  <a:t>beérkező</a:t>
+                </a:r>
+                <a:r>
+                  <a:rPr lang="en-US" dirty="0"/>
+                  <a:t> </a:t>
+                </a:r>
+                <a:r>
+                  <a:rPr lang="en-US" dirty="0" err="1"/>
+                  <a:t>irányra</a:t>
+                </a:r>
+                <a:r>
+                  <a:rPr lang="en-US" dirty="0"/>
+                  <a:t> </a:t>
+                </a:r>
+                <a:r>
+                  <a:rPr lang="en-US" dirty="0" err="1"/>
+                  <a:t>kiszámolva</a:t>
+                </a:r>
+                <a:r>
+                  <a:rPr lang="en-US" dirty="0"/>
+                  <a:t> → </a:t>
+                </a:r>
+                <a:r>
+                  <a:rPr lang="en-US" dirty="0" err="1"/>
+                  <a:t>skalármező</a:t>
+                </a:r>
+                <a:r>
+                  <a:rPr lang="en-US" dirty="0"/>
+                  <a:t>). </a:t>
+                </a:r>
+                <a:r>
+                  <a:rPr lang="en-US" i="1" dirty="0" err="1"/>
+                  <a:t>Feladvány</a:t>
+                </a:r>
+                <a:r>
+                  <a:rPr lang="en-US" i="1" dirty="0"/>
+                  <a:t>: </a:t>
+                </a:r>
+                <a:r>
+                  <a:rPr lang="en-US" i="1" dirty="0" err="1"/>
+                  <a:t>miért</a:t>
+                </a:r>
+                <a:r>
+                  <a:rPr lang="en-US" i="1" dirty="0"/>
+                  <a:t> </a:t>
+                </a:r>
+                <a:r>
+                  <a:rPr lang="en-US" i="1" dirty="0" err="1"/>
+                  <a:t>kell</a:t>
+                </a:r>
+                <a:r>
+                  <a:rPr lang="en-US" i="1" dirty="0"/>
+                  <a:t> a delta?</a:t>
+                </a:r>
+                <a:endParaRPr lang="hu-HU" i="1" dirty="0"/>
               </a:p>
               <a:p>
                 <a:pPr marL="0" indent="0" algn="ctr">

--- a/PBR_EA_01.pptx
+++ b/PBR_EA_01.pptx
@@ -218,7 +218,7 @@
           <a:p>
             <a:fld id="{3A5A56FF-9D9E-417E-8DB7-17CB8EBF566C}" type="datetimeFigureOut">
               <a:rPr lang="hu-HU" smtClean="0"/>
-              <a:t>2018. 04. 23.</a:t>
+              <a:t>2018. 04. 26.</a:t>
             </a:fld>
             <a:endParaRPr lang="hu-HU"/>
           </a:p>
@@ -1626,7 +1626,7 @@
           <a:p>
             <a:fld id="{EE90FBA0-FEE2-473A-A4B4-051DFD2DB1BD}" type="datetimeFigureOut">
               <a:rPr lang="en-US" smtClean="0"/>
-              <a:t>4/23/2018</a:t>
+              <a:t>4/26/2018</a:t>
             </a:fld>
             <a:endParaRPr lang="en-US"/>
           </a:p>
@@ -1834,7 +1834,7 @@
           <a:p>
             <a:fld id="{EE90FBA0-FEE2-473A-A4B4-051DFD2DB1BD}" type="datetimeFigureOut">
               <a:rPr lang="en-US" smtClean="0"/>
-              <a:t>4/23/2018</a:t>
+              <a:t>4/26/2018</a:t>
             </a:fld>
             <a:endParaRPr lang="en-US"/>
           </a:p>
@@ -2090,7 +2090,7 @@
           <a:p>
             <a:fld id="{EE90FBA0-FEE2-473A-A4B4-051DFD2DB1BD}" type="datetimeFigureOut">
               <a:rPr lang="en-US" smtClean="0"/>
-              <a:t>4/23/2018</a:t>
+              <a:t>4/26/2018</a:t>
             </a:fld>
             <a:endParaRPr lang="en-US"/>
           </a:p>
@@ -2264,7 +2264,7 @@
           <a:p>
             <a:fld id="{EE90FBA0-FEE2-473A-A4B4-051DFD2DB1BD}" type="datetimeFigureOut">
               <a:rPr lang="en-US" smtClean="0"/>
-              <a:t>4/23/2018</a:t>
+              <a:t>4/26/2018</a:t>
             </a:fld>
             <a:endParaRPr lang="en-US"/>
           </a:p>
@@ -2607,7 +2607,7 @@
           <a:p>
             <a:fld id="{EE90FBA0-FEE2-473A-A4B4-051DFD2DB1BD}" type="datetimeFigureOut">
               <a:rPr lang="en-US" smtClean="0"/>
-              <a:t>4/23/2018</a:t>
+              <a:t>4/26/2018</a:t>
             </a:fld>
             <a:endParaRPr lang="en-US"/>
           </a:p>
@@ -2882,7 +2882,7 @@
           <a:p>
             <a:fld id="{EE90FBA0-FEE2-473A-A4B4-051DFD2DB1BD}" type="datetimeFigureOut">
               <a:rPr lang="en-US" smtClean="0"/>
-              <a:t>4/23/2018</a:t>
+              <a:t>4/26/2018</a:t>
             </a:fld>
             <a:endParaRPr lang="en-US"/>
           </a:p>
@@ -3261,7 +3261,7 @@
           <a:p>
             <a:fld id="{EE90FBA0-FEE2-473A-A4B4-051DFD2DB1BD}" type="datetimeFigureOut">
               <a:rPr lang="en-US" smtClean="0"/>
-              <a:t>4/23/2018</a:t>
+              <a:t>4/26/2018</a:t>
             </a:fld>
             <a:endParaRPr lang="en-US"/>
           </a:p>
@@ -3379,7 +3379,7 @@
           <a:p>
             <a:fld id="{EE90FBA0-FEE2-473A-A4B4-051DFD2DB1BD}" type="datetimeFigureOut">
               <a:rPr lang="en-US" smtClean="0"/>
-              <a:t>4/23/2018</a:t>
+              <a:t>4/26/2018</a:t>
             </a:fld>
             <a:endParaRPr lang="en-US"/>
           </a:p>
@@ -3550,7 +3550,7 @@
           <a:p>
             <a:fld id="{EE90FBA0-FEE2-473A-A4B4-051DFD2DB1BD}" type="datetimeFigureOut">
               <a:rPr lang="en-US" smtClean="0"/>
-              <a:t>4/23/2018</a:t>
+              <a:t>4/26/2018</a:t>
             </a:fld>
             <a:endParaRPr lang="en-US"/>
           </a:p>
@@ -3904,7 +3904,7 @@
           <a:p>
             <a:fld id="{EE90FBA0-FEE2-473A-A4B4-051DFD2DB1BD}" type="datetimeFigureOut">
               <a:rPr lang="en-US" smtClean="0"/>
-              <a:t>4/23/2018</a:t>
+              <a:t>4/26/2018</a:t>
             </a:fld>
             <a:endParaRPr lang="en-US"/>
           </a:p>
@@ -4286,7 +4286,7 @@
           <a:p>
             <a:fld id="{EE90FBA0-FEE2-473A-A4B4-051DFD2DB1BD}" type="datetimeFigureOut">
               <a:rPr lang="en-US" smtClean="0"/>
-              <a:t>4/23/2018</a:t>
+              <a:t>4/26/2018</a:t>
             </a:fld>
             <a:endParaRPr lang="en-US"/>
           </a:p>
@@ -4573,7 +4573,7 @@
           <a:p>
             <a:fld id="{EE90FBA0-FEE2-473A-A4B4-051DFD2DB1BD}" type="datetimeFigureOut">
               <a:rPr lang="en-US" smtClean="0"/>
-              <a:t>4/23/2018</a:t>
+              <a:t>4/26/2018</a:t>
             </a:fld>
             <a:endParaRPr lang="en-US"/>
           </a:p>
@@ -7553,14 +7553,39 @@
           <a:lstStyle/>
           <a:p>
             <a:r>
+              <a:rPr lang="en-US" dirty="0"/>
+              <a:t>A </a:t>
+            </a:r>
+            <a:r>
               <a:rPr lang="hu-HU" dirty="0"/>
-              <a:t>Cook-Torrance modell (folyt.)</a:t>
-            </a:r>
+              <a:t>Cook-Torrance modell</a:t>
+            </a:r>
+            <a:r>
+              <a:rPr lang="en-US" dirty="0"/>
+              <a:t> (</a:t>
+            </a:r>
+            <a:r>
+              <a:rPr lang="en-US" dirty="0" err="1"/>
+              <a:t>egy</a:t>
+            </a:r>
+            <a:r>
+              <a:rPr lang="en-US" dirty="0"/>
+              <a:t> </a:t>
+            </a:r>
+            <a:r>
+              <a:rPr lang="en-US" dirty="0" err="1"/>
+              <a:t>megoldása</a:t>
+            </a:r>
+            <a:r>
+              <a:rPr lang="en-US" dirty="0"/>
+              <a:t>)</a:t>
+            </a:r>
+            <a:endParaRPr lang="hu-HU" dirty="0"/>
           </a:p>
         </p:txBody>
       </p:sp>
-      <mc:AlternateContent xmlns:mc="http://schemas.openxmlformats.org/markup-compatibility/2006" xmlns:a14="http://schemas.microsoft.com/office/drawing/2010/main">
-        <mc:Choice Requires="a14">
+      <mc:AlternateContent xmlns:mc="http://schemas.openxmlformats.org/markup-compatibility/2006">
+        <mc:Choice xmlns:a14="http://schemas.microsoft.com/office/drawing/2010/main" Requires="a14">
           <p:sp>
             <p:nvSpPr>
               <p:cNvPr id="3" name="Content Placeholder 2">
@@ -7593,10 +7618,6 @@
                   <a:buFont typeface="Wingdings" panose="05000000000000000000" pitchFamily="2" charset="2"/>
                   <a:buChar char="§"/>
                 </a:pPr>
-                <a:r>
-                  <a:rPr lang="hu-HU" dirty="0"/>
-                  <a:t>Magyarázatok nélkül; </a:t>
-                </a:r>
                 <a14:m>
                   <m:oMath xmlns:m="http://schemas.openxmlformats.org/officeDocument/2006/math">
                     <m:r>
@@ -8688,7 +8709,7 @@
             </p:txBody>
           </p:sp>
         </mc:Choice>
-        <mc:Fallback xmlns="">
+        <mc:Fallback>
           <p:sp>
             <p:nvSpPr>
               <p:cNvPr id="3" name="Content Placeholder 2">
@@ -14614,8 +14635,8 @@
           </a:p>
         </p:txBody>
       </p:sp>
-      <mc:AlternateContent xmlns:mc="http://schemas.openxmlformats.org/markup-compatibility/2006">
-        <mc:Choice xmlns:a14="http://schemas.microsoft.com/office/drawing/2010/main" Requires="a14">
+      <mc:AlternateContent xmlns:mc="http://schemas.openxmlformats.org/markup-compatibility/2006" xmlns:a14="http://schemas.microsoft.com/office/drawing/2010/main">
+        <mc:Choice Requires="a14">
           <p:sp>
             <p:nvSpPr>
               <p:cNvPr id="3" name="Content Placeholder 2">
@@ -15714,7 +15735,7 @@
             </p:txBody>
           </p:sp>
         </mc:Choice>
-        <mc:Fallback>
+        <mc:Fallback xmlns="">
           <p:sp>
             <p:nvSpPr>
               <p:cNvPr id="3" name="Content Placeholder 2">

--- a/PBR_EA_01.pptx
+++ b/PBR_EA_01.pptx
@@ -218,7 +218,7 @@
           <a:p>
             <a:fld id="{3A5A56FF-9D9E-417E-8DB7-17CB8EBF566C}" type="datetimeFigureOut">
               <a:rPr lang="hu-HU" smtClean="0"/>
-              <a:t>2018. 04. 26.</a:t>
+              <a:t>2018. 05. 04.</a:t>
             </a:fld>
             <a:endParaRPr lang="hu-HU"/>
           </a:p>
@@ -1626,7 +1626,7 @@
           <a:p>
             <a:fld id="{EE90FBA0-FEE2-473A-A4B4-051DFD2DB1BD}" type="datetimeFigureOut">
               <a:rPr lang="en-US" smtClean="0"/>
-              <a:t>4/26/2018</a:t>
+              <a:t>5/4/2018</a:t>
             </a:fld>
             <a:endParaRPr lang="en-US"/>
           </a:p>
@@ -1834,7 +1834,7 @@
           <a:p>
             <a:fld id="{EE90FBA0-FEE2-473A-A4B4-051DFD2DB1BD}" type="datetimeFigureOut">
               <a:rPr lang="en-US" smtClean="0"/>
-              <a:t>4/26/2018</a:t>
+              <a:t>5/4/2018</a:t>
             </a:fld>
             <a:endParaRPr lang="en-US"/>
           </a:p>
@@ -2090,7 +2090,7 @@
           <a:p>
             <a:fld id="{EE90FBA0-FEE2-473A-A4B4-051DFD2DB1BD}" type="datetimeFigureOut">
               <a:rPr lang="en-US" smtClean="0"/>
-              <a:t>4/26/2018</a:t>
+              <a:t>5/4/2018</a:t>
             </a:fld>
             <a:endParaRPr lang="en-US"/>
           </a:p>
@@ -2264,7 +2264,7 @@
           <a:p>
             <a:fld id="{EE90FBA0-FEE2-473A-A4B4-051DFD2DB1BD}" type="datetimeFigureOut">
               <a:rPr lang="en-US" smtClean="0"/>
-              <a:t>4/26/2018</a:t>
+              <a:t>5/4/2018</a:t>
             </a:fld>
             <a:endParaRPr lang="en-US"/>
           </a:p>
@@ -2607,7 +2607,7 @@
           <a:p>
             <a:fld id="{EE90FBA0-FEE2-473A-A4B4-051DFD2DB1BD}" type="datetimeFigureOut">
               <a:rPr lang="en-US" smtClean="0"/>
-              <a:t>4/26/2018</a:t>
+              <a:t>5/4/2018</a:t>
             </a:fld>
             <a:endParaRPr lang="en-US"/>
           </a:p>
@@ -2882,7 +2882,7 @@
           <a:p>
             <a:fld id="{EE90FBA0-FEE2-473A-A4B4-051DFD2DB1BD}" type="datetimeFigureOut">
               <a:rPr lang="en-US" smtClean="0"/>
-              <a:t>4/26/2018</a:t>
+              <a:t>5/4/2018</a:t>
             </a:fld>
             <a:endParaRPr lang="en-US"/>
           </a:p>
@@ -3261,7 +3261,7 @@
           <a:p>
             <a:fld id="{EE90FBA0-FEE2-473A-A4B4-051DFD2DB1BD}" type="datetimeFigureOut">
               <a:rPr lang="en-US" smtClean="0"/>
-              <a:t>4/26/2018</a:t>
+              <a:t>5/4/2018</a:t>
             </a:fld>
             <a:endParaRPr lang="en-US"/>
           </a:p>
@@ -3379,7 +3379,7 @@
           <a:p>
             <a:fld id="{EE90FBA0-FEE2-473A-A4B4-051DFD2DB1BD}" type="datetimeFigureOut">
               <a:rPr lang="en-US" smtClean="0"/>
-              <a:t>4/26/2018</a:t>
+              <a:t>5/4/2018</a:t>
             </a:fld>
             <a:endParaRPr lang="en-US"/>
           </a:p>
@@ -3550,7 +3550,7 @@
           <a:p>
             <a:fld id="{EE90FBA0-FEE2-473A-A4B4-051DFD2DB1BD}" type="datetimeFigureOut">
               <a:rPr lang="en-US" smtClean="0"/>
-              <a:t>4/26/2018</a:t>
+              <a:t>5/4/2018</a:t>
             </a:fld>
             <a:endParaRPr lang="en-US"/>
           </a:p>
@@ -3904,7 +3904,7 @@
           <a:p>
             <a:fld id="{EE90FBA0-FEE2-473A-A4B4-051DFD2DB1BD}" type="datetimeFigureOut">
               <a:rPr lang="en-US" smtClean="0"/>
-              <a:t>4/26/2018</a:t>
+              <a:t>5/4/2018</a:t>
             </a:fld>
             <a:endParaRPr lang="en-US"/>
           </a:p>
@@ -4286,7 +4286,7 @@
           <a:p>
             <a:fld id="{EE90FBA0-FEE2-473A-A4B4-051DFD2DB1BD}" type="datetimeFigureOut">
               <a:rPr lang="en-US" smtClean="0"/>
-              <a:t>4/26/2018</a:t>
+              <a:t>5/4/2018</a:t>
             </a:fld>
             <a:endParaRPr lang="en-US"/>
           </a:p>
@@ -4573,7 +4573,7 @@
           <a:p>
             <a:fld id="{EE90FBA0-FEE2-473A-A4B4-051DFD2DB1BD}" type="datetimeFigureOut">
               <a:rPr lang="en-US" smtClean="0"/>
-              <a:t>4/26/2018</a:t>
+              <a:t>5/4/2018</a:t>
             </a:fld>
             <a:endParaRPr lang="en-US"/>
           </a:p>
@@ -5249,8 +5249,8 @@
           </a:p>
         </p:txBody>
       </p:sp>
-      <mc:AlternateContent xmlns:mc="http://schemas.openxmlformats.org/markup-compatibility/2006" xmlns:a14="http://schemas.microsoft.com/office/drawing/2010/main">
-        <mc:Choice Requires="a14">
+      <mc:AlternateContent xmlns:mc="http://schemas.openxmlformats.org/markup-compatibility/2006">
+        <mc:Choice xmlns:a14="http://schemas.microsoft.com/office/drawing/2010/main" Requires="a14">
           <p:sp>
             <p:nvSpPr>
               <p:cNvPr id="3" name="Content Placeholder 2">
@@ -5396,7 +5396,6 @@
                       </m:r>
                       <m:nary>
                         <m:naryPr>
-                          <m:limLoc m:val="undOvr"/>
                           <m:ctrlPr>
                             <a:rPr lang="hu-HU" b="0" i="1" smtClean="0">
                               <a:latin typeface="Cambria Math" panose="02040503050406030204" pitchFamily="18" charset="0"/>
@@ -5408,7 +5407,7 @@
                             <m:rPr>
                               <m:sty m:val="p"/>
                             </m:rPr>
-                            <a:rPr lang="hu-HU" b="0" i="0" smtClean="0">
+                            <a:rPr lang="en-US" b="0" i="0" smtClean="0">
                               <a:latin typeface="Cambria Math" panose="02040503050406030204" pitchFamily="18" charset="0"/>
                             </a:rPr>
                             <m:t>Ω</m:t>
@@ -5416,7 +5415,7 @@
                         </m:sub>
                         <m:sup>
                           <m:r>
-                            <a:rPr lang="hu-HU" b="0" i="1" smtClean="0">
+                            <a:rPr lang="en-US" b="0" i="1" smtClean="0">
                               <a:latin typeface="Cambria Math" panose="02040503050406030204" pitchFamily="18" charset="0"/>
                             </a:rPr>
                             <m:t> </m:t>
@@ -5426,14 +5425,14 @@
                           <m:sSub>
                             <m:sSubPr>
                               <m:ctrlPr>
-                                <a:rPr lang="hu-HU" b="0" i="1" smtClean="0">
+                                <a:rPr lang="hu-HU" i="1">
                                   <a:latin typeface="Cambria Math" panose="02040503050406030204" pitchFamily="18" charset="0"/>
                                 </a:rPr>
                               </m:ctrlPr>
                             </m:sSubPr>
                             <m:e>
                               <m:r>
-                                <a:rPr lang="hu-HU" b="0" i="1" smtClean="0">
+                                <a:rPr lang="hu-HU" i="1">
                                   <a:latin typeface="Cambria Math" panose="02040503050406030204" pitchFamily="18" charset="0"/>
                                 </a:rPr>
                                 <m:t>𝑓</m:t>
@@ -5441,7 +5440,7 @@
                             </m:e>
                             <m:sub>
                               <m:r>
-                                <a:rPr lang="hu-HU" b="0" i="1" smtClean="0">
+                                <a:rPr lang="hu-HU" i="1">
                                   <a:latin typeface="Cambria Math" panose="02040503050406030204" pitchFamily="18" charset="0"/>
                                 </a:rPr>
                                 <m:t>𝑟</m:t>
@@ -5451,7 +5450,7 @@
                           <m:d>
                             <m:dPr>
                               <m:ctrlPr>
-                                <a:rPr lang="hu-HU" b="0" i="1" smtClean="0">
+                                <a:rPr lang="hu-HU" i="1">
                                   <a:latin typeface="Cambria Math" panose="02040503050406030204" pitchFamily="18" charset="0"/>
                                 </a:rPr>
                               </m:ctrlPr>
@@ -5460,14 +5459,14 @@
                               <m:sSub>
                                 <m:sSubPr>
                                   <m:ctrlPr>
-                                    <a:rPr lang="hu-HU" b="0" i="1" smtClean="0">
+                                    <a:rPr lang="hu-HU" i="1">
                                       <a:latin typeface="Cambria Math" panose="02040503050406030204" pitchFamily="18" charset="0"/>
                                     </a:rPr>
                                   </m:ctrlPr>
                                 </m:sSubPr>
                                 <m:e>
                                   <m:r>
-                                    <a:rPr lang="hu-HU" b="0" i="1" smtClean="0">
+                                    <a:rPr lang="hu-HU" i="1">
                                       <a:latin typeface="Cambria Math" panose="02040503050406030204" pitchFamily="18" charset="0"/>
                                     </a:rPr>
                                     <m:t>𝜔</m:t>
@@ -5475,7 +5474,7 @@
                                 </m:e>
                                 <m:sub>
                                   <m:r>
-                                    <a:rPr lang="hu-HU" b="0" i="1" smtClean="0">
+                                    <a:rPr lang="hu-HU" i="1">
                                       <a:latin typeface="Cambria Math" panose="02040503050406030204" pitchFamily="18" charset="0"/>
                                     </a:rPr>
                                     <m:t>𝑜</m:t>
@@ -5483,7 +5482,7 @@
                                 </m:sub>
                               </m:sSub>
                               <m:r>
-                                <a:rPr lang="hu-HU" b="0" i="1" smtClean="0">
+                                <a:rPr lang="hu-HU" i="1">
                                   <a:latin typeface="Cambria Math" panose="02040503050406030204" pitchFamily="18" charset="0"/>
                                 </a:rPr>
                                 <m:t>, </m:t>
@@ -5491,14 +5490,14 @@
                               <m:sSub>
                                 <m:sSubPr>
                                   <m:ctrlPr>
-                                    <a:rPr lang="hu-HU" b="0" i="1" smtClean="0">
+                                    <a:rPr lang="hu-HU" i="1">
                                       <a:latin typeface="Cambria Math" panose="02040503050406030204" pitchFamily="18" charset="0"/>
                                     </a:rPr>
                                   </m:ctrlPr>
                                 </m:sSubPr>
                                 <m:e>
                                   <m:r>
-                                    <a:rPr lang="hu-HU" b="0" i="1" smtClean="0">
+                                    <a:rPr lang="hu-HU" i="1">
                                       <a:latin typeface="Cambria Math" panose="02040503050406030204" pitchFamily="18" charset="0"/>
                                     </a:rPr>
                                     <m:t>𝜔</m:t>
@@ -5506,7 +5505,7 @@
                                 </m:e>
                                 <m:sub>
                                   <m:r>
-                                    <a:rPr lang="hu-HU" b="0" i="1" smtClean="0">
+                                    <a:rPr lang="hu-HU" i="1">
                                       <a:latin typeface="Cambria Math" panose="02040503050406030204" pitchFamily="18" charset="0"/>
                                     </a:rPr>
                                     <m:t>𝑖</m:t>
@@ -5516,7 +5515,7 @@
                             </m:e>
                           </m:d>
                           <m:r>
-                            <a:rPr lang="hu-HU" b="0" i="1" smtClean="0">
+                            <a:rPr lang="hu-HU" i="1">
                               <a:latin typeface="Cambria Math" panose="02040503050406030204" pitchFamily="18" charset="0"/>
                             </a:rPr>
                             <m:t> </m:t>
@@ -5524,14 +5523,14 @@
                           <m:sSub>
                             <m:sSubPr>
                               <m:ctrlPr>
-                                <a:rPr lang="hu-HU" b="0" i="1" smtClean="0">
+                                <a:rPr lang="hu-HU" i="1">
                                   <a:latin typeface="Cambria Math" panose="02040503050406030204" pitchFamily="18" charset="0"/>
                                 </a:rPr>
                               </m:ctrlPr>
                             </m:sSubPr>
                             <m:e>
                               <m:r>
-                                <a:rPr lang="hu-HU" b="0" i="1" smtClean="0">
+                                <a:rPr lang="hu-HU" i="1">
                                   <a:latin typeface="Cambria Math" panose="02040503050406030204" pitchFamily="18" charset="0"/>
                                 </a:rPr>
                                 <m:t>𝐿</m:t>
@@ -5539,7 +5538,7 @@
                             </m:e>
                             <m:sub>
                               <m:r>
-                                <a:rPr lang="hu-HU" b="0" i="1" smtClean="0">
+                                <a:rPr lang="hu-HU" i="1">
                                   <a:latin typeface="Cambria Math" panose="02040503050406030204" pitchFamily="18" charset="0"/>
                                 </a:rPr>
                                 <m:t>𝑖</m:t>
@@ -5549,7 +5548,7 @@
                           <m:d>
                             <m:dPr>
                               <m:ctrlPr>
-                                <a:rPr lang="hu-HU" b="0" i="1" smtClean="0">
+                                <a:rPr lang="hu-HU" i="1">
                                   <a:latin typeface="Cambria Math" panose="02040503050406030204" pitchFamily="18" charset="0"/>
                                 </a:rPr>
                               </m:ctrlPr>
@@ -5558,14 +5557,14 @@
                               <m:sSub>
                                 <m:sSubPr>
                                   <m:ctrlPr>
-                                    <a:rPr lang="hu-HU" b="0" i="1" smtClean="0">
+                                    <a:rPr lang="hu-HU" i="1">
                                       <a:latin typeface="Cambria Math" panose="02040503050406030204" pitchFamily="18" charset="0"/>
                                     </a:rPr>
                                   </m:ctrlPr>
                                 </m:sSubPr>
                                 <m:e>
                                   <m:r>
-                                    <a:rPr lang="hu-HU" b="0" i="1" smtClean="0">
+                                    <a:rPr lang="hu-HU" i="1">
                                       <a:latin typeface="Cambria Math" panose="02040503050406030204" pitchFamily="18" charset="0"/>
                                     </a:rPr>
                                     <m:t>𝜔</m:t>
@@ -5573,7 +5572,7 @@
                                 </m:e>
                                 <m:sub>
                                   <m:r>
-                                    <a:rPr lang="hu-HU" b="0" i="1" smtClean="0">
+                                    <a:rPr lang="hu-HU" i="1">
                                       <a:latin typeface="Cambria Math" panose="02040503050406030204" pitchFamily="18" charset="0"/>
                                     </a:rPr>
                                     <m:t>𝑖</m:t>
@@ -5585,7 +5584,7 @@
                           <m:func>
                             <m:funcPr>
                               <m:ctrlPr>
-                                <a:rPr lang="hu-HU" b="0" i="1" smtClean="0">
+                                <a:rPr lang="hu-HU" i="1">
                                   <a:latin typeface="Cambria Math" panose="02040503050406030204" pitchFamily="18" charset="0"/>
                                 </a:rPr>
                               </m:ctrlPr>
@@ -5595,7 +5594,7 @@
                                 <m:rPr>
                                   <m:sty m:val="p"/>
                                 </m:rPr>
-                                <a:rPr lang="hu-HU" b="0" i="0" smtClean="0">
+                                <a:rPr lang="hu-HU">
                                   <a:latin typeface="Cambria Math" panose="02040503050406030204" pitchFamily="18" charset="0"/>
                                 </a:rPr>
                                 <m:t>cos</m:t>
@@ -5605,14 +5604,14 @@
                               <m:sSub>
                                 <m:sSubPr>
                                   <m:ctrlPr>
-                                    <a:rPr lang="en-US" b="0" i="1" smtClean="0">
+                                    <a:rPr lang="en-US" i="1">
                                       <a:latin typeface="Cambria Math" panose="02040503050406030204" pitchFamily="18" charset="0"/>
                                     </a:rPr>
                                   </m:ctrlPr>
                                 </m:sSubPr>
                                 <m:e>
                                   <m:r>
-                                    <a:rPr lang="hu-HU" b="0" i="1" smtClean="0">
+                                    <a:rPr lang="hu-HU" i="1">
                                       <a:latin typeface="Cambria Math" panose="02040503050406030204" pitchFamily="18" charset="0"/>
                                     </a:rPr>
                                     <m:t>𝜃</m:t>
@@ -5620,7 +5619,7 @@
                                 </m:e>
                                 <m:sub>
                                   <m:r>
-                                    <a:rPr lang="en-US" b="0" i="1" smtClean="0">
+                                    <a:rPr lang="en-US" i="1">
                                       <a:latin typeface="Cambria Math" panose="02040503050406030204" pitchFamily="18" charset="0"/>
                                     </a:rPr>
                                     <m:t>𝑖</m:t>
@@ -5628,13 +5627,13 @@
                                 </m:sub>
                               </m:sSub>
                               <m:r>
-                                <a:rPr lang="hu-HU" b="0" i="1" smtClean="0">
+                                <a:rPr lang="hu-HU" i="1">
                                   <a:latin typeface="Cambria Math" panose="02040503050406030204" pitchFamily="18" charset="0"/>
                                 </a:rPr>
                                 <m:t> </m:t>
                               </m:r>
                               <m:r>
-                                <a:rPr lang="hu-HU" b="0" i="1" smtClean="0">
+                                <a:rPr lang="hu-HU" i="1">
                                   <a:latin typeface="Cambria Math" panose="02040503050406030204" pitchFamily="18" charset="0"/>
                                 </a:rPr>
                                 <m:t>𝑑</m:t>
@@ -5642,14 +5641,14 @@
                               <m:sSub>
                                 <m:sSubPr>
                                   <m:ctrlPr>
-                                    <a:rPr lang="en-US" b="0" i="1" smtClean="0">
+                                    <a:rPr lang="en-US" i="1">
                                       <a:latin typeface="Cambria Math" panose="02040503050406030204" pitchFamily="18" charset="0"/>
                                     </a:rPr>
                                   </m:ctrlPr>
                                 </m:sSubPr>
                                 <m:e>
                                   <m:r>
-                                    <a:rPr lang="hu-HU" b="0" i="1" smtClean="0">
+                                    <a:rPr lang="hu-HU" i="1">
                                       <a:latin typeface="Cambria Math" panose="02040503050406030204" pitchFamily="18" charset="0"/>
                                     </a:rPr>
                                     <m:t>𝜔</m:t>
@@ -5657,7 +5656,7 @@
                                 </m:e>
                                 <m:sub>
                                   <m:r>
-                                    <a:rPr lang="en-US" b="0" i="1" smtClean="0">
+                                    <a:rPr lang="en-US" i="1">
                                       <a:latin typeface="Cambria Math" panose="02040503050406030204" pitchFamily="18" charset="0"/>
                                     </a:rPr>
                                     <m:t>𝑖</m:t>
@@ -5751,7 +5750,6 @@
                       </m:r>
                       <m:nary>
                         <m:naryPr>
-                          <m:limLoc m:val="undOvr"/>
                           <m:ctrlPr>
                             <a:rPr lang="hu-HU" b="0" i="1" smtClean="0">
                               <a:latin typeface="Cambria Math" panose="02040503050406030204" pitchFamily="18" charset="0"/>
@@ -5763,7 +5761,7 @@
                             <m:rPr>
                               <m:sty m:val="p"/>
                             </m:rPr>
-                            <a:rPr lang="hu-HU" b="0" i="0" smtClean="0">
+                            <a:rPr lang="en-US" b="0" i="0" smtClean="0">
                               <a:latin typeface="Cambria Math" panose="02040503050406030204" pitchFamily="18" charset="0"/>
                             </a:rPr>
                             <m:t>Ω</m:t>
@@ -5771,7 +5769,7 @@
                         </m:sub>
                         <m:sup>
                           <m:r>
-                            <a:rPr lang="hu-HU" b="0" i="1" smtClean="0">
+                            <a:rPr lang="en-US" b="0" i="1" smtClean="0">
                               <a:latin typeface="Cambria Math" panose="02040503050406030204" pitchFamily="18" charset="0"/>
                             </a:rPr>
                             <m:t> </m:t>
@@ -5781,14 +5779,14 @@
                           <m:sSub>
                             <m:sSubPr>
                               <m:ctrlPr>
-                                <a:rPr lang="hu-HU" b="0" i="1" smtClean="0">
+                                <a:rPr lang="hu-HU" i="1">
                                   <a:latin typeface="Cambria Math" panose="02040503050406030204" pitchFamily="18" charset="0"/>
                                 </a:rPr>
                               </m:ctrlPr>
                             </m:sSubPr>
                             <m:e>
                               <m:r>
-                                <a:rPr lang="hu-HU" b="0" i="1" smtClean="0">
+                                <a:rPr lang="hu-HU" i="1">
                                   <a:latin typeface="Cambria Math" panose="02040503050406030204" pitchFamily="18" charset="0"/>
                                 </a:rPr>
                                 <m:t>𝑓</m:t>
@@ -5796,7 +5794,7 @@
                             </m:e>
                             <m:sub>
                               <m:r>
-                                <a:rPr lang="hu-HU" b="0" i="1" smtClean="0">
+                                <a:rPr lang="hu-HU" i="1">
                                   <a:latin typeface="Cambria Math" panose="02040503050406030204" pitchFamily="18" charset="0"/>
                                 </a:rPr>
                                 <m:t>𝑟</m:t>
@@ -5806,26 +5804,26 @@
                           <m:d>
                             <m:dPr>
                               <m:ctrlPr>
-                                <a:rPr lang="hu-HU" b="0" i="1" smtClean="0">
+                                <a:rPr lang="hu-HU" i="1">
                                   <a:latin typeface="Cambria Math" panose="02040503050406030204" pitchFamily="18" charset="0"/>
                                 </a:rPr>
                               </m:ctrlPr>
                             </m:dPr>
                             <m:e>
                               <m:r>
-                                <a:rPr lang="hu-HU" b="1" i="1" smtClean="0">
+                                <a:rPr lang="hu-HU" b="1" i="1">
                                   <a:latin typeface="Cambria Math" panose="02040503050406030204" pitchFamily="18" charset="0"/>
                                 </a:rPr>
                                 <m:t>𝒗</m:t>
                               </m:r>
                               <m:r>
-                                <a:rPr lang="hu-HU" b="0" i="1" smtClean="0">
+                                <a:rPr lang="hu-HU" i="1">
                                   <a:latin typeface="Cambria Math" panose="02040503050406030204" pitchFamily="18" charset="0"/>
                                 </a:rPr>
                                 <m:t>, </m:t>
                               </m:r>
                               <m:r>
-                                <a:rPr lang="hu-HU" b="1" i="1" smtClean="0">
+                                <a:rPr lang="hu-HU" b="1" i="1">
                                   <a:latin typeface="Cambria Math" panose="02040503050406030204" pitchFamily="18" charset="0"/>
                                 </a:rPr>
                                 <m:t>𝒍</m:t>
@@ -5833,7 +5831,7 @@
                             </m:e>
                           </m:d>
                           <m:r>
-                            <a:rPr lang="hu-HU" b="0" i="1" smtClean="0">
+                            <a:rPr lang="hu-HU" i="1">
                               <a:latin typeface="Cambria Math" panose="02040503050406030204" pitchFamily="18" charset="0"/>
                             </a:rPr>
                             <m:t> </m:t>
@@ -5841,14 +5839,14 @@
                           <m:sSub>
                             <m:sSubPr>
                               <m:ctrlPr>
-                                <a:rPr lang="hu-HU" b="0" i="1" smtClean="0">
+                                <a:rPr lang="hu-HU" i="1">
                                   <a:latin typeface="Cambria Math" panose="02040503050406030204" pitchFamily="18" charset="0"/>
                                 </a:rPr>
                               </m:ctrlPr>
                             </m:sSubPr>
                             <m:e>
                               <m:r>
-                                <a:rPr lang="hu-HU" b="0" i="1" smtClean="0">
+                                <a:rPr lang="hu-HU" i="1">
                                   <a:latin typeface="Cambria Math" panose="02040503050406030204" pitchFamily="18" charset="0"/>
                                 </a:rPr>
                                 <m:t>𝐿</m:t>
@@ -5856,7 +5854,7 @@
                             </m:e>
                             <m:sub>
                               <m:r>
-                                <a:rPr lang="hu-HU" b="0" i="1" smtClean="0">
+                                <a:rPr lang="hu-HU" i="1">
                                   <a:latin typeface="Cambria Math" panose="02040503050406030204" pitchFamily="18" charset="0"/>
                                 </a:rPr>
                                 <m:t>𝑖</m:t>
@@ -5866,14 +5864,14 @@
                           <m:d>
                             <m:dPr>
                               <m:ctrlPr>
-                                <a:rPr lang="hu-HU" b="0" i="1" smtClean="0">
+                                <a:rPr lang="hu-HU" i="1">
                                   <a:latin typeface="Cambria Math" panose="02040503050406030204" pitchFamily="18" charset="0"/>
                                 </a:rPr>
                               </m:ctrlPr>
                             </m:dPr>
                             <m:e>
                               <m:r>
-                                <a:rPr lang="hu-HU" b="1" i="1" smtClean="0">
+                                <a:rPr lang="hu-HU" b="1" i="1">
                                   <a:latin typeface="Cambria Math" panose="02040503050406030204" pitchFamily="18" charset="0"/>
                                 </a:rPr>
                                 <m:t>𝒍</m:t>
@@ -5881,49 +5879,49 @@
                             </m:e>
                           </m:d>
                           <m:r>
-                            <a:rPr lang="hu-HU" b="0" i="1" smtClean="0">
+                            <a:rPr lang="hu-HU" i="1">
                               <a:latin typeface="Cambria Math" panose="02040503050406030204" pitchFamily="18" charset="0"/>
                             </a:rPr>
                             <m:t> </m:t>
                           </m:r>
                           <m:r>
-                            <a:rPr lang="hu-HU" b="1" i="1" smtClean="0">
+                            <a:rPr lang="hu-HU" b="1" i="1">
                               <a:latin typeface="Cambria Math" panose="02040503050406030204" pitchFamily="18" charset="0"/>
                             </a:rPr>
                             <m:t>𝒏</m:t>
                           </m:r>
                           <m:r>
-                            <a:rPr lang="hu-HU" b="0" i="1" smtClean="0">
+                            <a:rPr lang="hu-HU" i="1">
                               <a:latin typeface="Cambria Math" panose="02040503050406030204" pitchFamily="18" charset="0"/>
                             </a:rPr>
                             <m:t>⋅</m:t>
                           </m:r>
                           <m:r>
-                            <a:rPr lang="hu-HU" b="1" i="1" smtClean="0">
+                            <a:rPr lang="hu-HU" b="1" i="1">
+                              <a:latin typeface="Cambria Math" panose="02040503050406030204" pitchFamily="18" charset="0"/>
+                            </a:rPr>
+                            <m:t>𝒍</m:t>
+                          </m:r>
+                          <m:r>
+                            <a:rPr lang="en-US" b="1" i="1">
+                              <a:latin typeface="Cambria Math" panose="02040503050406030204" pitchFamily="18" charset="0"/>
+                            </a:rPr>
+                            <m:t> </m:t>
+                          </m:r>
+                          <m:r>
+                            <a:rPr lang="en-US" i="1">
+                              <a:latin typeface="Cambria Math" panose="02040503050406030204" pitchFamily="18" charset="0"/>
+                            </a:rPr>
+                            <m:t>𝑑</m:t>
+                          </m:r>
+                          <m:r>
+                            <a:rPr lang="en-US" b="1" i="1">
                               <a:latin typeface="Cambria Math" panose="02040503050406030204" pitchFamily="18" charset="0"/>
                             </a:rPr>
                             <m:t>𝒍</m:t>
                           </m:r>
                         </m:e>
                       </m:nary>
-                      <m:r>
-                        <a:rPr lang="hu-HU" b="0" i="1" smtClean="0">
-                          <a:latin typeface="Cambria Math" panose="02040503050406030204" pitchFamily="18" charset="0"/>
-                        </a:rPr>
-                        <m:t> </m:t>
-                      </m:r>
-                      <m:r>
-                        <a:rPr lang="hu-HU" b="0" i="1" smtClean="0">
-                          <a:latin typeface="Cambria Math" panose="02040503050406030204" pitchFamily="18" charset="0"/>
-                        </a:rPr>
-                        <m:t>𝑑</m:t>
-                      </m:r>
-                      <m:r>
-                        <a:rPr lang="hu-HU" b="1" i="1" smtClean="0">
-                          <a:latin typeface="Cambria Math" panose="02040503050406030204" pitchFamily="18" charset="0"/>
-                        </a:rPr>
-                        <m:t>𝒍</m:t>
-                      </m:r>
                     </m:oMath>
                   </m:oMathPara>
                 </a14:m>
@@ -6004,7 +6002,7 @@
             </p:txBody>
           </p:sp>
         </mc:Choice>
-        <mc:Fallback xmlns="">
+        <mc:Fallback>
           <p:sp>
             <p:nvSpPr>
               <p:cNvPr id="3" name="Content Placeholder 2">
@@ -7584,8 +7582,8 @@
           </a:p>
         </p:txBody>
       </p:sp>
-      <mc:AlternateContent xmlns:mc="http://schemas.openxmlformats.org/markup-compatibility/2006">
-        <mc:Choice xmlns:a14="http://schemas.microsoft.com/office/drawing/2010/main" Requires="a14">
+      <mc:AlternateContent xmlns:mc="http://schemas.openxmlformats.org/markup-compatibility/2006" xmlns:a14="http://schemas.microsoft.com/office/drawing/2010/main">
+        <mc:Choice Requires="a14">
           <p:sp>
             <p:nvSpPr>
               <p:cNvPr id="3" name="Content Placeholder 2">
@@ -8709,7 +8707,7 @@
             </p:txBody>
           </p:sp>
         </mc:Choice>
-        <mc:Fallback>
+        <mc:Fallback xmlns="">
           <p:sp>
             <p:nvSpPr>
               <p:cNvPr id="3" name="Content Placeholder 2">
